--- a/당뇨환자관리시스템_그림.pptx
+++ b/당뇨환자관리시스템_그림.pptx
@@ -7,6 +7,10 @@
   <p:sldIdLst>
     <p:sldId id="257" r:id="rId2"/>
     <p:sldId id="256" r:id="rId3"/>
+    <p:sldId id="258" r:id="rId4"/>
+    <p:sldId id="259" r:id="rId5"/>
+    <p:sldId id="260" r:id="rId6"/>
+    <p:sldId id="261" r:id="rId7"/>
   </p:sldIdLst>
   <p:sldSz cx="9144000" cy="6858000" type="screen4x3"/>
   <p:notesSz cx="6858000" cy="9144000"/>
@@ -290,7 +294,7 @@
             <a:fld id="{FB30EDBD-1C2D-4C1E-B459-B60219FAB484}" type="datetimeFigureOut">
               <a:rPr lang="ko-KR" altLang="en-US" smtClean="0"/>
               <a:pPr/>
-              <a:t>2017-08-27</a:t>
+              <a:t>2017-09-10</a:t>
             </a:fld>
             <a:endParaRPr lang="ko-KR" altLang="en-US"/>
           </a:p>
@@ -457,7 +461,7 @@
             <a:fld id="{FB30EDBD-1C2D-4C1E-B459-B60219FAB484}" type="datetimeFigureOut">
               <a:rPr lang="ko-KR" altLang="en-US" smtClean="0"/>
               <a:pPr/>
-              <a:t>2017-08-27</a:t>
+              <a:t>2017-09-10</a:t>
             </a:fld>
             <a:endParaRPr lang="ko-KR" altLang="en-US"/>
           </a:p>
@@ -634,7 +638,7 @@
             <a:fld id="{FB30EDBD-1C2D-4C1E-B459-B60219FAB484}" type="datetimeFigureOut">
               <a:rPr lang="ko-KR" altLang="en-US" smtClean="0"/>
               <a:pPr/>
-              <a:t>2017-08-27</a:t>
+              <a:t>2017-09-10</a:t>
             </a:fld>
             <a:endParaRPr lang="ko-KR" altLang="en-US"/>
           </a:p>
@@ -801,7 +805,7 @@
             <a:fld id="{FB30EDBD-1C2D-4C1E-B459-B60219FAB484}" type="datetimeFigureOut">
               <a:rPr lang="ko-KR" altLang="en-US" smtClean="0"/>
               <a:pPr/>
-              <a:t>2017-08-27</a:t>
+              <a:t>2017-09-10</a:t>
             </a:fld>
             <a:endParaRPr lang="ko-KR" altLang="en-US"/>
           </a:p>
@@ -1044,7 +1048,7 @@
             <a:fld id="{FB30EDBD-1C2D-4C1E-B459-B60219FAB484}" type="datetimeFigureOut">
               <a:rPr lang="ko-KR" altLang="en-US" smtClean="0"/>
               <a:pPr/>
-              <a:t>2017-08-27</a:t>
+              <a:t>2017-09-10</a:t>
             </a:fld>
             <a:endParaRPr lang="ko-KR" altLang="en-US"/>
           </a:p>
@@ -1329,7 +1333,7 @@
             <a:fld id="{FB30EDBD-1C2D-4C1E-B459-B60219FAB484}" type="datetimeFigureOut">
               <a:rPr lang="ko-KR" altLang="en-US" smtClean="0"/>
               <a:pPr/>
-              <a:t>2017-08-27</a:t>
+              <a:t>2017-09-10</a:t>
             </a:fld>
             <a:endParaRPr lang="ko-KR" altLang="en-US"/>
           </a:p>
@@ -1748,7 +1752,7 @@
             <a:fld id="{FB30EDBD-1C2D-4C1E-B459-B60219FAB484}" type="datetimeFigureOut">
               <a:rPr lang="ko-KR" altLang="en-US" smtClean="0"/>
               <a:pPr/>
-              <a:t>2017-08-27</a:t>
+              <a:t>2017-09-10</a:t>
             </a:fld>
             <a:endParaRPr lang="ko-KR" altLang="en-US"/>
           </a:p>
@@ -1863,7 +1867,7 @@
             <a:fld id="{FB30EDBD-1C2D-4C1E-B459-B60219FAB484}" type="datetimeFigureOut">
               <a:rPr lang="ko-KR" altLang="en-US" smtClean="0"/>
               <a:pPr/>
-              <a:t>2017-08-27</a:t>
+              <a:t>2017-09-10</a:t>
             </a:fld>
             <a:endParaRPr lang="ko-KR" altLang="en-US"/>
           </a:p>
@@ -1955,7 +1959,7 @@
             <a:fld id="{FB30EDBD-1C2D-4C1E-B459-B60219FAB484}" type="datetimeFigureOut">
               <a:rPr lang="ko-KR" altLang="en-US" smtClean="0"/>
               <a:pPr/>
-              <a:t>2017-08-27</a:t>
+              <a:t>2017-09-10</a:t>
             </a:fld>
             <a:endParaRPr lang="ko-KR" altLang="en-US"/>
           </a:p>
@@ -2229,7 +2233,7 @@
             <a:fld id="{FB30EDBD-1C2D-4C1E-B459-B60219FAB484}" type="datetimeFigureOut">
               <a:rPr lang="ko-KR" altLang="en-US" smtClean="0"/>
               <a:pPr/>
-              <a:t>2017-08-27</a:t>
+              <a:t>2017-09-10</a:t>
             </a:fld>
             <a:endParaRPr lang="ko-KR" altLang="en-US"/>
           </a:p>
@@ -2479,7 +2483,7 @@
             <a:fld id="{FB30EDBD-1C2D-4C1E-B459-B60219FAB484}" type="datetimeFigureOut">
               <a:rPr lang="ko-KR" altLang="en-US" smtClean="0"/>
               <a:pPr/>
-              <a:t>2017-08-27</a:t>
+              <a:t>2017-09-10</a:t>
             </a:fld>
             <a:endParaRPr lang="ko-KR" altLang="en-US"/>
           </a:p>
@@ -2689,7 +2693,7 @@
             <a:fld id="{FB30EDBD-1C2D-4C1E-B459-B60219FAB484}" type="datetimeFigureOut">
               <a:rPr lang="ko-KR" altLang="en-US" smtClean="0"/>
               <a:pPr/>
-              <a:t>2017-08-27</a:t>
+              <a:t>2017-09-10</a:t>
             </a:fld>
             <a:endParaRPr lang="ko-KR" altLang="en-US"/>
           </a:p>
@@ -4941,6 +4945,4004 @@
               <a:t>의료문의</a:t>
             </a:r>
             <a:endParaRPr lang="ko-KR" altLang="en-US" sz="1000" dirty="0"/>
+          </a:p>
+        </p:txBody>
+      </p:sp>
+    </p:spTree>
+  </p:cSld>
+  <p:clrMapOvr>
+    <a:masterClrMapping/>
+  </p:clrMapOvr>
+</p:sld>
+</file>
+
+<file path=ppt/slides/slide3.xml><?xml version="1.0" encoding="utf-8"?>
+<p:sld xmlns:a="http://schemas.openxmlformats.org/drawingml/2006/main" xmlns:r="http://schemas.openxmlformats.org/officeDocument/2006/relationships" xmlns:p="http://schemas.openxmlformats.org/presentationml/2006/main">
+  <p:cSld>
+    <p:spTree>
+      <p:nvGrpSpPr>
+        <p:cNvPr id="1" name=""/>
+        <p:cNvGrpSpPr/>
+        <p:nvPr/>
+      </p:nvGrpSpPr>
+      <p:grpSpPr>
+        <a:xfrm>
+          <a:off x="0" y="0"/>
+          <a:ext cx="0" cy="0"/>
+          <a:chOff x="0" y="0"/>
+          <a:chExt cx="0" cy="0"/>
+        </a:xfrm>
+      </p:grpSpPr>
+      <p:sp>
+        <p:nvSpPr>
+          <p:cNvPr id="58" name="직사각형 57"/>
+          <p:cNvSpPr/>
+          <p:nvPr/>
+        </p:nvSpPr>
+        <p:spPr>
+          <a:xfrm>
+            <a:off x="1071538" y="1857364"/>
+            <a:ext cx="6572296" cy="3286148"/>
+          </a:xfrm>
+          <a:prstGeom prst="rect">
+            <a:avLst/>
+          </a:prstGeom>
+          <a:noFill/>
+        </p:spPr>
+        <p:style>
+          <a:lnRef idx="2">
+            <a:schemeClr val="accent1">
+              <a:shade val="50000"/>
+            </a:schemeClr>
+          </a:lnRef>
+          <a:fillRef idx="1">
+            <a:schemeClr val="accent1"/>
+          </a:fillRef>
+          <a:effectRef idx="0">
+            <a:schemeClr val="accent1"/>
+          </a:effectRef>
+          <a:fontRef idx="minor">
+            <a:schemeClr val="lt1"/>
+          </a:fontRef>
+        </p:style>
+        <p:txBody>
+          <a:bodyPr rtlCol="0" anchor="ctr"/>
+          <a:lstStyle/>
+          <a:p>
+            <a:pPr algn="ctr"/>
+            <a:endParaRPr lang="ko-KR" altLang="en-US"/>
+          </a:p>
+        </p:txBody>
+      </p:sp>
+      <p:graphicFrame>
+        <p:nvGraphicFramePr>
+          <p:cNvPr id="40" name="표 39"/>
+          <p:cNvGraphicFramePr>
+            <a:graphicFrameLocks noGrp="1"/>
+          </p:cNvGraphicFramePr>
+          <p:nvPr/>
+        </p:nvGraphicFramePr>
+        <p:xfrm>
+          <a:off x="1285850" y="3429000"/>
+          <a:ext cx="2476500" cy="511655"/>
+        </p:xfrm>
+        <a:graphic>
+          <a:graphicData uri="http://schemas.openxmlformats.org/drawingml/2006/table">
+            <a:tbl>
+              <a:tblPr firstRow="1" bandRow="1">
+                <a:tableStyleId>{5FD0F851-EC5A-4D38-B0AD-8093EC10F338}</a:tableStyleId>
+              </a:tblPr>
+              <a:tblGrid>
+                <a:gridCol w="412750"/>
+                <a:gridCol w="412750"/>
+                <a:gridCol w="412750"/>
+                <a:gridCol w="412750"/>
+                <a:gridCol w="412750"/>
+                <a:gridCol w="412750"/>
+              </a:tblGrid>
+              <a:tr h="145573">
+                <a:tc>
+                  <a:txBody>
+                    <a:bodyPr/>
+                    <a:lstStyle/>
+                    <a:p>
+                      <a:pPr latinLnBrk="1"/>
+                      <a:r>
+                        <a:rPr lang="en-US" altLang="ko-KR" sz="900" dirty="0" smtClean="0"/>
+                        <a:t>S1</a:t>
+                      </a:r>
+                      <a:endParaRPr lang="ko-KR" altLang="en-US" sz="900" dirty="0"/>
+                    </a:p>
+                  </a:txBody>
+                  <a:tcPr/>
+                </a:tc>
+                <a:tc>
+                  <a:txBody>
+                    <a:bodyPr/>
+                    <a:lstStyle/>
+                    <a:p>
+                      <a:pPr latinLnBrk="1"/>
+                      <a:r>
+                        <a:rPr lang="en-US" altLang="ko-KR" sz="900" dirty="0" smtClean="0"/>
+                        <a:t>S2</a:t>
+                      </a:r>
+                      <a:endParaRPr lang="ko-KR" altLang="en-US" sz="900" dirty="0"/>
+                    </a:p>
+                  </a:txBody>
+                  <a:tcPr/>
+                </a:tc>
+                <a:tc>
+                  <a:txBody>
+                    <a:bodyPr/>
+                    <a:lstStyle/>
+                    <a:p>
+                      <a:pPr latinLnBrk="1"/>
+                      <a:r>
+                        <a:rPr lang="en-US" altLang="ko-KR" sz="900" dirty="0" smtClean="0"/>
+                        <a:t>S3</a:t>
+                      </a:r>
+                      <a:endParaRPr lang="ko-KR" altLang="en-US" sz="900" dirty="0"/>
+                    </a:p>
+                  </a:txBody>
+                  <a:tcPr/>
+                </a:tc>
+                <a:tc>
+                  <a:txBody>
+                    <a:bodyPr/>
+                    <a:lstStyle/>
+                    <a:p>
+                      <a:pPr latinLnBrk="1"/>
+                      <a:r>
+                        <a:rPr lang="en-US" altLang="ko-KR" sz="900" dirty="0" smtClean="0"/>
+                        <a:t>S4</a:t>
+                      </a:r>
+                      <a:endParaRPr lang="ko-KR" altLang="en-US" sz="900" dirty="0"/>
+                    </a:p>
+                  </a:txBody>
+                  <a:tcPr/>
+                </a:tc>
+                <a:tc>
+                  <a:txBody>
+                    <a:bodyPr/>
+                    <a:lstStyle/>
+                    <a:p>
+                      <a:pPr latinLnBrk="1"/>
+                      <a:r>
+                        <a:rPr lang="en-US" altLang="ko-KR" sz="900" dirty="0" smtClean="0"/>
+                        <a:t>S5</a:t>
+                      </a:r>
+                      <a:endParaRPr lang="ko-KR" altLang="en-US" sz="900" dirty="0"/>
+                    </a:p>
+                  </a:txBody>
+                  <a:tcPr/>
+                </a:tc>
+                <a:tc>
+                  <a:txBody>
+                    <a:bodyPr/>
+                    <a:lstStyle/>
+                    <a:p>
+                      <a:pPr latinLnBrk="1"/>
+                      <a:r>
+                        <a:rPr lang="en-US" altLang="ko-KR" sz="900" dirty="0" smtClean="0"/>
+                        <a:t>S6</a:t>
+                      </a:r>
+                      <a:endParaRPr lang="ko-KR" altLang="en-US" sz="900" dirty="0"/>
+                    </a:p>
+                  </a:txBody>
+                  <a:tcPr/>
+                </a:tc>
+              </a:tr>
+              <a:tr h="283055">
+                <a:tc>
+                  <a:txBody>
+                    <a:bodyPr/>
+                    <a:lstStyle/>
+                    <a:p>
+                      <a:pPr latinLnBrk="1"/>
+                      <a:r>
+                        <a:rPr lang="en-US" altLang="ko-KR" sz="900" dirty="0" smtClean="0"/>
+                        <a:t>10</a:t>
+                      </a:r>
+                      <a:endParaRPr lang="ko-KR" altLang="en-US" sz="900" dirty="0"/>
+                    </a:p>
+                  </a:txBody>
+                  <a:tcPr/>
+                </a:tc>
+                <a:tc>
+                  <a:txBody>
+                    <a:bodyPr/>
+                    <a:lstStyle/>
+                    <a:p>
+                      <a:pPr latinLnBrk="1"/>
+                      <a:r>
+                        <a:rPr lang="en-US" altLang="ko-KR" sz="900" dirty="0" smtClean="0"/>
+                        <a:t>20</a:t>
+                      </a:r>
+                      <a:endParaRPr lang="ko-KR" altLang="en-US" sz="900" dirty="0"/>
+                    </a:p>
+                  </a:txBody>
+                  <a:tcPr/>
+                </a:tc>
+                <a:tc>
+                  <a:txBody>
+                    <a:bodyPr/>
+                    <a:lstStyle/>
+                    <a:p>
+                      <a:pPr latinLnBrk="1"/>
+                      <a:r>
+                        <a:rPr lang="en-US" altLang="ko-KR" sz="900" dirty="0" smtClean="0"/>
+                        <a:t>1</a:t>
+                      </a:r>
+                      <a:endParaRPr lang="ko-KR" altLang="en-US" sz="900" dirty="0"/>
+                    </a:p>
+                  </a:txBody>
+                  <a:tcPr/>
+                </a:tc>
+                <a:tc>
+                  <a:txBody>
+                    <a:bodyPr/>
+                    <a:lstStyle/>
+                    <a:p>
+                      <a:pPr latinLnBrk="1"/>
+                      <a:r>
+                        <a:rPr lang="en-US" altLang="ko-KR" sz="900" dirty="0" smtClean="0"/>
+                        <a:t>60</a:t>
+                      </a:r>
+                      <a:endParaRPr lang="ko-KR" altLang="en-US" sz="900" dirty="0"/>
+                    </a:p>
+                  </a:txBody>
+                  <a:tcPr/>
+                </a:tc>
+                <a:tc>
+                  <a:txBody>
+                    <a:bodyPr/>
+                    <a:lstStyle/>
+                    <a:p>
+                      <a:pPr latinLnBrk="1"/>
+                      <a:r>
+                        <a:rPr lang="en-US" altLang="ko-KR" sz="900" dirty="0" smtClean="0"/>
+                        <a:t>10</a:t>
+                      </a:r>
+                      <a:endParaRPr lang="ko-KR" altLang="en-US" sz="900" dirty="0"/>
+                    </a:p>
+                  </a:txBody>
+                  <a:tcPr/>
+                </a:tc>
+                <a:tc>
+                  <a:txBody>
+                    <a:bodyPr/>
+                    <a:lstStyle/>
+                    <a:p>
+                      <a:pPr latinLnBrk="1"/>
+                      <a:r>
+                        <a:rPr lang="en-US" altLang="ko-KR" sz="900" dirty="0" smtClean="0"/>
+                        <a:t>10</a:t>
+                      </a:r>
+                      <a:endParaRPr lang="ko-KR" altLang="en-US" sz="900" dirty="0"/>
+                    </a:p>
+                  </a:txBody>
+                  <a:tcPr/>
+                </a:tc>
+              </a:tr>
+            </a:tbl>
+          </a:graphicData>
+        </a:graphic>
+      </p:graphicFrame>
+      <p:sp>
+        <p:nvSpPr>
+          <p:cNvPr id="41" name="오른쪽 화살표 40"/>
+          <p:cNvSpPr/>
+          <p:nvPr/>
+        </p:nvSpPr>
+        <p:spPr>
+          <a:xfrm>
+            <a:off x="1285850" y="4000504"/>
+            <a:ext cx="2714644" cy="1000132"/>
+          </a:xfrm>
+          <a:prstGeom prst="rightArrow">
+            <a:avLst/>
+          </a:prstGeom>
+          <a:solidFill>
+            <a:schemeClr val="bg2"/>
+          </a:solidFill>
+          <a:ln>
+            <a:solidFill>
+              <a:schemeClr val="accent2"/>
+            </a:solidFill>
+          </a:ln>
+        </p:spPr>
+        <p:style>
+          <a:lnRef idx="2">
+            <a:schemeClr val="accent1">
+              <a:shade val="50000"/>
+            </a:schemeClr>
+          </a:lnRef>
+          <a:fillRef idx="1">
+            <a:schemeClr val="accent1"/>
+          </a:fillRef>
+          <a:effectRef idx="0">
+            <a:schemeClr val="accent1"/>
+          </a:effectRef>
+          <a:fontRef idx="minor">
+            <a:schemeClr val="lt1"/>
+          </a:fontRef>
+        </p:style>
+        <p:txBody>
+          <a:bodyPr rtlCol="0" anchor="ctr"/>
+          <a:lstStyle/>
+          <a:p>
+            <a:pPr algn="ctr"/>
+            <a:r>
+              <a:rPr lang="ko-KR" altLang="en-US" sz="1200" b="1" dirty="0" err="1" smtClean="0">
+                <a:solidFill>
+                  <a:schemeClr val="tx2"/>
+                </a:solidFill>
+              </a:rPr>
+              <a:t>센싱정보</a:t>
+            </a:r>
+            <a:r>
+              <a:rPr lang="ko-KR" altLang="en-US" sz="1200" b="1" dirty="0" smtClean="0">
+                <a:solidFill>
+                  <a:schemeClr val="tx2"/>
+                </a:solidFill>
+              </a:rPr>
+              <a:t> </a:t>
+            </a:r>
+            <a:r>
+              <a:rPr lang="ko-KR" altLang="en-US" sz="1200" b="1" dirty="0" err="1" smtClean="0">
+                <a:solidFill>
+                  <a:schemeClr val="tx2"/>
+                </a:solidFill>
+              </a:rPr>
+              <a:t>추가시</a:t>
+            </a:r>
+            <a:r>
+              <a:rPr lang="ko-KR" altLang="en-US" sz="1200" b="1" dirty="0" smtClean="0">
+                <a:solidFill>
+                  <a:schemeClr val="tx2"/>
+                </a:solidFill>
+              </a:rPr>
+              <a:t> 확장 어려움</a:t>
+            </a:r>
+            <a:endParaRPr lang="ko-KR" altLang="en-US" sz="1200" b="1" dirty="0">
+              <a:solidFill>
+                <a:schemeClr val="tx2"/>
+              </a:solidFill>
+            </a:endParaRPr>
+          </a:p>
+        </p:txBody>
+      </p:sp>
+      <p:graphicFrame>
+        <p:nvGraphicFramePr>
+          <p:cNvPr id="46" name="표 45"/>
+          <p:cNvGraphicFramePr>
+            <a:graphicFrameLocks noGrp="1"/>
+          </p:cNvGraphicFramePr>
+          <p:nvPr/>
+        </p:nvGraphicFramePr>
+        <p:xfrm>
+          <a:off x="4572000" y="2928934"/>
+          <a:ext cx="825500" cy="1360820"/>
+        </p:xfrm>
+        <a:graphic>
+          <a:graphicData uri="http://schemas.openxmlformats.org/drawingml/2006/table">
+            <a:tbl>
+              <a:tblPr firstRow="1" bandRow="1">
+                <a:tableStyleId>{5FD0F851-EC5A-4D38-B0AD-8093EC10F338}</a:tableStyleId>
+              </a:tblPr>
+              <a:tblGrid>
+                <a:gridCol w="500066"/>
+                <a:gridCol w="325434"/>
+              </a:tblGrid>
+              <a:tr h="145573">
+                <a:tc>
+                  <a:txBody>
+                    <a:bodyPr/>
+                    <a:lstStyle/>
+                    <a:p>
+                      <a:pPr latinLnBrk="1"/>
+                      <a:r>
+                        <a:rPr lang="en-US" altLang="ko-KR" sz="900" dirty="0" smtClean="0"/>
+                        <a:t>type</a:t>
+                      </a:r>
+                      <a:endParaRPr lang="ko-KR" altLang="en-US" sz="900" dirty="0"/>
+                    </a:p>
+                  </a:txBody>
+                  <a:tcPr/>
+                </a:tc>
+                <a:tc>
+                  <a:txBody>
+                    <a:bodyPr/>
+                    <a:lstStyle/>
+                    <a:p>
+                      <a:pPr latinLnBrk="1"/>
+                      <a:r>
+                        <a:rPr lang="en-US" altLang="ko-KR" sz="900" dirty="0" smtClean="0"/>
+                        <a:t>S2</a:t>
+                      </a:r>
+                      <a:endParaRPr lang="ko-KR" altLang="en-US" sz="900" dirty="0"/>
+                    </a:p>
+                  </a:txBody>
+                  <a:tcPr/>
+                </a:tc>
+              </a:tr>
+              <a:tr h="283055">
+                <a:tc>
+                  <a:txBody>
+                    <a:bodyPr/>
+                    <a:lstStyle/>
+                    <a:p>
+                      <a:pPr latinLnBrk="1"/>
+                      <a:r>
+                        <a:rPr lang="en-US" altLang="ko-KR" sz="900" dirty="0" smtClean="0"/>
+                        <a:t>1</a:t>
+                      </a:r>
+                      <a:endParaRPr lang="ko-KR" altLang="en-US" sz="900" dirty="0"/>
+                    </a:p>
+                  </a:txBody>
+                  <a:tcPr/>
+                </a:tc>
+                <a:tc>
+                  <a:txBody>
+                    <a:bodyPr/>
+                    <a:lstStyle/>
+                    <a:p>
+                      <a:pPr latinLnBrk="1"/>
+                      <a:r>
+                        <a:rPr lang="en-US" altLang="ko-KR" sz="900" dirty="0" smtClean="0"/>
+                        <a:t>10</a:t>
+                      </a:r>
+                      <a:endParaRPr lang="ko-KR" altLang="en-US" sz="900" dirty="0"/>
+                    </a:p>
+                  </a:txBody>
+                  <a:tcPr/>
+                </a:tc>
+              </a:tr>
+              <a:tr h="283055">
+                <a:tc>
+                  <a:txBody>
+                    <a:bodyPr/>
+                    <a:lstStyle/>
+                    <a:p>
+                      <a:pPr latinLnBrk="1"/>
+                      <a:r>
+                        <a:rPr lang="en-US" altLang="ko-KR" sz="900" dirty="0" smtClean="0"/>
+                        <a:t>2</a:t>
+                      </a:r>
+                      <a:endParaRPr lang="ko-KR" altLang="en-US" sz="900" dirty="0"/>
+                    </a:p>
+                  </a:txBody>
+                  <a:tcPr/>
+                </a:tc>
+                <a:tc>
+                  <a:txBody>
+                    <a:bodyPr/>
+                    <a:lstStyle/>
+                    <a:p>
+                      <a:pPr latinLnBrk="1"/>
+                      <a:r>
+                        <a:rPr lang="en-US" altLang="ko-KR" sz="900" dirty="0" smtClean="0"/>
+                        <a:t>20</a:t>
+                      </a:r>
+                      <a:endParaRPr lang="ko-KR" altLang="en-US" sz="900" dirty="0"/>
+                    </a:p>
+                  </a:txBody>
+                  <a:tcPr/>
+                </a:tc>
+              </a:tr>
+              <a:tr h="283055">
+                <a:tc>
+                  <a:txBody>
+                    <a:bodyPr/>
+                    <a:lstStyle/>
+                    <a:p>
+                      <a:pPr latinLnBrk="1"/>
+                      <a:r>
+                        <a:rPr lang="en-US" altLang="ko-KR" sz="900" dirty="0" smtClean="0"/>
+                        <a:t>3</a:t>
+                      </a:r>
+                      <a:endParaRPr lang="ko-KR" altLang="en-US" sz="900" dirty="0"/>
+                    </a:p>
+                  </a:txBody>
+                  <a:tcPr/>
+                </a:tc>
+                <a:tc>
+                  <a:txBody>
+                    <a:bodyPr/>
+                    <a:lstStyle/>
+                    <a:p>
+                      <a:pPr latinLnBrk="1"/>
+                      <a:r>
+                        <a:rPr lang="en-US" altLang="ko-KR" sz="900" dirty="0" smtClean="0"/>
+                        <a:t>1</a:t>
+                      </a:r>
+                      <a:endParaRPr lang="ko-KR" altLang="en-US" sz="900" dirty="0"/>
+                    </a:p>
+                  </a:txBody>
+                  <a:tcPr/>
+                </a:tc>
+              </a:tr>
+              <a:tr h="283055">
+                <a:tc>
+                  <a:txBody>
+                    <a:bodyPr/>
+                    <a:lstStyle/>
+                    <a:p>
+                      <a:pPr latinLnBrk="1"/>
+                      <a:r>
+                        <a:rPr lang="en-US" altLang="ko-KR" sz="900" dirty="0" smtClean="0"/>
+                        <a:t>4</a:t>
+                      </a:r>
+                      <a:endParaRPr lang="ko-KR" altLang="en-US" sz="900" dirty="0"/>
+                    </a:p>
+                  </a:txBody>
+                  <a:tcPr/>
+                </a:tc>
+                <a:tc>
+                  <a:txBody>
+                    <a:bodyPr/>
+                    <a:lstStyle/>
+                    <a:p>
+                      <a:pPr latinLnBrk="1"/>
+                      <a:r>
+                        <a:rPr lang="en-US" altLang="ko-KR" sz="900" dirty="0" smtClean="0"/>
+                        <a:t>60</a:t>
+                      </a:r>
+                      <a:endParaRPr lang="ko-KR" altLang="en-US" sz="900" dirty="0"/>
+                    </a:p>
+                  </a:txBody>
+                  <a:tcPr/>
+                </a:tc>
+              </a:tr>
+            </a:tbl>
+          </a:graphicData>
+        </a:graphic>
+      </p:graphicFrame>
+      <p:graphicFrame>
+        <p:nvGraphicFramePr>
+          <p:cNvPr id="47" name="표 46"/>
+          <p:cNvGraphicFramePr>
+            <a:graphicFrameLocks noGrp="1"/>
+          </p:cNvGraphicFramePr>
+          <p:nvPr/>
+        </p:nvGraphicFramePr>
+        <p:xfrm>
+          <a:off x="6357950" y="2928934"/>
+          <a:ext cx="1000132" cy="1360820"/>
+        </p:xfrm>
+        <a:graphic>
+          <a:graphicData uri="http://schemas.openxmlformats.org/drawingml/2006/table">
+            <a:tbl>
+              <a:tblPr firstRow="1" bandRow="1">
+                <a:tableStyleId>{5FD0F851-EC5A-4D38-B0AD-8093EC10F338}</a:tableStyleId>
+              </a:tblPr>
+              <a:tblGrid>
+                <a:gridCol w="500066"/>
+                <a:gridCol w="500066"/>
+              </a:tblGrid>
+              <a:tr h="145573">
+                <a:tc>
+                  <a:txBody>
+                    <a:bodyPr/>
+                    <a:lstStyle/>
+                    <a:p>
+                      <a:pPr latinLnBrk="1"/>
+                      <a:r>
+                        <a:rPr lang="en-US" altLang="ko-KR" sz="900" dirty="0" smtClean="0"/>
+                        <a:t>type</a:t>
+                      </a:r>
+                      <a:endParaRPr lang="ko-KR" altLang="en-US" sz="900" dirty="0"/>
+                    </a:p>
+                  </a:txBody>
+                  <a:tcPr/>
+                </a:tc>
+                <a:tc>
+                  <a:txBody>
+                    <a:bodyPr/>
+                    <a:lstStyle/>
+                    <a:p>
+                      <a:pPr latinLnBrk="1"/>
+                      <a:r>
+                        <a:rPr lang="en-US" altLang="ko-KR" sz="900" dirty="0" err="1" smtClean="0"/>
+                        <a:t>desc</a:t>
+                      </a:r>
+                      <a:endParaRPr lang="ko-KR" altLang="en-US" sz="900" dirty="0"/>
+                    </a:p>
+                  </a:txBody>
+                  <a:tcPr/>
+                </a:tc>
+              </a:tr>
+              <a:tr h="283055">
+                <a:tc>
+                  <a:txBody>
+                    <a:bodyPr/>
+                    <a:lstStyle/>
+                    <a:p>
+                      <a:pPr latinLnBrk="1"/>
+                      <a:r>
+                        <a:rPr lang="en-US" altLang="ko-KR" sz="900" dirty="0" smtClean="0"/>
+                        <a:t>1</a:t>
+                      </a:r>
+                      <a:endParaRPr lang="ko-KR" altLang="en-US" sz="900" dirty="0"/>
+                    </a:p>
+                  </a:txBody>
+                  <a:tcPr/>
+                </a:tc>
+                <a:tc>
+                  <a:txBody>
+                    <a:bodyPr/>
+                    <a:lstStyle/>
+                    <a:p>
+                      <a:pPr latinLnBrk="1"/>
+                      <a:r>
+                        <a:rPr lang="en-US" altLang="ko-KR" sz="900" dirty="0" smtClean="0"/>
+                        <a:t>S1</a:t>
+                      </a:r>
+                      <a:endParaRPr lang="ko-KR" altLang="en-US" sz="900" dirty="0"/>
+                    </a:p>
+                  </a:txBody>
+                  <a:tcPr/>
+                </a:tc>
+              </a:tr>
+              <a:tr h="283055">
+                <a:tc>
+                  <a:txBody>
+                    <a:bodyPr/>
+                    <a:lstStyle/>
+                    <a:p>
+                      <a:pPr latinLnBrk="1"/>
+                      <a:r>
+                        <a:rPr lang="en-US" altLang="ko-KR" sz="900" dirty="0" smtClean="0"/>
+                        <a:t>2</a:t>
+                      </a:r>
+                      <a:endParaRPr lang="ko-KR" altLang="en-US" sz="900" dirty="0"/>
+                    </a:p>
+                  </a:txBody>
+                  <a:tcPr/>
+                </a:tc>
+                <a:tc>
+                  <a:txBody>
+                    <a:bodyPr/>
+                    <a:lstStyle/>
+                    <a:p>
+                      <a:pPr latinLnBrk="1"/>
+                      <a:r>
+                        <a:rPr lang="en-US" altLang="ko-KR" sz="900" dirty="0" smtClean="0"/>
+                        <a:t>S2</a:t>
+                      </a:r>
+                      <a:endParaRPr lang="ko-KR" altLang="en-US" sz="900" dirty="0"/>
+                    </a:p>
+                  </a:txBody>
+                  <a:tcPr/>
+                </a:tc>
+              </a:tr>
+              <a:tr h="283055">
+                <a:tc>
+                  <a:txBody>
+                    <a:bodyPr/>
+                    <a:lstStyle/>
+                    <a:p>
+                      <a:pPr latinLnBrk="1"/>
+                      <a:r>
+                        <a:rPr lang="en-US" altLang="ko-KR" sz="900" dirty="0" smtClean="0"/>
+                        <a:t>3</a:t>
+                      </a:r>
+                      <a:endParaRPr lang="ko-KR" altLang="en-US" sz="900" dirty="0"/>
+                    </a:p>
+                  </a:txBody>
+                  <a:tcPr/>
+                </a:tc>
+                <a:tc>
+                  <a:txBody>
+                    <a:bodyPr/>
+                    <a:lstStyle/>
+                    <a:p>
+                      <a:pPr latinLnBrk="1"/>
+                      <a:r>
+                        <a:rPr lang="en-US" altLang="ko-KR" sz="900" dirty="0" smtClean="0"/>
+                        <a:t>S3</a:t>
+                      </a:r>
+                      <a:endParaRPr lang="ko-KR" altLang="en-US" sz="900" dirty="0"/>
+                    </a:p>
+                  </a:txBody>
+                  <a:tcPr/>
+                </a:tc>
+              </a:tr>
+              <a:tr h="283055">
+                <a:tc>
+                  <a:txBody>
+                    <a:bodyPr/>
+                    <a:lstStyle/>
+                    <a:p>
+                      <a:pPr latinLnBrk="1"/>
+                      <a:r>
+                        <a:rPr lang="en-US" altLang="ko-KR" sz="900" dirty="0" smtClean="0"/>
+                        <a:t>4</a:t>
+                      </a:r>
+                      <a:endParaRPr lang="ko-KR" altLang="en-US" sz="900" dirty="0"/>
+                    </a:p>
+                  </a:txBody>
+                  <a:tcPr/>
+                </a:tc>
+                <a:tc>
+                  <a:txBody>
+                    <a:bodyPr/>
+                    <a:lstStyle/>
+                    <a:p>
+                      <a:pPr latinLnBrk="1"/>
+                      <a:r>
+                        <a:rPr lang="en-US" altLang="ko-KR" sz="900" dirty="0" smtClean="0"/>
+                        <a:t>S4</a:t>
+                      </a:r>
+                      <a:endParaRPr lang="ko-KR" altLang="en-US" sz="900" dirty="0"/>
+                    </a:p>
+                  </a:txBody>
+                  <a:tcPr/>
+                </a:tc>
+              </a:tr>
+            </a:tbl>
+          </a:graphicData>
+        </a:graphic>
+      </p:graphicFrame>
+      <p:sp>
+        <p:nvSpPr>
+          <p:cNvPr id="48" name="오른쪽 화살표 47"/>
+          <p:cNvSpPr/>
+          <p:nvPr/>
+        </p:nvSpPr>
+        <p:spPr>
+          <a:xfrm rot="5400000">
+            <a:off x="5572132" y="3357562"/>
+            <a:ext cx="642942" cy="2643206"/>
+          </a:xfrm>
+          <a:prstGeom prst="rightArrow">
+            <a:avLst/>
+          </a:prstGeom>
+          <a:solidFill>
+            <a:schemeClr val="bg2"/>
+          </a:solidFill>
+          <a:ln>
+            <a:solidFill>
+              <a:schemeClr val="tx2"/>
+            </a:solidFill>
+          </a:ln>
+        </p:spPr>
+        <p:style>
+          <a:lnRef idx="2">
+            <a:schemeClr val="accent1">
+              <a:shade val="50000"/>
+            </a:schemeClr>
+          </a:lnRef>
+          <a:fillRef idx="1">
+            <a:schemeClr val="accent1"/>
+          </a:fillRef>
+          <a:effectRef idx="0">
+            <a:schemeClr val="accent1"/>
+          </a:effectRef>
+          <a:fontRef idx="minor">
+            <a:schemeClr val="lt1"/>
+          </a:fontRef>
+        </p:style>
+        <p:txBody>
+          <a:bodyPr rtlCol="0" anchor="ctr"/>
+          <a:lstStyle/>
+          <a:p>
+            <a:pPr algn="ctr"/>
+            <a:endParaRPr lang="ko-KR" altLang="en-US" sz="1200" dirty="0">
+              <a:solidFill>
+                <a:schemeClr val="tx2"/>
+              </a:solidFill>
+            </a:endParaRPr>
+          </a:p>
+        </p:txBody>
+      </p:sp>
+      <p:sp>
+        <p:nvSpPr>
+          <p:cNvPr id="49" name="TextBox 48"/>
+          <p:cNvSpPr txBox="1"/>
+          <p:nvPr/>
+        </p:nvSpPr>
+        <p:spPr>
+          <a:xfrm>
+            <a:off x="5143504" y="4405978"/>
+            <a:ext cx="1500198" cy="523220"/>
+          </a:xfrm>
+          <a:prstGeom prst="rect">
+            <a:avLst/>
+          </a:prstGeom>
+          <a:noFill/>
+        </p:spPr>
+        <p:txBody>
+          <a:bodyPr wrap="square" rtlCol="0">
+            <a:spAutoFit/>
+          </a:bodyPr>
+          <a:lstStyle/>
+          <a:p>
+            <a:pPr algn="ctr"/>
+            <a:r>
+              <a:rPr lang="ko-KR" altLang="en-US" sz="1400" b="1" dirty="0" smtClean="0"/>
+              <a:t>데이터 유형 </a:t>
+            </a:r>
+            <a:r>
+              <a:rPr lang="en-US" altLang="ko-KR" sz="1400" b="1" dirty="0" smtClean="0"/>
+              <a:t/>
+            </a:r>
+            <a:br>
+              <a:rPr lang="en-US" altLang="ko-KR" sz="1400" b="1" dirty="0" smtClean="0"/>
+            </a:br>
+            <a:r>
+              <a:rPr lang="ko-KR" altLang="en-US" sz="1400" b="1" dirty="0" smtClean="0"/>
+              <a:t>확장 용이</a:t>
+            </a:r>
+            <a:endParaRPr lang="ko-KR" altLang="en-US" sz="1400" b="1" dirty="0"/>
+          </a:p>
+        </p:txBody>
+      </p:sp>
+      <p:sp>
+        <p:nvSpPr>
+          <p:cNvPr id="55" name="TextBox 54"/>
+          <p:cNvSpPr txBox="1"/>
+          <p:nvPr/>
+        </p:nvSpPr>
+        <p:spPr>
+          <a:xfrm>
+            <a:off x="4429124" y="2714620"/>
+            <a:ext cx="1285884" cy="246221"/>
+          </a:xfrm>
+          <a:prstGeom prst="rect">
+            <a:avLst/>
+          </a:prstGeom>
+          <a:noFill/>
+        </p:spPr>
+        <p:txBody>
+          <a:bodyPr wrap="square" rtlCol="0">
+            <a:spAutoFit/>
+          </a:bodyPr>
+          <a:lstStyle/>
+          <a:p>
+            <a:r>
+              <a:rPr lang="en-US" altLang="ko-KR" sz="1000" b="1" dirty="0" smtClean="0"/>
+              <a:t>&lt;&lt;</a:t>
+            </a:r>
+            <a:r>
+              <a:rPr lang="ko-KR" altLang="en-US" sz="1000" b="1" dirty="0" smtClean="0"/>
+              <a:t>저장데이터</a:t>
+            </a:r>
+            <a:r>
+              <a:rPr lang="en-US" altLang="ko-KR" sz="1000" b="1" dirty="0" smtClean="0"/>
+              <a:t>&gt;&gt;</a:t>
+            </a:r>
+            <a:endParaRPr lang="ko-KR" altLang="en-US" sz="1000" b="1" dirty="0"/>
+          </a:p>
+        </p:txBody>
+      </p:sp>
+      <p:sp>
+        <p:nvSpPr>
+          <p:cNvPr id="56" name="TextBox 55"/>
+          <p:cNvSpPr txBox="1"/>
+          <p:nvPr/>
+        </p:nvSpPr>
+        <p:spPr>
+          <a:xfrm>
+            <a:off x="1214414" y="3214686"/>
+            <a:ext cx="1285884" cy="246221"/>
+          </a:xfrm>
+          <a:prstGeom prst="rect">
+            <a:avLst/>
+          </a:prstGeom>
+          <a:noFill/>
+        </p:spPr>
+        <p:txBody>
+          <a:bodyPr wrap="square" rtlCol="0">
+            <a:spAutoFit/>
+          </a:bodyPr>
+          <a:lstStyle/>
+          <a:p>
+            <a:r>
+              <a:rPr lang="en-US" altLang="ko-KR" sz="1000" b="1" dirty="0" smtClean="0"/>
+              <a:t>&lt;&lt;</a:t>
+            </a:r>
+            <a:r>
+              <a:rPr lang="ko-KR" altLang="en-US" sz="1000" b="1" dirty="0" smtClean="0"/>
+              <a:t>저장데이터</a:t>
+            </a:r>
+            <a:r>
+              <a:rPr lang="en-US" altLang="ko-KR" sz="1000" b="1" dirty="0" smtClean="0"/>
+              <a:t>&gt;&gt;</a:t>
+            </a:r>
+            <a:endParaRPr lang="ko-KR" altLang="en-US" sz="1000" b="1" dirty="0"/>
+          </a:p>
+        </p:txBody>
+      </p:sp>
+      <p:sp>
+        <p:nvSpPr>
+          <p:cNvPr id="57" name="TextBox 56"/>
+          <p:cNvSpPr txBox="1"/>
+          <p:nvPr/>
+        </p:nvSpPr>
+        <p:spPr>
+          <a:xfrm>
+            <a:off x="6286512" y="2714620"/>
+            <a:ext cx="1285884" cy="246221"/>
+          </a:xfrm>
+          <a:prstGeom prst="rect">
+            <a:avLst/>
+          </a:prstGeom>
+          <a:noFill/>
+        </p:spPr>
+        <p:txBody>
+          <a:bodyPr wrap="square" rtlCol="0">
+            <a:spAutoFit/>
+          </a:bodyPr>
+          <a:lstStyle/>
+          <a:p>
+            <a:r>
+              <a:rPr lang="en-US" altLang="ko-KR" sz="1000" b="1" dirty="0" smtClean="0"/>
+              <a:t>&lt;&lt;</a:t>
+            </a:r>
+            <a:r>
+              <a:rPr lang="ko-KR" altLang="en-US" sz="1000" b="1" dirty="0" smtClean="0"/>
+              <a:t>메타데이터</a:t>
+            </a:r>
+            <a:r>
+              <a:rPr lang="en-US" altLang="ko-KR" sz="1000" b="1" dirty="0" smtClean="0"/>
+              <a:t>&gt;&gt;</a:t>
+            </a:r>
+            <a:endParaRPr lang="ko-KR" altLang="en-US" sz="1000" b="1" dirty="0"/>
+          </a:p>
+        </p:txBody>
+      </p:sp>
+      <p:cxnSp>
+        <p:nvCxnSpPr>
+          <p:cNvPr id="60" name="꺾인 연결선 59"/>
+          <p:cNvCxnSpPr/>
+          <p:nvPr/>
+        </p:nvCxnSpPr>
+        <p:spPr>
+          <a:xfrm>
+            <a:off x="5357818" y="3571876"/>
+            <a:ext cx="1000132" cy="1588"/>
+          </a:xfrm>
+          <a:prstGeom prst="bentConnector3">
+            <a:avLst>
+              <a:gd name="adj1" fmla="val 50000"/>
+            </a:avLst>
+          </a:prstGeom>
+        </p:spPr>
+        <p:style>
+          <a:lnRef idx="1">
+            <a:schemeClr val="accent1"/>
+          </a:lnRef>
+          <a:fillRef idx="0">
+            <a:schemeClr val="accent1"/>
+          </a:fillRef>
+          <a:effectRef idx="0">
+            <a:schemeClr val="accent1"/>
+          </a:effectRef>
+          <a:fontRef idx="minor">
+            <a:schemeClr val="tx1"/>
+          </a:fontRef>
+        </p:style>
+      </p:cxnSp>
+      <p:sp>
+        <p:nvSpPr>
+          <p:cNvPr id="61" name="TextBox 60"/>
+          <p:cNvSpPr txBox="1"/>
+          <p:nvPr/>
+        </p:nvSpPr>
+        <p:spPr>
+          <a:xfrm>
+            <a:off x="5357818" y="3357562"/>
+            <a:ext cx="571504" cy="215444"/>
+          </a:xfrm>
+          <a:prstGeom prst="rect">
+            <a:avLst/>
+          </a:prstGeom>
+          <a:noFill/>
+        </p:spPr>
+        <p:txBody>
+          <a:bodyPr wrap="square" rtlCol="0">
+            <a:spAutoFit/>
+          </a:bodyPr>
+          <a:lstStyle/>
+          <a:p>
+            <a:r>
+              <a:rPr lang="en-US" altLang="ko-KR" sz="800" dirty="0" smtClean="0"/>
+              <a:t>0..*</a:t>
+            </a:r>
+            <a:endParaRPr lang="ko-KR" altLang="en-US" sz="800" dirty="0"/>
+          </a:p>
+        </p:txBody>
+      </p:sp>
+      <p:sp>
+        <p:nvSpPr>
+          <p:cNvPr id="62" name="TextBox 61"/>
+          <p:cNvSpPr txBox="1"/>
+          <p:nvPr/>
+        </p:nvSpPr>
+        <p:spPr>
+          <a:xfrm>
+            <a:off x="6072198" y="3357562"/>
+            <a:ext cx="500066" cy="215444"/>
+          </a:xfrm>
+          <a:prstGeom prst="rect">
+            <a:avLst/>
+          </a:prstGeom>
+          <a:noFill/>
+        </p:spPr>
+        <p:txBody>
+          <a:bodyPr wrap="square" rtlCol="0">
+            <a:spAutoFit/>
+          </a:bodyPr>
+          <a:lstStyle/>
+          <a:p>
+            <a:r>
+              <a:rPr lang="en-US" altLang="ko-KR" sz="800" dirty="0" smtClean="0"/>
+              <a:t>0..1</a:t>
+            </a:r>
+          </a:p>
+        </p:txBody>
+      </p:sp>
+      <p:sp>
+        <p:nvSpPr>
+          <p:cNvPr id="63" name="직사각형 62"/>
+          <p:cNvSpPr/>
+          <p:nvPr/>
+        </p:nvSpPr>
+        <p:spPr>
+          <a:xfrm>
+            <a:off x="1071538" y="1857364"/>
+            <a:ext cx="6572296" cy="642942"/>
+          </a:xfrm>
+          <a:prstGeom prst="rect">
+            <a:avLst/>
+          </a:prstGeom>
+          <a:noFill/>
+        </p:spPr>
+        <p:style>
+          <a:lnRef idx="2">
+            <a:schemeClr val="accent1">
+              <a:shade val="50000"/>
+            </a:schemeClr>
+          </a:lnRef>
+          <a:fillRef idx="1">
+            <a:schemeClr val="accent1"/>
+          </a:fillRef>
+          <a:effectRef idx="0">
+            <a:schemeClr val="accent1"/>
+          </a:effectRef>
+          <a:fontRef idx="minor">
+            <a:schemeClr val="lt1"/>
+          </a:fontRef>
+        </p:style>
+        <p:txBody>
+          <a:bodyPr rtlCol="0" anchor="ctr"/>
+          <a:lstStyle/>
+          <a:p>
+            <a:pPr algn="ctr"/>
+            <a:endParaRPr lang="ko-KR" altLang="en-US"/>
+          </a:p>
+        </p:txBody>
+      </p:sp>
+      <p:sp>
+        <p:nvSpPr>
+          <p:cNvPr id="64" name="직사각형 63"/>
+          <p:cNvSpPr/>
+          <p:nvPr/>
+        </p:nvSpPr>
+        <p:spPr>
+          <a:xfrm>
+            <a:off x="1071538" y="1857364"/>
+            <a:ext cx="3071834" cy="3286148"/>
+          </a:xfrm>
+          <a:prstGeom prst="rect">
+            <a:avLst/>
+          </a:prstGeom>
+          <a:noFill/>
+        </p:spPr>
+        <p:style>
+          <a:lnRef idx="2">
+            <a:schemeClr val="accent1">
+              <a:shade val="50000"/>
+            </a:schemeClr>
+          </a:lnRef>
+          <a:fillRef idx="1">
+            <a:schemeClr val="accent1"/>
+          </a:fillRef>
+          <a:effectRef idx="0">
+            <a:schemeClr val="accent1"/>
+          </a:effectRef>
+          <a:fontRef idx="minor">
+            <a:schemeClr val="lt1"/>
+          </a:fontRef>
+        </p:style>
+        <p:txBody>
+          <a:bodyPr rtlCol="0" anchor="ctr"/>
+          <a:lstStyle/>
+          <a:p>
+            <a:pPr algn="ctr"/>
+            <a:endParaRPr lang="ko-KR" altLang="en-US"/>
+          </a:p>
+        </p:txBody>
+      </p:sp>
+      <p:sp>
+        <p:nvSpPr>
+          <p:cNvPr id="65" name="TextBox 64"/>
+          <p:cNvSpPr txBox="1"/>
+          <p:nvPr/>
+        </p:nvSpPr>
+        <p:spPr>
+          <a:xfrm>
+            <a:off x="1428726" y="2000240"/>
+            <a:ext cx="2928958" cy="369332"/>
+          </a:xfrm>
+          <a:prstGeom prst="rect">
+            <a:avLst/>
+          </a:prstGeom>
+          <a:noFill/>
+        </p:spPr>
+        <p:txBody>
+          <a:bodyPr wrap="square" rtlCol="0">
+            <a:spAutoFit/>
+          </a:bodyPr>
+          <a:lstStyle/>
+          <a:p>
+            <a:r>
+              <a:rPr lang="ko-KR" altLang="en-US" dirty="0" smtClean="0"/>
+              <a:t>단</a:t>
+            </a:r>
+            <a:r>
+              <a:rPr lang="ko-KR" altLang="en-US" dirty="0" smtClean="0"/>
+              <a:t>일</a:t>
+            </a:r>
+            <a:r>
+              <a:rPr lang="ko-KR" altLang="en-US" dirty="0" smtClean="0"/>
+              <a:t> 데이터 처리방식</a:t>
+            </a:r>
+            <a:endParaRPr lang="ko-KR" altLang="en-US" dirty="0"/>
+          </a:p>
+        </p:txBody>
+      </p:sp>
+      <p:sp>
+        <p:nvSpPr>
+          <p:cNvPr id="66" name="TextBox 65"/>
+          <p:cNvSpPr txBox="1"/>
+          <p:nvPr/>
+        </p:nvSpPr>
+        <p:spPr>
+          <a:xfrm>
+            <a:off x="4714876" y="2000240"/>
+            <a:ext cx="2928958" cy="369332"/>
+          </a:xfrm>
+          <a:prstGeom prst="rect">
+            <a:avLst/>
+          </a:prstGeom>
+          <a:noFill/>
+        </p:spPr>
+        <p:txBody>
+          <a:bodyPr wrap="square" rtlCol="0">
+            <a:spAutoFit/>
+          </a:bodyPr>
+          <a:lstStyle/>
+          <a:p>
+            <a:r>
+              <a:rPr lang="ko-KR" altLang="en-US" dirty="0" smtClean="0"/>
+              <a:t>메타 데이터 처리방식</a:t>
+            </a:r>
+            <a:endParaRPr lang="ko-KR" altLang="en-US" dirty="0"/>
+          </a:p>
+        </p:txBody>
+      </p:sp>
+    </p:spTree>
+  </p:cSld>
+  <p:clrMapOvr>
+    <a:masterClrMapping/>
+  </p:clrMapOvr>
+</p:sld>
+</file>
+
+<file path=ppt/slides/slide4.xml><?xml version="1.0" encoding="utf-8"?>
+<p:sld xmlns:a="http://schemas.openxmlformats.org/drawingml/2006/main" xmlns:r="http://schemas.openxmlformats.org/officeDocument/2006/relationships" xmlns:p="http://schemas.openxmlformats.org/presentationml/2006/main">
+  <p:cSld>
+    <p:spTree>
+      <p:nvGrpSpPr>
+        <p:cNvPr id="1" name=""/>
+        <p:cNvGrpSpPr/>
+        <p:nvPr/>
+      </p:nvGrpSpPr>
+      <p:grpSpPr>
+        <a:xfrm>
+          <a:off x="0" y="0"/>
+          <a:ext cx="0" cy="0"/>
+          <a:chOff x="0" y="0"/>
+          <a:chExt cx="0" cy="0"/>
+        </a:xfrm>
+      </p:grpSpPr>
+      <p:sp>
+        <p:nvSpPr>
+          <p:cNvPr id="58" name="직사각형 57"/>
+          <p:cNvSpPr/>
+          <p:nvPr/>
+        </p:nvSpPr>
+        <p:spPr>
+          <a:xfrm>
+            <a:off x="1071538" y="1857364"/>
+            <a:ext cx="5929354" cy="1214446"/>
+          </a:xfrm>
+          <a:prstGeom prst="rect">
+            <a:avLst/>
+          </a:prstGeom>
+          <a:noFill/>
+        </p:spPr>
+        <p:style>
+          <a:lnRef idx="2">
+            <a:schemeClr val="accent1">
+              <a:shade val="50000"/>
+            </a:schemeClr>
+          </a:lnRef>
+          <a:fillRef idx="1">
+            <a:schemeClr val="accent1"/>
+          </a:fillRef>
+          <a:effectRef idx="0">
+            <a:schemeClr val="accent1"/>
+          </a:effectRef>
+          <a:fontRef idx="minor">
+            <a:schemeClr val="lt1"/>
+          </a:fontRef>
+        </p:style>
+        <p:txBody>
+          <a:bodyPr rtlCol="0" anchor="ctr"/>
+          <a:lstStyle/>
+          <a:p>
+            <a:pPr algn="ctr"/>
+            <a:endParaRPr lang="ko-KR" altLang="en-US"/>
+          </a:p>
+        </p:txBody>
+      </p:sp>
+      <p:sp>
+        <p:nvSpPr>
+          <p:cNvPr id="64" name="직사각형 63"/>
+          <p:cNvSpPr/>
+          <p:nvPr/>
+        </p:nvSpPr>
+        <p:spPr>
+          <a:xfrm>
+            <a:off x="1214414" y="2500306"/>
+            <a:ext cx="5643602" cy="428628"/>
+          </a:xfrm>
+          <a:prstGeom prst="rect">
+            <a:avLst/>
+          </a:prstGeom>
+          <a:solidFill>
+            <a:schemeClr val="accent6">
+              <a:lumMod val="60000"/>
+              <a:lumOff val="40000"/>
+            </a:schemeClr>
+          </a:solidFill>
+        </p:spPr>
+        <p:style>
+          <a:lnRef idx="2">
+            <a:schemeClr val="accent1">
+              <a:shade val="50000"/>
+            </a:schemeClr>
+          </a:lnRef>
+          <a:fillRef idx="1">
+            <a:schemeClr val="accent1"/>
+          </a:fillRef>
+          <a:effectRef idx="0">
+            <a:schemeClr val="accent1"/>
+          </a:effectRef>
+          <a:fontRef idx="minor">
+            <a:schemeClr val="lt1"/>
+          </a:fontRef>
+        </p:style>
+        <p:txBody>
+          <a:bodyPr rtlCol="0" anchor="ctr"/>
+          <a:lstStyle/>
+          <a:p>
+            <a:pPr algn="ctr"/>
+            <a:r>
+              <a:rPr lang="en-US" altLang="ko-KR" sz="1400" dirty="0" smtClean="0">
+                <a:solidFill>
+                  <a:schemeClr val="tx2"/>
+                </a:solidFill>
+                <a:latin typeface="+mj-lt"/>
+              </a:rPr>
+              <a:t>UI </a:t>
+            </a:r>
+            <a:r>
+              <a:rPr lang="ko-KR" altLang="en-US" sz="1400" dirty="0" smtClean="0">
+                <a:solidFill>
+                  <a:schemeClr val="tx2"/>
+                </a:solidFill>
+                <a:latin typeface="+mj-lt"/>
+              </a:rPr>
+              <a:t>개발 공통 </a:t>
+            </a:r>
+            <a:r>
+              <a:rPr lang="en-US" altLang="ko-KR" sz="1400" dirty="0" smtClean="0">
+                <a:solidFill>
+                  <a:schemeClr val="tx2"/>
+                </a:solidFill>
+                <a:latin typeface="+mj-lt"/>
+              </a:rPr>
+              <a:t>Framework(</a:t>
+            </a:r>
+            <a:r>
+              <a:rPr lang="en-US" altLang="ko-KR" sz="1400" dirty="0" err="1" smtClean="0">
+                <a:solidFill>
+                  <a:schemeClr val="tx2"/>
+                </a:solidFill>
+                <a:latin typeface="+mj-lt"/>
+              </a:rPr>
+              <a:t>Javascript</a:t>
+            </a:r>
+            <a:r>
+              <a:rPr lang="en-US" altLang="ko-KR" sz="1400" dirty="0" smtClean="0">
+                <a:solidFill>
+                  <a:schemeClr val="tx2"/>
+                </a:solidFill>
+                <a:latin typeface="+mj-lt"/>
+              </a:rPr>
+              <a:t>, </a:t>
+            </a:r>
+            <a:r>
+              <a:rPr lang="ko-KR" altLang="en-US" sz="1400" dirty="0" smtClean="0">
+                <a:solidFill>
+                  <a:schemeClr val="tx2"/>
+                </a:solidFill>
+                <a:latin typeface="+mj-lt"/>
+              </a:rPr>
+              <a:t>차트솔루션</a:t>
+            </a:r>
+            <a:r>
+              <a:rPr lang="en-US" altLang="ko-KR" sz="1400" dirty="0" smtClean="0">
+                <a:solidFill>
+                  <a:schemeClr val="tx2"/>
+                </a:solidFill>
+                <a:latin typeface="+mj-lt"/>
+              </a:rPr>
+              <a:t>, </a:t>
+            </a:r>
+            <a:r>
+              <a:rPr lang="ko-KR" altLang="en-US" sz="1400" dirty="0" err="1" smtClean="0">
+                <a:solidFill>
+                  <a:schemeClr val="tx2"/>
+                </a:solidFill>
+                <a:latin typeface="+mj-lt"/>
+              </a:rPr>
+              <a:t>시각화솔루션</a:t>
+            </a:r>
+            <a:r>
+              <a:rPr lang="en-US" altLang="ko-KR" sz="1400" dirty="0" smtClean="0">
+                <a:solidFill>
+                  <a:schemeClr val="tx2"/>
+                </a:solidFill>
+                <a:latin typeface="+mj-lt"/>
+              </a:rPr>
+              <a:t>..)</a:t>
+            </a:r>
+            <a:endParaRPr lang="ko-KR" altLang="en-US" sz="1400" dirty="0">
+              <a:solidFill>
+                <a:schemeClr val="tx2"/>
+              </a:solidFill>
+              <a:latin typeface="+mj-lt"/>
+            </a:endParaRPr>
+          </a:p>
+        </p:txBody>
+      </p:sp>
+      <p:sp>
+        <p:nvSpPr>
+          <p:cNvPr id="20" name="직사각형 19"/>
+          <p:cNvSpPr/>
+          <p:nvPr/>
+        </p:nvSpPr>
+        <p:spPr>
+          <a:xfrm>
+            <a:off x="1214414" y="2000240"/>
+            <a:ext cx="1571636" cy="357190"/>
+          </a:xfrm>
+          <a:prstGeom prst="rect">
+            <a:avLst/>
+          </a:prstGeom>
+          <a:noFill/>
+        </p:spPr>
+        <p:style>
+          <a:lnRef idx="2">
+            <a:schemeClr val="accent1">
+              <a:shade val="50000"/>
+            </a:schemeClr>
+          </a:lnRef>
+          <a:fillRef idx="1">
+            <a:schemeClr val="accent1"/>
+          </a:fillRef>
+          <a:effectRef idx="0">
+            <a:schemeClr val="accent1"/>
+          </a:effectRef>
+          <a:fontRef idx="minor">
+            <a:schemeClr val="lt1"/>
+          </a:fontRef>
+        </p:style>
+        <p:txBody>
+          <a:bodyPr rtlCol="0" anchor="ctr"/>
+          <a:lstStyle/>
+          <a:p>
+            <a:pPr algn="ctr"/>
+            <a:r>
+              <a:rPr lang="ko-KR" altLang="en-US" sz="1400" dirty="0" smtClean="0">
+                <a:solidFill>
+                  <a:schemeClr val="tx2"/>
+                </a:solidFill>
+                <a:latin typeface="+mj-lt"/>
+              </a:rPr>
+              <a:t>환자정보관리 </a:t>
+            </a:r>
+            <a:r>
+              <a:rPr lang="en-US" altLang="ko-KR" sz="1400" dirty="0" smtClean="0">
+                <a:solidFill>
+                  <a:schemeClr val="tx2"/>
+                </a:solidFill>
+                <a:latin typeface="+mj-lt"/>
+              </a:rPr>
+              <a:t>UI</a:t>
+            </a:r>
+            <a:endParaRPr lang="ko-KR" altLang="en-US" sz="1400" dirty="0">
+              <a:solidFill>
+                <a:schemeClr val="tx2"/>
+              </a:solidFill>
+              <a:latin typeface="+mj-lt"/>
+            </a:endParaRPr>
+          </a:p>
+        </p:txBody>
+      </p:sp>
+      <p:sp>
+        <p:nvSpPr>
+          <p:cNvPr id="21" name="직사각형 20"/>
+          <p:cNvSpPr/>
+          <p:nvPr/>
+        </p:nvSpPr>
+        <p:spPr>
+          <a:xfrm>
+            <a:off x="2857488" y="2000240"/>
+            <a:ext cx="1214446" cy="357190"/>
+          </a:xfrm>
+          <a:prstGeom prst="rect">
+            <a:avLst/>
+          </a:prstGeom>
+          <a:noFill/>
+        </p:spPr>
+        <p:style>
+          <a:lnRef idx="2">
+            <a:schemeClr val="accent1">
+              <a:shade val="50000"/>
+            </a:schemeClr>
+          </a:lnRef>
+          <a:fillRef idx="1">
+            <a:schemeClr val="accent1"/>
+          </a:fillRef>
+          <a:effectRef idx="0">
+            <a:schemeClr val="accent1"/>
+          </a:effectRef>
+          <a:fontRef idx="minor">
+            <a:schemeClr val="lt1"/>
+          </a:fontRef>
+        </p:style>
+        <p:txBody>
+          <a:bodyPr rtlCol="0" anchor="ctr"/>
+          <a:lstStyle/>
+          <a:p>
+            <a:pPr algn="ctr"/>
+            <a:r>
+              <a:rPr lang="ko-KR" altLang="en-US" sz="1400" smtClean="0">
+                <a:solidFill>
+                  <a:schemeClr val="tx2"/>
+                </a:solidFill>
+                <a:latin typeface="+mj-lt"/>
+              </a:rPr>
+              <a:t>원격진</a:t>
+            </a:r>
+            <a:r>
+              <a:rPr lang="ko-KR" altLang="en-US" sz="1400" smtClean="0">
+                <a:solidFill>
+                  <a:schemeClr val="tx2"/>
+                </a:solidFill>
+                <a:latin typeface="+mj-lt"/>
+              </a:rPr>
+              <a:t>료</a:t>
+            </a:r>
+            <a:r>
+              <a:rPr lang="ko-KR" altLang="en-US" sz="1400" smtClean="0">
+                <a:solidFill>
+                  <a:schemeClr val="tx2"/>
+                </a:solidFill>
+                <a:latin typeface="+mj-lt"/>
+              </a:rPr>
+              <a:t> </a:t>
+            </a:r>
+            <a:r>
+              <a:rPr lang="en-US" altLang="ko-KR" sz="1400" dirty="0" smtClean="0">
+                <a:solidFill>
+                  <a:schemeClr val="tx2"/>
+                </a:solidFill>
+                <a:latin typeface="+mj-lt"/>
+              </a:rPr>
+              <a:t>UI</a:t>
+            </a:r>
+            <a:endParaRPr lang="ko-KR" altLang="en-US" sz="1400" dirty="0">
+              <a:solidFill>
+                <a:schemeClr val="tx2"/>
+              </a:solidFill>
+              <a:latin typeface="+mj-lt"/>
+            </a:endParaRPr>
+          </a:p>
+        </p:txBody>
+      </p:sp>
+      <p:sp>
+        <p:nvSpPr>
+          <p:cNvPr id="22" name="직사각형 21"/>
+          <p:cNvSpPr/>
+          <p:nvPr/>
+        </p:nvSpPr>
+        <p:spPr>
+          <a:xfrm>
+            <a:off x="4143372" y="2000240"/>
+            <a:ext cx="1214446" cy="357190"/>
+          </a:xfrm>
+          <a:prstGeom prst="rect">
+            <a:avLst/>
+          </a:prstGeom>
+          <a:noFill/>
+        </p:spPr>
+        <p:style>
+          <a:lnRef idx="2">
+            <a:schemeClr val="accent1">
+              <a:shade val="50000"/>
+            </a:schemeClr>
+          </a:lnRef>
+          <a:fillRef idx="1">
+            <a:schemeClr val="accent1"/>
+          </a:fillRef>
+          <a:effectRef idx="0">
+            <a:schemeClr val="accent1"/>
+          </a:effectRef>
+          <a:fontRef idx="minor">
+            <a:schemeClr val="lt1"/>
+          </a:fontRef>
+        </p:style>
+        <p:txBody>
+          <a:bodyPr rtlCol="0" anchor="ctr"/>
+          <a:lstStyle/>
+          <a:p>
+            <a:pPr algn="ctr"/>
+            <a:r>
+              <a:rPr lang="ko-KR" altLang="en-US" sz="1400" dirty="0" smtClean="0">
+                <a:solidFill>
+                  <a:schemeClr val="tx2"/>
+                </a:solidFill>
+                <a:latin typeface="+mj-lt"/>
+              </a:rPr>
+              <a:t>진료조회</a:t>
+            </a:r>
+            <a:r>
+              <a:rPr lang="en-US" altLang="ko-KR" sz="1400" dirty="0" smtClean="0">
+                <a:solidFill>
+                  <a:schemeClr val="tx2"/>
+                </a:solidFill>
+                <a:latin typeface="+mj-lt"/>
+              </a:rPr>
+              <a:t>UI</a:t>
+            </a:r>
+            <a:endParaRPr lang="ko-KR" altLang="en-US" sz="1400" dirty="0">
+              <a:solidFill>
+                <a:schemeClr val="tx2"/>
+              </a:solidFill>
+              <a:latin typeface="+mj-lt"/>
+            </a:endParaRPr>
+          </a:p>
+        </p:txBody>
+      </p:sp>
+      <p:sp>
+        <p:nvSpPr>
+          <p:cNvPr id="23" name="직사각형 22"/>
+          <p:cNvSpPr/>
+          <p:nvPr/>
+        </p:nvSpPr>
+        <p:spPr>
+          <a:xfrm>
+            <a:off x="5429256" y="2000240"/>
+            <a:ext cx="1428760" cy="357190"/>
+          </a:xfrm>
+          <a:prstGeom prst="rect">
+            <a:avLst/>
+          </a:prstGeom>
+          <a:noFill/>
+        </p:spPr>
+        <p:style>
+          <a:lnRef idx="2">
+            <a:schemeClr val="accent1">
+              <a:shade val="50000"/>
+            </a:schemeClr>
+          </a:lnRef>
+          <a:fillRef idx="1">
+            <a:schemeClr val="accent1"/>
+          </a:fillRef>
+          <a:effectRef idx="0">
+            <a:schemeClr val="accent1"/>
+          </a:effectRef>
+          <a:fontRef idx="minor">
+            <a:schemeClr val="lt1"/>
+          </a:fontRef>
+        </p:style>
+        <p:txBody>
+          <a:bodyPr rtlCol="0" anchor="ctr"/>
+          <a:lstStyle/>
+          <a:p>
+            <a:pPr algn="ctr"/>
+            <a:r>
+              <a:rPr lang="ko-KR" altLang="en-US" sz="1400" smtClean="0">
+                <a:solidFill>
+                  <a:schemeClr val="tx2"/>
+                </a:solidFill>
+                <a:latin typeface="+mj-lt"/>
+              </a:rPr>
+              <a:t>전문의문</a:t>
+            </a:r>
+            <a:r>
+              <a:rPr lang="ko-KR" altLang="en-US" sz="1400" smtClean="0">
+                <a:solidFill>
+                  <a:schemeClr val="tx2"/>
+                </a:solidFill>
+                <a:latin typeface="+mj-lt"/>
+              </a:rPr>
+              <a:t>답</a:t>
+            </a:r>
+            <a:r>
+              <a:rPr lang="en-US" altLang="ko-KR" sz="1400" dirty="0" smtClean="0">
+                <a:solidFill>
+                  <a:schemeClr val="tx2"/>
+                </a:solidFill>
+                <a:latin typeface="+mj-lt"/>
+              </a:rPr>
+              <a:t>UI</a:t>
+            </a:r>
+            <a:endParaRPr lang="ko-KR" altLang="en-US" sz="1400" dirty="0">
+              <a:solidFill>
+                <a:schemeClr val="tx2"/>
+              </a:solidFill>
+              <a:latin typeface="+mj-lt"/>
+            </a:endParaRPr>
+          </a:p>
+        </p:txBody>
+      </p:sp>
+    </p:spTree>
+  </p:cSld>
+  <p:clrMapOvr>
+    <a:masterClrMapping/>
+  </p:clrMapOvr>
+</p:sld>
+</file>
+
+<file path=ppt/slides/slide5.xml><?xml version="1.0" encoding="utf-8"?>
+<p:sld xmlns:a="http://schemas.openxmlformats.org/drawingml/2006/main" xmlns:r="http://schemas.openxmlformats.org/officeDocument/2006/relationships" xmlns:p="http://schemas.openxmlformats.org/presentationml/2006/main">
+  <p:cSld>
+    <p:spTree>
+      <p:nvGrpSpPr>
+        <p:cNvPr id="1" name=""/>
+        <p:cNvGrpSpPr/>
+        <p:nvPr/>
+      </p:nvGrpSpPr>
+      <p:grpSpPr>
+        <a:xfrm>
+          <a:off x="0" y="0"/>
+          <a:ext cx="0" cy="0"/>
+          <a:chOff x="0" y="0"/>
+          <a:chExt cx="0" cy="0"/>
+        </a:xfrm>
+      </p:grpSpPr>
+      <p:sp>
+        <p:nvSpPr>
+          <p:cNvPr id="58" name="직사각형 57"/>
+          <p:cNvSpPr/>
+          <p:nvPr/>
+        </p:nvSpPr>
+        <p:spPr>
+          <a:xfrm>
+            <a:off x="857224" y="1357298"/>
+            <a:ext cx="4857784" cy="3857652"/>
+          </a:xfrm>
+          <a:prstGeom prst="rect">
+            <a:avLst/>
+          </a:prstGeom>
+          <a:noFill/>
+        </p:spPr>
+        <p:style>
+          <a:lnRef idx="2">
+            <a:schemeClr val="accent1">
+              <a:shade val="50000"/>
+            </a:schemeClr>
+          </a:lnRef>
+          <a:fillRef idx="1">
+            <a:schemeClr val="accent1"/>
+          </a:fillRef>
+          <a:effectRef idx="0">
+            <a:schemeClr val="accent1"/>
+          </a:effectRef>
+          <a:fontRef idx="minor">
+            <a:schemeClr val="lt1"/>
+          </a:fontRef>
+        </p:style>
+        <p:txBody>
+          <a:bodyPr rtlCol="0" anchor="ctr"/>
+          <a:lstStyle/>
+          <a:p>
+            <a:pPr algn="ctr"/>
+            <a:endParaRPr lang="ko-KR" altLang="en-US"/>
+          </a:p>
+        </p:txBody>
+      </p:sp>
+      <p:sp>
+        <p:nvSpPr>
+          <p:cNvPr id="20" name="직사각형 19"/>
+          <p:cNvSpPr/>
+          <p:nvPr/>
+        </p:nvSpPr>
+        <p:spPr>
+          <a:xfrm>
+            <a:off x="1214414" y="2000240"/>
+            <a:ext cx="1571636" cy="357190"/>
+          </a:xfrm>
+          <a:prstGeom prst="rect">
+            <a:avLst/>
+          </a:prstGeom>
+          <a:noFill/>
+        </p:spPr>
+        <p:style>
+          <a:lnRef idx="2">
+            <a:schemeClr val="accent1">
+              <a:shade val="50000"/>
+            </a:schemeClr>
+          </a:lnRef>
+          <a:fillRef idx="1">
+            <a:schemeClr val="accent1"/>
+          </a:fillRef>
+          <a:effectRef idx="0">
+            <a:schemeClr val="accent1"/>
+          </a:effectRef>
+          <a:fontRef idx="minor">
+            <a:schemeClr val="lt1"/>
+          </a:fontRef>
+        </p:style>
+        <p:txBody>
+          <a:bodyPr rtlCol="0" anchor="ctr"/>
+          <a:lstStyle/>
+          <a:p>
+            <a:pPr algn="ctr"/>
+            <a:r>
+              <a:rPr lang="ko-KR" altLang="en-US" sz="1400" smtClean="0">
+                <a:solidFill>
+                  <a:schemeClr val="tx2"/>
+                </a:solidFill>
+                <a:latin typeface="+mj-lt"/>
+              </a:rPr>
+              <a:t>어플리케이션</a:t>
+            </a:r>
+            <a:endParaRPr lang="ko-KR" altLang="en-US" sz="1400" dirty="0">
+              <a:solidFill>
+                <a:schemeClr val="tx2"/>
+              </a:solidFill>
+              <a:latin typeface="+mj-lt"/>
+            </a:endParaRPr>
+          </a:p>
+        </p:txBody>
+      </p:sp>
+      <p:sp>
+        <p:nvSpPr>
+          <p:cNvPr id="21" name="직사각형 20"/>
+          <p:cNvSpPr/>
+          <p:nvPr/>
+        </p:nvSpPr>
+        <p:spPr>
+          <a:xfrm>
+            <a:off x="1214414" y="2786058"/>
+            <a:ext cx="1571636" cy="357190"/>
+          </a:xfrm>
+          <a:prstGeom prst="rect">
+            <a:avLst/>
+          </a:prstGeom>
+          <a:noFill/>
+        </p:spPr>
+        <p:style>
+          <a:lnRef idx="2">
+            <a:schemeClr val="accent1">
+              <a:shade val="50000"/>
+            </a:schemeClr>
+          </a:lnRef>
+          <a:fillRef idx="1">
+            <a:schemeClr val="accent1"/>
+          </a:fillRef>
+          <a:effectRef idx="0">
+            <a:schemeClr val="accent1"/>
+          </a:effectRef>
+          <a:fontRef idx="minor">
+            <a:schemeClr val="lt1"/>
+          </a:fontRef>
+        </p:style>
+        <p:txBody>
+          <a:bodyPr rtlCol="0" anchor="ctr"/>
+          <a:lstStyle/>
+          <a:p>
+            <a:pPr algn="ctr"/>
+            <a:r>
+              <a:rPr lang="ko-KR" altLang="en-US" sz="1400" smtClean="0">
+                <a:solidFill>
+                  <a:schemeClr val="tx2"/>
+                </a:solidFill>
+                <a:latin typeface="+mj-lt"/>
+              </a:rPr>
+              <a:t>데이터저장소</a:t>
+            </a:r>
+            <a:endParaRPr lang="ko-KR" altLang="en-US" sz="1400" dirty="0">
+              <a:solidFill>
+                <a:schemeClr val="tx2"/>
+              </a:solidFill>
+              <a:latin typeface="+mj-lt"/>
+            </a:endParaRPr>
+          </a:p>
+        </p:txBody>
+      </p:sp>
+      <p:sp>
+        <p:nvSpPr>
+          <p:cNvPr id="22" name="직사각형 21"/>
+          <p:cNvSpPr/>
+          <p:nvPr/>
+        </p:nvSpPr>
+        <p:spPr>
+          <a:xfrm>
+            <a:off x="3786182" y="2000240"/>
+            <a:ext cx="1214446" cy="357190"/>
+          </a:xfrm>
+          <a:prstGeom prst="rect">
+            <a:avLst/>
+          </a:prstGeom>
+          <a:noFill/>
+        </p:spPr>
+        <p:style>
+          <a:lnRef idx="2">
+            <a:schemeClr val="accent1">
+              <a:shade val="50000"/>
+            </a:schemeClr>
+          </a:lnRef>
+          <a:fillRef idx="1">
+            <a:schemeClr val="accent1"/>
+          </a:fillRef>
+          <a:effectRef idx="0">
+            <a:schemeClr val="accent1"/>
+          </a:effectRef>
+          <a:fontRef idx="minor">
+            <a:schemeClr val="lt1"/>
+          </a:fontRef>
+        </p:style>
+        <p:txBody>
+          <a:bodyPr rtlCol="0" anchor="ctr"/>
+          <a:lstStyle/>
+          <a:p>
+            <a:pPr algn="ctr"/>
+            <a:r>
+              <a:rPr lang="ko-KR" altLang="en-US" sz="1400" smtClean="0">
+                <a:solidFill>
+                  <a:schemeClr val="tx2"/>
+                </a:solidFill>
+                <a:latin typeface="+mj-lt"/>
+              </a:rPr>
+              <a:t>암</a:t>
+            </a:r>
+            <a:r>
+              <a:rPr lang="en-US" altLang="ko-KR" sz="1400" dirty="0" smtClean="0">
+                <a:solidFill>
+                  <a:schemeClr val="tx2"/>
+                </a:solidFill>
+                <a:latin typeface="+mj-lt"/>
+              </a:rPr>
+              <a:t>/</a:t>
+            </a:r>
+            <a:r>
+              <a:rPr lang="ko-KR" altLang="en-US" sz="1400" dirty="0" err="1" smtClean="0">
+                <a:solidFill>
+                  <a:schemeClr val="tx2"/>
+                </a:solidFill>
+                <a:latin typeface="+mj-lt"/>
+              </a:rPr>
+              <a:t>복호화</a:t>
+            </a:r>
+            <a:endParaRPr lang="ko-KR" altLang="en-US" sz="1400" dirty="0">
+              <a:solidFill>
+                <a:schemeClr val="tx2"/>
+              </a:solidFill>
+              <a:latin typeface="+mj-lt"/>
+            </a:endParaRPr>
+          </a:p>
+        </p:txBody>
+      </p:sp>
+      <p:cxnSp>
+        <p:nvCxnSpPr>
+          <p:cNvPr id="9" name="직선 화살표 연결선 8"/>
+          <p:cNvCxnSpPr/>
+          <p:nvPr/>
+        </p:nvCxnSpPr>
+        <p:spPr>
+          <a:xfrm>
+            <a:off x="2786050" y="2071678"/>
+            <a:ext cx="1000132" cy="1588"/>
+          </a:xfrm>
+          <a:prstGeom prst="straightConnector1">
+            <a:avLst/>
+          </a:prstGeom>
+          <a:ln>
+            <a:tailEnd type="arrow"/>
+          </a:ln>
+        </p:spPr>
+        <p:style>
+          <a:lnRef idx="1">
+            <a:schemeClr val="accent1"/>
+          </a:lnRef>
+          <a:fillRef idx="0">
+            <a:schemeClr val="accent1"/>
+          </a:fillRef>
+          <a:effectRef idx="0">
+            <a:schemeClr val="accent1"/>
+          </a:effectRef>
+          <a:fontRef idx="minor">
+            <a:schemeClr val="tx1"/>
+          </a:fontRef>
+        </p:style>
+      </p:cxnSp>
+      <p:cxnSp>
+        <p:nvCxnSpPr>
+          <p:cNvPr id="11" name="직선 화살표 연결선 10"/>
+          <p:cNvCxnSpPr>
+            <a:stCxn id="22" idx="1"/>
+            <a:endCxn id="20" idx="3"/>
+          </p:cNvCxnSpPr>
+          <p:nvPr/>
+        </p:nvCxnSpPr>
+        <p:spPr>
+          <a:xfrm rot="10800000">
+            <a:off x="2786050" y="2178835"/>
+            <a:ext cx="1000132" cy="1588"/>
+          </a:xfrm>
+          <a:prstGeom prst="straightConnector1">
+            <a:avLst/>
+          </a:prstGeom>
+          <a:ln>
+            <a:tailEnd type="arrow"/>
+          </a:ln>
+        </p:spPr>
+        <p:style>
+          <a:lnRef idx="1">
+            <a:schemeClr val="accent1"/>
+          </a:lnRef>
+          <a:fillRef idx="0">
+            <a:schemeClr val="accent1"/>
+          </a:fillRef>
+          <a:effectRef idx="0">
+            <a:schemeClr val="accent1"/>
+          </a:effectRef>
+          <a:fontRef idx="minor">
+            <a:schemeClr val="tx1"/>
+          </a:fontRef>
+        </p:style>
+      </p:cxnSp>
+      <p:sp>
+        <p:nvSpPr>
+          <p:cNvPr id="12" name="TextBox 11"/>
+          <p:cNvSpPr txBox="1"/>
+          <p:nvPr/>
+        </p:nvSpPr>
+        <p:spPr>
+          <a:xfrm>
+            <a:off x="2857488" y="1857364"/>
+            <a:ext cx="1000132" cy="276999"/>
+          </a:xfrm>
+          <a:prstGeom prst="rect">
+            <a:avLst/>
+          </a:prstGeom>
+          <a:noFill/>
+        </p:spPr>
+        <p:txBody>
+          <a:bodyPr wrap="square" rtlCol="0">
+            <a:spAutoFit/>
+          </a:bodyPr>
+          <a:lstStyle/>
+          <a:p>
+            <a:r>
+              <a:rPr lang="en-US" altLang="ko-KR" sz="1200" dirty="0" smtClean="0"/>
+              <a:t>1.</a:t>
+            </a:r>
+            <a:r>
+              <a:rPr lang="ko-KR" altLang="en-US" sz="1200" dirty="0" err="1" smtClean="0"/>
+              <a:t>민감정보</a:t>
+            </a:r>
+            <a:endParaRPr lang="ko-KR" altLang="en-US" sz="1200" dirty="0"/>
+          </a:p>
+        </p:txBody>
+      </p:sp>
+      <p:sp>
+        <p:nvSpPr>
+          <p:cNvPr id="13" name="TextBox 12"/>
+          <p:cNvSpPr txBox="1"/>
+          <p:nvPr/>
+        </p:nvSpPr>
+        <p:spPr>
+          <a:xfrm>
+            <a:off x="2786050" y="2214554"/>
+            <a:ext cx="1071570" cy="276999"/>
+          </a:xfrm>
+          <a:prstGeom prst="rect">
+            <a:avLst/>
+          </a:prstGeom>
+          <a:noFill/>
+        </p:spPr>
+        <p:txBody>
+          <a:bodyPr wrap="square" rtlCol="0">
+            <a:spAutoFit/>
+          </a:bodyPr>
+          <a:lstStyle/>
+          <a:p>
+            <a:r>
+              <a:rPr lang="en-US" altLang="ko-KR" sz="1200" dirty="0" smtClean="0"/>
+              <a:t>3.</a:t>
+            </a:r>
+            <a:r>
+              <a:rPr lang="ko-KR" altLang="en-US" sz="1200" dirty="0" err="1" smtClean="0"/>
+              <a:t>암호화정보</a:t>
+            </a:r>
+            <a:endParaRPr lang="ko-KR" altLang="en-US" sz="1200" dirty="0"/>
+          </a:p>
+        </p:txBody>
+      </p:sp>
+      <p:cxnSp>
+        <p:nvCxnSpPr>
+          <p:cNvPr id="15" name="직선 화살표 연결선 14"/>
+          <p:cNvCxnSpPr>
+            <a:stCxn id="20" idx="2"/>
+            <a:endCxn id="21" idx="0"/>
+          </p:cNvCxnSpPr>
+          <p:nvPr/>
+        </p:nvCxnSpPr>
+        <p:spPr>
+          <a:xfrm rot="5400000">
+            <a:off x="1785918" y="2571744"/>
+            <a:ext cx="428628" cy="1588"/>
+          </a:xfrm>
+          <a:prstGeom prst="straightConnector1">
+            <a:avLst/>
+          </a:prstGeom>
+          <a:ln>
+            <a:tailEnd type="arrow"/>
+          </a:ln>
+        </p:spPr>
+        <p:style>
+          <a:lnRef idx="1">
+            <a:schemeClr val="accent1"/>
+          </a:lnRef>
+          <a:fillRef idx="0">
+            <a:schemeClr val="accent1"/>
+          </a:fillRef>
+          <a:effectRef idx="0">
+            <a:schemeClr val="accent1"/>
+          </a:effectRef>
+          <a:fontRef idx="minor">
+            <a:schemeClr val="tx1"/>
+          </a:fontRef>
+        </p:style>
+      </p:cxnSp>
+      <p:sp>
+        <p:nvSpPr>
+          <p:cNvPr id="18" name="TextBox 17"/>
+          <p:cNvSpPr txBox="1"/>
+          <p:nvPr/>
+        </p:nvSpPr>
+        <p:spPr>
+          <a:xfrm>
+            <a:off x="2071670" y="2437621"/>
+            <a:ext cx="1071570" cy="276999"/>
+          </a:xfrm>
+          <a:prstGeom prst="rect">
+            <a:avLst/>
+          </a:prstGeom>
+          <a:noFill/>
+        </p:spPr>
+        <p:txBody>
+          <a:bodyPr wrap="square" rtlCol="0">
+            <a:spAutoFit/>
+          </a:bodyPr>
+          <a:lstStyle/>
+          <a:p>
+            <a:r>
+              <a:rPr lang="en-US" altLang="ko-KR" sz="1200" dirty="0" smtClean="0"/>
+              <a:t>4.</a:t>
+            </a:r>
+            <a:r>
+              <a:rPr lang="ko-KR" altLang="en-US" sz="1200" dirty="0" err="1" smtClean="0"/>
+              <a:t>암호화저장</a:t>
+            </a:r>
+            <a:endParaRPr lang="ko-KR" altLang="en-US" sz="1200" dirty="0"/>
+          </a:p>
+        </p:txBody>
+      </p:sp>
+      <p:cxnSp>
+        <p:nvCxnSpPr>
+          <p:cNvPr id="24" name="Shape 23"/>
+          <p:cNvCxnSpPr>
+            <a:stCxn id="22" idx="0"/>
+            <a:endCxn id="22" idx="3"/>
+          </p:cNvCxnSpPr>
+          <p:nvPr/>
+        </p:nvCxnSpPr>
+        <p:spPr>
+          <a:xfrm rot="16200000" flipH="1">
+            <a:off x="4607718" y="1785926"/>
+            <a:ext cx="178595" cy="607223"/>
+          </a:xfrm>
+          <a:prstGeom prst="bentConnector4">
+            <a:avLst>
+              <a:gd name="adj1" fmla="val -127999"/>
+              <a:gd name="adj2" fmla="val 137647"/>
+            </a:avLst>
+          </a:prstGeom>
+          <a:ln>
+            <a:tailEnd type="arrow"/>
+          </a:ln>
+        </p:spPr>
+        <p:style>
+          <a:lnRef idx="1">
+            <a:schemeClr val="accent1"/>
+          </a:lnRef>
+          <a:fillRef idx="0">
+            <a:schemeClr val="accent1"/>
+          </a:fillRef>
+          <a:effectRef idx="0">
+            <a:schemeClr val="accent1"/>
+          </a:effectRef>
+          <a:fontRef idx="minor">
+            <a:schemeClr val="tx1"/>
+          </a:fontRef>
+        </p:style>
+      </p:cxnSp>
+      <p:sp>
+        <p:nvSpPr>
+          <p:cNvPr id="25" name="TextBox 24"/>
+          <p:cNvSpPr txBox="1"/>
+          <p:nvPr/>
+        </p:nvSpPr>
+        <p:spPr>
+          <a:xfrm>
+            <a:off x="4714876" y="1500174"/>
+            <a:ext cx="857256" cy="276999"/>
+          </a:xfrm>
+          <a:prstGeom prst="rect">
+            <a:avLst/>
+          </a:prstGeom>
+          <a:noFill/>
+        </p:spPr>
+        <p:txBody>
+          <a:bodyPr wrap="square" rtlCol="0">
+            <a:spAutoFit/>
+          </a:bodyPr>
+          <a:lstStyle/>
+          <a:p>
+            <a:r>
+              <a:rPr lang="en-US" altLang="ko-KR" sz="1200" dirty="0" smtClean="0"/>
+              <a:t>2.</a:t>
+            </a:r>
+            <a:r>
+              <a:rPr lang="ko-KR" altLang="en-US" sz="1200" dirty="0" smtClean="0"/>
+              <a:t>암호화</a:t>
+            </a:r>
+            <a:endParaRPr lang="ko-KR" altLang="en-US" sz="1200" dirty="0"/>
+          </a:p>
+        </p:txBody>
+      </p:sp>
+      <p:sp>
+        <p:nvSpPr>
+          <p:cNvPr id="26" name="직사각형 25"/>
+          <p:cNvSpPr/>
+          <p:nvPr/>
+        </p:nvSpPr>
+        <p:spPr>
+          <a:xfrm>
+            <a:off x="1214414" y="3929066"/>
+            <a:ext cx="1571636" cy="357190"/>
+          </a:xfrm>
+          <a:prstGeom prst="rect">
+            <a:avLst/>
+          </a:prstGeom>
+          <a:noFill/>
+        </p:spPr>
+        <p:style>
+          <a:lnRef idx="2">
+            <a:schemeClr val="accent1">
+              <a:shade val="50000"/>
+            </a:schemeClr>
+          </a:lnRef>
+          <a:fillRef idx="1">
+            <a:schemeClr val="accent1"/>
+          </a:fillRef>
+          <a:effectRef idx="0">
+            <a:schemeClr val="accent1"/>
+          </a:effectRef>
+          <a:fontRef idx="minor">
+            <a:schemeClr val="lt1"/>
+          </a:fontRef>
+        </p:style>
+        <p:txBody>
+          <a:bodyPr rtlCol="0" anchor="ctr"/>
+          <a:lstStyle/>
+          <a:p>
+            <a:pPr algn="ctr"/>
+            <a:r>
+              <a:rPr lang="ko-KR" altLang="en-US" sz="1400" smtClean="0">
+                <a:solidFill>
+                  <a:schemeClr val="tx2"/>
+                </a:solidFill>
+                <a:latin typeface="+mj-lt"/>
+              </a:rPr>
+              <a:t>어플리케이션</a:t>
+            </a:r>
+            <a:endParaRPr lang="ko-KR" altLang="en-US" sz="1400" dirty="0">
+              <a:solidFill>
+                <a:schemeClr val="tx2"/>
+              </a:solidFill>
+              <a:latin typeface="+mj-lt"/>
+            </a:endParaRPr>
+          </a:p>
+        </p:txBody>
+      </p:sp>
+      <p:sp>
+        <p:nvSpPr>
+          <p:cNvPr id="27" name="직사각형 26"/>
+          <p:cNvSpPr/>
+          <p:nvPr/>
+        </p:nvSpPr>
+        <p:spPr>
+          <a:xfrm>
+            <a:off x="1214414" y="4714884"/>
+            <a:ext cx="1571636" cy="357190"/>
+          </a:xfrm>
+          <a:prstGeom prst="rect">
+            <a:avLst/>
+          </a:prstGeom>
+          <a:noFill/>
+        </p:spPr>
+        <p:style>
+          <a:lnRef idx="2">
+            <a:schemeClr val="accent1">
+              <a:shade val="50000"/>
+            </a:schemeClr>
+          </a:lnRef>
+          <a:fillRef idx="1">
+            <a:schemeClr val="accent1"/>
+          </a:fillRef>
+          <a:effectRef idx="0">
+            <a:schemeClr val="accent1"/>
+          </a:effectRef>
+          <a:fontRef idx="minor">
+            <a:schemeClr val="lt1"/>
+          </a:fontRef>
+        </p:style>
+        <p:txBody>
+          <a:bodyPr rtlCol="0" anchor="ctr"/>
+          <a:lstStyle/>
+          <a:p>
+            <a:pPr algn="ctr"/>
+            <a:r>
+              <a:rPr lang="ko-KR" altLang="en-US" sz="1400" smtClean="0">
+                <a:solidFill>
+                  <a:schemeClr val="tx2"/>
+                </a:solidFill>
+                <a:latin typeface="+mj-lt"/>
+              </a:rPr>
+              <a:t>데이터저장소</a:t>
+            </a:r>
+            <a:endParaRPr lang="ko-KR" altLang="en-US" sz="1400" dirty="0">
+              <a:solidFill>
+                <a:schemeClr val="tx2"/>
+              </a:solidFill>
+              <a:latin typeface="+mj-lt"/>
+            </a:endParaRPr>
+          </a:p>
+        </p:txBody>
+      </p:sp>
+      <p:sp>
+        <p:nvSpPr>
+          <p:cNvPr id="28" name="직사각형 27"/>
+          <p:cNvSpPr/>
+          <p:nvPr/>
+        </p:nvSpPr>
+        <p:spPr>
+          <a:xfrm>
+            <a:off x="3786182" y="3929066"/>
+            <a:ext cx="1214446" cy="357190"/>
+          </a:xfrm>
+          <a:prstGeom prst="rect">
+            <a:avLst/>
+          </a:prstGeom>
+          <a:noFill/>
+        </p:spPr>
+        <p:style>
+          <a:lnRef idx="2">
+            <a:schemeClr val="accent1">
+              <a:shade val="50000"/>
+            </a:schemeClr>
+          </a:lnRef>
+          <a:fillRef idx="1">
+            <a:schemeClr val="accent1"/>
+          </a:fillRef>
+          <a:effectRef idx="0">
+            <a:schemeClr val="accent1"/>
+          </a:effectRef>
+          <a:fontRef idx="minor">
+            <a:schemeClr val="lt1"/>
+          </a:fontRef>
+        </p:style>
+        <p:txBody>
+          <a:bodyPr rtlCol="0" anchor="ctr"/>
+          <a:lstStyle/>
+          <a:p>
+            <a:pPr algn="ctr"/>
+            <a:r>
+              <a:rPr lang="ko-KR" altLang="en-US" sz="1400" smtClean="0">
+                <a:solidFill>
+                  <a:schemeClr val="tx2"/>
+                </a:solidFill>
+                <a:latin typeface="+mj-lt"/>
+              </a:rPr>
+              <a:t>암</a:t>
+            </a:r>
+            <a:r>
+              <a:rPr lang="en-US" altLang="ko-KR" sz="1400" dirty="0" smtClean="0">
+                <a:solidFill>
+                  <a:schemeClr val="tx2"/>
+                </a:solidFill>
+                <a:latin typeface="+mj-lt"/>
+              </a:rPr>
+              <a:t>/</a:t>
+            </a:r>
+            <a:r>
+              <a:rPr lang="ko-KR" altLang="en-US" sz="1400" dirty="0" err="1" smtClean="0">
+                <a:solidFill>
+                  <a:schemeClr val="tx2"/>
+                </a:solidFill>
+                <a:latin typeface="+mj-lt"/>
+              </a:rPr>
+              <a:t>복호화</a:t>
+            </a:r>
+            <a:endParaRPr lang="ko-KR" altLang="en-US" sz="1400" dirty="0">
+              <a:solidFill>
+                <a:schemeClr val="tx2"/>
+              </a:solidFill>
+              <a:latin typeface="+mj-lt"/>
+            </a:endParaRPr>
+          </a:p>
+        </p:txBody>
+      </p:sp>
+      <p:cxnSp>
+        <p:nvCxnSpPr>
+          <p:cNvPr id="29" name="직선 화살표 연결선 28"/>
+          <p:cNvCxnSpPr/>
+          <p:nvPr/>
+        </p:nvCxnSpPr>
+        <p:spPr>
+          <a:xfrm>
+            <a:off x="2786050" y="4000504"/>
+            <a:ext cx="1000132" cy="1588"/>
+          </a:xfrm>
+          <a:prstGeom prst="straightConnector1">
+            <a:avLst/>
+          </a:prstGeom>
+          <a:ln>
+            <a:tailEnd type="arrow"/>
+          </a:ln>
+        </p:spPr>
+        <p:style>
+          <a:lnRef idx="1">
+            <a:schemeClr val="accent1"/>
+          </a:lnRef>
+          <a:fillRef idx="0">
+            <a:schemeClr val="accent1"/>
+          </a:fillRef>
+          <a:effectRef idx="0">
+            <a:schemeClr val="accent1"/>
+          </a:effectRef>
+          <a:fontRef idx="minor">
+            <a:schemeClr val="tx1"/>
+          </a:fontRef>
+        </p:style>
+      </p:cxnSp>
+      <p:cxnSp>
+        <p:nvCxnSpPr>
+          <p:cNvPr id="30" name="직선 화살표 연결선 29"/>
+          <p:cNvCxnSpPr>
+            <a:stCxn id="28" idx="1"/>
+            <a:endCxn id="26" idx="3"/>
+          </p:cNvCxnSpPr>
+          <p:nvPr/>
+        </p:nvCxnSpPr>
+        <p:spPr>
+          <a:xfrm rot="10800000">
+            <a:off x="2786050" y="4107661"/>
+            <a:ext cx="1000132" cy="1588"/>
+          </a:xfrm>
+          <a:prstGeom prst="straightConnector1">
+            <a:avLst/>
+          </a:prstGeom>
+          <a:ln>
+            <a:tailEnd type="arrow"/>
+          </a:ln>
+        </p:spPr>
+        <p:style>
+          <a:lnRef idx="1">
+            <a:schemeClr val="accent1"/>
+          </a:lnRef>
+          <a:fillRef idx="0">
+            <a:schemeClr val="accent1"/>
+          </a:fillRef>
+          <a:effectRef idx="0">
+            <a:schemeClr val="accent1"/>
+          </a:effectRef>
+          <a:fontRef idx="minor">
+            <a:schemeClr val="tx1"/>
+          </a:fontRef>
+        </p:style>
+      </p:cxnSp>
+      <p:sp>
+        <p:nvSpPr>
+          <p:cNvPr id="31" name="TextBox 30"/>
+          <p:cNvSpPr txBox="1"/>
+          <p:nvPr/>
+        </p:nvSpPr>
+        <p:spPr>
+          <a:xfrm>
+            <a:off x="2786050" y="3723505"/>
+            <a:ext cx="1071570" cy="276999"/>
+          </a:xfrm>
+          <a:prstGeom prst="rect">
+            <a:avLst/>
+          </a:prstGeom>
+          <a:noFill/>
+        </p:spPr>
+        <p:txBody>
+          <a:bodyPr wrap="square" rtlCol="0">
+            <a:spAutoFit/>
+          </a:bodyPr>
+          <a:lstStyle/>
+          <a:p>
+            <a:r>
+              <a:rPr lang="en-US" altLang="ko-KR" sz="1200" dirty="0" smtClean="0"/>
+              <a:t>2.</a:t>
+            </a:r>
+            <a:r>
+              <a:rPr lang="ko-KR" altLang="en-US" sz="1200" dirty="0" err="1" smtClean="0"/>
+              <a:t>암호화정보</a:t>
+            </a:r>
+            <a:endParaRPr lang="ko-KR" altLang="en-US" sz="1200" dirty="0"/>
+          </a:p>
+        </p:txBody>
+      </p:sp>
+      <p:sp>
+        <p:nvSpPr>
+          <p:cNvPr id="32" name="TextBox 31"/>
+          <p:cNvSpPr txBox="1"/>
+          <p:nvPr/>
+        </p:nvSpPr>
+        <p:spPr>
+          <a:xfrm>
+            <a:off x="2786050" y="4143380"/>
+            <a:ext cx="1357322" cy="276999"/>
+          </a:xfrm>
+          <a:prstGeom prst="rect">
+            <a:avLst/>
+          </a:prstGeom>
+          <a:noFill/>
+        </p:spPr>
+        <p:txBody>
+          <a:bodyPr wrap="square" rtlCol="0">
+            <a:spAutoFit/>
+          </a:bodyPr>
+          <a:lstStyle/>
+          <a:p>
+            <a:r>
+              <a:rPr lang="en-US" altLang="ko-KR" sz="1200" dirty="0" smtClean="0"/>
+              <a:t>4 </a:t>
+            </a:r>
+            <a:r>
+              <a:rPr lang="ko-KR" altLang="en-US" sz="1200" dirty="0" err="1" smtClean="0"/>
+              <a:t>복호화정보</a:t>
+            </a:r>
+            <a:endParaRPr lang="ko-KR" altLang="en-US" sz="1200" dirty="0"/>
+          </a:p>
+        </p:txBody>
+      </p:sp>
+      <p:cxnSp>
+        <p:nvCxnSpPr>
+          <p:cNvPr id="33" name="직선 화살표 연결선 32"/>
+          <p:cNvCxnSpPr>
+            <a:stCxn id="27" idx="0"/>
+            <a:endCxn id="26" idx="2"/>
+          </p:cNvCxnSpPr>
+          <p:nvPr/>
+        </p:nvCxnSpPr>
+        <p:spPr>
+          <a:xfrm rot="5400000" flipH="1" flipV="1">
+            <a:off x="1785918" y="4500570"/>
+            <a:ext cx="428628" cy="1588"/>
+          </a:xfrm>
+          <a:prstGeom prst="straightConnector1">
+            <a:avLst/>
+          </a:prstGeom>
+          <a:ln>
+            <a:tailEnd type="arrow"/>
+          </a:ln>
+        </p:spPr>
+        <p:style>
+          <a:lnRef idx="1">
+            <a:schemeClr val="accent1"/>
+          </a:lnRef>
+          <a:fillRef idx="0">
+            <a:schemeClr val="accent1"/>
+          </a:fillRef>
+          <a:effectRef idx="0">
+            <a:schemeClr val="accent1"/>
+          </a:effectRef>
+          <a:fontRef idx="minor">
+            <a:schemeClr val="tx1"/>
+          </a:fontRef>
+        </p:style>
+      </p:cxnSp>
+      <p:sp>
+        <p:nvSpPr>
+          <p:cNvPr id="34" name="TextBox 33"/>
+          <p:cNvSpPr txBox="1"/>
+          <p:nvPr/>
+        </p:nvSpPr>
+        <p:spPr>
+          <a:xfrm>
+            <a:off x="2000232" y="4429132"/>
+            <a:ext cx="1071570" cy="276999"/>
+          </a:xfrm>
+          <a:prstGeom prst="rect">
+            <a:avLst/>
+          </a:prstGeom>
+          <a:noFill/>
+        </p:spPr>
+        <p:txBody>
+          <a:bodyPr wrap="square" rtlCol="0">
+            <a:spAutoFit/>
+          </a:bodyPr>
+          <a:lstStyle/>
+          <a:p>
+            <a:r>
+              <a:rPr lang="en-US" altLang="ko-KR" sz="1200" dirty="0" smtClean="0"/>
+              <a:t>1.</a:t>
+            </a:r>
+            <a:r>
+              <a:rPr lang="ko-KR" altLang="en-US" sz="1200" dirty="0" err="1" smtClean="0"/>
+              <a:t>암호화정보</a:t>
+            </a:r>
+            <a:endParaRPr lang="ko-KR" altLang="en-US" sz="1200" dirty="0"/>
+          </a:p>
+        </p:txBody>
+      </p:sp>
+      <p:cxnSp>
+        <p:nvCxnSpPr>
+          <p:cNvPr id="35" name="Shape 34"/>
+          <p:cNvCxnSpPr>
+            <a:stCxn id="28" idx="0"/>
+            <a:endCxn id="28" idx="3"/>
+          </p:cNvCxnSpPr>
+          <p:nvPr/>
+        </p:nvCxnSpPr>
+        <p:spPr>
+          <a:xfrm rot="16200000" flipH="1">
+            <a:off x="4607718" y="3714752"/>
+            <a:ext cx="178595" cy="607223"/>
+          </a:xfrm>
+          <a:prstGeom prst="bentConnector4">
+            <a:avLst>
+              <a:gd name="adj1" fmla="val -127999"/>
+              <a:gd name="adj2" fmla="val 137647"/>
+            </a:avLst>
+          </a:prstGeom>
+          <a:ln>
+            <a:tailEnd type="arrow"/>
+          </a:ln>
+        </p:spPr>
+        <p:style>
+          <a:lnRef idx="1">
+            <a:schemeClr val="accent1"/>
+          </a:lnRef>
+          <a:fillRef idx="0">
+            <a:schemeClr val="accent1"/>
+          </a:fillRef>
+          <a:effectRef idx="0">
+            <a:schemeClr val="accent1"/>
+          </a:effectRef>
+          <a:fontRef idx="minor">
+            <a:schemeClr val="tx1"/>
+          </a:fontRef>
+        </p:style>
+      </p:cxnSp>
+      <p:sp>
+        <p:nvSpPr>
+          <p:cNvPr id="36" name="TextBox 35"/>
+          <p:cNvSpPr txBox="1"/>
+          <p:nvPr/>
+        </p:nvSpPr>
+        <p:spPr>
+          <a:xfrm>
+            <a:off x="4714876" y="3429000"/>
+            <a:ext cx="857256" cy="276999"/>
+          </a:xfrm>
+          <a:prstGeom prst="rect">
+            <a:avLst/>
+          </a:prstGeom>
+          <a:noFill/>
+        </p:spPr>
+        <p:txBody>
+          <a:bodyPr wrap="square" rtlCol="0">
+            <a:spAutoFit/>
+          </a:bodyPr>
+          <a:lstStyle/>
+          <a:p>
+            <a:r>
+              <a:rPr lang="en-US" altLang="ko-KR" sz="1200" dirty="0" smtClean="0"/>
+              <a:t>3.</a:t>
+            </a:r>
+            <a:r>
+              <a:rPr lang="ko-KR" altLang="en-US" sz="1200" dirty="0" err="1" smtClean="0"/>
+              <a:t>복호화</a:t>
+            </a:r>
+            <a:endParaRPr lang="ko-KR" altLang="en-US" sz="1200" dirty="0"/>
+          </a:p>
+        </p:txBody>
+      </p:sp>
+      <p:sp>
+        <p:nvSpPr>
+          <p:cNvPr id="41" name="TextBox 40"/>
+          <p:cNvSpPr txBox="1"/>
+          <p:nvPr/>
+        </p:nvSpPr>
+        <p:spPr>
+          <a:xfrm>
+            <a:off x="1214414" y="1571612"/>
+            <a:ext cx="2071702" cy="369332"/>
+          </a:xfrm>
+          <a:prstGeom prst="rect">
+            <a:avLst/>
+          </a:prstGeom>
+          <a:noFill/>
+        </p:spPr>
+        <p:txBody>
+          <a:bodyPr wrap="square" rtlCol="0">
+            <a:spAutoFit/>
+          </a:bodyPr>
+          <a:lstStyle/>
+          <a:p>
+            <a:r>
+              <a:rPr lang="en-US" altLang="ko-KR" dirty="0" smtClean="0"/>
+              <a:t>&lt;&lt;</a:t>
+            </a:r>
+            <a:r>
+              <a:rPr lang="ko-KR" altLang="en-US" dirty="0" smtClean="0"/>
+              <a:t>암호화</a:t>
+            </a:r>
+            <a:r>
+              <a:rPr lang="en-US" altLang="ko-KR" dirty="0" smtClean="0"/>
+              <a:t>&gt;&gt;</a:t>
+            </a:r>
+            <a:endParaRPr lang="ko-KR" altLang="en-US" dirty="0"/>
+          </a:p>
+        </p:txBody>
+      </p:sp>
+      <p:sp>
+        <p:nvSpPr>
+          <p:cNvPr id="42" name="TextBox 41"/>
+          <p:cNvSpPr txBox="1"/>
+          <p:nvPr/>
+        </p:nvSpPr>
+        <p:spPr>
+          <a:xfrm>
+            <a:off x="1142976" y="3500438"/>
+            <a:ext cx="2071702" cy="369332"/>
+          </a:xfrm>
+          <a:prstGeom prst="rect">
+            <a:avLst/>
+          </a:prstGeom>
+          <a:noFill/>
+        </p:spPr>
+        <p:txBody>
+          <a:bodyPr wrap="square" rtlCol="0">
+            <a:spAutoFit/>
+          </a:bodyPr>
+          <a:lstStyle/>
+          <a:p>
+            <a:r>
+              <a:rPr lang="en-US" altLang="ko-KR" dirty="0" smtClean="0"/>
+              <a:t>&lt;&lt;</a:t>
+            </a:r>
+            <a:r>
+              <a:rPr lang="ko-KR" altLang="en-US" dirty="0" err="1" smtClean="0"/>
+              <a:t>복</a:t>
+            </a:r>
+            <a:r>
+              <a:rPr lang="ko-KR" altLang="en-US" dirty="0" err="1" smtClean="0"/>
+              <a:t>호화</a:t>
+            </a:r>
+            <a:r>
+              <a:rPr lang="en-US" altLang="ko-KR" dirty="0" smtClean="0"/>
+              <a:t>&gt;&gt;</a:t>
+            </a:r>
+            <a:endParaRPr lang="ko-KR" altLang="en-US" dirty="0"/>
+          </a:p>
+        </p:txBody>
+      </p:sp>
+      <p:sp>
+        <p:nvSpPr>
+          <p:cNvPr id="43" name="TextBox 42"/>
+          <p:cNvSpPr txBox="1"/>
+          <p:nvPr/>
+        </p:nvSpPr>
+        <p:spPr>
+          <a:xfrm>
+            <a:off x="4429124" y="3714752"/>
+            <a:ext cx="857256" cy="276999"/>
+          </a:xfrm>
+          <a:prstGeom prst="rect">
+            <a:avLst/>
+          </a:prstGeom>
+          <a:noFill/>
+        </p:spPr>
+        <p:txBody>
+          <a:bodyPr wrap="square" rtlCol="0">
+            <a:spAutoFit/>
+          </a:bodyPr>
+          <a:lstStyle/>
+          <a:p>
+            <a:r>
+              <a:rPr lang="en-US" altLang="ko-KR" sz="1200" dirty="0" smtClean="0"/>
+              <a:t>AES-128</a:t>
+            </a:r>
+            <a:endParaRPr lang="ko-KR" altLang="en-US" sz="1200" dirty="0"/>
+          </a:p>
+        </p:txBody>
+      </p:sp>
+      <p:sp>
+        <p:nvSpPr>
+          <p:cNvPr id="44" name="TextBox 43"/>
+          <p:cNvSpPr txBox="1"/>
+          <p:nvPr/>
+        </p:nvSpPr>
+        <p:spPr>
+          <a:xfrm>
+            <a:off x="4429124" y="1794679"/>
+            <a:ext cx="857256" cy="276999"/>
+          </a:xfrm>
+          <a:prstGeom prst="rect">
+            <a:avLst/>
+          </a:prstGeom>
+          <a:noFill/>
+        </p:spPr>
+        <p:txBody>
+          <a:bodyPr wrap="square" rtlCol="0">
+            <a:spAutoFit/>
+          </a:bodyPr>
+          <a:lstStyle/>
+          <a:p>
+            <a:r>
+              <a:rPr lang="en-US" altLang="ko-KR" sz="1200" dirty="0" smtClean="0"/>
+              <a:t>AES-128</a:t>
+            </a:r>
+            <a:endParaRPr lang="ko-KR" altLang="en-US" sz="1200" dirty="0"/>
+          </a:p>
+        </p:txBody>
+      </p:sp>
+    </p:spTree>
+  </p:cSld>
+  <p:clrMapOvr>
+    <a:masterClrMapping/>
+  </p:clrMapOvr>
+</p:sld>
+</file>
+
+<file path=ppt/slides/slide6.xml><?xml version="1.0" encoding="utf-8"?>
+<p:sld xmlns:a="http://schemas.openxmlformats.org/drawingml/2006/main" xmlns:r="http://schemas.openxmlformats.org/officeDocument/2006/relationships" xmlns:p="http://schemas.openxmlformats.org/presentationml/2006/main">
+  <p:cSld>
+    <p:spTree>
+      <p:nvGrpSpPr>
+        <p:cNvPr id="1" name=""/>
+        <p:cNvGrpSpPr/>
+        <p:nvPr/>
+      </p:nvGrpSpPr>
+      <p:grpSpPr>
+        <a:xfrm>
+          <a:off x="0" y="0"/>
+          <a:ext cx="0" cy="0"/>
+          <a:chOff x="0" y="0"/>
+          <a:chExt cx="0" cy="0"/>
+        </a:xfrm>
+      </p:grpSpPr>
+      <p:sp>
+        <p:nvSpPr>
+          <p:cNvPr id="83" name="직사각형 82"/>
+          <p:cNvSpPr/>
+          <p:nvPr/>
+        </p:nvSpPr>
+        <p:spPr>
+          <a:xfrm>
+            <a:off x="1071538" y="1428736"/>
+            <a:ext cx="2214578" cy="785818"/>
+          </a:xfrm>
+          <a:prstGeom prst="rect">
+            <a:avLst/>
+          </a:prstGeom>
+          <a:solidFill>
+            <a:schemeClr val="bg1"/>
+          </a:solidFill>
+        </p:spPr>
+        <p:style>
+          <a:lnRef idx="2">
+            <a:schemeClr val="accent1">
+              <a:shade val="50000"/>
+            </a:schemeClr>
+          </a:lnRef>
+          <a:fillRef idx="1">
+            <a:schemeClr val="accent1"/>
+          </a:fillRef>
+          <a:effectRef idx="0">
+            <a:schemeClr val="accent1"/>
+          </a:effectRef>
+          <a:fontRef idx="minor">
+            <a:schemeClr val="lt1"/>
+          </a:fontRef>
+        </p:style>
+        <p:txBody>
+          <a:bodyPr rtlCol="0" anchor="ctr"/>
+          <a:lstStyle/>
+          <a:p>
+            <a:pPr algn="ctr"/>
+            <a:endParaRPr lang="ko-KR" altLang="en-US"/>
+          </a:p>
+        </p:txBody>
+      </p:sp>
+      <p:sp>
+        <p:nvSpPr>
+          <p:cNvPr id="82" name="직사각형 81"/>
+          <p:cNvSpPr/>
+          <p:nvPr/>
+        </p:nvSpPr>
+        <p:spPr>
+          <a:xfrm>
+            <a:off x="928662" y="1571612"/>
+            <a:ext cx="2214578" cy="785818"/>
+          </a:xfrm>
+          <a:prstGeom prst="rect">
+            <a:avLst/>
+          </a:prstGeom>
+          <a:solidFill>
+            <a:schemeClr val="bg1"/>
+          </a:solidFill>
+        </p:spPr>
+        <p:style>
+          <a:lnRef idx="2">
+            <a:schemeClr val="accent1">
+              <a:shade val="50000"/>
+            </a:schemeClr>
+          </a:lnRef>
+          <a:fillRef idx="1">
+            <a:schemeClr val="accent1"/>
+          </a:fillRef>
+          <a:effectRef idx="0">
+            <a:schemeClr val="accent1"/>
+          </a:effectRef>
+          <a:fontRef idx="minor">
+            <a:schemeClr val="lt1"/>
+          </a:fontRef>
+        </p:style>
+        <p:txBody>
+          <a:bodyPr rtlCol="0" anchor="ctr"/>
+          <a:lstStyle/>
+          <a:p>
+            <a:pPr algn="ctr"/>
+            <a:endParaRPr lang="ko-KR" altLang="en-US"/>
+          </a:p>
+        </p:txBody>
+      </p:sp>
+      <p:sp>
+        <p:nvSpPr>
+          <p:cNvPr id="58" name="직사각형 57"/>
+          <p:cNvSpPr/>
+          <p:nvPr/>
+        </p:nvSpPr>
+        <p:spPr>
+          <a:xfrm>
+            <a:off x="785786" y="1714488"/>
+            <a:ext cx="2214578" cy="785818"/>
+          </a:xfrm>
+          <a:prstGeom prst="rect">
+            <a:avLst/>
+          </a:prstGeom>
+          <a:solidFill>
+            <a:schemeClr val="bg1"/>
+          </a:solidFill>
+        </p:spPr>
+        <p:style>
+          <a:lnRef idx="2">
+            <a:schemeClr val="accent1">
+              <a:shade val="50000"/>
+            </a:schemeClr>
+          </a:lnRef>
+          <a:fillRef idx="1">
+            <a:schemeClr val="accent1"/>
+          </a:fillRef>
+          <a:effectRef idx="0">
+            <a:schemeClr val="accent1"/>
+          </a:effectRef>
+          <a:fontRef idx="minor">
+            <a:schemeClr val="lt1"/>
+          </a:fontRef>
+        </p:style>
+        <p:txBody>
+          <a:bodyPr rtlCol="0" anchor="ctr"/>
+          <a:lstStyle/>
+          <a:p>
+            <a:pPr algn="ctr"/>
+            <a:endParaRPr lang="ko-KR" altLang="en-US"/>
+          </a:p>
+        </p:txBody>
+      </p:sp>
+      <p:sp>
+        <p:nvSpPr>
+          <p:cNvPr id="37" name="순서도: 자기 디스크 36"/>
+          <p:cNvSpPr/>
+          <p:nvPr/>
+        </p:nvSpPr>
+        <p:spPr>
+          <a:xfrm>
+            <a:off x="1256359" y="3000372"/>
+            <a:ext cx="1357322" cy="428628"/>
+          </a:xfrm>
+          <a:prstGeom prst="flowChartMagneticDisk">
+            <a:avLst/>
+          </a:prstGeom>
+          <a:solidFill>
+            <a:schemeClr val="bg1"/>
+          </a:solidFill>
+          <a:ln w="12700">
+            <a:solidFill>
+              <a:schemeClr val="tx1"/>
+            </a:solidFill>
+          </a:ln>
+        </p:spPr>
+        <p:style>
+          <a:lnRef idx="2">
+            <a:schemeClr val="accent1">
+              <a:shade val="50000"/>
+            </a:schemeClr>
+          </a:lnRef>
+          <a:fillRef idx="1">
+            <a:schemeClr val="accent1"/>
+          </a:fillRef>
+          <a:effectRef idx="0">
+            <a:schemeClr val="accent1"/>
+          </a:effectRef>
+          <a:fontRef idx="minor">
+            <a:schemeClr val="lt1"/>
+          </a:fontRef>
+        </p:style>
+        <p:txBody>
+          <a:bodyPr rtlCol="0" anchor="ctr"/>
+          <a:lstStyle/>
+          <a:p>
+            <a:pPr algn="ctr"/>
+            <a:endParaRPr lang="ko-KR" altLang="en-US"/>
+          </a:p>
+        </p:txBody>
+      </p:sp>
+      <p:sp>
+        <p:nvSpPr>
+          <p:cNvPr id="38" name="순서도: 자기 디스크 37"/>
+          <p:cNvSpPr/>
+          <p:nvPr/>
+        </p:nvSpPr>
+        <p:spPr>
+          <a:xfrm>
+            <a:off x="1571604" y="5286388"/>
+            <a:ext cx="1285884" cy="500066"/>
+          </a:xfrm>
+          <a:prstGeom prst="flowChartMagneticDisk">
+            <a:avLst/>
+          </a:prstGeom>
+          <a:solidFill>
+            <a:schemeClr val="bg1"/>
+          </a:solidFill>
+          <a:ln w="12700">
+            <a:solidFill>
+              <a:schemeClr val="tx1"/>
+            </a:solidFill>
+          </a:ln>
+        </p:spPr>
+        <p:style>
+          <a:lnRef idx="2">
+            <a:schemeClr val="accent1">
+              <a:shade val="50000"/>
+            </a:schemeClr>
+          </a:lnRef>
+          <a:fillRef idx="1">
+            <a:schemeClr val="accent1"/>
+          </a:fillRef>
+          <a:effectRef idx="0">
+            <a:schemeClr val="accent1"/>
+          </a:effectRef>
+          <a:fontRef idx="minor">
+            <a:schemeClr val="lt1"/>
+          </a:fontRef>
+        </p:style>
+        <p:txBody>
+          <a:bodyPr rtlCol="0" anchor="ctr"/>
+          <a:lstStyle/>
+          <a:p>
+            <a:pPr algn="ctr"/>
+            <a:endParaRPr lang="ko-KR" altLang="en-US"/>
+          </a:p>
+        </p:txBody>
+      </p:sp>
+      <p:sp>
+        <p:nvSpPr>
+          <p:cNvPr id="40" name="직사각형 39"/>
+          <p:cNvSpPr/>
+          <p:nvPr/>
+        </p:nvSpPr>
+        <p:spPr>
+          <a:xfrm>
+            <a:off x="1142976" y="1928802"/>
+            <a:ext cx="1571636" cy="357190"/>
+          </a:xfrm>
+          <a:prstGeom prst="rect">
+            <a:avLst/>
+          </a:prstGeom>
+          <a:noFill/>
+        </p:spPr>
+        <p:style>
+          <a:lnRef idx="2">
+            <a:schemeClr val="accent1">
+              <a:shade val="50000"/>
+            </a:schemeClr>
+          </a:lnRef>
+          <a:fillRef idx="1">
+            <a:schemeClr val="accent1"/>
+          </a:fillRef>
+          <a:effectRef idx="0">
+            <a:schemeClr val="accent1"/>
+          </a:effectRef>
+          <a:fontRef idx="minor">
+            <a:schemeClr val="lt1"/>
+          </a:fontRef>
+        </p:style>
+        <p:txBody>
+          <a:bodyPr rtlCol="0" anchor="ctr"/>
+          <a:lstStyle/>
+          <a:p>
+            <a:pPr algn="ctr"/>
+            <a:r>
+              <a:rPr lang="ko-KR" altLang="en-US" sz="1400" dirty="0" smtClean="0">
+                <a:solidFill>
+                  <a:schemeClr val="tx2"/>
+                </a:solidFill>
+                <a:latin typeface="+mj-lt"/>
+              </a:rPr>
+              <a:t>센서로그저</a:t>
+            </a:r>
+            <a:r>
+              <a:rPr lang="ko-KR" altLang="en-US" sz="1400" dirty="0" smtClean="0">
+                <a:solidFill>
+                  <a:schemeClr val="tx2"/>
+                </a:solidFill>
+                <a:latin typeface="+mj-lt"/>
+              </a:rPr>
+              <a:t>장</a:t>
+            </a:r>
+            <a:endParaRPr lang="ko-KR" altLang="en-US" sz="1400" dirty="0">
+              <a:solidFill>
+                <a:schemeClr val="tx2"/>
+              </a:solidFill>
+              <a:latin typeface="+mj-lt"/>
+            </a:endParaRPr>
+          </a:p>
+        </p:txBody>
+      </p:sp>
+      <p:sp>
+        <p:nvSpPr>
+          <p:cNvPr id="45" name="직사각형 44"/>
+          <p:cNvSpPr/>
+          <p:nvPr/>
+        </p:nvSpPr>
+        <p:spPr>
+          <a:xfrm>
+            <a:off x="1000100" y="3857628"/>
+            <a:ext cx="1571636" cy="357190"/>
+          </a:xfrm>
+          <a:prstGeom prst="rect">
+            <a:avLst/>
+          </a:prstGeom>
+          <a:noFill/>
+        </p:spPr>
+        <p:style>
+          <a:lnRef idx="2">
+            <a:schemeClr val="accent1">
+              <a:shade val="50000"/>
+            </a:schemeClr>
+          </a:lnRef>
+          <a:fillRef idx="1">
+            <a:schemeClr val="accent1"/>
+          </a:fillRef>
+          <a:effectRef idx="0">
+            <a:schemeClr val="accent1"/>
+          </a:effectRef>
+          <a:fontRef idx="minor">
+            <a:schemeClr val="lt1"/>
+          </a:fontRef>
+        </p:style>
+        <p:txBody>
+          <a:bodyPr rtlCol="0" anchor="ctr"/>
+          <a:lstStyle/>
+          <a:p>
+            <a:pPr algn="ctr"/>
+            <a:r>
+              <a:rPr lang="ko-KR" altLang="en-US" sz="1400" dirty="0" err="1" smtClean="0">
+                <a:solidFill>
+                  <a:schemeClr val="tx2"/>
+                </a:solidFill>
+                <a:latin typeface="+mj-lt"/>
+              </a:rPr>
+              <a:t>센서로그파서</a:t>
+            </a:r>
+            <a:endParaRPr lang="ko-KR" altLang="en-US" sz="1400" dirty="0">
+              <a:solidFill>
+                <a:schemeClr val="tx2"/>
+              </a:solidFill>
+              <a:latin typeface="+mj-lt"/>
+            </a:endParaRPr>
+          </a:p>
+        </p:txBody>
+      </p:sp>
+      <p:sp>
+        <p:nvSpPr>
+          <p:cNvPr id="46" name="직사각형 45"/>
+          <p:cNvSpPr/>
+          <p:nvPr/>
+        </p:nvSpPr>
+        <p:spPr>
+          <a:xfrm>
+            <a:off x="1000100" y="4286256"/>
+            <a:ext cx="1571636" cy="357190"/>
+          </a:xfrm>
+          <a:prstGeom prst="rect">
+            <a:avLst/>
+          </a:prstGeom>
+          <a:noFill/>
+        </p:spPr>
+        <p:style>
+          <a:lnRef idx="2">
+            <a:schemeClr val="accent1">
+              <a:shade val="50000"/>
+            </a:schemeClr>
+          </a:lnRef>
+          <a:fillRef idx="1">
+            <a:schemeClr val="accent1"/>
+          </a:fillRef>
+          <a:effectRef idx="0">
+            <a:schemeClr val="accent1"/>
+          </a:effectRef>
+          <a:fontRef idx="minor">
+            <a:schemeClr val="lt1"/>
+          </a:fontRef>
+        </p:style>
+        <p:txBody>
+          <a:bodyPr rtlCol="0" anchor="ctr"/>
+          <a:lstStyle/>
+          <a:p>
+            <a:pPr algn="ctr"/>
+            <a:r>
+              <a:rPr lang="ko-KR" altLang="en-US" sz="1400" dirty="0" smtClean="0">
+                <a:solidFill>
+                  <a:schemeClr val="tx2"/>
+                </a:solidFill>
+                <a:latin typeface="+mj-lt"/>
+              </a:rPr>
+              <a:t>센서정보관리</a:t>
+            </a:r>
+            <a:endParaRPr lang="en-US" altLang="ko-KR" sz="1400" dirty="0" smtClean="0">
+              <a:solidFill>
+                <a:schemeClr val="tx2"/>
+              </a:solidFill>
+              <a:latin typeface="+mj-lt"/>
+            </a:endParaRPr>
+          </a:p>
+        </p:txBody>
+      </p:sp>
+      <p:sp>
+        <p:nvSpPr>
+          <p:cNvPr id="47" name="TextBox 46"/>
+          <p:cNvSpPr txBox="1"/>
+          <p:nvPr/>
+        </p:nvSpPr>
+        <p:spPr>
+          <a:xfrm>
+            <a:off x="1571604" y="3143248"/>
+            <a:ext cx="1000132" cy="276999"/>
+          </a:xfrm>
+          <a:prstGeom prst="rect">
+            <a:avLst/>
+          </a:prstGeom>
+          <a:noFill/>
+        </p:spPr>
+        <p:txBody>
+          <a:bodyPr wrap="square" rtlCol="0">
+            <a:spAutoFit/>
+          </a:bodyPr>
+          <a:lstStyle/>
+          <a:p>
+            <a:r>
+              <a:rPr lang="ko-KR" altLang="en-US" sz="1200" dirty="0" err="1" smtClean="0"/>
+              <a:t>센싱로그</a:t>
+            </a:r>
+            <a:endParaRPr lang="ko-KR" altLang="en-US" sz="1200" dirty="0"/>
+          </a:p>
+        </p:txBody>
+      </p:sp>
+      <p:sp>
+        <p:nvSpPr>
+          <p:cNvPr id="48" name="TextBox 47"/>
+          <p:cNvSpPr txBox="1"/>
+          <p:nvPr/>
+        </p:nvSpPr>
+        <p:spPr>
+          <a:xfrm>
+            <a:off x="1785918" y="5438017"/>
+            <a:ext cx="1000132" cy="276999"/>
+          </a:xfrm>
+          <a:prstGeom prst="rect">
+            <a:avLst/>
+          </a:prstGeom>
+          <a:noFill/>
+        </p:spPr>
+        <p:txBody>
+          <a:bodyPr wrap="square" rtlCol="0">
+            <a:spAutoFit/>
+          </a:bodyPr>
+          <a:lstStyle/>
+          <a:p>
+            <a:r>
+              <a:rPr lang="ko-KR" altLang="en-US" sz="1200" dirty="0" err="1" smtClean="0"/>
+              <a:t>센싱정</a:t>
+            </a:r>
+            <a:r>
+              <a:rPr lang="ko-KR" altLang="en-US" sz="1200" dirty="0" err="1" smtClean="0"/>
+              <a:t>보</a:t>
+            </a:r>
+            <a:endParaRPr lang="ko-KR" altLang="en-US" sz="1200" dirty="0"/>
+          </a:p>
+        </p:txBody>
+      </p:sp>
+      <p:sp>
+        <p:nvSpPr>
+          <p:cNvPr id="49" name="직사각형 48"/>
+          <p:cNvSpPr/>
+          <p:nvPr/>
+        </p:nvSpPr>
+        <p:spPr>
+          <a:xfrm>
+            <a:off x="2643174" y="4286256"/>
+            <a:ext cx="1571636" cy="357190"/>
+          </a:xfrm>
+          <a:prstGeom prst="rect">
+            <a:avLst/>
+          </a:prstGeom>
+          <a:noFill/>
+        </p:spPr>
+        <p:style>
+          <a:lnRef idx="2">
+            <a:schemeClr val="accent1">
+              <a:shade val="50000"/>
+            </a:schemeClr>
+          </a:lnRef>
+          <a:fillRef idx="1">
+            <a:schemeClr val="accent1"/>
+          </a:fillRef>
+          <a:effectRef idx="0">
+            <a:schemeClr val="accent1"/>
+          </a:effectRef>
+          <a:fontRef idx="minor">
+            <a:schemeClr val="lt1"/>
+          </a:fontRef>
+        </p:style>
+        <p:txBody>
+          <a:bodyPr rtlCol="0" anchor="ctr"/>
+          <a:lstStyle/>
+          <a:p>
+            <a:pPr algn="ctr"/>
+            <a:r>
+              <a:rPr lang="ko-KR" altLang="en-US" sz="1400" smtClean="0">
+                <a:solidFill>
+                  <a:schemeClr val="tx2"/>
+                </a:solidFill>
+                <a:latin typeface="+mj-lt"/>
+              </a:rPr>
+              <a:t>원격진</a:t>
+            </a:r>
+            <a:r>
+              <a:rPr lang="ko-KR" altLang="en-US" sz="1400" smtClean="0">
+                <a:solidFill>
+                  <a:schemeClr val="tx2"/>
+                </a:solidFill>
+                <a:latin typeface="+mj-lt"/>
+              </a:rPr>
+              <a:t>료</a:t>
+            </a:r>
+            <a:endParaRPr lang="en-US" altLang="ko-KR" sz="1400" dirty="0" smtClean="0">
+              <a:solidFill>
+                <a:schemeClr val="tx2"/>
+              </a:solidFill>
+              <a:latin typeface="+mj-lt"/>
+            </a:endParaRPr>
+          </a:p>
+        </p:txBody>
+      </p:sp>
+      <p:sp>
+        <p:nvSpPr>
+          <p:cNvPr id="66" name="직사각형 65"/>
+          <p:cNvSpPr/>
+          <p:nvPr/>
+        </p:nvSpPr>
+        <p:spPr>
+          <a:xfrm>
+            <a:off x="785786" y="2786058"/>
+            <a:ext cx="2214578" cy="714380"/>
+          </a:xfrm>
+          <a:prstGeom prst="rect">
+            <a:avLst/>
+          </a:prstGeom>
+          <a:noFill/>
+        </p:spPr>
+        <p:style>
+          <a:lnRef idx="2">
+            <a:schemeClr val="accent1">
+              <a:shade val="50000"/>
+            </a:schemeClr>
+          </a:lnRef>
+          <a:fillRef idx="1">
+            <a:schemeClr val="accent1"/>
+          </a:fillRef>
+          <a:effectRef idx="0">
+            <a:schemeClr val="accent1"/>
+          </a:effectRef>
+          <a:fontRef idx="minor">
+            <a:schemeClr val="lt1"/>
+          </a:fontRef>
+        </p:style>
+        <p:txBody>
+          <a:bodyPr rtlCol="0" anchor="ctr"/>
+          <a:lstStyle/>
+          <a:p>
+            <a:pPr algn="ctr"/>
+            <a:endParaRPr lang="ko-KR" altLang="en-US"/>
+          </a:p>
+        </p:txBody>
+      </p:sp>
+      <p:sp>
+        <p:nvSpPr>
+          <p:cNvPr id="84" name="직사각형 83"/>
+          <p:cNvSpPr/>
+          <p:nvPr/>
+        </p:nvSpPr>
+        <p:spPr>
+          <a:xfrm>
+            <a:off x="785786" y="714356"/>
+            <a:ext cx="2214578" cy="357190"/>
+          </a:xfrm>
+          <a:prstGeom prst="rect">
+            <a:avLst/>
+          </a:prstGeom>
+          <a:solidFill>
+            <a:schemeClr val="bg1"/>
+          </a:solidFill>
+        </p:spPr>
+        <p:style>
+          <a:lnRef idx="2">
+            <a:schemeClr val="accent1">
+              <a:shade val="50000"/>
+            </a:schemeClr>
+          </a:lnRef>
+          <a:fillRef idx="1">
+            <a:schemeClr val="accent1"/>
+          </a:fillRef>
+          <a:effectRef idx="0">
+            <a:schemeClr val="accent1"/>
+          </a:effectRef>
+          <a:fontRef idx="minor">
+            <a:schemeClr val="lt1"/>
+          </a:fontRef>
+        </p:style>
+        <p:txBody>
+          <a:bodyPr rtlCol="0" anchor="ctr"/>
+          <a:lstStyle/>
+          <a:p>
+            <a:pPr algn="ctr"/>
+            <a:r>
+              <a:rPr lang="en-US" altLang="ko-KR" sz="1200" dirty="0" smtClean="0">
+                <a:solidFill>
+                  <a:schemeClr val="tx1"/>
+                </a:solidFill>
+              </a:rPr>
+              <a:t>Load Balancer</a:t>
+            </a:r>
+            <a:endParaRPr lang="ko-KR" altLang="en-US" sz="1200" dirty="0">
+              <a:solidFill>
+                <a:schemeClr val="tx1"/>
+              </a:solidFill>
+            </a:endParaRPr>
+          </a:p>
+        </p:txBody>
+      </p:sp>
+      <p:sp>
+        <p:nvSpPr>
+          <p:cNvPr id="85" name="아래쪽 화살표 84"/>
+          <p:cNvSpPr/>
+          <p:nvPr/>
+        </p:nvSpPr>
+        <p:spPr>
+          <a:xfrm>
+            <a:off x="1500166" y="1142984"/>
+            <a:ext cx="642942" cy="214314"/>
+          </a:xfrm>
+          <a:prstGeom prst="downArrow">
+            <a:avLst/>
+          </a:prstGeom>
+          <a:solidFill>
+            <a:schemeClr val="tx2">
+              <a:lumMod val="40000"/>
+              <a:lumOff val="60000"/>
+            </a:schemeClr>
+          </a:solidFill>
+          <a:ln>
+            <a:noFill/>
+          </a:ln>
+        </p:spPr>
+        <p:style>
+          <a:lnRef idx="2">
+            <a:schemeClr val="accent1">
+              <a:shade val="50000"/>
+            </a:schemeClr>
+          </a:lnRef>
+          <a:fillRef idx="1">
+            <a:schemeClr val="accent1"/>
+          </a:fillRef>
+          <a:effectRef idx="0">
+            <a:schemeClr val="accent1"/>
+          </a:effectRef>
+          <a:fontRef idx="minor">
+            <a:schemeClr val="lt1"/>
+          </a:fontRef>
+        </p:style>
+        <p:txBody>
+          <a:bodyPr rtlCol="0" anchor="ctr"/>
+          <a:lstStyle/>
+          <a:p>
+            <a:pPr algn="ctr"/>
+            <a:endParaRPr lang="ko-KR" altLang="en-US"/>
+          </a:p>
+        </p:txBody>
+      </p:sp>
+      <p:sp>
+        <p:nvSpPr>
+          <p:cNvPr id="86" name="직사각형 85"/>
+          <p:cNvSpPr/>
+          <p:nvPr/>
+        </p:nvSpPr>
+        <p:spPr>
+          <a:xfrm>
+            <a:off x="571472" y="3786190"/>
+            <a:ext cx="3714776" cy="1000132"/>
+          </a:xfrm>
+          <a:prstGeom prst="rect">
+            <a:avLst/>
+          </a:prstGeom>
+          <a:noFill/>
+        </p:spPr>
+        <p:style>
+          <a:lnRef idx="2">
+            <a:schemeClr val="accent1">
+              <a:shade val="50000"/>
+            </a:schemeClr>
+          </a:lnRef>
+          <a:fillRef idx="1">
+            <a:schemeClr val="accent1"/>
+          </a:fillRef>
+          <a:effectRef idx="0">
+            <a:schemeClr val="accent1"/>
+          </a:effectRef>
+          <a:fontRef idx="minor">
+            <a:schemeClr val="lt1"/>
+          </a:fontRef>
+        </p:style>
+        <p:txBody>
+          <a:bodyPr rtlCol="0" anchor="ctr"/>
+          <a:lstStyle/>
+          <a:p>
+            <a:pPr algn="ctr"/>
+            <a:endParaRPr lang="ko-KR" altLang="en-US"/>
+          </a:p>
+        </p:txBody>
+      </p:sp>
+      <p:sp>
+        <p:nvSpPr>
+          <p:cNvPr id="87" name="아래쪽 화살표 86"/>
+          <p:cNvSpPr/>
+          <p:nvPr/>
+        </p:nvSpPr>
+        <p:spPr>
+          <a:xfrm>
+            <a:off x="1500166" y="2571744"/>
+            <a:ext cx="642942" cy="214314"/>
+          </a:xfrm>
+          <a:prstGeom prst="downArrow">
+            <a:avLst/>
+          </a:prstGeom>
+          <a:solidFill>
+            <a:schemeClr val="tx2">
+              <a:lumMod val="40000"/>
+              <a:lumOff val="60000"/>
+            </a:schemeClr>
+          </a:solidFill>
+          <a:ln>
+            <a:noFill/>
+          </a:ln>
+        </p:spPr>
+        <p:style>
+          <a:lnRef idx="2">
+            <a:schemeClr val="accent1">
+              <a:shade val="50000"/>
+            </a:schemeClr>
+          </a:lnRef>
+          <a:fillRef idx="1">
+            <a:schemeClr val="accent1"/>
+          </a:fillRef>
+          <a:effectRef idx="0">
+            <a:schemeClr val="accent1"/>
+          </a:effectRef>
+          <a:fontRef idx="minor">
+            <a:schemeClr val="lt1"/>
+          </a:fontRef>
+        </p:style>
+        <p:txBody>
+          <a:bodyPr rtlCol="0" anchor="ctr"/>
+          <a:lstStyle/>
+          <a:p>
+            <a:pPr algn="ctr"/>
+            <a:endParaRPr lang="ko-KR" altLang="en-US"/>
+          </a:p>
+        </p:txBody>
+      </p:sp>
+      <p:sp>
+        <p:nvSpPr>
+          <p:cNvPr id="88" name="아래쪽 화살표 87"/>
+          <p:cNvSpPr/>
+          <p:nvPr/>
+        </p:nvSpPr>
+        <p:spPr>
+          <a:xfrm>
+            <a:off x="1500166" y="3571876"/>
+            <a:ext cx="642942" cy="214314"/>
+          </a:xfrm>
+          <a:prstGeom prst="downArrow">
+            <a:avLst/>
+          </a:prstGeom>
+          <a:solidFill>
+            <a:schemeClr val="tx2">
+              <a:lumMod val="40000"/>
+              <a:lumOff val="60000"/>
+            </a:schemeClr>
+          </a:solidFill>
+          <a:ln>
+            <a:noFill/>
+          </a:ln>
+        </p:spPr>
+        <p:style>
+          <a:lnRef idx="2">
+            <a:schemeClr val="accent1">
+              <a:shade val="50000"/>
+            </a:schemeClr>
+          </a:lnRef>
+          <a:fillRef idx="1">
+            <a:schemeClr val="accent1"/>
+          </a:fillRef>
+          <a:effectRef idx="0">
+            <a:schemeClr val="accent1"/>
+          </a:effectRef>
+          <a:fontRef idx="minor">
+            <a:schemeClr val="lt1"/>
+          </a:fontRef>
+        </p:style>
+        <p:txBody>
+          <a:bodyPr rtlCol="0" anchor="ctr"/>
+          <a:lstStyle/>
+          <a:p>
+            <a:pPr algn="ctr"/>
+            <a:endParaRPr lang="ko-KR" altLang="en-US"/>
+          </a:p>
+        </p:txBody>
+      </p:sp>
+      <p:sp>
+        <p:nvSpPr>
+          <p:cNvPr id="89" name="아래쪽 화살표 88"/>
+          <p:cNvSpPr/>
+          <p:nvPr/>
+        </p:nvSpPr>
+        <p:spPr>
+          <a:xfrm>
+            <a:off x="1500166" y="4857760"/>
+            <a:ext cx="642942" cy="214314"/>
+          </a:xfrm>
+          <a:prstGeom prst="downArrow">
+            <a:avLst/>
+          </a:prstGeom>
+          <a:solidFill>
+            <a:schemeClr val="tx2">
+              <a:lumMod val="40000"/>
+              <a:lumOff val="60000"/>
+            </a:schemeClr>
+          </a:solidFill>
+          <a:ln>
+            <a:noFill/>
+          </a:ln>
+        </p:spPr>
+        <p:style>
+          <a:lnRef idx="2">
+            <a:schemeClr val="accent1">
+              <a:shade val="50000"/>
+            </a:schemeClr>
+          </a:lnRef>
+          <a:fillRef idx="1">
+            <a:schemeClr val="accent1"/>
+          </a:fillRef>
+          <a:effectRef idx="0">
+            <a:schemeClr val="accent1"/>
+          </a:effectRef>
+          <a:fontRef idx="minor">
+            <a:schemeClr val="lt1"/>
+          </a:fontRef>
+        </p:style>
+        <p:txBody>
+          <a:bodyPr rtlCol="0" anchor="ctr"/>
+          <a:lstStyle/>
+          <a:p>
+            <a:pPr algn="ctr"/>
+            <a:endParaRPr lang="ko-KR" altLang="en-US"/>
+          </a:p>
+        </p:txBody>
+      </p:sp>
+      <p:sp>
+        <p:nvSpPr>
+          <p:cNvPr id="90" name="직사각형 89"/>
+          <p:cNvSpPr/>
+          <p:nvPr/>
+        </p:nvSpPr>
+        <p:spPr>
+          <a:xfrm>
+            <a:off x="785786" y="5072074"/>
+            <a:ext cx="2214578" cy="714380"/>
+          </a:xfrm>
+          <a:prstGeom prst="rect">
+            <a:avLst/>
+          </a:prstGeom>
+          <a:noFill/>
+        </p:spPr>
+        <p:style>
+          <a:lnRef idx="2">
+            <a:schemeClr val="accent1">
+              <a:shade val="50000"/>
+            </a:schemeClr>
+          </a:lnRef>
+          <a:fillRef idx="1">
+            <a:schemeClr val="accent1"/>
+          </a:fillRef>
+          <a:effectRef idx="0">
+            <a:schemeClr val="accent1"/>
+          </a:effectRef>
+          <a:fontRef idx="minor">
+            <a:schemeClr val="lt1"/>
+          </a:fontRef>
+        </p:style>
+        <p:txBody>
+          <a:bodyPr rtlCol="0" anchor="ctr"/>
+          <a:lstStyle/>
+          <a:p>
+            <a:pPr algn="ctr"/>
+            <a:endParaRPr lang="ko-KR" altLang="en-US"/>
+          </a:p>
+        </p:txBody>
+      </p:sp>
+      <p:sp>
+        <p:nvSpPr>
+          <p:cNvPr id="92" name="모서리가 둥근 직사각형 91"/>
+          <p:cNvSpPr/>
+          <p:nvPr/>
+        </p:nvSpPr>
+        <p:spPr>
+          <a:xfrm>
+            <a:off x="428596" y="571480"/>
+            <a:ext cx="3643338" cy="3000396"/>
+          </a:xfrm>
+          <a:prstGeom prst="roundRect">
+            <a:avLst/>
+          </a:prstGeom>
+          <a:noFill/>
+          <a:ln w="12700">
+            <a:solidFill>
+              <a:schemeClr val="tx1"/>
+            </a:solidFill>
+            <a:prstDash val="dash"/>
+          </a:ln>
+        </p:spPr>
+        <p:style>
+          <a:lnRef idx="2">
+            <a:schemeClr val="accent1">
+              <a:shade val="50000"/>
+            </a:schemeClr>
+          </a:lnRef>
+          <a:fillRef idx="1">
+            <a:schemeClr val="accent1"/>
+          </a:fillRef>
+          <a:effectRef idx="0">
+            <a:schemeClr val="accent1"/>
+          </a:effectRef>
+          <a:fontRef idx="minor">
+            <a:schemeClr val="lt1"/>
+          </a:fontRef>
+        </p:style>
+        <p:txBody>
+          <a:bodyPr rtlCol="0" anchor="ctr"/>
+          <a:lstStyle/>
+          <a:p>
+            <a:pPr algn="ctr"/>
+            <a:endParaRPr lang="ko-KR" altLang="en-US"/>
+          </a:p>
+        </p:txBody>
+      </p:sp>
+      <p:sp>
+        <p:nvSpPr>
+          <p:cNvPr id="93" name="모서리가 둥근 직사각형 92"/>
+          <p:cNvSpPr/>
+          <p:nvPr/>
+        </p:nvSpPr>
+        <p:spPr>
+          <a:xfrm>
+            <a:off x="357158" y="3643314"/>
+            <a:ext cx="4429156" cy="2286016"/>
+          </a:xfrm>
+          <a:prstGeom prst="roundRect">
+            <a:avLst/>
+          </a:prstGeom>
+          <a:noFill/>
+          <a:ln w="12700">
+            <a:solidFill>
+              <a:schemeClr val="tx1"/>
+            </a:solidFill>
+            <a:prstDash val="dash"/>
+          </a:ln>
+        </p:spPr>
+        <p:style>
+          <a:lnRef idx="2">
+            <a:schemeClr val="accent1">
+              <a:shade val="50000"/>
+            </a:schemeClr>
+          </a:lnRef>
+          <a:fillRef idx="1">
+            <a:schemeClr val="accent1"/>
+          </a:fillRef>
+          <a:effectRef idx="0">
+            <a:schemeClr val="accent1"/>
+          </a:effectRef>
+          <a:fontRef idx="minor">
+            <a:schemeClr val="lt1"/>
+          </a:fontRef>
+        </p:style>
+        <p:txBody>
+          <a:bodyPr rtlCol="0" anchor="ctr"/>
+          <a:lstStyle/>
+          <a:p>
+            <a:pPr algn="ctr"/>
+            <a:endParaRPr lang="ko-KR" altLang="en-US"/>
+          </a:p>
+        </p:txBody>
+      </p:sp>
+      <p:sp>
+        <p:nvSpPr>
+          <p:cNvPr id="94" name="TextBox 93"/>
+          <p:cNvSpPr txBox="1"/>
+          <p:nvPr/>
+        </p:nvSpPr>
+        <p:spPr>
+          <a:xfrm>
+            <a:off x="714348" y="1668217"/>
+            <a:ext cx="1357322" cy="276999"/>
+          </a:xfrm>
+          <a:prstGeom prst="rect">
+            <a:avLst/>
+          </a:prstGeom>
+          <a:noFill/>
+        </p:spPr>
+        <p:txBody>
+          <a:bodyPr wrap="square" rtlCol="0">
+            <a:spAutoFit/>
+          </a:bodyPr>
+          <a:lstStyle/>
+          <a:p>
+            <a:r>
+              <a:rPr lang="en-US" altLang="ko-KR" sz="1200" dirty="0" smtClean="0"/>
+              <a:t>Log Middleware</a:t>
+            </a:r>
+            <a:endParaRPr lang="ko-KR" altLang="en-US" sz="1200" dirty="0"/>
+          </a:p>
+        </p:txBody>
+      </p:sp>
+      <p:sp>
+        <p:nvSpPr>
+          <p:cNvPr id="95" name="TextBox 94"/>
+          <p:cNvSpPr txBox="1"/>
+          <p:nvPr/>
+        </p:nvSpPr>
+        <p:spPr>
+          <a:xfrm>
+            <a:off x="714348" y="2723373"/>
+            <a:ext cx="1143008" cy="276999"/>
+          </a:xfrm>
+          <a:prstGeom prst="rect">
+            <a:avLst/>
+          </a:prstGeom>
+          <a:noFill/>
+        </p:spPr>
+        <p:txBody>
+          <a:bodyPr wrap="square" rtlCol="0">
+            <a:spAutoFit/>
+          </a:bodyPr>
+          <a:lstStyle/>
+          <a:p>
+            <a:r>
+              <a:rPr lang="en-US" altLang="ko-KR" sz="1200" dirty="0" smtClean="0"/>
+              <a:t>Log Resource</a:t>
+            </a:r>
+            <a:endParaRPr lang="ko-KR" altLang="en-US" sz="1200" dirty="0"/>
+          </a:p>
+        </p:txBody>
+      </p:sp>
+      <p:sp>
+        <p:nvSpPr>
+          <p:cNvPr id="96" name="TextBox 95"/>
+          <p:cNvSpPr txBox="1"/>
+          <p:nvPr/>
+        </p:nvSpPr>
+        <p:spPr>
+          <a:xfrm>
+            <a:off x="2786050" y="3786190"/>
+            <a:ext cx="1500198" cy="276999"/>
+          </a:xfrm>
+          <a:prstGeom prst="rect">
+            <a:avLst/>
+          </a:prstGeom>
+          <a:noFill/>
+        </p:spPr>
+        <p:txBody>
+          <a:bodyPr wrap="square" rtlCol="0">
+            <a:spAutoFit/>
+          </a:bodyPr>
+          <a:lstStyle/>
+          <a:p>
+            <a:r>
+              <a:rPr lang="en-US" altLang="ko-KR" sz="1200" dirty="0" err="1" smtClean="0"/>
+              <a:t>Info.Middleware</a:t>
+            </a:r>
+            <a:endParaRPr lang="ko-KR" altLang="en-US" sz="1200" dirty="0"/>
+          </a:p>
+        </p:txBody>
+      </p:sp>
+      <p:sp>
+        <p:nvSpPr>
+          <p:cNvPr id="97" name="TextBox 96"/>
+          <p:cNvSpPr txBox="1"/>
+          <p:nvPr/>
+        </p:nvSpPr>
+        <p:spPr>
+          <a:xfrm>
+            <a:off x="714348" y="5009389"/>
+            <a:ext cx="1357322" cy="276999"/>
+          </a:xfrm>
+          <a:prstGeom prst="rect">
+            <a:avLst/>
+          </a:prstGeom>
+          <a:noFill/>
+        </p:spPr>
+        <p:txBody>
+          <a:bodyPr wrap="square" rtlCol="0">
+            <a:spAutoFit/>
+          </a:bodyPr>
+          <a:lstStyle/>
+          <a:p>
+            <a:r>
+              <a:rPr lang="en-US" altLang="ko-KR" sz="1200" dirty="0" smtClean="0"/>
+              <a:t>Info. Resource</a:t>
+            </a:r>
+            <a:endParaRPr lang="ko-KR" altLang="en-US" sz="1200" dirty="0"/>
+          </a:p>
+        </p:txBody>
+      </p:sp>
+      <p:sp>
+        <p:nvSpPr>
+          <p:cNvPr id="98" name="TextBox 97"/>
+          <p:cNvSpPr txBox="1"/>
+          <p:nvPr/>
+        </p:nvSpPr>
+        <p:spPr>
+          <a:xfrm>
+            <a:off x="3538842" y="1214422"/>
+            <a:ext cx="461665" cy="1785950"/>
+          </a:xfrm>
+          <a:prstGeom prst="rect">
+            <a:avLst/>
+          </a:prstGeom>
+          <a:noFill/>
+        </p:spPr>
+        <p:txBody>
+          <a:bodyPr vert="eaVert" wrap="square" rtlCol="0">
+            <a:spAutoFit/>
+          </a:bodyPr>
+          <a:lstStyle/>
+          <a:p>
+            <a:r>
+              <a:rPr lang="en-US" altLang="ko-KR" dirty="0" smtClean="0"/>
+              <a:t>Log System</a:t>
+            </a:r>
+            <a:endParaRPr lang="ko-KR" altLang="en-US" dirty="0"/>
+          </a:p>
+        </p:txBody>
+      </p:sp>
+      <p:sp>
+        <p:nvSpPr>
+          <p:cNvPr id="99" name="TextBox 98"/>
+          <p:cNvSpPr txBox="1"/>
+          <p:nvPr/>
+        </p:nvSpPr>
+        <p:spPr>
+          <a:xfrm>
+            <a:off x="4286255" y="4071942"/>
+            <a:ext cx="461665" cy="1785950"/>
+          </a:xfrm>
+          <a:prstGeom prst="rect">
+            <a:avLst/>
+          </a:prstGeom>
+          <a:noFill/>
+        </p:spPr>
+        <p:txBody>
+          <a:bodyPr vert="eaVert" wrap="square" rtlCol="0">
+            <a:spAutoFit/>
+          </a:bodyPr>
+          <a:lstStyle/>
+          <a:p>
+            <a:r>
+              <a:rPr lang="en-US" altLang="ko-KR" dirty="0" smtClean="0"/>
+              <a:t>Info. System</a:t>
+            </a:r>
+            <a:endParaRPr lang="ko-KR" altLang="en-US" dirty="0"/>
           </a:p>
         </p:txBody>
       </p:sp>

--- a/당뇨환자관리시스템_그림.pptx
+++ b/당뇨환자관리시스템_그림.pptx
@@ -7,10 +7,11 @@
   <p:sldIdLst>
     <p:sldId id="257" r:id="rId2"/>
     <p:sldId id="256" r:id="rId3"/>
-    <p:sldId id="258" r:id="rId4"/>
-    <p:sldId id="259" r:id="rId5"/>
-    <p:sldId id="260" r:id="rId6"/>
-    <p:sldId id="261" r:id="rId7"/>
+    <p:sldId id="262" r:id="rId4"/>
+    <p:sldId id="258" r:id="rId5"/>
+    <p:sldId id="259" r:id="rId6"/>
+    <p:sldId id="260" r:id="rId7"/>
+    <p:sldId id="261" r:id="rId8"/>
   </p:sldIdLst>
   <p:sldSz cx="9144000" cy="6858000" type="screen4x3"/>
   <p:notesSz cx="6858000" cy="9144000"/>
@@ -4975,6 +4976,2618 @@
       </p:grpSpPr>
       <p:sp>
         <p:nvSpPr>
+          <p:cNvPr id="68" name="직사각형 67"/>
+          <p:cNvSpPr/>
+          <p:nvPr/>
+        </p:nvSpPr>
+        <p:spPr>
+          <a:xfrm>
+            <a:off x="4233858" y="2233602"/>
+            <a:ext cx="1571636" cy="357190"/>
+          </a:xfrm>
+          <a:prstGeom prst="rect">
+            <a:avLst/>
+          </a:prstGeom>
+          <a:solidFill>
+            <a:schemeClr val="bg1"/>
+          </a:solidFill>
+        </p:spPr>
+        <p:style>
+          <a:lnRef idx="2">
+            <a:schemeClr val="accent1">
+              <a:shade val="50000"/>
+            </a:schemeClr>
+          </a:lnRef>
+          <a:fillRef idx="1">
+            <a:schemeClr val="accent1"/>
+          </a:fillRef>
+          <a:effectRef idx="0">
+            <a:schemeClr val="accent1"/>
+          </a:effectRef>
+          <a:fontRef idx="minor">
+            <a:schemeClr val="lt1"/>
+          </a:fontRef>
+        </p:style>
+        <p:txBody>
+          <a:bodyPr rtlCol="0" anchor="ctr"/>
+          <a:lstStyle/>
+          <a:p>
+            <a:pPr algn="ctr"/>
+            <a:r>
+              <a:rPr lang="ko-KR" altLang="en-US" sz="1400" dirty="0" smtClean="0">
+                <a:solidFill>
+                  <a:schemeClr val="tx2"/>
+                </a:solidFill>
+                <a:latin typeface="+mj-lt"/>
+              </a:rPr>
+              <a:t>의료시스템</a:t>
+            </a:r>
+            <a:endParaRPr lang="en-US" altLang="ko-KR" sz="1400" dirty="0" smtClean="0">
+              <a:solidFill>
+                <a:schemeClr val="tx2"/>
+              </a:solidFill>
+              <a:latin typeface="+mj-lt"/>
+            </a:endParaRPr>
+          </a:p>
+        </p:txBody>
+      </p:sp>
+      <p:sp>
+        <p:nvSpPr>
+          <p:cNvPr id="67" name="직사각형 66"/>
+          <p:cNvSpPr/>
+          <p:nvPr/>
+        </p:nvSpPr>
+        <p:spPr>
+          <a:xfrm>
+            <a:off x="4081458" y="2081202"/>
+            <a:ext cx="1571636" cy="357190"/>
+          </a:xfrm>
+          <a:prstGeom prst="rect">
+            <a:avLst/>
+          </a:prstGeom>
+          <a:solidFill>
+            <a:schemeClr val="bg1"/>
+          </a:solidFill>
+        </p:spPr>
+        <p:style>
+          <a:lnRef idx="2">
+            <a:schemeClr val="accent1">
+              <a:shade val="50000"/>
+            </a:schemeClr>
+          </a:lnRef>
+          <a:fillRef idx="1">
+            <a:schemeClr val="accent1"/>
+          </a:fillRef>
+          <a:effectRef idx="0">
+            <a:schemeClr val="accent1"/>
+          </a:effectRef>
+          <a:fontRef idx="minor">
+            <a:schemeClr val="lt1"/>
+          </a:fontRef>
+        </p:style>
+        <p:txBody>
+          <a:bodyPr rtlCol="0" anchor="ctr"/>
+          <a:lstStyle/>
+          <a:p>
+            <a:pPr algn="ctr"/>
+            <a:r>
+              <a:rPr lang="ko-KR" altLang="en-US" sz="1400" smtClean="0">
+                <a:solidFill>
+                  <a:schemeClr val="tx2"/>
+                </a:solidFill>
+                <a:latin typeface="+mj-lt"/>
+              </a:rPr>
+              <a:t>의료시스템</a:t>
+            </a:r>
+            <a:endParaRPr lang="en-US" altLang="ko-KR" sz="1400" dirty="0" smtClean="0">
+              <a:solidFill>
+                <a:schemeClr val="tx2"/>
+              </a:solidFill>
+              <a:latin typeface="+mj-lt"/>
+            </a:endParaRPr>
+          </a:p>
+        </p:txBody>
+      </p:sp>
+      <p:sp>
+        <p:nvSpPr>
+          <p:cNvPr id="58" name="직사각형 57"/>
+          <p:cNvSpPr/>
+          <p:nvPr/>
+        </p:nvSpPr>
+        <p:spPr>
+          <a:xfrm>
+            <a:off x="857224" y="1714488"/>
+            <a:ext cx="5072098" cy="2643206"/>
+          </a:xfrm>
+          <a:prstGeom prst="rect">
+            <a:avLst/>
+          </a:prstGeom>
+          <a:noFill/>
+        </p:spPr>
+        <p:style>
+          <a:lnRef idx="2">
+            <a:schemeClr val="accent1">
+              <a:shade val="50000"/>
+            </a:schemeClr>
+          </a:lnRef>
+          <a:fillRef idx="1">
+            <a:schemeClr val="accent1"/>
+          </a:fillRef>
+          <a:effectRef idx="0">
+            <a:schemeClr val="accent1"/>
+          </a:effectRef>
+          <a:fontRef idx="minor">
+            <a:schemeClr val="lt1"/>
+          </a:fontRef>
+        </p:style>
+        <p:txBody>
+          <a:bodyPr rtlCol="0" anchor="ctr"/>
+          <a:lstStyle/>
+          <a:p>
+            <a:pPr algn="ctr"/>
+            <a:endParaRPr lang="ko-KR" altLang="en-US"/>
+          </a:p>
+        </p:txBody>
+      </p:sp>
+      <p:sp>
+        <p:nvSpPr>
+          <p:cNvPr id="20" name="직사각형 19"/>
+          <p:cNvSpPr/>
+          <p:nvPr/>
+        </p:nvSpPr>
+        <p:spPr>
+          <a:xfrm>
+            <a:off x="6643702" y="1571612"/>
+            <a:ext cx="1571636" cy="357190"/>
+          </a:xfrm>
+          <a:prstGeom prst="rect">
+            <a:avLst/>
+          </a:prstGeom>
+          <a:noFill/>
+        </p:spPr>
+        <p:style>
+          <a:lnRef idx="2">
+            <a:schemeClr val="accent1">
+              <a:shade val="50000"/>
+            </a:schemeClr>
+          </a:lnRef>
+          <a:fillRef idx="1">
+            <a:schemeClr val="accent1"/>
+          </a:fillRef>
+          <a:effectRef idx="0">
+            <a:schemeClr val="accent1"/>
+          </a:effectRef>
+          <a:fontRef idx="minor">
+            <a:schemeClr val="lt1"/>
+          </a:fontRef>
+        </p:style>
+        <p:txBody>
+          <a:bodyPr rtlCol="0" anchor="ctr"/>
+          <a:lstStyle/>
+          <a:p>
+            <a:pPr algn="ctr"/>
+            <a:r>
+              <a:rPr lang="ko-KR" altLang="en-US" sz="1400" smtClean="0">
+                <a:solidFill>
+                  <a:schemeClr val="tx2"/>
+                </a:solidFill>
+                <a:latin typeface="+mj-lt"/>
+              </a:rPr>
+              <a:t>어플리케이션</a:t>
+            </a:r>
+            <a:endParaRPr lang="ko-KR" altLang="en-US" sz="1400" dirty="0">
+              <a:solidFill>
+                <a:schemeClr val="tx2"/>
+              </a:solidFill>
+              <a:latin typeface="+mj-lt"/>
+            </a:endParaRPr>
+          </a:p>
+        </p:txBody>
+      </p:sp>
+      <p:sp>
+        <p:nvSpPr>
+          <p:cNvPr id="21" name="직사각형 20"/>
+          <p:cNvSpPr/>
+          <p:nvPr/>
+        </p:nvSpPr>
+        <p:spPr>
+          <a:xfrm>
+            <a:off x="6643702" y="2357430"/>
+            <a:ext cx="1571636" cy="357190"/>
+          </a:xfrm>
+          <a:prstGeom prst="rect">
+            <a:avLst/>
+          </a:prstGeom>
+          <a:noFill/>
+        </p:spPr>
+        <p:style>
+          <a:lnRef idx="2">
+            <a:schemeClr val="accent1">
+              <a:shade val="50000"/>
+            </a:schemeClr>
+          </a:lnRef>
+          <a:fillRef idx="1">
+            <a:schemeClr val="accent1"/>
+          </a:fillRef>
+          <a:effectRef idx="0">
+            <a:schemeClr val="accent1"/>
+          </a:effectRef>
+          <a:fontRef idx="minor">
+            <a:schemeClr val="lt1"/>
+          </a:fontRef>
+        </p:style>
+        <p:txBody>
+          <a:bodyPr rtlCol="0" anchor="ctr"/>
+          <a:lstStyle/>
+          <a:p>
+            <a:pPr algn="ctr"/>
+            <a:r>
+              <a:rPr lang="ko-KR" altLang="en-US" sz="1400" smtClean="0">
+                <a:solidFill>
+                  <a:schemeClr val="tx2"/>
+                </a:solidFill>
+                <a:latin typeface="+mj-lt"/>
+              </a:rPr>
+              <a:t>데이터저장소</a:t>
+            </a:r>
+            <a:endParaRPr lang="ko-KR" altLang="en-US" sz="1400" dirty="0">
+              <a:solidFill>
+                <a:schemeClr val="tx2"/>
+              </a:solidFill>
+              <a:latin typeface="+mj-lt"/>
+            </a:endParaRPr>
+          </a:p>
+        </p:txBody>
+      </p:sp>
+      <p:sp>
+        <p:nvSpPr>
+          <p:cNvPr id="22" name="직사각형 21"/>
+          <p:cNvSpPr/>
+          <p:nvPr/>
+        </p:nvSpPr>
+        <p:spPr>
+          <a:xfrm>
+            <a:off x="9215470" y="1571612"/>
+            <a:ext cx="1214446" cy="357190"/>
+          </a:xfrm>
+          <a:prstGeom prst="rect">
+            <a:avLst/>
+          </a:prstGeom>
+          <a:noFill/>
+        </p:spPr>
+        <p:style>
+          <a:lnRef idx="2">
+            <a:schemeClr val="accent1">
+              <a:shade val="50000"/>
+            </a:schemeClr>
+          </a:lnRef>
+          <a:fillRef idx="1">
+            <a:schemeClr val="accent1"/>
+          </a:fillRef>
+          <a:effectRef idx="0">
+            <a:schemeClr val="accent1"/>
+          </a:effectRef>
+          <a:fontRef idx="minor">
+            <a:schemeClr val="lt1"/>
+          </a:fontRef>
+        </p:style>
+        <p:txBody>
+          <a:bodyPr rtlCol="0" anchor="ctr"/>
+          <a:lstStyle/>
+          <a:p>
+            <a:pPr algn="ctr"/>
+            <a:r>
+              <a:rPr lang="ko-KR" altLang="en-US" sz="1400" smtClean="0">
+                <a:solidFill>
+                  <a:schemeClr val="tx2"/>
+                </a:solidFill>
+                <a:latin typeface="+mj-lt"/>
+              </a:rPr>
+              <a:t>암</a:t>
+            </a:r>
+            <a:r>
+              <a:rPr lang="en-US" altLang="ko-KR" sz="1400" dirty="0" smtClean="0">
+                <a:solidFill>
+                  <a:schemeClr val="tx2"/>
+                </a:solidFill>
+                <a:latin typeface="+mj-lt"/>
+              </a:rPr>
+              <a:t>/</a:t>
+            </a:r>
+            <a:r>
+              <a:rPr lang="ko-KR" altLang="en-US" sz="1400" dirty="0" err="1" smtClean="0">
+                <a:solidFill>
+                  <a:schemeClr val="tx2"/>
+                </a:solidFill>
+                <a:latin typeface="+mj-lt"/>
+              </a:rPr>
+              <a:t>복호화</a:t>
+            </a:r>
+            <a:endParaRPr lang="ko-KR" altLang="en-US" sz="1400" dirty="0">
+              <a:solidFill>
+                <a:schemeClr val="tx2"/>
+              </a:solidFill>
+              <a:latin typeface="+mj-lt"/>
+            </a:endParaRPr>
+          </a:p>
+        </p:txBody>
+      </p:sp>
+      <p:cxnSp>
+        <p:nvCxnSpPr>
+          <p:cNvPr id="9" name="직선 화살표 연결선 8"/>
+          <p:cNvCxnSpPr/>
+          <p:nvPr/>
+        </p:nvCxnSpPr>
+        <p:spPr>
+          <a:xfrm>
+            <a:off x="8215338" y="1643050"/>
+            <a:ext cx="1000132" cy="1588"/>
+          </a:xfrm>
+          <a:prstGeom prst="straightConnector1">
+            <a:avLst/>
+          </a:prstGeom>
+          <a:ln>
+            <a:tailEnd type="arrow"/>
+          </a:ln>
+        </p:spPr>
+        <p:style>
+          <a:lnRef idx="1">
+            <a:schemeClr val="accent1"/>
+          </a:lnRef>
+          <a:fillRef idx="0">
+            <a:schemeClr val="accent1"/>
+          </a:fillRef>
+          <a:effectRef idx="0">
+            <a:schemeClr val="accent1"/>
+          </a:effectRef>
+          <a:fontRef idx="minor">
+            <a:schemeClr val="tx1"/>
+          </a:fontRef>
+        </p:style>
+      </p:cxnSp>
+      <p:cxnSp>
+        <p:nvCxnSpPr>
+          <p:cNvPr id="11" name="직선 화살표 연결선 10"/>
+          <p:cNvCxnSpPr>
+            <a:stCxn id="22" idx="1"/>
+            <a:endCxn id="20" idx="3"/>
+          </p:cNvCxnSpPr>
+          <p:nvPr/>
+        </p:nvCxnSpPr>
+        <p:spPr>
+          <a:xfrm rot="10800000">
+            <a:off x="8215338" y="1750207"/>
+            <a:ext cx="1000132" cy="1588"/>
+          </a:xfrm>
+          <a:prstGeom prst="straightConnector1">
+            <a:avLst/>
+          </a:prstGeom>
+          <a:ln>
+            <a:tailEnd type="arrow"/>
+          </a:ln>
+        </p:spPr>
+        <p:style>
+          <a:lnRef idx="1">
+            <a:schemeClr val="accent1"/>
+          </a:lnRef>
+          <a:fillRef idx="0">
+            <a:schemeClr val="accent1"/>
+          </a:fillRef>
+          <a:effectRef idx="0">
+            <a:schemeClr val="accent1"/>
+          </a:effectRef>
+          <a:fontRef idx="minor">
+            <a:schemeClr val="tx1"/>
+          </a:fontRef>
+        </p:style>
+      </p:cxnSp>
+      <p:sp>
+        <p:nvSpPr>
+          <p:cNvPr id="12" name="TextBox 11"/>
+          <p:cNvSpPr txBox="1"/>
+          <p:nvPr/>
+        </p:nvSpPr>
+        <p:spPr>
+          <a:xfrm>
+            <a:off x="8286776" y="1428736"/>
+            <a:ext cx="1000132" cy="276999"/>
+          </a:xfrm>
+          <a:prstGeom prst="rect">
+            <a:avLst/>
+          </a:prstGeom>
+          <a:noFill/>
+        </p:spPr>
+        <p:txBody>
+          <a:bodyPr wrap="square" rtlCol="0">
+            <a:spAutoFit/>
+          </a:bodyPr>
+          <a:lstStyle/>
+          <a:p>
+            <a:r>
+              <a:rPr lang="en-US" altLang="ko-KR" sz="1200" dirty="0" smtClean="0"/>
+              <a:t>1.</a:t>
+            </a:r>
+            <a:r>
+              <a:rPr lang="ko-KR" altLang="en-US" sz="1200" dirty="0" err="1" smtClean="0"/>
+              <a:t>민감정보</a:t>
+            </a:r>
+            <a:endParaRPr lang="ko-KR" altLang="en-US" sz="1200" dirty="0"/>
+          </a:p>
+        </p:txBody>
+      </p:sp>
+      <p:sp>
+        <p:nvSpPr>
+          <p:cNvPr id="13" name="TextBox 12"/>
+          <p:cNvSpPr txBox="1"/>
+          <p:nvPr/>
+        </p:nvSpPr>
+        <p:spPr>
+          <a:xfrm>
+            <a:off x="8215338" y="1785926"/>
+            <a:ext cx="1071570" cy="276999"/>
+          </a:xfrm>
+          <a:prstGeom prst="rect">
+            <a:avLst/>
+          </a:prstGeom>
+          <a:noFill/>
+        </p:spPr>
+        <p:txBody>
+          <a:bodyPr wrap="square" rtlCol="0">
+            <a:spAutoFit/>
+          </a:bodyPr>
+          <a:lstStyle/>
+          <a:p>
+            <a:r>
+              <a:rPr lang="en-US" altLang="ko-KR" sz="1200" dirty="0" smtClean="0"/>
+              <a:t>3.</a:t>
+            </a:r>
+            <a:r>
+              <a:rPr lang="ko-KR" altLang="en-US" sz="1200" dirty="0" err="1" smtClean="0"/>
+              <a:t>암호화정보</a:t>
+            </a:r>
+            <a:endParaRPr lang="ko-KR" altLang="en-US" sz="1200" dirty="0"/>
+          </a:p>
+        </p:txBody>
+      </p:sp>
+      <p:cxnSp>
+        <p:nvCxnSpPr>
+          <p:cNvPr id="15" name="직선 화살표 연결선 14"/>
+          <p:cNvCxnSpPr>
+            <a:stCxn id="20" idx="2"/>
+            <a:endCxn id="21" idx="0"/>
+          </p:cNvCxnSpPr>
+          <p:nvPr/>
+        </p:nvCxnSpPr>
+        <p:spPr>
+          <a:xfrm rot="5400000">
+            <a:off x="7215206" y="2143116"/>
+            <a:ext cx="428628" cy="1588"/>
+          </a:xfrm>
+          <a:prstGeom prst="straightConnector1">
+            <a:avLst/>
+          </a:prstGeom>
+          <a:ln>
+            <a:tailEnd type="arrow"/>
+          </a:ln>
+        </p:spPr>
+        <p:style>
+          <a:lnRef idx="1">
+            <a:schemeClr val="accent1"/>
+          </a:lnRef>
+          <a:fillRef idx="0">
+            <a:schemeClr val="accent1"/>
+          </a:fillRef>
+          <a:effectRef idx="0">
+            <a:schemeClr val="accent1"/>
+          </a:effectRef>
+          <a:fontRef idx="minor">
+            <a:schemeClr val="tx1"/>
+          </a:fontRef>
+        </p:style>
+      </p:cxnSp>
+      <p:sp>
+        <p:nvSpPr>
+          <p:cNvPr id="18" name="TextBox 17"/>
+          <p:cNvSpPr txBox="1"/>
+          <p:nvPr/>
+        </p:nvSpPr>
+        <p:spPr>
+          <a:xfrm>
+            <a:off x="7500958" y="2008993"/>
+            <a:ext cx="1071570" cy="276999"/>
+          </a:xfrm>
+          <a:prstGeom prst="rect">
+            <a:avLst/>
+          </a:prstGeom>
+          <a:noFill/>
+        </p:spPr>
+        <p:txBody>
+          <a:bodyPr wrap="square" rtlCol="0">
+            <a:spAutoFit/>
+          </a:bodyPr>
+          <a:lstStyle/>
+          <a:p>
+            <a:r>
+              <a:rPr lang="en-US" altLang="ko-KR" sz="1200" dirty="0" smtClean="0"/>
+              <a:t>4.</a:t>
+            </a:r>
+            <a:r>
+              <a:rPr lang="ko-KR" altLang="en-US" sz="1200" dirty="0" err="1" smtClean="0"/>
+              <a:t>암호화저장</a:t>
+            </a:r>
+            <a:endParaRPr lang="ko-KR" altLang="en-US" sz="1200" dirty="0"/>
+          </a:p>
+        </p:txBody>
+      </p:sp>
+      <p:cxnSp>
+        <p:nvCxnSpPr>
+          <p:cNvPr id="24" name="Shape 23"/>
+          <p:cNvCxnSpPr>
+            <a:stCxn id="22" idx="0"/>
+            <a:endCxn id="22" idx="3"/>
+          </p:cNvCxnSpPr>
+          <p:nvPr/>
+        </p:nvCxnSpPr>
+        <p:spPr>
+          <a:xfrm rot="16200000" flipH="1">
+            <a:off x="10037006" y="1357298"/>
+            <a:ext cx="178595" cy="607223"/>
+          </a:xfrm>
+          <a:prstGeom prst="bentConnector4">
+            <a:avLst>
+              <a:gd name="adj1" fmla="val -127999"/>
+              <a:gd name="adj2" fmla="val 137647"/>
+            </a:avLst>
+          </a:prstGeom>
+          <a:ln>
+            <a:tailEnd type="arrow"/>
+          </a:ln>
+        </p:spPr>
+        <p:style>
+          <a:lnRef idx="1">
+            <a:schemeClr val="accent1"/>
+          </a:lnRef>
+          <a:fillRef idx="0">
+            <a:schemeClr val="accent1"/>
+          </a:fillRef>
+          <a:effectRef idx="0">
+            <a:schemeClr val="accent1"/>
+          </a:effectRef>
+          <a:fontRef idx="minor">
+            <a:schemeClr val="tx1"/>
+          </a:fontRef>
+        </p:style>
+      </p:cxnSp>
+      <p:sp>
+        <p:nvSpPr>
+          <p:cNvPr id="25" name="TextBox 24"/>
+          <p:cNvSpPr txBox="1"/>
+          <p:nvPr/>
+        </p:nvSpPr>
+        <p:spPr>
+          <a:xfrm>
+            <a:off x="10144164" y="1071546"/>
+            <a:ext cx="857256" cy="276999"/>
+          </a:xfrm>
+          <a:prstGeom prst="rect">
+            <a:avLst/>
+          </a:prstGeom>
+          <a:noFill/>
+        </p:spPr>
+        <p:txBody>
+          <a:bodyPr wrap="square" rtlCol="0">
+            <a:spAutoFit/>
+          </a:bodyPr>
+          <a:lstStyle/>
+          <a:p>
+            <a:r>
+              <a:rPr lang="en-US" altLang="ko-KR" sz="1200" dirty="0" smtClean="0"/>
+              <a:t>2.</a:t>
+            </a:r>
+            <a:r>
+              <a:rPr lang="ko-KR" altLang="en-US" sz="1200" dirty="0" smtClean="0"/>
+              <a:t>암호화</a:t>
+            </a:r>
+            <a:endParaRPr lang="ko-KR" altLang="en-US" sz="1200" dirty="0"/>
+          </a:p>
+        </p:txBody>
+      </p:sp>
+      <p:sp>
+        <p:nvSpPr>
+          <p:cNvPr id="26" name="직사각형 25"/>
+          <p:cNvSpPr/>
+          <p:nvPr/>
+        </p:nvSpPr>
+        <p:spPr>
+          <a:xfrm>
+            <a:off x="6429388" y="3714752"/>
+            <a:ext cx="1571636" cy="357190"/>
+          </a:xfrm>
+          <a:prstGeom prst="rect">
+            <a:avLst/>
+          </a:prstGeom>
+          <a:noFill/>
+        </p:spPr>
+        <p:style>
+          <a:lnRef idx="2">
+            <a:schemeClr val="accent1">
+              <a:shade val="50000"/>
+            </a:schemeClr>
+          </a:lnRef>
+          <a:fillRef idx="1">
+            <a:schemeClr val="accent1"/>
+          </a:fillRef>
+          <a:effectRef idx="0">
+            <a:schemeClr val="accent1"/>
+          </a:effectRef>
+          <a:fontRef idx="minor">
+            <a:schemeClr val="lt1"/>
+          </a:fontRef>
+        </p:style>
+        <p:txBody>
+          <a:bodyPr rtlCol="0" anchor="ctr"/>
+          <a:lstStyle/>
+          <a:p>
+            <a:pPr algn="ctr"/>
+            <a:r>
+              <a:rPr lang="en-US" altLang="ko-KR" sz="1400" dirty="0" smtClean="0">
+                <a:solidFill>
+                  <a:schemeClr val="tx2"/>
+                </a:solidFill>
+                <a:latin typeface="+mj-lt"/>
+              </a:rPr>
+              <a:t>Message Broker</a:t>
+            </a:r>
+            <a:endParaRPr lang="ko-KR" altLang="en-US" sz="1400" dirty="0">
+              <a:solidFill>
+                <a:schemeClr val="tx2"/>
+              </a:solidFill>
+              <a:latin typeface="+mj-lt"/>
+            </a:endParaRPr>
+          </a:p>
+        </p:txBody>
+      </p:sp>
+      <p:sp>
+        <p:nvSpPr>
+          <p:cNvPr id="27" name="직사각형 26"/>
+          <p:cNvSpPr/>
+          <p:nvPr/>
+        </p:nvSpPr>
+        <p:spPr>
+          <a:xfrm>
+            <a:off x="6429388" y="4500570"/>
+            <a:ext cx="1571636" cy="357190"/>
+          </a:xfrm>
+          <a:prstGeom prst="rect">
+            <a:avLst/>
+          </a:prstGeom>
+          <a:noFill/>
+        </p:spPr>
+        <p:style>
+          <a:lnRef idx="2">
+            <a:schemeClr val="accent1">
+              <a:shade val="50000"/>
+            </a:schemeClr>
+          </a:lnRef>
+          <a:fillRef idx="1">
+            <a:schemeClr val="accent1"/>
+          </a:fillRef>
+          <a:effectRef idx="0">
+            <a:schemeClr val="accent1"/>
+          </a:effectRef>
+          <a:fontRef idx="minor">
+            <a:schemeClr val="lt1"/>
+          </a:fontRef>
+        </p:style>
+        <p:txBody>
+          <a:bodyPr rtlCol="0" anchor="ctr"/>
+          <a:lstStyle/>
+          <a:p>
+            <a:pPr algn="ctr"/>
+            <a:r>
+              <a:rPr lang="ko-KR" altLang="en-US" sz="1400" smtClean="0">
+                <a:solidFill>
+                  <a:schemeClr val="tx2"/>
+                </a:solidFill>
+                <a:latin typeface="+mj-lt"/>
+              </a:rPr>
+              <a:t>데이터저장소</a:t>
+            </a:r>
+            <a:endParaRPr lang="ko-KR" altLang="en-US" sz="1400" dirty="0">
+              <a:solidFill>
+                <a:schemeClr val="tx2"/>
+              </a:solidFill>
+              <a:latin typeface="+mj-lt"/>
+            </a:endParaRPr>
+          </a:p>
+        </p:txBody>
+      </p:sp>
+      <p:sp>
+        <p:nvSpPr>
+          <p:cNvPr id="28" name="직사각형 27"/>
+          <p:cNvSpPr/>
+          <p:nvPr/>
+        </p:nvSpPr>
+        <p:spPr>
+          <a:xfrm>
+            <a:off x="9001156" y="3714752"/>
+            <a:ext cx="1214446" cy="357190"/>
+          </a:xfrm>
+          <a:prstGeom prst="rect">
+            <a:avLst/>
+          </a:prstGeom>
+          <a:noFill/>
+        </p:spPr>
+        <p:style>
+          <a:lnRef idx="2">
+            <a:schemeClr val="accent1">
+              <a:shade val="50000"/>
+            </a:schemeClr>
+          </a:lnRef>
+          <a:fillRef idx="1">
+            <a:schemeClr val="accent1"/>
+          </a:fillRef>
+          <a:effectRef idx="0">
+            <a:schemeClr val="accent1"/>
+          </a:effectRef>
+          <a:fontRef idx="minor">
+            <a:schemeClr val="lt1"/>
+          </a:fontRef>
+        </p:style>
+        <p:txBody>
+          <a:bodyPr rtlCol="0" anchor="ctr"/>
+          <a:lstStyle/>
+          <a:p>
+            <a:pPr algn="ctr"/>
+            <a:r>
+              <a:rPr lang="ko-KR" altLang="en-US" sz="1400" smtClean="0">
+                <a:solidFill>
+                  <a:schemeClr val="tx2"/>
+                </a:solidFill>
+                <a:latin typeface="+mj-lt"/>
+              </a:rPr>
+              <a:t>암</a:t>
+            </a:r>
+            <a:r>
+              <a:rPr lang="en-US" altLang="ko-KR" sz="1400" dirty="0" smtClean="0">
+                <a:solidFill>
+                  <a:schemeClr val="tx2"/>
+                </a:solidFill>
+                <a:latin typeface="+mj-lt"/>
+              </a:rPr>
+              <a:t>/</a:t>
+            </a:r>
+            <a:r>
+              <a:rPr lang="ko-KR" altLang="en-US" sz="1400" dirty="0" err="1" smtClean="0">
+                <a:solidFill>
+                  <a:schemeClr val="tx2"/>
+                </a:solidFill>
+                <a:latin typeface="+mj-lt"/>
+              </a:rPr>
+              <a:t>복호화</a:t>
+            </a:r>
+            <a:endParaRPr lang="ko-KR" altLang="en-US" sz="1400" dirty="0">
+              <a:solidFill>
+                <a:schemeClr val="tx2"/>
+              </a:solidFill>
+              <a:latin typeface="+mj-lt"/>
+            </a:endParaRPr>
+          </a:p>
+        </p:txBody>
+      </p:sp>
+      <p:cxnSp>
+        <p:nvCxnSpPr>
+          <p:cNvPr id="29" name="직선 화살표 연결선 28"/>
+          <p:cNvCxnSpPr/>
+          <p:nvPr/>
+        </p:nvCxnSpPr>
+        <p:spPr>
+          <a:xfrm>
+            <a:off x="8001024" y="3786190"/>
+            <a:ext cx="1000132" cy="1588"/>
+          </a:xfrm>
+          <a:prstGeom prst="straightConnector1">
+            <a:avLst/>
+          </a:prstGeom>
+          <a:ln>
+            <a:tailEnd type="arrow"/>
+          </a:ln>
+        </p:spPr>
+        <p:style>
+          <a:lnRef idx="1">
+            <a:schemeClr val="accent1"/>
+          </a:lnRef>
+          <a:fillRef idx="0">
+            <a:schemeClr val="accent1"/>
+          </a:fillRef>
+          <a:effectRef idx="0">
+            <a:schemeClr val="accent1"/>
+          </a:effectRef>
+          <a:fontRef idx="minor">
+            <a:schemeClr val="tx1"/>
+          </a:fontRef>
+        </p:style>
+      </p:cxnSp>
+      <p:cxnSp>
+        <p:nvCxnSpPr>
+          <p:cNvPr id="30" name="직선 화살표 연결선 29"/>
+          <p:cNvCxnSpPr>
+            <a:stCxn id="28" idx="1"/>
+            <a:endCxn id="26" idx="3"/>
+          </p:cNvCxnSpPr>
+          <p:nvPr/>
+        </p:nvCxnSpPr>
+        <p:spPr>
+          <a:xfrm rot="10800000">
+            <a:off x="8001024" y="3893347"/>
+            <a:ext cx="1000132" cy="1588"/>
+          </a:xfrm>
+          <a:prstGeom prst="straightConnector1">
+            <a:avLst/>
+          </a:prstGeom>
+          <a:ln>
+            <a:tailEnd type="arrow"/>
+          </a:ln>
+        </p:spPr>
+        <p:style>
+          <a:lnRef idx="1">
+            <a:schemeClr val="accent1"/>
+          </a:lnRef>
+          <a:fillRef idx="0">
+            <a:schemeClr val="accent1"/>
+          </a:fillRef>
+          <a:effectRef idx="0">
+            <a:schemeClr val="accent1"/>
+          </a:effectRef>
+          <a:fontRef idx="minor">
+            <a:schemeClr val="tx1"/>
+          </a:fontRef>
+        </p:style>
+      </p:cxnSp>
+      <p:sp>
+        <p:nvSpPr>
+          <p:cNvPr id="31" name="TextBox 30"/>
+          <p:cNvSpPr txBox="1"/>
+          <p:nvPr/>
+        </p:nvSpPr>
+        <p:spPr>
+          <a:xfrm>
+            <a:off x="8001024" y="3509191"/>
+            <a:ext cx="1071570" cy="276999"/>
+          </a:xfrm>
+          <a:prstGeom prst="rect">
+            <a:avLst/>
+          </a:prstGeom>
+          <a:noFill/>
+        </p:spPr>
+        <p:txBody>
+          <a:bodyPr wrap="square" rtlCol="0">
+            <a:spAutoFit/>
+          </a:bodyPr>
+          <a:lstStyle/>
+          <a:p>
+            <a:r>
+              <a:rPr lang="en-US" altLang="ko-KR" sz="1200" dirty="0" smtClean="0"/>
+              <a:t>2.</a:t>
+            </a:r>
+            <a:r>
+              <a:rPr lang="ko-KR" altLang="en-US" sz="1200" dirty="0" err="1" smtClean="0"/>
+              <a:t>암호화정보</a:t>
+            </a:r>
+            <a:endParaRPr lang="ko-KR" altLang="en-US" sz="1200" dirty="0"/>
+          </a:p>
+        </p:txBody>
+      </p:sp>
+      <p:sp>
+        <p:nvSpPr>
+          <p:cNvPr id="32" name="TextBox 31"/>
+          <p:cNvSpPr txBox="1"/>
+          <p:nvPr/>
+        </p:nvSpPr>
+        <p:spPr>
+          <a:xfrm>
+            <a:off x="8001024" y="3929066"/>
+            <a:ext cx="1357322" cy="276999"/>
+          </a:xfrm>
+          <a:prstGeom prst="rect">
+            <a:avLst/>
+          </a:prstGeom>
+          <a:noFill/>
+        </p:spPr>
+        <p:txBody>
+          <a:bodyPr wrap="square" rtlCol="0">
+            <a:spAutoFit/>
+          </a:bodyPr>
+          <a:lstStyle/>
+          <a:p>
+            <a:r>
+              <a:rPr lang="en-US" altLang="ko-KR" sz="1200" dirty="0" smtClean="0"/>
+              <a:t>4 </a:t>
+            </a:r>
+            <a:r>
+              <a:rPr lang="ko-KR" altLang="en-US" sz="1200" dirty="0" err="1" smtClean="0"/>
+              <a:t>복호화정보</a:t>
+            </a:r>
+            <a:endParaRPr lang="ko-KR" altLang="en-US" sz="1200" dirty="0"/>
+          </a:p>
+        </p:txBody>
+      </p:sp>
+      <p:cxnSp>
+        <p:nvCxnSpPr>
+          <p:cNvPr id="33" name="직선 화살표 연결선 32"/>
+          <p:cNvCxnSpPr>
+            <a:stCxn id="27" idx="0"/>
+            <a:endCxn id="26" idx="2"/>
+          </p:cNvCxnSpPr>
+          <p:nvPr/>
+        </p:nvCxnSpPr>
+        <p:spPr>
+          <a:xfrm rot="5400000" flipH="1" flipV="1">
+            <a:off x="7000892" y="4286256"/>
+            <a:ext cx="428628" cy="1588"/>
+          </a:xfrm>
+          <a:prstGeom prst="straightConnector1">
+            <a:avLst/>
+          </a:prstGeom>
+          <a:ln>
+            <a:tailEnd type="arrow"/>
+          </a:ln>
+        </p:spPr>
+        <p:style>
+          <a:lnRef idx="1">
+            <a:schemeClr val="accent1"/>
+          </a:lnRef>
+          <a:fillRef idx="0">
+            <a:schemeClr val="accent1"/>
+          </a:fillRef>
+          <a:effectRef idx="0">
+            <a:schemeClr val="accent1"/>
+          </a:effectRef>
+          <a:fontRef idx="minor">
+            <a:schemeClr val="tx1"/>
+          </a:fontRef>
+        </p:style>
+      </p:cxnSp>
+      <p:sp>
+        <p:nvSpPr>
+          <p:cNvPr id="34" name="TextBox 33"/>
+          <p:cNvSpPr txBox="1"/>
+          <p:nvPr/>
+        </p:nvSpPr>
+        <p:spPr>
+          <a:xfrm>
+            <a:off x="7215206" y="4214818"/>
+            <a:ext cx="1071570" cy="276999"/>
+          </a:xfrm>
+          <a:prstGeom prst="rect">
+            <a:avLst/>
+          </a:prstGeom>
+          <a:noFill/>
+        </p:spPr>
+        <p:txBody>
+          <a:bodyPr wrap="square" rtlCol="0">
+            <a:spAutoFit/>
+          </a:bodyPr>
+          <a:lstStyle/>
+          <a:p>
+            <a:r>
+              <a:rPr lang="en-US" altLang="ko-KR" sz="1200" dirty="0" smtClean="0"/>
+              <a:t>1.</a:t>
+            </a:r>
+            <a:r>
+              <a:rPr lang="ko-KR" altLang="en-US" sz="1200" dirty="0" err="1" smtClean="0"/>
+              <a:t>암호화정보</a:t>
+            </a:r>
+            <a:endParaRPr lang="ko-KR" altLang="en-US" sz="1200" dirty="0"/>
+          </a:p>
+        </p:txBody>
+      </p:sp>
+      <p:cxnSp>
+        <p:nvCxnSpPr>
+          <p:cNvPr id="35" name="Shape 34"/>
+          <p:cNvCxnSpPr>
+            <a:stCxn id="28" idx="0"/>
+            <a:endCxn id="28" idx="3"/>
+          </p:cNvCxnSpPr>
+          <p:nvPr/>
+        </p:nvCxnSpPr>
+        <p:spPr>
+          <a:xfrm rot="16200000" flipH="1">
+            <a:off x="9822692" y="3500438"/>
+            <a:ext cx="178595" cy="607223"/>
+          </a:xfrm>
+          <a:prstGeom prst="bentConnector4">
+            <a:avLst>
+              <a:gd name="adj1" fmla="val -127999"/>
+              <a:gd name="adj2" fmla="val 137647"/>
+            </a:avLst>
+          </a:prstGeom>
+          <a:ln>
+            <a:tailEnd type="arrow"/>
+          </a:ln>
+        </p:spPr>
+        <p:style>
+          <a:lnRef idx="1">
+            <a:schemeClr val="accent1"/>
+          </a:lnRef>
+          <a:fillRef idx="0">
+            <a:schemeClr val="accent1"/>
+          </a:fillRef>
+          <a:effectRef idx="0">
+            <a:schemeClr val="accent1"/>
+          </a:effectRef>
+          <a:fontRef idx="minor">
+            <a:schemeClr val="tx1"/>
+          </a:fontRef>
+        </p:style>
+      </p:cxnSp>
+      <p:sp>
+        <p:nvSpPr>
+          <p:cNvPr id="36" name="TextBox 35"/>
+          <p:cNvSpPr txBox="1"/>
+          <p:nvPr/>
+        </p:nvSpPr>
+        <p:spPr>
+          <a:xfrm>
+            <a:off x="9929850" y="3214686"/>
+            <a:ext cx="857256" cy="276999"/>
+          </a:xfrm>
+          <a:prstGeom prst="rect">
+            <a:avLst/>
+          </a:prstGeom>
+          <a:noFill/>
+        </p:spPr>
+        <p:txBody>
+          <a:bodyPr wrap="square" rtlCol="0">
+            <a:spAutoFit/>
+          </a:bodyPr>
+          <a:lstStyle/>
+          <a:p>
+            <a:r>
+              <a:rPr lang="en-US" altLang="ko-KR" sz="1200" dirty="0" smtClean="0"/>
+              <a:t>3.</a:t>
+            </a:r>
+            <a:r>
+              <a:rPr lang="ko-KR" altLang="en-US" sz="1200" dirty="0" err="1" smtClean="0"/>
+              <a:t>복호화</a:t>
+            </a:r>
+            <a:endParaRPr lang="ko-KR" altLang="en-US" sz="1200" dirty="0"/>
+          </a:p>
+        </p:txBody>
+      </p:sp>
+      <p:sp>
+        <p:nvSpPr>
+          <p:cNvPr id="41" name="TextBox 40"/>
+          <p:cNvSpPr txBox="1"/>
+          <p:nvPr/>
+        </p:nvSpPr>
+        <p:spPr>
+          <a:xfrm>
+            <a:off x="6643702" y="1142984"/>
+            <a:ext cx="2071702" cy="369332"/>
+          </a:xfrm>
+          <a:prstGeom prst="rect">
+            <a:avLst/>
+          </a:prstGeom>
+          <a:noFill/>
+        </p:spPr>
+        <p:txBody>
+          <a:bodyPr wrap="square" rtlCol="0">
+            <a:spAutoFit/>
+          </a:bodyPr>
+          <a:lstStyle/>
+          <a:p>
+            <a:r>
+              <a:rPr lang="en-US" altLang="ko-KR" dirty="0" smtClean="0"/>
+              <a:t>&lt;&lt;</a:t>
+            </a:r>
+            <a:r>
+              <a:rPr lang="ko-KR" altLang="en-US" dirty="0" smtClean="0"/>
+              <a:t>암호화</a:t>
+            </a:r>
+            <a:r>
+              <a:rPr lang="en-US" altLang="ko-KR" dirty="0" smtClean="0"/>
+              <a:t>&gt;&gt;</a:t>
+            </a:r>
+            <a:endParaRPr lang="ko-KR" altLang="en-US" dirty="0"/>
+          </a:p>
+        </p:txBody>
+      </p:sp>
+      <p:sp>
+        <p:nvSpPr>
+          <p:cNvPr id="42" name="TextBox 41"/>
+          <p:cNvSpPr txBox="1"/>
+          <p:nvPr/>
+        </p:nvSpPr>
+        <p:spPr>
+          <a:xfrm>
+            <a:off x="6357950" y="3286124"/>
+            <a:ext cx="2071702" cy="369332"/>
+          </a:xfrm>
+          <a:prstGeom prst="rect">
+            <a:avLst/>
+          </a:prstGeom>
+          <a:noFill/>
+        </p:spPr>
+        <p:txBody>
+          <a:bodyPr wrap="square" rtlCol="0">
+            <a:spAutoFit/>
+          </a:bodyPr>
+          <a:lstStyle/>
+          <a:p>
+            <a:r>
+              <a:rPr lang="en-US" altLang="ko-KR" dirty="0" smtClean="0"/>
+              <a:t>&lt;&lt;</a:t>
+            </a:r>
+            <a:r>
+              <a:rPr lang="ko-KR" altLang="en-US" dirty="0" err="1" smtClean="0"/>
+              <a:t>복호화</a:t>
+            </a:r>
+            <a:r>
+              <a:rPr lang="en-US" altLang="ko-KR" dirty="0" smtClean="0"/>
+              <a:t>&gt;&gt;</a:t>
+            </a:r>
+            <a:endParaRPr lang="ko-KR" altLang="en-US" dirty="0"/>
+          </a:p>
+        </p:txBody>
+      </p:sp>
+      <p:sp>
+        <p:nvSpPr>
+          <p:cNvPr id="43" name="TextBox 42"/>
+          <p:cNvSpPr txBox="1"/>
+          <p:nvPr/>
+        </p:nvSpPr>
+        <p:spPr>
+          <a:xfrm>
+            <a:off x="9644098" y="3500438"/>
+            <a:ext cx="857256" cy="276999"/>
+          </a:xfrm>
+          <a:prstGeom prst="rect">
+            <a:avLst/>
+          </a:prstGeom>
+          <a:noFill/>
+        </p:spPr>
+        <p:txBody>
+          <a:bodyPr wrap="square" rtlCol="0">
+            <a:spAutoFit/>
+          </a:bodyPr>
+          <a:lstStyle/>
+          <a:p>
+            <a:r>
+              <a:rPr lang="en-US" altLang="ko-KR" sz="1200" dirty="0" smtClean="0"/>
+              <a:t>AES-128</a:t>
+            </a:r>
+            <a:endParaRPr lang="ko-KR" altLang="en-US" sz="1200" dirty="0"/>
+          </a:p>
+        </p:txBody>
+      </p:sp>
+      <p:sp>
+        <p:nvSpPr>
+          <p:cNvPr id="44" name="TextBox 43"/>
+          <p:cNvSpPr txBox="1"/>
+          <p:nvPr/>
+        </p:nvSpPr>
+        <p:spPr>
+          <a:xfrm>
+            <a:off x="9858412" y="1366051"/>
+            <a:ext cx="857256" cy="276999"/>
+          </a:xfrm>
+          <a:prstGeom prst="rect">
+            <a:avLst/>
+          </a:prstGeom>
+          <a:noFill/>
+        </p:spPr>
+        <p:txBody>
+          <a:bodyPr wrap="square" rtlCol="0">
+            <a:spAutoFit/>
+          </a:bodyPr>
+          <a:lstStyle/>
+          <a:p>
+            <a:r>
+              <a:rPr lang="en-US" altLang="ko-KR" sz="1200" dirty="0" smtClean="0"/>
+              <a:t>AES-128</a:t>
+            </a:r>
+            <a:endParaRPr lang="ko-KR" altLang="en-US" sz="1200" dirty="0"/>
+          </a:p>
+        </p:txBody>
+      </p:sp>
+      <p:sp>
+        <p:nvSpPr>
+          <p:cNvPr id="37" name="직사각형 36"/>
+          <p:cNvSpPr/>
+          <p:nvPr/>
+        </p:nvSpPr>
+        <p:spPr>
+          <a:xfrm>
+            <a:off x="2428860" y="2714620"/>
+            <a:ext cx="1571636" cy="357190"/>
+          </a:xfrm>
+          <a:prstGeom prst="rect">
+            <a:avLst/>
+          </a:prstGeom>
+          <a:noFill/>
+        </p:spPr>
+        <p:style>
+          <a:lnRef idx="2">
+            <a:schemeClr val="accent1">
+              <a:shade val="50000"/>
+            </a:schemeClr>
+          </a:lnRef>
+          <a:fillRef idx="1">
+            <a:schemeClr val="accent1"/>
+          </a:fillRef>
+          <a:effectRef idx="0">
+            <a:schemeClr val="accent1"/>
+          </a:effectRef>
+          <a:fontRef idx="minor">
+            <a:schemeClr val="lt1"/>
+          </a:fontRef>
+        </p:style>
+        <p:txBody>
+          <a:bodyPr rtlCol="0" anchor="ctr"/>
+          <a:lstStyle/>
+          <a:p>
+            <a:pPr algn="ctr"/>
+            <a:r>
+              <a:rPr lang="en-US" altLang="ko-KR" sz="1400" dirty="0" smtClean="0">
+                <a:solidFill>
+                  <a:schemeClr val="tx2"/>
+                </a:solidFill>
+                <a:latin typeface="+mj-lt"/>
+              </a:rPr>
+              <a:t>Message Broker</a:t>
+            </a:r>
+            <a:endParaRPr lang="ko-KR" altLang="en-US" sz="1400" dirty="0">
+              <a:solidFill>
+                <a:schemeClr val="tx2"/>
+              </a:solidFill>
+              <a:latin typeface="+mj-lt"/>
+            </a:endParaRPr>
+          </a:p>
+        </p:txBody>
+      </p:sp>
+      <p:sp>
+        <p:nvSpPr>
+          <p:cNvPr id="38" name="직사각형 37"/>
+          <p:cNvSpPr/>
+          <p:nvPr/>
+        </p:nvSpPr>
+        <p:spPr>
+          <a:xfrm>
+            <a:off x="1000100" y="1928802"/>
+            <a:ext cx="1571636" cy="357190"/>
+          </a:xfrm>
+          <a:prstGeom prst="rect">
+            <a:avLst/>
+          </a:prstGeom>
+          <a:noFill/>
+        </p:spPr>
+        <p:style>
+          <a:lnRef idx="2">
+            <a:schemeClr val="accent1">
+              <a:shade val="50000"/>
+            </a:schemeClr>
+          </a:lnRef>
+          <a:fillRef idx="1">
+            <a:schemeClr val="accent1"/>
+          </a:fillRef>
+          <a:effectRef idx="0">
+            <a:schemeClr val="accent1"/>
+          </a:effectRef>
+          <a:fontRef idx="minor">
+            <a:schemeClr val="lt1"/>
+          </a:fontRef>
+        </p:style>
+        <p:txBody>
+          <a:bodyPr rtlCol="0" anchor="ctr"/>
+          <a:lstStyle/>
+          <a:p>
+            <a:pPr algn="ctr"/>
+            <a:r>
+              <a:rPr lang="ko-KR" altLang="en-US" sz="1200" smtClean="0">
+                <a:solidFill>
+                  <a:schemeClr val="tx2"/>
+                </a:solidFill>
+                <a:latin typeface="+mj-lt"/>
+              </a:rPr>
+              <a:t>당뇨환자관리시스템</a:t>
+            </a:r>
+            <a:endParaRPr lang="en-US" altLang="ko-KR" sz="1200" dirty="0" smtClean="0">
+              <a:solidFill>
+                <a:schemeClr val="tx2"/>
+              </a:solidFill>
+              <a:latin typeface="+mj-lt"/>
+            </a:endParaRPr>
+          </a:p>
+        </p:txBody>
+      </p:sp>
+      <p:sp>
+        <p:nvSpPr>
+          <p:cNvPr id="39" name="직사각형 38"/>
+          <p:cNvSpPr/>
+          <p:nvPr/>
+        </p:nvSpPr>
+        <p:spPr>
+          <a:xfrm>
+            <a:off x="3929058" y="1928802"/>
+            <a:ext cx="1571636" cy="357190"/>
+          </a:xfrm>
+          <a:prstGeom prst="rect">
+            <a:avLst/>
+          </a:prstGeom>
+          <a:solidFill>
+            <a:schemeClr val="bg1"/>
+          </a:solidFill>
+        </p:spPr>
+        <p:style>
+          <a:lnRef idx="2">
+            <a:schemeClr val="accent1">
+              <a:shade val="50000"/>
+            </a:schemeClr>
+          </a:lnRef>
+          <a:fillRef idx="1">
+            <a:schemeClr val="accent1"/>
+          </a:fillRef>
+          <a:effectRef idx="0">
+            <a:schemeClr val="accent1"/>
+          </a:effectRef>
+          <a:fontRef idx="minor">
+            <a:schemeClr val="lt1"/>
+          </a:fontRef>
+        </p:style>
+        <p:txBody>
+          <a:bodyPr rtlCol="0" anchor="ctr"/>
+          <a:lstStyle/>
+          <a:p>
+            <a:pPr algn="ctr"/>
+            <a:r>
+              <a:rPr lang="ko-KR" altLang="en-US" sz="1400" smtClean="0">
+                <a:solidFill>
+                  <a:schemeClr val="tx2"/>
+                </a:solidFill>
+                <a:latin typeface="+mj-lt"/>
+              </a:rPr>
+              <a:t>의료시스</a:t>
+            </a:r>
+            <a:r>
+              <a:rPr lang="ko-KR" altLang="en-US" sz="1400" smtClean="0">
+                <a:solidFill>
+                  <a:schemeClr val="tx2"/>
+                </a:solidFill>
+                <a:latin typeface="+mj-lt"/>
+              </a:rPr>
+              <a:t>템</a:t>
+            </a:r>
+            <a:endParaRPr lang="en-US" altLang="ko-KR" sz="1400" dirty="0" smtClean="0">
+              <a:solidFill>
+                <a:schemeClr val="tx2"/>
+              </a:solidFill>
+              <a:latin typeface="+mj-lt"/>
+            </a:endParaRPr>
+          </a:p>
+        </p:txBody>
+      </p:sp>
+      <p:sp>
+        <p:nvSpPr>
+          <p:cNvPr id="40" name="직사각형 39"/>
+          <p:cNvSpPr/>
+          <p:nvPr/>
+        </p:nvSpPr>
+        <p:spPr>
+          <a:xfrm>
+            <a:off x="2571735" y="3214686"/>
+            <a:ext cx="83627" cy="142876"/>
+          </a:xfrm>
+          <a:prstGeom prst="rect">
+            <a:avLst/>
+          </a:prstGeom>
+          <a:noFill/>
+        </p:spPr>
+        <p:style>
+          <a:lnRef idx="2">
+            <a:schemeClr val="accent1">
+              <a:shade val="50000"/>
+            </a:schemeClr>
+          </a:lnRef>
+          <a:fillRef idx="1">
+            <a:schemeClr val="accent1"/>
+          </a:fillRef>
+          <a:effectRef idx="0">
+            <a:schemeClr val="accent1"/>
+          </a:effectRef>
+          <a:fontRef idx="minor">
+            <a:schemeClr val="lt1"/>
+          </a:fontRef>
+        </p:style>
+        <p:txBody>
+          <a:bodyPr rtlCol="0" anchor="ctr"/>
+          <a:lstStyle/>
+          <a:p>
+            <a:pPr algn="ctr"/>
+            <a:endParaRPr lang="ko-KR" altLang="en-US" sz="1400" dirty="0">
+              <a:solidFill>
+                <a:schemeClr val="tx2"/>
+              </a:solidFill>
+              <a:latin typeface="+mj-lt"/>
+            </a:endParaRPr>
+          </a:p>
+        </p:txBody>
+      </p:sp>
+      <p:sp>
+        <p:nvSpPr>
+          <p:cNvPr id="45" name="직사각형 44"/>
+          <p:cNvSpPr/>
+          <p:nvPr/>
+        </p:nvSpPr>
+        <p:spPr>
+          <a:xfrm>
+            <a:off x="2689444" y="3214686"/>
+            <a:ext cx="83627" cy="142876"/>
+          </a:xfrm>
+          <a:prstGeom prst="rect">
+            <a:avLst/>
+          </a:prstGeom>
+          <a:noFill/>
+        </p:spPr>
+        <p:style>
+          <a:lnRef idx="2">
+            <a:schemeClr val="accent1">
+              <a:shade val="50000"/>
+            </a:schemeClr>
+          </a:lnRef>
+          <a:fillRef idx="1">
+            <a:schemeClr val="accent1"/>
+          </a:fillRef>
+          <a:effectRef idx="0">
+            <a:schemeClr val="accent1"/>
+          </a:effectRef>
+          <a:fontRef idx="minor">
+            <a:schemeClr val="lt1"/>
+          </a:fontRef>
+        </p:style>
+        <p:txBody>
+          <a:bodyPr rtlCol="0" anchor="ctr"/>
+          <a:lstStyle/>
+          <a:p>
+            <a:pPr algn="ctr"/>
+            <a:endParaRPr lang="ko-KR" altLang="en-US" sz="1400" dirty="0">
+              <a:solidFill>
+                <a:schemeClr val="tx2"/>
+              </a:solidFill>
+              <a:latin typeface="+mj-lt"/>
+            </a:endParaRPr>
+          </a:p>
+        </p:txBody>
+      </p:sp>
+      <p:sp>
+        <p:nvSpPr>
+          <p:cNvPr id="46" name="직사각형 45"/>
+          <p:cNvSpPr/>
+          <p:nvPr/>
+        </p:nvSpPr>
+        <p:spPr>
+          <a:xfrm>
+            <a:off x="2807153" y="3214686"/>
+            <a:ext cx="83627" cy="142876"/>
+          </a:xfrm>
+          <a:prstGeom prst="rect">
+            <a:avLst/>
+          </a:prstGeom>
+          <a:noFill/>
+        </p:spPr>
+        <p:style>
+          <a:lnRef idx="2">
+            <a:schemeClr val="accent1">
+              <a:shade val="50000"/>
+            </a:schemeClr>
+          </a:lnRef>
+          <a:fillRef idx="1">
+            <a:schemeClr val="accent1"/>
+          </a:fillRef>
+          <a:effectRef idx="0">
+            <a:schemeClr val="accent1"/>
+          </a:effectRef>
+          <a:fontRef idx="minor">
+            <a:schemeClr val="lt1"/>
+          </a:fontRef>
+        </p:style>
+        <p:txBody>
+          <a:bodyPr rtlCol="0" anchor="ctr"/>
+          <a:lstStyle/>
+          <a:p>
+            <a:pPr algn="ctr"/>
+            <a:endParaRPr lang="ko-KR" altLang="en-US" sz="1400" dirty="0">
+              <a:solidFill>
+                <a:schemeClr val="tx2"/>
+              </a:solidFill>
+              <a:latin typeface="+mj-lt"/>
+            </a:endParaRPr>
+          </a:p>
+        </p:txBody>
+      </p:sp>
+      <p:sp>
+        <p:nvSpPr>
+          <p:cNvPr id="47" name="직사각형 46"/>
+          <p:cNvSpPr/>
+          <p:nvPr/>
+        </p:nvSpPr>
+        <p:spPr>
+          <a:xfrm>
+            <a:off x="2924862" y="3214686"/>
+            <a:ext cx="83627" cy="142876"/>
+          </a:xfrm>
+          <a:prstGeom prst="rect">
+            <a:avLst/>
+          </a:prstGeom>
+          <a:noFill/>
+        </p:spPr>
+        <p:style>
+          <a:lnRef idx="2">
+            <a:schemeClr val="accent1">
+              <a:shade val="50000"/>
+            </a:schemeClr>
+          </a:lnRef>
+          <a:fillRef idx="1">
+            <a:schemeClr val="accent1"/>
+          </a:fillRef>
+          <a:effectRef idx="0">
+            <a:schemeClr val="accent1"/>
+          </a:effectRef>
+          <a:fontRef idx="minor">
+            <a:schemeClr val="lt1"/>
+          </a:fontRef>
+        </p:style>
+        <p:txBody>
+          <a:bodyPr rtlCol="0" anchor="ctr"/>
+          <a:lstStyle/>
+          <a:p>
+            <a:pPr algn="ctr"/>
+            <a:endParaRPr lang="ko-KR" altLang="en-US" sz="1400" dirty="0">
+              <a:solidFill>
+                <a:schemeClr val="tx2"/>
+              </a:solidFill>
+              <a:latin typeface="+mj-lt"/>
+            </a:endParaRPr>
+          </a:p>
+        </p:txBody>
+      </p:sp>
+      <p:sp>
+        <p:nvSpPr>
+          <p:cNvPr id="48" name="직사각형 47"/>
+          <p:cNvSpPr/>
+          <p:nvPr/>
+        </p:nvSpPr>
+        <p:spPr>
+          <a:xfrm>
+            <a:off x="3042571" y="3214686"/>
+            <a:ext cx="83627" cy="142876"/>
+          </a:xfrm>
+          <a:prstGeom prst="rect">
+            <a:avLst/>
+          </a:prstGeom>
+          <a:noFill/>
+        </p:spPr>
+        <p:style>
+          <a:lnRef idx="2">
+            <a:schemeClr val="accent1">
+              <a:shade val="50000"/>
+            </a:schemeClr>
+          </a:lnRef>
+          <a:fillRef idx="1">
+            <a:schemeClr val="accent1"/>
+          </a:fillRef>
+          <a:effectRef idx="0">
+            <a:schemeClr val="accent1"/>
+          </a:effectRef>
+          <a:fontRef idx="minor">
+            <a:schemeClr val="lt1"/>
+          </a:fontRef>
+        </p:style>
+        <p:txBody>
+          <a:bodyPr rtlCol="0" anchor="ctr"/>
+          <a:lstStyle/>
+          <a:p>
+            <a:pPr algn="ctr"/>
+            <a:endParaRPr lang="ko-KR" altLang="en-US" sz="1400" dirty="0">
+              <a:solidFill>
+                <a:schemeClr val="tx2"/>
+              </a:solidFill>
+              <a:latin typeface="+mj-lt"/>
+            </a:endParaRPr>
+          </a:p>
+        </p:txBody>
+      </p:sp>
+      <p:sp>
+        <p:nvSpPr>
+          <p:cNvPr id="49" name="직사각형 48"/>
+          <p:cNvSpPr/>
+          <p:nvPr/>
+        </p:nvSpPr>
+        <p:spPr>
+          <a:xfrm>
+            <a:off x="3160280" y="3214686"/>
+            <a:ext cx="83627" cy="142876"/>
+          </a:xfrm>
+          <a:prstGeom prst="rect">
+            <a:avLst/>
+          </a:prstGeom>
+          <a:noFill/>
+        </p:spPr>
+        <p:style>
+          <a:lnRef idx="2">
+            <a:schemeClr val="accent1">
+              <a:shade val="50000"/>
+            </a:schemeClr>
+          </a:lnRef>
+          <a:fillRef idx="1">
+            <a:schemeClr val="accent1"/>
+          </a:fillRef>
+          <a:effectRef idx="0">
+            <a:schemeClr val="accent1"/>
+          </a:effectRef>
+          <a:fontRef idx="minor">
+            <a:schemeClr val="lt1"/>
+          </a:fontRef>
+        </p:style>
+        <p:txBody>
+          <a:bodyPr rtlCol="0" anchor="ctr"/>
+          <a:lstStyle/>
+          <a:p>
+            <a:pPr algn="ctr"/>
+            <a:endParaRPr lang="ko-KR" altLang="en-US" sz="1400" dirty="0">
+              <a:solidFill>
+                <a:schemeClr val="tx2"/>
+              </a:solidFill>
+              <a:latin typeface="+mj-lt"/>
+            </a:endParaRPr>
+          </a:p>
+        </p:txBody>
+      </p:sp>
+      <p:sp>
+        <p:nvSpPr>
+          <p:cNvPr id="50" name="직사각형 49"/>
+          <p:cNvSpPr/>
+          <p:nvPr/>
+        </p:nvSpPr>
+        <p:spPr>
+          <a:xfrm>
+            <a:off x="3277989" y="3214686"/>
+            <a:ext cx="83627" cy="142876"/>
+          </a:xfrm>
+          <a:prstGeom prst="rect">
+            <a:avLst/>
+          </a:prstGeom>
+          <a:noFill/>
+        </p:spPr>
+        <p:style>
+          <a:lnRef idx="2">
+            <a:schemeClr val="accent1">
+              <a:shade val="50000"/>
+            </a:schemeClr>
+          </a:lnRef>
+          <a:fillRef idx="1">
+            <a:schemeClr val="accent1"/>
+          </a:fillRef>
+          <a:effectRef idx="0">
+            <a:schemeClr val="accent1"/>
+          </a:effectRef>
+          <a:fontRef idx="minor">
+            <a:schemeClr val="lt1"/>
+          </a:fontRef>
+        </p:style>
+        <p:txBody>
+          <a:bodyPr rtlCol="0" anchor="ctr"/>
+          <a:lstStyle/>
+          <a:p>
+            <a:pPr algn="ctr"/>
+            <a:endParaRPr lang="ko-KR" altLang="en-US" sz="1400" dirty="0">
+              <a:solidFill>
+                <a:schemeClr val="tx2"/>
+              </a:solidFill>
+              <a:latin typeface="+mj-lt"/>
+            </a:endParaRPr>
+          </a:p>
+        </p:txBody>
+      </p:sp>
+      <p:sp>
+        <p:nvSpPr>
+          <p:cNvPr id="51" name="직사각형 50"/>
+          <p:cNvSpPr/>
+          <p:nvPr/>
+        </p:nvSpPr>
+        <p:spPr>
+          <a:xfrm>
+            <a:off x="3395698" y="3214686"/>
+            <a:ext cx="83627" cy="142876"/>
+          </a:xfrm>
+          <a:prstGeom prst="rect">
+            <a:avLst/>
+          </a:prstGeom>
+          <a:noFill/>
+        </p:spPr>
+        <p:style>
+          <a:lnRef idx="2">
+            <a:schemeClr val="accent1">
+              <a:shade val="50000"/>
+            </a:schemeClr>
+          </a:lnRef>
+          <a:fillRef idx="1">
+            <a:schemeClr val="accent1"/>
+          </a:fillRef>
+          <a:effectRef idx="0">
+            <a:schemeClr val="accent1"/>
+          </a:effectRef>
+          <a:fontRef idx="minor">
+            <a:schemeClr val="lt1"/>
+          </a:fontRef>
+        </p:style>
+        <p:txBody>
+          <a:bodyPr rtlCol="0" anchor="ctr"/>
+          <a:lstStyle/>
+          <a:p>
+            <a:pPr algn="ctr"/>
+            <a:endParaRPr lang="ko-KR" altLang="en-US" sz="1400" dirty="0">
+              <a:solidFill>
+                <a:schemeClr val="tx2"/>
+              </a:solidFill>
+              <a:latin typeface="+mj-lt"/>
+            </a:endParaRPr>
+          </a:p>
+        </p:txBody>
+      </p:sp>
+      <p:sp>
+        <p:nvSpPr>
+          <p:cNvPr id="52" name="직사각형 51"/>
+          <p:cNvSpPr/>
+          <p:nvPr/>
+        </p:nvSpPr>
+        <p:spPr>
+          <a:xfrm>
+            <a:off x="3513407" y="3214686"/>
+            <a:ext cx="83627" cy="142876"/>
+          </a:xfrm>
+          <a:prstGeom prst="rect">
+            <a:avLst/>
+          </a:prstGeom>
+          <a:noFill/>
+        </p:spPr>
+        <p:style>
+          <a:lnRef idx="2">
+            <a:schemeClr val="accent1">
+              <a:shade val="50000"/>
+            </a:schemeClr>
+          </a:lnRef>
+          <a:fillRef idx="1">
+            <a:schemeClr val="accent1"/>
+          </a:fillRef>
+          <a:effectRef idx="0">
+            <a:schemeClr val="accent1"/>
+          </a:effectRef>
+          <a:fontRef idx="minor">
+            <a:schemeClr val="lt1"/>
+          </a:fontRef>
+        </p:style>
+        <p:txBody>
+          <a:bodyPr rtlCol="0" anchor="ctr"/>
+          <a:lstStyle/>
+          <a:p>
+            <a:pPr algn="ctr"/>
+            <a:endParaRPr lang="ko-KR" altLang="en-US" sz="1400" dirty="0">
+              <a:solidFill>
+                <a:schemeClr val="tx2"/>
+              </a:solidFill>
+              <a:latin typeface="+mj-lt"/>
+            </a:endParaRPr>
+          </a:p>
+        </p:txBody>
+      </p:sp>
+      <p:sp>
+        <p:nvSpPr>
+          <p:cNvPr id="53" name="직사각형 52"/>
+          <p:cNvSpPr/>
+          <p:nvPr/>
+        </p:nvSpPr>
+        <p:spPr>
+          <a:xfrm>
+            <a:off x="3631116" y="3214686"/>
+            <a:ext cx="83627" cy="142876"/>
+          </a:xfrm>
+          <a:prstGeom prst="rect">
+            <a:avLst/>
+          </a:prstGeom>
+          <a:noFill/>
+        </p:spPr>
+        <p:style>
+          <a:lnRef idx="2">
+            <a:schemeClr val="accent1">
+              <a:shade val="50000"/>
+            </a:schemeClr>
+          </a:lnRef>
+          <a:fillRef idx="1">
+            <a:schemeClr val="accent1"/>
+          </a:fillRef>
+          <a:effectRef idx="0">
+            <a:schemeClr val="accent1"/>
+          </a:effectRef>
+          <a:fontRef idx="minor">
+            <a:schemeClr val="lt1"/>
+          </a:fontRef>
+        </p:style>
+        <p:txBody>
+          <a:bodyPr rtlCol="0" anchor="ctr"/>
+          <a:lstStyle/>
+          <a:p>
+            <a:pPr algn="ctr"/>
+            <a:endParaRPr lang="ko-KR" altLang="en-US" sz="1400" dirty="0">
+              <a:solidFill>
+                <a:schemeClr val="tx2"/>
+              </a:solidFill>
+              <a:latin typeface="+mj-lt"/>
+            </a:endParaRPr>
+          </a:p>
+        </p:txBody>
+      </p:sp>
+      <p:sp>
+        <p:nvSpPr>
+          <p:cNvPr id="56" name="오른쪽 화살표 55"/>
+          <p:cNvSpPr/>
+          <p:nvPr/>
+        </p:nvSpPr>
+        <p:spPr>
+          <a:xfrm>
+            <a:off x="3752626" y="3164352"/>
+            <a:ext cx="214314" cy="357190"/>
+          </a:xfrm>
+          <a:prstGeom prst="rightArrow">
+            <a:avLst/>
+          </a:prstGeom>
+          <a:noFill/>
+        </p:spPr>
+        <p:style>
+          <a:lnRef idx="2">
+            <a:schemeClr val="accent1">
+              <a:shade val="50000"/>
+            </a:schemeClr>
+          </a:lnRef>
+          <a:fillRef idx="1">
+            <a:schemeClr val="accent1"/>
+          </a:fillRef>
+          <a:effectRef idx="0">
+            <a:schemeClr val="accent1"/>
+          </a:effectRef>
+          <a:fontRef idx="minor">
+            <a:schemeClr val="lt1"/>
+          </a:fontRef>
+        </p:style>
+        <p:txBody>
+          <a:bodyPr rtlCol="0" anchor="ctr"/>
+          <a:lstStyle/>
+          <a:p>
+            <a:pPr algn="ctr"/>
+            <a:endParaRPr lang="ko-KR" altLang="en-US"/>
+          </a:p>
+        </p:txBody>
+      </p:sp>
+      <p:cxnSp>
+        <p:nvCxnSpPr>
+          <p:cNvPr id="59" name="직선 화살표 연결선 58"/>
+          <p:cNvCxnSpPr/>
+          <p:nvPr/>
+        </p:nvCxnSpPr>
+        <p:spPr>
+          <a:xfrm>
+            <a:off x="2071670" y="2285992"/>
+            <a:ext cx="642942" cy="428628"/>
+          </a:xfrm>
+          <a:prstGeom prst="straightConnector1">
+            <a:avLst/>
+          </a:prstGeom>
+          <a:ln>
+            <a:tailEnd type="arrow"/>
+          </a:ln>
+        </p:spPr>
+        <p:style>
+          <a:lnRef idx="1">
+            <a:schemeClr val="accent1"/>
+          </a:lnRef>
+          <a:fillRef idx="0">
+            <a:schemeClr val="accent1"/>
+          </a:fillRef>
+          <a:effectRef idx="0">
+            <a:schemeClr val="accent1"/>
+          </a:effectRef>
+          <a:fontRef idx="minor">
+            <a:schemeClr val="tx1"/>
+          </a:fontRef>
+        </p:style>
+      </p:cxnSp>
+      <p:cxnSp>
+        <p:nvCxnSpPr>
+          <p:cNvPr id="61" name="직선 화살표 연결선 60"/>
+          <p:cNvCxnSpPr>
+            <a:endCxn id="38" idx="2"/>
+          </p:cNvCxnSpPr>
+          <p:nvPr/>
+        </p:nvCxnSpPr>
+        <p:spPr>
+          <a:xfrm rot="10800000">
+            <a:off x="1785918" y="2285992"/>
+            <a:ext cx="714380" cy="500066"/>
+          </a:xfrm>
+          <a:prstGeom prst="straightConnector1">
+            <a:avLst/>
+          </a:prstGeom>
+          <a:ln>
+            <a:tailEnd type="arrow"/>
+          </a:ln>
+        </p:spPr>
+        <p:style>
+          <a:lnRef idx="1">
+            <a:schemeClr val="accent1"/>
+          </a:lnRef>
+          <a:fillRef idx="0">
+            <a:schemeClr val="accent1"/>
+          </a:fillRef>
+          <a:effectRef idx="0">
+            <a:schemeClr val="accent1"/>
+          </a:effectRef>
+          <a:fontRef idx="minor">
+            <a:schemeClr val="tx1"/>
+          </a:fontRef>
+        </p:style>
+      </p:cxnSp>
+      <p:cxnSp>
+        <p:nvCxnSpPr>
+          <p:cNvPr id="63" name="직선 화살표 연결선 62"/>
+          <p:cNvCxnSpPr/>
+          <p:nvPr/>
+        </p:nvCxnSpPr>
+        <p:spPr>
+          <a:xfrm flipV="1">
+            <a:off x="3786182" y="2500306"/>
+            <a:ext cx="357190" cy="214314"/>
+          </a:xfrm>
+          <a:prstGeom prst="straightConnector1">
+            <a:avLst/>
+          </a:prstGeom>
+          <a:ln>
+            <a:tailEnd type="arrow"/>
+          </a:ln>
+        </p:spPr>
+        <p:style>
+          <a:lnRef idx="1">
+            <a:schemeClr val="accent1"/>
+          </a:lnRef>
+          <a:fillRef idx="0">
+            <a:schemeClr val="accent1"/>
+          </a:fillRef>
+          <a:effectRef idx="0">
+            <a:schemeClr val="accent1"/>
+          </a:effectRef>
+          <a:fontRef idx="minor">
+            <a:schemeClr val="tx1"/>
+          </a:fontRef>
+        </p:style>
+      </p:cxnSp>
+      <p:cxnSp>
+        <p:nvCxnSpPr>
+          <p:cNvPr id="65" name="직선 화살표 연결선 64"/>
+          <p:cNvCxnSpPr>
+            <a:endCxn id="37" idx="3"/>
+          </p:cNvCxnSpPr>
+          <p:nvPr/>
+        </p:nvCxnSpPr>
+        <p:spPr>
+          <a:xfrm rot="10800000" flipV="1">
+            <a:off x="4000496" y="2643183"/>
+            <a:ext cx="357190" cy="250031"/>
+          </a:xfrm>
+          <a:prstGeom prst="straightConnector1">
+            <a:avLst/>
+          </a:prstGeom>
+          <a:ln>
+            <a:tailEnd type="arrow"/>
+          </a:ln>
+        </p:spPr>
+        <p:style>
+          <a:lnRef idx="1">
+            <a:schemeClr val="accent1"/>
+          </a:lnRef>
+          <a:fillRef idx="0">
+            <a:schemeClr val="accent1"/>
+          </a:fillRef>
+          <a:effectRef idx="0">
+            <a:schemeClr val="accent1"/>
+          </a:effectRef>
+          <a:fontRef idx="minor">
+            <a:schemeClr val="tx1"/>
+          </a:fontRef>
+        </p:style>
+      </p:cxnSp>
+      <p:sp>
+        <p:nvSpPr>
+          <p:cNvPr id="66" name="TextBox 65"/>
+          <p:cNvSpPr txBox="1"/>
+          <p:nvPr/>
+        </p:nvSpPr>
+        <p:spPr>
+          <a:xfrm>
+            <a:off x="2643174" y="3571876"/>
+            <a:ext cx="1071570" cy="769441"/>
+          </a:xfrm>
+          <a:prstGeom prst="rect">
+            <a:avLst/>
+          </a:prstGeom>
+          <a:noFill/>
+        </p:spPr>
+        <p:txBody>
+          <a:bodyPr wrap="square" rtlCol="0">
+            <a:spAutoFit/>
+          </a:bodyPr>
+          <a:lstStyle/>
+          <a:p>
+            <a:pPr>
+              <a:buFont typeface="Arial" pitchFamily="34" charset="0"/>
+              <a:buChar char="•"/>
+            </a:pPr>
+            <a:r>
+              <a:rPr lang="ko-KR" altLang="en-US" sz="1100" dirty="0" smtClean="0"/>
+              <a:t> 전송신뢰성</a:t>
+            </a:r>
+            <a:endParaRPr lang="en-US" altLang="ko-KR" sz="1100" dirty="0" smtClean="0"/>
+          </a:p>
+          <a:p>
+            <a:pPr>
+              <a:buFont typeface="Arial" pitchFamily="34" charset="0"/>
+              <a:buChar char="•"/>
+            </a:pPr>
+            <a:r>
+              <a:rPr lang="ko-KR" altLang="en-US" sz="1100" dirty="0" smtClean="0"/>
+              <a:t> 오류복원</a:t>
+            </a:r>
+            <a:endParaRPr lang="en-US" altLang="ko-KR" sz="1100" dirty="0" smtClean="0"/>
+          </a:p>
+          <a:p>
+            <a:pPr>
+              <a:buFont typeface="Arial" pitchFamily="34" charset="0"/>
+              <a:buChar char="•"/>
+            </a:pPr>
+            <a:r>
+              <a:rPr lang="ko-KR" altLang="en-US" sz="1100" dirty="0" smtClean="0"/>
+              <a:t> 전송재처리</a:t>
+            </a:r>
+            <a:endParaRPr lang="en-US" altLang="ko-KR" sz="1100" dirty="0" smtClean="0"/>
+          </a:p>
+          <a:p>
+            <a:pPr>
+              <a:buFont typeface="Arial" pitchFamily="34" charset="0"/>
+              <a:buChar char="•"/>
+            </a:pPr>
+            <a:r>
+              <a:rPr lang="ko-KR" altLang="en-US" sz="1100" dirty="0" smtClean="0"/>
+              <a:t> 전송암호화</a:t>
+            </a:r>
+            <a:endParaRPr lang="ko-KR" altLang="en-US" sz="1100" dirty="0"/>
+          </a:p>
+        </p:txBody>
+      </p:sp>
+      <p:sp>
+        <p:nvSpPr>
+          <p:cNvPr id="69" name="TextBox 68"/>
+          <p:cNvSpPr txBox="1"/>
+          <p:nvPr/>
+        </p:nvSpPr>
+        <p:spPr>
+          <a:xfrm>
+            <a:off x="2000232" y="3110211"/>
+            <a:ext cx="928694" cy="461665"/>
+          </a:xfrm>
+          <a:prstGeom prst="rect">
+            <a:avLst/>
+          </a:prstGeom>
+          <a:noFill/>
+        </p:spPr>
+        <p:txBody>
+          <a:bodyPr wrap="square" rtlCol="0">
+            <a:spAutoFit/>
+          </a:bodyPr>
+          <a:lstStyle/>
+          <a:p>
+            <a:r>
+              <a:rPr lang="en-US" altLang="ko-KR" sz="1200" dirty="0" smtClean="0"/>
+              <a:t>Multi- Queue</a:t>
+            </a:r>
+            <a:endParaRPr lang="ko-KR" altLang="en-US" sz="1200" dirty="0"/>
+          </a:p>
+        </p:txBody>
+      </p:sp>
+      <p:sp>
+        <p:nvSpPr>
+          <p:cNvPr id="73" name="직사각형 72"/>
+          <p:cNvSpPr/>
+          <p:nvPr/>
+        </p:nvSpPr>
+        <p:spPr>
+          <a:xfrm>
+            <a:off x="2571736" y="3374340"/>
+            <a:ext cx="83627" cy="142876"/>
+          </a:xfrm>
+          <a:prstGeom prst="rect">
+            <a:avLst/>
+          </a:prstGeom>
+          <a:noFill/>
+        </p:spPr>
+        <p:style>
+          <a:lnRef idx="2">
+            <a:schemeClr val="accent1">
+              <a:shade val="50000"/>
+            </a:schemeClr>
+          </a:lnRef>
+          <a:fillRef idx="1">
+            <a:schemeClr val="accent1"/>
+          </a:fillRef>
+          <a:effectRef idx="0">
+            <a:schemeClr val="accent1"/>
+          </a:effectRef>
+          <a:fontRef idx="minor">
+            <a:schemeClr val="lt1"/>
+          </a:fontRef>
+        </p:style>
+        <p:txBody>
+          <a:bodyPr rtlCol="0" anchor="ctr"/>
+          <a:lstStyle/>
+          <a:p>
+            <a:pPr algn="ctr"/>
+            <a:endParaRPr lang="ko-KR" altLang="en-US" sz="1400" dirty="0">
+              <a:solidFill>
+                <a:schemeClr val="tx2"/>
+              </a:solidFill>
+              <a:latin typeface="+mj-lt"/>
+            </a:endParaRPr>
+          </a:p>
+        </p:txBody>
+      </p:sp>
+      <p:sp>
+        <p:nvSpPr>
+          <p:cNvPr id="74" name="직사각형 73"/>
+          <p:cNvSpPr/>
+          <p:nvPr/>
+        </p:nvSpPr>
+        <p:spPr>
+          <a:xfrm>
+            <a:off x="2689445" y="3374340"/>
+            <a:ext cx="83627" cy="142876"/>
+          </a:xfrm>
+          <a:prstGeom prst="rect">
+            <a:avLst/>
+          </a:prstGeom>
+          <a:noFill/>
+        </p:spPr>
+        <p:style>
+          <a:lnRef idx="2">
+            <a:schemeClr val="accent1">
+              <a:shade val="50000"/>
+            </a:schemeClr>
+          </a:lnRef>
+          <a:fillRef idx="1">
+            <a:schemeClr val="accent1"/>
+          </a:fillRef>
+          <a:effectRef idx="0">
+            <a:schemeClr val="accent1"/>
+          </a:effectRef>
+          <a:fontRef idx="minor">
+            <a:schemeClr val="lt1"/>
+          </a:fontRef>
+        </p:style>
+        <p:txBody>
+          <a:bodyPr rtlCol="0" anchor="ctr"/>
+          <a:lstStyle/>
+          <a:p>
+            <a:pPr algn="ctr"/>
+            <a:endParaRPr lang="ko-KR" altLang="en-US" sz="1400" dirty="0">
+              <a:solidFill>
+                <a:schemeClr val="tx2"/>
+              </a:solidFill>
+              <a:latin typeface="+mj-lt"/>
+            </a:endParaRPr>
+          </a:p>
+        </p:txBody>
+      </p:sp>
+      <p:sp>
+        <p:nvSpPr>
+          <p:cNvPr id="75" name="직사각형 74"/>
+          <p:cNvSpPr/>
+          <p:nvPr/>
+        </p:nvSpPr>
+        <p:spPr>
+          <a:xfrm>
+            <a:off x="2807154" y="3374340"/>
+            <a:ext cx="83627" cy="142876"/>
+          </a:xfrm>
+          <a:prstGeom prst="rect">
+            <a:avLst/>
+          </a:prstGeom>
+          <a:noFill/>
+        </p:spPr>
+        <p:style>
+          <a:lnRef idx="2">
+            <a:schemeClr val="accent1">
+              <a:shade val="50000"/>
+            </a:schemeClr>
+          </a:lnRef>
+          <a:fillRef idx="1">
+            <a:schemeClr val="accent1"/>
+          </a:fillRef>
+          <a:effectRef idx="0">
+            <a:schemeClr val="accent1"/>
+          </a:effectRef>
+          <a:fontRef idx="minor">
+            <a:schemeClr val="lt1"/>
+          </a:fontRef>
+        </p:style>
+        <p:txBody>
+          <a:bodyPr rtlCol="0" anchor="ctr"/>
+          <a:lstStyle/>
+          <a:p>
+            <a:pPr algn="ctr"/>
+            <a:endParaRPr lang="ko-KR" altLang="en-US" sz="1400" dirty="0">
+              <a:solidFill>
+                <a:schemeClr val="tx2"/>
+              </a:solidFill>
+              <a:latin typeface="+mj-lt"/>
+            </a:endParaRPr>
+          </a:p>
+        </p:txBody>
+      </p:sp>
+      <p:sp>
+        <p:nvSpPr>
+          <p:cNvPr id="76" name="직사각형 75"/>
+          <p:cNvSpPr/>
+          <p:nvPr/>
+        </p:nvSpPr>
+        <p:spPr>
+          <a:xfrm>
+            <a:off x="2924863" y="3374340"/>
+            <a:ext cx="83627" cy="142876"/>
+          </a:xfrm>
+          <a:prstGeom prst="rect">
+            <a:avLst/>
+          </a:prstGeom>
+          <a:noFill/>
+        </p:spPr>
+        <p:style>
+          <a:lnRef idx="2">
+            <a:schemeClr val="accent1">
+              <a:shade val="50000"/>
+            </a:schemeClr>
+          </a:lnRef>
+          <a:fillRef idx="1">
+            <a:schemeClr val="accent1"/>
+          </a:fillRef>
+          <a:effectRef idx="0">
+            <a:schemeClr val="accent1"/>
+          </a:effectRef>
+          <a:fontRef idx="minor">
+            <a:schemeClr val="lt1"/>
+          </a:fontRef>
+        </p:style>
+        <p:txBody>
+          <a:bodyPr rtlCol="0" anchor="ctr"/>
+          <a:lstStyle/>
+          <a:p>
+            <a:pPr algn="ctr"/>
+            <a:endParaRPr lang="ko-KR" altLang="en-US" sz="1400" dirty="0">
+              <a:solidFill>
+                <a:schemeClr val="tx2"/>
+              </a:solidFill>
+              <a:latin typeface="+mj-lt"/>
+            </a:endParaRPr>
+          </a:p>
+        </p:txBody>
+      </p:sp>
+      <p:sp>
+        <p:nvSpPr>
+          <p:cNvPr id="77" name="직사각형 76"/>
+          <p:cNvSpPr/>
+          <p:nvPr/>
+        </p:nvSpPr>
+        <p:spPr>
+          <a:xfrm>
+            <a:off x="3042572" y="3374340"/>
+            <a:ext cx="83627" cy="142876"/>
+          </a:xfrm>
+          <a:prstGeom prst="rect">
+            <a:avLst/>
+          </a:prstGeom>
+          <a:noFill/>
+        </p:spPr>
+        <p:style>
+          <a:lnRef idx="2">
+            <a:schemeClr val="accent1">
+              <a:shade val="50000"/>
+            </a:schemeClr>
+          </a:lnRef>
+          <a:fillRef idx="1">
+            <a:schemeClr val="accent1"/>
+          </a:fillRef>
+          <a:effectRef idx="0">
+            <a:schemeClr val="accent1"/>
+          </a:effectRef>
+          <a:fontRef idx="minor">
+            <a:schemeClr val="lt1"/>
+          </a:fontRef>
+        </p:style>
+        <p:txBody>
+          <a:bodyPr rtlCol="0" anchor="ctr"/>
+          <a:lstStyle/>
+          <a:p>
+            <a:pPr algn="ctr"/>
+            <a:endParaRPr lang="ko-KR" altLang="en-US" sz="1400" dirty="0">
+              <a:solidFill>
+                <a:schemeClr val="tx2"/>
+              </a:solidFill>
+              <a:latin typeface="+mj-lt"/>
+            </a:endParaRPr>
+          </a:p>
+        </p:txBody>
+      </p:sp>
+      <p:sp>
+        <p:nvSpPr>
+          <p:cNvPr id="78" name="직사각형 77"/>
+          <p:cNvSpPr/>
+          <p:nvPr/>
+        </p:nvSpPr>
+        <p:spPr>
+          <a:xfrm>
+            <a:off x="3160281" y="3374340"/>
+            <a:ext cx="83627" cy="142876"/>
+          </a:xfrm>
+          <a:prstGeom prst="rect">
+            <a:avLst/>
+          </a:prstGeom>
+          <a:noFill/>
+        </p:spPr>
+        <p:style>
+          <a:lnRef idx="2">
+            <a:schemeClr val="accent1">
+              <a:shade val="50000"/>
+            </a:schemeClr>
+          </a:lnRef>
+          <a:fillRef idx="1">
+            <a:schemeClr val="accent1"/>
+          </a:fillRef>
+          <a:effectRef idx="0">
+            <a:schemeClr val="accent1"/>
+          </a:effectRef>
+          <a:fontRef idx="minor">
+            <a:schemeClr val="lt1"/>
+          </a:fontRef>
+        </p:style>
+        <p:txBody>
+          <a:bodyPr rtlCol="0" anchor="ctr"/>
+          <a:lstStyle/>
+          <a:p>
+            <a:pPr algn="ctr"/>
+            <a:endParaRPr lang="ko-KR" altLang="en-US" sz="1400" dirty="0">
+              <a:solidFill>
+                <a:schemeClr val="tx2"/>
+              </a:solidFill>
+              <a:latin typeface="+mj-lt"/>
+            </a:endParaRPr>
+          </a:p>
+        </p:txBody>
+      </p:sp>
+      <p:sp>
+        <p:nvSpPr>
+          <p:cNvPr id="79" name="직사각형 78"/>
+          <p:cNvSpPr/>
+          <p:nvPr/>
+        </p:nvSpPr>
+        <p:spPr>
+          <a:xfrm>
+            <a:off x="3277990" y="3374340"/>
+            <a:ext cx="83627" cy="142876"/>
+          </a:xfrm>
+          <a:prstGeom prst="rect">
+            <a:avLst/>
+          </a:prstGeom>
+          <a:noFill/>
+        </p:spPr>
+        <p:style>
+          <a:lnRef idx="2">
+            <a:schemeClr val="accent1">
+              <a:shade val="50000"/>
+            </a:schemeClr>
+          </a:lnRef>
+          <a:fillRef idx="1">
+            <a:schemeClr val="accent1"/>
+          </a:fillRef>
+          <a:effectRef idx="0">
+            <a:schemeClr val="accent1"/>
+          </a:effectRef>
+          <a:fontRef idx="minor">
+            <a:schemeClr val="lt1"/>
+          </a:fontRef>
+        </p:style>
+        <p:txBody>
+          <a:bodyPr rtlCol="0" anchor="ctr"/>
+          <a:lstStyle/>
+          <a:p>
+            <a:pPr algn="ctr"/>
+            <a:endParaRPr lang="ko-KR" altLang="en-US" sz="1400" dirty="0">
+              <a:solidFill>
+                <a:schemeClr val="tx2"/>
+              </a:solidFill>
+              <a:latin typeface="+mj-lt"/>
+            </a:endParaRPr>
+          </a:p>
+        </p:txBody>
+      </p:sp>
+      <p:sp>
+        <p:nvSpPr>
+          <p:cNvPr id="80" name="직사각형 79"/>
+          <p:cNvSpPr/>
+          <p:nvPr/>
+        </p:nvSpPr>
+        <p:spPr>
+          <a:xfrm>
+            <a:off x="3395699" y="3374340"/>
+            <a:ext cx="83627" cy="142876"/>
+          </a:xfrm>
+          <a:prstGeom prst="rect">
+            <a:avLst/>
+          </a:prstGeom>
+          <a:noFill/>
+        </p:spPr>
+        <p:style>
+          <a:lnRef idx="2">
+            <a:schemeClr val="accent1">
+              <a:shade val="50000"/>
+            </a:schemeClr>
+          </a:lnRef>
+          <a:fillRef idx="1">
+            <a:schemeClr val="accent1"/>
+          </a:fillRef>
+          <a:effectRef idx="0">
+            <a:schemeClr val="accent1"/>
+          </a:effectRef>
+          <a:fontRef idx="minor">
+            <a:schemeClr val="lt1"/>
+          </a:fontRef>
+        </p:style>
+        <p:txBody>
+          <a:bodyPr rtlCol="0" anchor="ctr"/>
+          <a:lstStyle/>
+          <a:p>
+            <a:pPr algn="ctr"/>
+            <a:endParaRPr lang="ko-KR" altLang="en-US" sz="1400" dirty="0">
+              <a:solidFill>
+                <a:schemeClr val="tx2"/>
+              </a:solidFill>
+              <a:latin typeface="+mj-lt"/>
+            </a:endParaRPr>
+          </a:p>
+        </p:txBody>
+      </p:sp>
+      <p:sp>
+        <p:nvSpPr>
+          <p:cNvPr id="81" name="직사각형 80"/>
+          <p:cNvSpPr/>
+          <p:nvPr/>
+        </p:nvSpPr>
+        <p:spPr>
+          <a:xfrm>
+            <a:off x="3513408" y="3374340"/>
+            <a:ext cx="83627" cy="142876"/>
+          </a:xfrm>
+          <a:prstGeom prst="rect">
+            <a:avLst/>
+          </a:prstGeom>
+          <a:noFill/>
+        </p:spPr>
+        <p:style>
+          <a:lnRef idx="2">
+            <a:schemeClr val="accent1">
+              <a:shade val="50000"/>
+            </a:schemeClr>
+          </a:lnRef>
+          <a:fillRef idx="1">
+            <a:schemeClr val="accent1"/>
+          </a:fillRef>
+          <a:effectRef idx="0">
+            <a:schemeClr val="accent1"/>
+          </a:effectRef>
+          <a:fontRef idx="minor">
+            <a:schemeClr val="lt1"/>
+          </a:fontRef>
+        </p:style>
+        <p:txBody>
+          <a:bodyPr rtlCol="0" anchor="ctr"/>
+          <a:lstStyle/>
+          <a:p>
+            <a:pPr algn="ctr"/>
+            <a:endParaRPr lang="ko-KR" altLang="en-US" sz="1400" dirty="0">
+              <a:solidFill>
+                <a:schemeClr val="tx2"/>
+              </a:solidFill>
+              <a:latin typeface="+mj-lt"/>
+            </a:endParaRPr>
+          </a:p>
+        </p:txBody>
+      </p:sp>
+      <p:sp>
+        <p:nvSpPr>
+          <p:cNvPr id="82" name="직사각형 81"/>
+          <p:cNvSpPr/>
+          <p:nvPr/>
+        </p:nvSpPr>
+        <p:spPr>
+          <a:xfrm>
+            <a:off x="3631117" y="3374340"/>
+            <a:ext cx="83627" cy="142876"/>
+          </a:xfrm>
+          <a:prstGeom prst="rect">
+            <a:avLst/>
+          </a:prstGeom>
+          <a:noFill/>
+        </p:spPr>
+        <p:style>
+          <a:lnRef idx="2">
+            <a:schemeClr val="accent1">
+              <a:shade val="50000"/>
+            </a:schemeClr>
+          </a:lnRef>
+          <a:fillRef idx="1">
+            <a:schemeClr val="accent1"/>
+          </a:fillRef>
+          <a:effectRef idx="0">
+            <a:schemeClr val="accent1"/>
+          </a:effectRef>
+          <a:fontRef idx="minor">
+            <a:schemeClr val="lt1"/>
+          </a:fontRef>
+        </p:style>
+        <p:txBody>
+          <a:bodyPr rtlCol="0" anchor="ctr"/>
+          <a:lstStyle/>
+          <a:p>
+            <a:pPr algn="ctr"/>
+            <a:endParaRPr lang="ko-KR" altLang="en-US" sz="1400" dirty="0">
+              <a:solidFill>
+                <a:schemeClr val="tx2"/>
+              </a:solidFill>
+              <a:latin typeface="+mj-lt"/>
+            </a:endParaRPr>
+          </a:p>
+        </p:txBody>
+      </p:sp>
+    </p:spTree>
+  </p:cSld>
+  <p:clrMapOvr>
+    <a:masterClrMapping/>
+  </p:clrMapOvr>
+</p:sld>
+</file>
+
+<file path=ppt/slides/slide4.xml><?xml version="1.0" encoding="utf-8"?>
+<p:sld xmlns:a="http://schemas.openxmlformats.org/drawingml/2006/main" xmlns:r="http://schemas.openxmlformats.org/officeDocument/2006/relationships" xmlns:p="http://schemas.openxmlformats.org/presentationml/2006/main">
+  <p:cSld>
+    <p:spTree>
+      <p:nvGrpSpPr>
+        <p:cNvPr id="1" name=""/>
+        <p:cNvGrpSpPr/>
+        <p:nvPr/>
+      </p:nvGrpSpPr>
+      <p:grpSpPr>
+        <a:xfrm>
+          <a:off x="0" y="0"/>
+          <a:ext cx="0" cy="0"/>
+          <a:chOff x="0" y="0"/>
+          <a:chExt cx="0" cy="0"/>
+        </a:xfrm>
+      </p:grpSpPr>
+      <p:sp>
+        <p:nvSpPr>
           <p:cNvPr id="58" name="직사각형 57"/>
           <p:cNvSpPr/>
           <p:nvPr/>
@@ -6089,15 +8702,7 @@
           <a:p>
             <a:r>
               <a:rPr lang="ko-KR" altLang="en-US" dirty="0" smtClean="0"/>
-              <a:t>단</a:t>
-            </a:r>
-            <a:r>
-              <a:rPr lang="ko-KR" altLang="en-US" dirty="0" smtClean="0"/>
-              <a:t>일</a:t>
-            </a:r>
-            <a:r>
-              <a:rPr lang="ko-KR" altLang="en-US" dirty="0" smtClean="0"/>
-              <a:t> 데이터 처리방식</a:t>
+              <a:t>단일 데이터 처리방식</a:t>
             </a:r>
             <a:endParaRPr lang="ko-KR" altLang="en-US" dirty="0"/>
           </a:p>
@@ -6130,487 +8735,6 @@
               <a:t>메타 데이터 처리방식</a:t>
             </a:r>
             <a:endParaRPr lang="ko-KR" altLang="en-US" dirty="0"/>
-          </a:p>
-        </p:txBody>
-      </p:sp>
-    </p:spTree>
-  </p:cSld>
-  <p:clrMapOvr>
-    <a:masterClrMapping/>
-  </p:clrMapOvr>
-</p:sld>
-</file>
-
-<file path=ppt/slides/slide4.xml><?xml version="1.0" encoding="utf-8"?>
-<p:sld xmlns:a="http://schemas.openxmlformats.org/drawingml/2006/main" xmlns:r="http://schemas.openxmlformats.org/officeDocument/2006/relationships" xmlns:p="http://schemas.openxmlformats.org/presentationml/2006/main">
-  <p:cSld>
-    <p:spTree>
-      <p:nvGrpSpPr>
-        <p:cNvPr id="1" name=""/>
-        <p:cNvGrpSpPr/>
-        <p:nvPr/>
-      </p:nvGrpSpPr>
-      <p:grpSpPr>
-        <a:xfrm>
-          <a:off x="0" y="0"/>
-          <a:ext cx="0" cy="0"/>
-          <a:chOff x="0" y="0"/>
-          <a:chExt cx="0" cy="0"/>
-        </a:xfrm>
-      </p:grpSpPr>
-      <p:sp>
-        <p:nvSpPr>
-          <p:cNvPr id="58" name="직사각형 57"/>
-          <p:cNvSpPr/>
-          <p:nvPr/>
-        </p:nvSpPr>
-        <p:spPr>
-          <a:xfrm>
-            <a:off x="1071538" y="1857364"/>
-            <a:ext cx="5929354" cy="1214446"/>
-          </a:xfrm>
-          <a:prstGeom prst="rect">
-            <a:avLst/>
-          </a:prstGeom>
-          <a:noFill/>
-        </p:spPr>
-        <p:style>
-          <a:lnRef idx="2">
-            <a:schemeClr val="accent1">
-              <a:shade val="50000"/>
-            </a:schemeClr>
-          </a:lnRef>
-          <a:fillRef idx="1">
-            <a:schemeClr val="accent1"/>
-          </a:fillRef>
-          <a:effectRef idx="0">
-            <a:schemeClr val="accent1"/>
-          </a:effectRef>
-          <a:fontRef idx="minor">
-            <a:schemeClr val="lt1"/>
-          </a:fontRef>
-        </p:style>
-        <p:txBody>
-          <a:bodyPr rtlCol="0" anchor="ctr"/>
-          <a:lstStyle/>
-          <a:p>
-            <a:pPr algn="ctr"/>
-            <a:endParaRPr lang="ko-KR" altLang="en-US"/>
-          </a:p>
-        </p:txBody>
-      </p:sp>
-      <p:sp>
-        <p:nvSpPr>
-          <p:cNvPr id="64" name="직사각형 63"/>
-          <p:cNvSpPr/>
-          <p:nvPr/>
-        </p:nvSpPr>
-        <p:spPr>
-          <a:xfrm>
-            <a:off x="1214414" y="2500306"/>
-            <a:ext cx="5643602" cy="428628"/>
-          </a:xfrm>
-          <a:prstGeom prst="rect">
-            <a:avLst/>
-          </a:prstGeom>
-          <a:solidFill>
-            <a:schemeClr val="accent6">
-              <a:lumMod val="60000"/>
-              <a:lumOff val="40000"/>
-            </a:schemeClr>
-          </a:solidFill>
-        </p:spPr>
-        <p:style>
-          <a:lnRef idx="2">
-            <a:schemeClr val="accent1">
-              <a:shade val="50000"/>
-            </a:schemeClr>
-          </a:lnRef>
-          <a:fillRef idx="1">
-            <a:schemeClr val="accent1"/>
-          </a:fillRef>
-          <a:effectRef idx="0">
-            <a:schemeClr val="accent1"/>
-          </a:effectRef>
-          <a:fontRef idx="minor">
-            <a:schemeClr val="lt1"/>
-          </a:fontRef>
-        </p:style>
-        <p:txBody>
-          <a:bodyPr rtlCol="0" anchor="ctr"/>
-          <a:lstStyle/>
-          <a:p>
-            <a:pPr algn="ctr"/>
-            <a:r>
-              <a:rPr lang="en-US" altLang="ko-KR" sz="1400" dirty="0" smtClean="0">
-                <a:solidFill>
-                  <a:schemeClr val="tx2"/>
-                </a:solidFill>
-                <a:latin typeface="+mj-lt"/>
-              </a:rPr>
-              <a:t>UI </a:t>
-            </a:r>
-            <a:r>
-              <a:rPr lang="ko-KR" altLang="en-US" sz="1400" dirty="0" smtClean="0">
-                <a:solidFill>
-                  <a:schemeClr val="tx2"/>
-                </a:solidFill>
-                <a:latin typeface="+mj-lt"/>
-              </a:rPr>
-              <a:t>개발 공통 </a:t>
-            </a:r>
-            <a:r>
-              <a:rPr lang="en-US" altLang="ko-KR" sz="1400" dirty="0" smtClean="0">
-                <a:solidFill>
-                  <a:schemeClr val="tx2"/>
-                </a:solidFill>
-                <a:latin typeface="+mj-lt"/>
-              </a:rPr>
-              <a:t>Framework(</a:t>
-            </a:r>
-            <a:r>
-              <a:rPr lang="en-US" altLang="ko-KR" sz="1400" dirty="0" err="1" smtClean="0">
-                <a:solidFill>
-                  <a:schemeClr val="tx2"/>
-                </a:solidFill>
-                <a:latin typeface="+mj-lt"/>
-              </a:rPr>
-              <a:t>Javascript</a:t>
-            </a:r>
-            <a:r>
-              <a:rPr lang="en-US" altLang="ko-KR" sz="1400" dirty="0" smtClean="0">
-                <a:solidFill>
-                  <a:schemeClr val="tx2"/>
-                </a:solidFill>
-                <a:latin typeface="+mj-lt"/>
-              </a:rPr>
-              <a:t>, </a:t>
-            </a:r>
-            <a:r>
-              <a:rPr lang="ko-KR" altLang="en-US" sz="1400" dirty="0" smtClean="0">
-                <a:solidFill>
-                  <a:schemeClr val="tx2"/>
-                </a:solidFill>
-                <a:latin typeface="+mj-lt"/>
-              </a:rPr>
-              <a:t>차트솔루션</a:t>
-            </a:r>
-            <a:r>
-              <a:rPr lang="en-US" altLang="ko-KR" sz="1400" dirty="0" smtClean="0">
-                <a:solidFill>
-                  <a:schemeClr val="tx2"/>
-                </a:solidFill>
-                <a:latin typeface="+mj-lt"/>
-              </a:rPr>
-              <a:t>, </a:t>
-            </a:r>
-            <a:r>
-              <a:rPr lang="ko-KR" altLang="en-US" sz="1400" dirty="0" err="1" smtClean="0">
-                <a:solidFill>
-                  <a:schemeClr val="tx2"/>
-                </a:solidFill>
-                <a:latin typeface="+mj-lt"/>
-              </a:rPr>
-              <a:t>시각화솔루션</a:t>
-            </a:r>
-            <a:r>
-              <a:rPr lang="en-US" altLang="ko-KR" sz="1400" dirty="0" smtClean="0">
-                <a:solidFill>
-                  <a:schemeClr val="tx2"/>
-                </a:solidFill>
-                <a:latin typeface="+mj-lt"/>
-              </a:rPr>
-              <a:t>..)</a:t>
-            </a:r>
-            <a:endParaRPr lang="ko-KR" altLang="en-US" sz="1400" dirty="0">
-              <a:solidFill>
-                <a:schemeClr val="tx2"/>
-              </a:solidFill>
-              <a:latin typeface="+mj-lt"/>
-            </a:endParaRPr>
-          </a:p>
-        </p:txBody>
-      </p:sp>
-      <p:sp>
-        <p:nvSpPr>
-          <p:cNvPr id="20" name="직사각형 19"/>
-          <p:cNvSpPr/>
-          <p:nvPr/>
-        </p:nvSpPr>
-        <p:spPr>
-          <a:xfrm>
-            <a:off x="1214414" y="2000240"/>
-            <a:ext cx="1571636" cy="357190"/>
-          </a:xfrm>
-          <a:prstGeom prst="rect">
-            <a:avLst/>
-          </a:prstGeom>
-          <a:noFill/>
-        </p:spPr>
-        <p:style>
-          <a:lnRef idx="2">
-            <a:schemeClr val="accent1">
-              <a:shade val="50000"/>
-            </a:schemeClr>
-          </a:lnRef>
-          <a:fillRef idx="1">
-            <a:schemeClr val="accent1"/>
-          </a:fillRef>
-          <a:effectRef idx="0">
-            <a:schemeClr val="accent1"/>
-          </a:effectRef>
-          <a:fontRef idx="minor">
-            <a:schemeClr val="lt1"/>
-          </a:fontRef>
-        </p:style>
-        <p:txBody>
-          <a:bodyPr rtlCol="0" anchor="ctr"/>
-          <a:lstStyle/>
-          <a:p>
-            <a:pPr algn="ctr"/>
-            <a:r>
-              <a:rPr lang="ko-KR" altLang="en-US" sz="1400" dirty="0" smtClean="0">
-                <a:solidFill>
-                  <a:schemeClr val="tx2"/>
-                </a:solidFill>
-                <a:latin typeface="+mj-lt"/>
-              </a:rPr>
-              <a:t>환자정보관리 </a:t>
-            </a:r>
-            <a:r>
-              <a:rPr lang="en-US" altLang="ko-KR" sz="1400" dirty="0" smtClean="0">
-                <a:solidFill>
-                  <a:schemeClr val="tx2"/>
-                </a:solidFill>
-                <a:latin typeface="+mj-lt"/>
-              </a:rPr>
-              <a:t>UI</a:t>
-            </a:r>
-            <a:endParaRPr lang="ko-KR" altLang="en-US" sz="1400" dirty="0">
-              <a:solidFill>
-                <a:schemeClr val="tx2"/>
-              </a:solidFill>
-              <a:latin typeface="+mj-lt"/>
-            </a:endParaRPr>
-          </a:p>
-        </p:txBody>
-      </p:sp>
-      <p:sp>
-        <p:nvSpPr>
-          <p:cNvPr id="21" name="직사각형 20"/>
-          <p:cNvSpPr/>
-          <p:nvPr/>
-        </p:nvSpPr>
-        <p:spPr>
-          <a:xfrm>
-            <a:off x="2857488" y="2000240"/>
-            <a:ext cx="1214446" cy="357190"/>
-          </a:xfrm>
-          <a:prstGeom prst="rect">
-            <a:avLst/>
-          </a:prstGeom>
-          <a:noFill/>
-        </p:spPr>
-        <p:style>
-          <a:lnRef idx="2">
-            <a:schemeClr val="accent1">
-              <a:shade val="50000"/>
-            </a:schemeClr>
-          </a:lnRef>
-          <a:fillRef idx="1">
-            <a:schemeClr val="accent1"/>
-          </a:fillRef>
-          <a:effectRef idx="0">
-            <a:schemeClr val="accent1"/>
-          </a:effectRef>
-          <a:fontRef idx="minor">
-            <a:schemeClr val="lt1"/>
-          </a:fontRef>
-        </p:style>
-        <p:txBody>
-          <a:bodyPr rtlCol="0" anchor="ctr"/>
-          <a:lstStyle/>
-          <a:p>
-            <a:pPr algn="ctr"/>
-            <a:r>
-              <a:rPr lang="ko-KR" altLang="en-US" sz="1400" smtClean="0">
-                <a:solidFill>
-                  <a:schemeClr val="tx2"/>
-                </a:solidFill>
-                <a:latin typeface="+mj-lt"/>
-              </a:rPr>
-              <a:t>원격진</a:t>
-            </a:r>
-            <a:r>
-              <a:rPr lang="ko-KR" altLang="en-US" sz="1400" smtClean="0">
-                <a:solidFill>
-                  <a:schemeClr val="tx2"/>
-                </a:solidFill>
-                <a:latin typeface="+mj-lt"/>
-              </a:rPr>
-              <a:t>료</a:t>
-            </a:r>
-            <a:r>
-              <a:rPr lang="ko-KR" altLang="en-US" sz="1400" smtClean="0">
-                <a:solidFill>
-                  <a:schemeClr val="tx2"/>
-                </a:solidFill>
-                <a:latin typeface="+mj-lt"/>
-              </a:rPr>
-              <a:t> </a:t>
-            </a:r>
-            <a:r>
-              <a:rPr lang="en-US" altLang="ko-KR" sz="1400" dirty="0" smtClean="0">
-                <a:solidFill>
-                  <a:schemeClr val="tx2"/>
-                </a:solidFill>
-                <a:latin typeface="+mj-lt"/>
-              </a:rPr>
-              <a:t>UI</a:t>
-            </a:r>
-            <a:endParaRPr lang="ko-KR" altLang="en-US" sz="1400" dirty="0">
-              <a:solidFill>
-                <a:schemeClr val="tx2"/>
-              </a:solidFill>
-              <a:latin typeface="+mj-lt"/>
-            </a:endParaRPr>
-          </a:p>
-        </p:txBody>
-      </p:sp>
-      <p:sp>
-        <p:nvSpPr>
-          <p:cNvPr id="22" name="직사각형 21"/>
-          <p:cNvSpPr/>
-          <p:nvPr/>
-        </p:nvSpPr>
-        <p:spPr>
-          <a:xfrm>
-            <a:off x="4143372" y="2000240"/>
-            <a:ext cx="1214446" cy="357190"/>
-          </a:xfrm>
-          <a:prstGeom prst="rect">
-            <a:avLst/>
-          </a:prstGeom>
-          <a:noFill/>
-        </p:spPr>
-        <p:style>
-          <a:lnRef idx="2">
-            <a:schemeClr val="accent1">
-              <a:shade val="50000"/>
-            </a:schemeClr>
-          </a:lnRef>
-          <a:fillRef idx="1">
-            <a:schemeClr val="accent1"/>
-          </a:fillRef>
-          <a:effectRef idx="0">
-            <a:schemeClr val="accent1"/>
-          </a:effectRef>
-          <a:fontRef idx="minor">
-            <a:schemeClr val="lt1"/>
-          </a:fontRef>
-        </p:style>
-        <p:txBody>
-          <a:bodyPr rtlCol="0" anchor="ctr"/>
-          <a:lstStyle/>
-          <a:p>
-            <a:pPr algn="ctr"/>
-            <a:r>
-              <a:rPr lang="ko-KR" altLang="en-US" sz="1400" dirty="0" smtClean="0">
-                <a:solidFill>
-                  <a:schemeClr val="tx2"/>
-                </a:solidFill>
-                <a:latin typeface="+mj-lt"/>
-              </a:rPr>
-              <a:t>진료조회</a:t>
-            </a:r>
-            <a:r>
-              <a:rPr lang="en-US" altLang="ko-KR" sz="1400" dirty="0" smtClean="0">
-                <a:solidFill>
-                  <a:schemeClr val="tx2"/>
-                </a:solidFill>
-                <a:latin typeface="+mj-lt"/>
-              </a:rPr>
-              <a:t>UI</a:t>
-            </a:r>
-            <a:endParaRPr lang="ko-KR" altLang="en-US" sz="1400" dirty="0">
-              <a:solidFill>
-                <a:schemeClr val="tx2"/>
-              </a:solidFill>
-              <a:latin typeface="+mj-lt"/>
-            </a:endParaRPr>
-          </a:p>
-        </p:txBody>
-      </p:sp>
-      <p:sp>
-        <p:nvSpPr>
-          <p:cNvPr id="23" name="직사각형 22"/>
-          <p:cNvSpPr/>
-          <p:nvPr/>
-        </p:nvSpPr>
-        <p:spPr>
-          <a:xfrm>
-            <a:off x="5429256" y="2000240"/>
-            <a:ext cx="1428760" cy="357190"/>
-          </a:xfrm>
-          <a:prstGeom prst="rect">
-            <a:avLst/>
-          </a:prstGeom>
-          <a:noFill/>
-        </p:spPr>
-        <p:style>
-          <a:lnRef idx="2">
-            <a:schemeClr val="accent1">
-              <a:shade val="50000"/>
-            </a:schemeClr>
-          </a:lnRef>
-          <a:fillRef idx="1">
-            <a:schemeClr val="accent1"/>
-          </a:fillRef>
-          <a:effectRef idx="0">
-            <a:schemeClr val="accent1"/>
-          </a:effectRef>
-          <a:fontRef idx="minor">
-            <a:schemeClr val="lt1"/>
-          </a:fontRef>
-        </p:style>
-        <p:txBody>
-          <a:bodyPr rtlCol="0" anchor="ctr"/>
-          <a:lstStyle/>
-          <a:p>
-            <a:pPr algn="ctr"/>
-            <a:r>
-              <a:rPr lang="ko-KR" altLang="en-US" sz="1400" smtClean="0">
-                <a:solidFill>
-                  <a:schemeClr val="tx2"/>
-                </a:solidFill>
-                <a:latin typeface="+mj-lt"/>
-              </a:rPr>
-              <a:t>전문의문</a:t>
-            </a:r>
-            <a:r>
-              <a:rPr lang="ko-KR" altLang="en-US" sz="1400" smtClean="0">
-                <a:solidFill>
-                  <a:schemeClr val="tx2"/>
-                </a:solidFill>
-                <a:latin typeface="+mj-lt"/>
-              </a:rPr>
-              <a:t>답</a:t>
-            </a:r>
-            <a:r>
-              <a:rPr lang="en-US" altLang="ko-KR" sz="1400" dirty="0" smtClean="0">
-                <a:solidFill>
-                  <a:schemeClr val="tx2"/>
-                </a:solidFill>
-                <a:latin typeface="+mj-lt"/>
-              </a:rPr>
-              <a:t>UI</a:t>
-            </a:r>
-            <a:endParaRPr lang="ko-KR" altLang="en-US" sz="1400" dirty="0">
-              <a:solidFill>
-                <a:schemeClr val="tx2"/>
-              </a:solidFill>
-              <a:latin typeface="+mj-lt"/>
-            </a:endParaRPr>
           </a:p>
         </p:txBody>
       </p:sp>
@@ -6647,8 +8771,8 @@
         </p:nvSpPr>
         <p:spPr>
           <a:xfrm>
-            <a:off x="857224" y="1357298"/>
-            <a:ext cx="4857784" cy="3857652"/>
+            <a:off x="1071538" y="1857364"/>
+            <a:ext cx="5929354" cy="1214446"/>
           </a:xfrm>
           <a:prstGeom prst="rect">
             <a:avLst/>
@@ -6682,19 +8806,24 @@
       </p:sp>
       <p:sp>
         <p:nvSpPr>
-          <p:cNvPr id="20" name="직사각형 19"/>
+          <p:cNvPr id="64" name="직사각형 63"/>
           <p:cNvSpPr/>
           <p:nvPr/>
         </p:nvSpPr>
         <p:spPr>
           <a:xfrm>
-            <a:off x="1214414" y="2000240"/>
-            <a:ext cx="1571636" cy="357190"/>
-          </a:xfrm>
-          <a:prstGeom prst="rect">
-            <a:avLst/>
-          </a:prstGeom>
-          <a:noFill/>
+            <a:off x="1214414" y="2500306"/>
+            <a:ext cx="5643602" cy="428628"/>
+          </a:xfrm>
+          <a:prstGeom prst="rect">
+            <a:avLst/>
+          </a:prstGeom>
+          <a:solidFill>
+            <a:schemeClr val="accent6">
+              <a:lumMod val="60000"/>
+              <a:lumOff val="40000"/>
+            </a:schemeClr>
+          </a:solidFill>
         </p:spPr>
         <p:style>
           <a:lnRef idx="2">
@@ -6718,13 +8847,85 @@
           <a:p>
             <a:pPr algn="ctr"/>
             <a:r>
-              <a:rPr lang="ko-KR" altLang="en-US" sz="1400" smtClean="0">
+              <a:rPr lang="en-US" altLang="ko-KR" sz="1400" dirty="0" smtClean="0">
                 <a:solidFill>
                   <a:schemeClr val="tx2"/>
                 </a:solidFill>
                 <a:latin typeface="+mj-lt"/>
               </a:rPr>
-              <a:t>어플리케이션</a:t>
+              <a:t>UI </a:t>
+            </a:r>
+            <a:r>
+              <a:rPr lang="ko-KR" altLang="en-US" sz="1400" dirty="0" smtClean="0">
+                <a:solidFill>
+                  <a:schemeClr val="tx2"/>
+                </a:solidFill>
+                <a:latin typeface="+mj-lt"/>
+              </a:rPr>
+              <a:t>개발 공통 </a:t>
+            </a:r>
+            <a:r>
+              <a:rPr lang="en-US" altLang="ko-KR" sz="1400" dirty="0" smtClean="0">
+                <a:solidFill>
+                  <a:schemeClr val="tx2"/>
+                </a:solidFill>
+                <a:latin typeface="+mj-lt"/>
+              </a:rPr>
+              <a:t>Framework(</a:t>
+            </a:r>
+            <a:r>
+              <a:rPr lang="en-US" altLang="ko-KR" sz="1400" dirty="0" err="1" smtClean="0">
+                <a:solidFill>
+                  <a:schemeClr val="tx2"/>
+                </a:solidFill>
+                <a:latin typeface="+mj-lt"/>
+              </a:rPr>
+              <a:t>Javascript</a:t>
+            </a:r>
+            <a:r>
+              <a:rPr lang="en-US" altLang="ko-KR" sz="1400" dirty="0" smtClean="0">
+                <a:solidFill>
+                  <a:schemeClr val="tx2"/>
+                </a:solidFill>
+                <a:latin typeface="+mj-lt"/>
+              </a:rPr>
+              <a:t>, </a:t>
+            </a:r>
+            <a:r>
+              <a:rPr lang="ko-KR" altLang="en-US" sz="1400" dirty="0" smtClean="0">
+                <a:solidFill>
+                  <a:schemeClr val="tx2"/>
+                </a:solidFill>
+                <a:latin typeface="+mj-lt"/>
+              </a:rPr>
+              <a:t>차트솔루션</a:t>
+            </a:r>
+            <a:r>
+              <a:rPr lang="en-US" altLang="ko-KR" sz="1400" dirty="0" smtClean="0">
+                <a:solidFill>
+                  <a:schemeClr val="tx2"/>
+                </a:solidFill>
+                <a:latin typeface="+mj-lt"/>
+              </a:rPr>
+              <a:t>, </a:t>
+            </a:r>
+            <a:r>
+              <a:rPr lang="ko-KR" altLang="en-US" sz="1400" dirty="0" err="1" smtClean="0">
+                <a:solidFill>
+                  <a:schemeClr val="tx2"/>
+                </a:solidFill>
+                <a:latin typeface="+mj-lt"/>
+              </a:rPr>
+              <a:t>시각화솔루션</a:t>
+            </a:r>
+            <a:r>
+              <a:rPr lang="en-US" altLang="ko-KR" sz="1400" dirty="0" smtClean="0">
+                <a:solidFill>
+                  <a:schemeClr val="tx2"/>
+                </a:solidFill>
+                <a:latin typeface="+mj-lt"/>
+              </a:rPr>
+              <a:t>..)</a:t>
             </a:r>
             <a:endParaRPr lang="ko-KR" altLang="en-US" sz="1400" dirty="0">
               <a:solidFill>
@@ -6737,13 +8938,13 @@
       </p:sp>
       <p:sp>
         <p:nvSpPr>
-          <p:cNvPr id="21" name="직사각형 20"/>
+          <p:cNvPr id="20" name="직사각형 19"/>
           <p:cNvSpPr/>
           <p:nvPr/>
         </p:nvSpPr>
         <p:spPr>
           <a:xfrm>
-            <a:off x="1214414" y="2786058"/>
+            <a:off x="1214414" y="2000240"/>
             <a:ext cx="1571636" cy="357190"/>
           </a:xfrm>
           <a:prstGeom prst="rect">
@@ -6773,13 +8974,22 @@
           <a:p>
             <a:pPr algn="ctr"/>
             <a:r>
-              <a:rPr lang="ko-KR" altLang="en-US" sz="1400" smtClean="0">
+              <a:rPr lang="ko-KR" altLang="en-US" sz="1400" dirty="0" smtClean="0">
                 <a:solidFill>
                   <a:schemeClr val="tx2"/>
                 </a:solidFill>
                 <a:latin typeface="+mj-lt"/>
               </a:rPr>
-              <a:t>데이터저장소</a:t>
+              <a:t>환자정보관리 </a:t>
+            </a:r>
+            <a:r>
+              <a:rPr lang="en-US" altLang="ko-KR" sz="1400" dirty="0" smtClean="0">
+                <a:solidFill>
+                  <a:schemeClr val="tx2"/>
+                </a:solidFill>
+                <a:latin typeface="+mj-lt"/>
+              </a:rPr>
+              <a:t>UI</a:t>
             </a:r>
             <a:endParaRPr lang="ko-KR" altLang="en-US" sz="1400" dirty="0">
               <a:solidFill>
@@ -6792,13 +9002,13 @@
       </p:sp>
       <p:sp>
         <p:nvSpPr>
-          <p:cNvPr id="22" name="직사각형 21"/>
+          <p:cNvPr id="21" name="직사각형 20"/>
           <p:cNvSpPr/>
           <p:nvPr/>
         </p:nvSpPr>
         <p:spPr>
           <a:xfrm>
-            <a:off x="3786182" y="2000240"/>
+            <a:off x="2857488" y="2000240"/>
             <a:ext cx="1214446" cy="357190"/>
           </a:xfrm>
           <a:prstGeom prst="rect">
@@ -6834,7 +9044,7 @@
                 </a:solidFill>
                 <a:latin typeface="+mj-lt"/>
               </a:rPr>
-              <a:t>암</a:t>
+              <a:t>원격진료 </a:t>
             </a:r>
             <a:r>
               <a:rPr lang="en-US" altLang="ko-KR" sz="1400" dirty="0" smtClean="0">
@@ -6843,16 +9053,7 @@
                 </a:solidFill>
                 <a:latin typeface="+mj-lt"/>
               </a:rPr>
-              <a:t>/</a:t>
-            </a:r>
-            <a:r>
-              <a:rPr lang="ko-KR" altLang="en-US" sz="1400" dirty="0" err="1" smtClean="0">
-                <a:solidFill>
-                  <a:schemeClr val="tx2"/>
-                </a:solidFill>
-                <a:latin typeface="+mj-lt"/>
-              </a:rPr>
-              <a:t>복호화</a:t>
+              <a:t>UI</a:t>
             </a:r>
             <a:endParaRPr lang="ko-KR" altLang="en-US" sz="1400" dirty="0">
               <a:solidFill>
@@ -6863,296 +9064,16 @@
           </a:p>
         </p:txBody>
       </p:sp>
-      <p:cxnSp>
-        <p:nvCxnSpPr>
-          <p:cNvPr id="9" name="직선 화살표 연결선 8"/>
-          <p:cNvCxnSpPr/>
-          <p:nvPr/>
-        </p:nvCxnSpPr>
-        <p:spPr>
-          <a:xfrm>
-            <a:off x="2786050" y="2071678"/>
-            <a:ext cx="1000132" cy="1588"/>
-          </a:xfrm>
-          <a:prstGeom prst="straightConnector1">
-            <a:avLst/>
-          </a:prstGeom>
-          <a:ln>
-            <a:tailEnd type="arrow"/>
-          </a:ln>
-        </p:spPr>
-        <p:style>
-          <a:lnRef idx="1">
-            <a:schemeClr val="accent1"/>
-          </a:lnRef>
-          <a:fillRef idx="0">
-            <a:schemeClr val="accent1"/>
-          </a:fillRef>
-          <a:effectRef idx="0">
-            <a:schemeClr val="accent1"/>
-          </a:effectRef>
-          <a:fontRef idx="minor">
-            <a:schemeClr val="tx1"/>
-          </a:fontRef>
-        </p:style>
-      </p:cxnSp>
-      <p:cxnSp>
-        <p:nvCxnSpPr>
-          <p:cNvPr id="11" name="직선 화살표 연결선 10"/>
-          <p:cNvCxnSpPr>
-            <a:stCxn id="22" idx="1"/>
-            <a:endCxn id="20" idx="3"/>
-          </p:cNvCxnSpPr>
-          <p:nvPr/>
-        </p:nvCxnSpPr>
-        <p:spPr>
-          <a:xfrm rot="10800000">
-            <a:off x="2786050" y="2178835"/>
-            <a:ext cx="1000132" cy="1588"/>
-          </a:xfrm>
-          <a:prstGeom prst="straightConnector1">
-            <a:avLst/>
-          </a:prstGeom>
-          <a:ln>
-            <a:tailEnd type="arrow"/>
-          </a:ln>
-        </p:spPr>
-        <p:style>
-          <a:lnRef idx="1">
-            <a:schemeClr val="accent1"/>
-          </a:lnRef>
-          <a:fillRef idx="0">
-            <a:schemeClr val="accent1"/>
-          </a:fillRef>
-          <a:effectRef idx="0">
-            <a:schemeClr val="accent1"/>
-          </a:effectRef>
-          <a:fontRef idx="minor">
-            <a:schemeClr val="tx1"/>
-          </a:fontRef>
-        </p:style>
-      </p:cxnSp>
-      <p:sp>
-        <p:nvSpPr>
-          <p:cNvPr id="12" name="TextBox 11"/>
-          <p:cNvSpPr txBox="1"/>
-          <p:nvPr/>
-        </p:nvSpPr>
-        <p:spPr>
-          <a:xfrm>
-            <a:off x="2857488" y="1857364"/>
-            <a:ext cx="1000132" cy="276999"/>
-          </a:xfrm>
-          <a:prstGeom prst="rect">
-            <a:avLst/>
-          </a:prstGeom>
-          <a:noFill/>
-        </p:spPr>
-        <p:txBody>
-          <a:bodyPr wrap="square" rtlCol="0">
-            <a:spAutoFit/>
-          </a:bodyPr>
-          <a:lstStyle/>
-          <a:p>
-            <a:r>
-              <a:rPr lang="en-US" altLang="ko-KR" sz="1200" dirty="0" smtClean="0"/>
-              <a:t>1.</a:t>
-            </a:r>
-            <a:r>
-              <a:rPr lang="ko-KR" altLang="en-US" sz="1200" dirty="0" err="1" smtClean="0"/>
-              <a:t>민감정보</a:t>
-            </a:r>
-            <a:endParaRPr lang="ko-KR" altLang="en-US" sz="1200" dirty="0"/>
-          </a:p>
-        </p:txBody>
-      </p:sp>
-      <p:sp>
-        <p:nvSpPr>
-          <p:cNvPr id="13" name="TextBox 12"/>
-          <p:cNvSpPr txBox="1"/>
-          <p:nvPr/>
-        </p:nvSpPr>
-        <p:spPr>
-          <a:xfrm>
-            <a:off x="2786050" y="2214554"/>
-            <a:ext cx="1071570" cy="276999"/>
-          </a:xfrm>
-          <a:prstGeom prst="rect">
-            <a:avLst/>
-          </a:prstGeom>
-          <a:noFill/>
-        </p:spPr>
-        <p:txBody>
-          <a:bodyPr wrap="square" rtlCol="0">
-            <a:spAutoFit/>
-          </a:bodyPr>
-          <a:lstStyle/>
-          <a:p>
-            <a:r>
-              <a:rPr lang="en-US" altLang="ko-KR" sz="1200" dirty="0" smtClean="0"/>
-              <a:t>3.</a:t>
-            </a:r>
-            <a:r>
-              <a:rPr lang="ko-KR" altLang="en-US" sz="1200" dirty="0" err="1" smtClean="0"/>
-              <a:t>암호화정보</a:t>
-            </a:r>
-            <a:endParaRPr lang="ko-KR" altLang="en-US" sz="1200" dirty="0"/>
-          </a:p>
-        </p:txBody>
-      </p:sp>
-      <p:cxnSp>
-        <p:nvCxnSpPr>
-          <p:cNvPr id="15" name="직선 화살표 연결선 14"/>
-          <p:cNvCxnSpPr>
-            <a:stCxn id="20" idx="2"/>
-            <a:endCxn id="21" idx="0"/>
-          </p:cNvCxnSpPr>
-          <p:nvPr/>
-        </p:nvCxnSpPr>
-        <p:spPr>
-          <a:xfrm rot="5400000">
-            <a:off x="1785918" y="2571744"/>
-            <a:ext cx="428628" cy="1588"/>
-          </a:xfrm>
-          <a:prstGeom prst="straightConnector1">
-            <a:avLst/>
-          </a:prstGeom>
-          <a:ln>
-            <a:tailEnd type="arrow"/>
-          </a:ln>
-        </p:spPr>
-        <p:style>
-          <a:lnRef idx="1">
-            <a:schemeClr val="accent1"/>
-          </a:lnRef>
-          <a:fillRef idx="0">
-            <a:schemeClr val="accent1"/>
-          </a:fillRef>
-          <a:effectRef idx="0">
-            <a:schemeClr val="accent1"/>
-          </a:effectRef>
-          <a:fontRef idx="minor">
-            <a:schemeClr val="tx1"/>
-          </a:fontRef>
-        </p:style>
-      </p:cxnSp>
-      <p:sp>
-        <p:nvSpPr>
-          <p:cNvPr id="18" name="TextBox 17"/>
-          <p:cNvSpPr txBox="1"/>
-          <p:nvPr/>
-        </p:nvSpPr>
-        <p:spPr>
-          <a:xfrm>
-            <a:off x="2071670" y="2437621"/>
-            <a:ext cx="1071570" cy="276999"/>
-          </a:xfrm>
-          <a:prstGeom prst="rect">
-            <a:avLst/>
-          </a:prstGeom>
-          <a:noFill/>
-        </p:spPr>
-        <p:txBody>
-          <a:bodyPr wrap="square" rtlCol="0">
-            <a:spAutoFit/>
-          </a:bodyPr>
-          <a:lstStyle/>
-          <a:p>
-            <a:r>
-              <a:rPr lang="en-US" altLang="ko-KR" sz="1200" dirty="0" smtClean="0"/>
-              <a:t>4.</a:t>
-            </a:r>
-            <a:r>
-              <a:rPr lang="ko-KR" altLang="en-US" sz="1200" dirty="0" err="1" smtClean="0"/>
-              <a:t>암호화저장</a:t>
-            </a:r>
-            <a:endParaRPr lang="ko-KR" altLang="en-US" sz="1200" dirty="0"/>
-          </a:p>
-        </p:txBody>
-      </p:sp>
-      <p:cxnSp>
-        <p:nvCxnSpPr>
-          <p:cNvPr id="24" name="Shape 23"/>
-          <p:cNvCxnSpPr>
-            <a:stCxn id="22" idx="0"/>
-            <a:endCxn id="22" idx="3"/>
-          </p:cNvCxnSpPr>
-          <p:nvPr/>
-        </p:nvCxnSpPr>
-        <p:spPr>
-          <a:xfrm rot="16200000" flipH="1">
-            <a:off x="4607718" y="1785926"/>
-            <a:ext cx="178595" cy="607223"/>
-          </a:xfrm>
-          <a:prstGeom prst="bentConnector4">
-            <a:avLst>
-              <a:gd name="adj1" fmla="val -127999"/>
-              <a:gd name="adj2" fmla="val 137647"/>
-            </a:avLst>
-          </a:prstGeom>
-          <a:ln>
-            <a:tailEnd type="arrow"/>
-          </a:ln>
-        </p:spPr>
-        <p:style>
-          <a:lnRef idx="1">
-            <a:schemeClr val="accent1"/>
-          </a:lnRef>
-          <a:fillRef idx="0">
-            <a:schemeClr val="accent1"/>
-          </a:fillRef>
-          <a:effectRef idx="0">
-            <a:schemeClr val="accent1"/>
-          </a:effectRef>
-          <a:fontRef idx="minor">
-            <a:schemeClr val="tx1"/>
-          </a:fontRef>
-        </p:style>
-      </p:cxnSp>
-      <p:sp>
-        <p:nvSpPr>
-          <p:cNvPr id="25" name="TextBox 24"/>
-          <p:cNvSpPr txBox="1"/>
-          <p:nvPr/>
-        </p:nvSpPr>
-        <p:spPr>
-          <a:xfrm>
-            <a:off x="4714876" y="1500174"/>
-            <a:ext cx="857256" cy="276999"/>
-          </a:xfrm>
-          <a:prstGeom prst="rect">
-            <a:avLst/>
-          </a:prstGeom>
-          <a:noFill/>
-        </p:spPr>
-        <p:txBody>
-          <a:bodyPr wrap="square" rtlCol="0">
-            <a:spAutoFit/>
-          </a:bodyPr>
-          <a:lstStyle/>
-          <a:p>
-            <a:r>
-              <a:rPr lang="en-US" altLang="ko-KR" sz="1200" dirty="0" smtClean="0"/>
-              <a:t>2.</a:t>
-            </a:r>
-            <a:r>
-              <a:rPr lang="ko-KR" altLang="en-US" sz="1200" dirty="0" smtClean="0"/>
-              <a:t>암호화</a:t>
-            </a:r>
-            <a:endParaRPr lang="ko-KR" altLang="en-US" sz="1200" dirty="0"/>
-          </a:p>
-        </p:txBody>
-      </p:sp>
-      <p:sp>
-        <p:nvSpPr>
-          <p:cNvPr id="26" name="직사각형 25"/>
+      <p:sp>
+        <p:nvSpPr>
+          <p:cNvPr id="22" name="직사각형 21"/>
           <p:cNvSpPr/>
           <p:nvPr/>
         </p:nvSpPr>
         <p:spPr>
           <a:xfrm>
-            <a:off x="1214414" y="3929066"/>
-            <a:ext cx="1571636" cy="357190"/>
+            <a:off x="4143372" y="2000240"/>
+            <a:ext cx="1214446" cy="357190"/>
           </a:xfrm>
           <a:prstGeom prst="rect">
             <a:avLst/>
@@ -7181,13 +9102,22 @@
           <a:p>
             <a:pPr algn="ctr"/>
             <a:r>
-              <a:rPr lang="ko-KR" altLang="en-US" sz="1400" smtClean="0">
+              <a:rPr lang="ko-KR" altLang="en-US" sz="1400" dirty="0" smtClean="0">
                 <a:solidFill>
                   <a:schemeClr val="tx2"/>
                 </a:solidFill>
                 <a:latin typeface="+mj-lt"/>
               </a:rPr>
-              <a:t>어플리케이션</a:t>
+              <a:t>진료조회</a:t>
+            </a:r>
+            <a:r>
+              <a:rPr lang="en-US" altLang="ko-KR" sz="1400" dirty="0" smtClean="0">
+                <a:solidFill>
+                  <a:schemeClr val="tx2"/>
+                </a:solidFill>
+                <a:latin typeface="+mj-lt"/>
+              </a:rPr>
+              <a:t>UI</a:t>
             </a:r>
             <a:endParaRPr lang="ko-KR" altLang="en-US" sz="1400" dirty="0">
               <a:solidFill>
@@ -7200,14 +9130,14 @@
       </p:sp>
       <p:sp>
         <p:nvSpPr>
-          <p:cNvPr id="27" name="직사각형 26"/>
+          <p:cNvPr id="23" name="직사각형 22"/>
           <p:cNvSpPr/>
           <p:nvPr/>
         </p:nvSpPr>
         <p:spPr>
           <a:xfrm>
-            <a:off x="1214414" y="4714884"/>
-            <a:ext cx="1571636" cy="357190"/>
+            <a:off x="5429256" y="2000240"/>
+            <a:ext cx="1428760" cy="357190"/>
           </a:xfrm>
           <a:prstGeom prst="rect">
             <a:avLst/>
@@ -7242,7 +9172,16 @@
                 </a:solidFill>
                 <a:latin typeface="+mj-lt"/>
               </a:rPr>
-              <a:t>데이터저장소</a:t>
+              <a:t>전문의문답</a:t>
+            </a:r>
+            <a:r>
+              <a:rPr lang="en-US" altLang="ko-KR" sz="1400" dirty="0" smtClean="0">
+                <a:solidFill>
+                  <a:schemeClr val="tx2"/>
+                </a:solidFill>
+                <a:latin typeface="+mj-lt"/>
+              </a:rPr>
+              <a:t>UI</a:t>
             </a:r>
             <a:endParaRPr lang="ko-KR" altLang="en-US" sz="1400" dirty="0">
               <a:solidFill>
@@ -7250,499 +9189,6 @@
               </a:solidFill>
               <a:latin typeface="+mj-lt"/>
             </a:endParaRPr>
-          </a:p>
-        </p:txBody>
-      </p:sp>
-      <p:sp>
-        <p:nvSpPr>
-          <p:cNvPr id="28" name="직사각형 27"/>
-          <p:cNvSpPr/>
-          <p:nvPr/>
-        </p:nvSpPr>
-        <p:spPr>
-          <a:xfrm>
-            <a:off x="3786182" y="3929066"/>
-            <a:ext cx="1214446" cy="357190"/>
-          </a:xfrm>
-          <a:prstGeom prst="rect">
-            <a:avLst/>
-          </a:prstGeom>
-          <a:noFill/>
-        </p:spPr>
-        <p:style>
-          <a:lnRef idx="2">
-            <a:schemeClr val="accent1">
-              <a:shade val="50000"/>
-            </a:schemeClr>
-          </a:lnRef>
-          <a:fillRef idx="1">
-            <a:schemeClr val="accent1"/>
-          </a:fillRef>
-          <a:effectRef idx="0">
-            <a:schemeClr val="accent1"/>
-          </a:effectRef>
-          <a:fontRef idx="minor">
-            <a:schemeClr val="lt1"/>
-          </a:fontRef>
-        </p:style>
-        <p:txBody>
-          <a:bodyPr rtlCol="0" anchor="ctr"/>
-          <a:lstStyle/>
-          <a:p>
-            <a:pPr algn="ctr"/>
-            <a:r>
-              <a:rPr lang="ko-KR" altLang="en-US" sz="1400" smtClean="0">
-                <a:solidFill>
-                  <a:schemeClr val="tx2"/>
-                </a:solidFill>
-                <a:latin typeface="+mj-lt"/>
-              </a:rPr>
-              <a:t>암</a:t>
-            </a:r>
-            <a:r>
-              <a:rPr lang="en-US" altLang="ko-KR" sz="1400" dirty="0" smtClean="0">
-                <a:solidFill>
-                  <a:schemeClr val="tx2"/>
-                </a:solidFill>
-                <a:latin typeface="+mj-lt"/>
-              </a:rPr>
-              <a:t>/</a:t>
-            </a:r>
-            <a:r>
-              <a:rPr lang="ko-KR" altLang="en-US" sz="1400" dirty="0" err="1" smtClean="0">
-                <a:solidFill>
-                  <a:schemeClr val="tx2"/>
-                </a:solidFill>
-                <a:latin typeface="+mj-lt"/>
-              </a:rPr>
-              <a:t>복호화</a:t>
-            </a:r>
-            <a:endParaRPr lang="ko-KR" altLang="en-US" sz="1400" dirty="0">
-              <a:solidFill>
-                <a:schemeClr val="tx2"/>
-              </a:solidFill>
-              <a:latin typeface="+mj-lt"/>
-            </a:endParaRPr>
-          </a:p>
-        </p:txBody>
-      </p:sp>
-      <p:cxnSp>
-        <p:nvCxnSpPr>
-          <p:cNvPr id="29" name="직선 화살표 연결선 28"/>
-          <p:cNvCxnSpPr/>
-          <p:nvPr/>
-        </p:nvCxnSpPr>
-        <p:spPr>
-          <a:xfrm>
-            <a:off x="2786050" y="4000504"/>
-            <a:ext cx="1000132" cy="1588"/>
-          </a:xfrm>
-          <a:prstGeom prst="straightConnector1">
-            <a:avLst/>
-          </a:prstGeom>
-          <a:ln>
-            <a:tailEnd type="arrow"/>
-          </a:ln>
-        </p:spPr>
-        <p:style>
-          <a:lnRef idx="1">
-            <a:schemeClr val="accent1"/>
-          </a:lnRef>
-          <a:fillRef idx="0">
-            <a:schemeClr val="accent1"/>
-          </a:fillRef>
-          <a:effectRef idx="0">
-            <a:schemeClr val="accent1"/>
-          </a:effectRef>
-          <a:fontRef idx="minor">
-            <a:schemeClr val="tx1"/>
-          </a:fontRef>
-        </p:style>
-      </p:cxnSp>
-      <p:cxnSp>
-        <p:nvCxnSpPr>
-          <p:cNvPr id="30" name="직선 화살표 연결선 29"/>
-          <p:cNvCxnSpPr>
-            <a:stCxn id="28" idx="1"/>
-            <a:endCxn id="26" idx="3"/>
-          </p:cNvCxnSpPr>
-          <p:nvPr/>
-        </p:nvCxnSpPr>
-        <p:spPr>
-          <a:xfrm rot="10800000">
-            <a:off x="2786050" y="4107661"/>
-            <a:ext cx="1000132" cy="1588"/>
-          </a:xfrm>
-          <a:prstGeom prst="straightConnector1">
-            <a:avLst/>
-          </a:prstGeom>
-          <a:ln>
-            <a:tailEnd type="arrow"/>
-          </a:ln>
-        </p:spPr>
-        <p:style>
-          <a:lnRef idx="1">
-            <a:schemeClr val="accent1"/>
-          </a:lnRef>
-          <a:fillRef idx="0">
-            <a:schemeClr val="accent1"/>
-          </a:fillRef>
-          <a:effectRef idx="0">
-            <a:schemeClr val="accent1"/>
-          </a:effectRef>
-          <a:fontRef idx="minor">
-            <a:schemeClr val="tx1"/>
-          </a:fontRef>
-        </p:style>
-      </p:cxnSp>
-      <p:sp>
-        <p:nvSpPr>
-          <p:cNvPr id="31" name="TextBox 30"/>
-          <p:cNvSpPr txBox="1"/>
-          <p:nvPr/>
-        </p:nvSpPr>
-        <p:spPr>
-          <a:xfrm>
-            <a:off x="2786050" y="3723505"/>
-            <a:ext cx="1071570" cy="276999"/>
-          </a:xfrm>
-          <a:prstGeom prst="rect">
-            <a:avLst/>
-          </a:prstGeom>
-          <a:noFill/>
-        </p:spPr>
-        <p:txBody>
-          <a:bodyPr wrap="square" rtlCol="0">
-            <a:spAutoFit/>
-          </a:bodyPr>
-          <a:lstStyle/>
-          <a:p>
-            <a:r>
-              <a:rPr lang="en-US" altLang="ko-KR" sz="1200" dirty="0" smtClean="0"/>
-              <a:t>2.</a:t>
-            </a:r>
-            <a:r>
-              <a:rPr lang="ko-KR" altLang="en-US" sz="1200" dirty="0" err="1" smtClean="0"/>
-              <a:t>암호화정보</a:t>
-            </a:r>
-            <a:endParaRPr lang="ko-KR" altLang="en-US" sz="1200" dirty="0"/>
-          </a:p>
-        </p:txBody>
-      </p:sp>
-      <p:sp>
-        <p:nvSpPr>
-          <p:cNvPr id="32" name="TextBox 31"/>
-          <p:cNvSpPr txBox="1"/>
-          <p:nvPr/>
-        </p:nvSpPr>
-        <p:spPr>
-          <a:xfrm>
-            <a:off x="2786050" y="4143380"/>
-            <a:ext cx="1357322" cy="276999"/>
-          </a:xfrm>
-          <a:prstGeom prst="rect">
-            <a:avLst/>
-          </a:prstGeom>
-          <a:noFill/>
-        </p:spPr>
-        <p:txBody>
-          <a:bodyPr wrap="square" rtlCol="0">
-            <a:spAutoFit/>
-          </a:bodyPr>
-          <a:lstStyle/>
-          <a:p>
-            <a:r>
-              <a:rPr lang="en-US" altLang="ko-KR" sz="1200" dirty="0" smtClean="0"/>
-              <a:t>4 </a:t>
-            </a:r>
-            <a:r>
-              <a:rPr lang="ko-KR" altLang="en-US" sz="1200" dirty="0" err="1" smtClean="0"/>
-              <a:t>복호화정보</a:t>
-            </a:r>
-            <a:endParaRPr lang="ko-KR" altLang="en-US" sz="1200" dirty="0"/>
-          </a:p>
-        </p:txBody>
-      </p:sp>
-      <p:cxnSp>
-        <p:nvCxnSpPr>
-          <p:cNvPr id="33" name="직선 화살표 연결선 32"/>
-          <p:cNvCxnSpPr>
-            <a:stCxn id="27" idx="0"/>
-            <a:endCxn id="26" idx="2"/>
-          </p:cNvCxnSpPr>
-          <p:nvPr/>
-        </p:nvCxnSpPr>
-        <p:spPr>
-          <a:xfrm rot="5400000" flipH="1" flipV="1">
-            <a:off x="1785918" y="4500570"/>
-            <a:ext cx="428628" cy="1588"/>
-          </a:xfrm>
-          <a:prstGeom prst="straightConnector1">
-            <a:avLst/>
-          </a:prstGeom>
-          <a:ln>
-            <a:tailEnd type="arrow"/>
-          </a:ln>
-        </p:spPr>
-        <p:style>
-          <a:lnRef idx="1">
-            <a:schemeClr val="accent1"/>
-          </a:lnRef>
-          <a:fillRef idx="0">
-            <a:schemeClr val="accent1"/>
-          </a:fillRef>
-          <a:effectRef idx="0">
-            <a:schemeClr val="accent1"/>
-          </a:effectRef>
-          <a:fontRef idx="minor">
-            <a:schemeClr val="tx1"/>
-          </a:fontRef>
-        </p:style>
-      </p:cxnSp>
-      <p:sp>
-        <p:nvSpPr>
-          <p:cNvPr id="34" name="TextBox 33"/>
-          <p:cNvSpPr txBox="1"/>
-          <p:nvPr/>
-        </p:nvSpPr>
-        <p:spPr>
-          <a:xfrm>
-            <a:off x="2000232" y="4429132"/>
-            <a:ext cx="1071570" cy="276999"/>
-          </a:xfrm>
-          <a:prstGeom prst="rect">
-            <a:avLst/>
-          </a:prstGeom>
-          <a:noFill/>
-        </p:spPr>
-        <p:txBody>
-          <a:bodyPr wrap="square" rtlCol="0">
-            <a:spAutoFit/>
-          </a:bodyPr>
-          <a:lstStyle/>
-          <a:p>
-            <a:r>
-              <a:rPr lang="en-US" altLang="ko-KR" sz="1200" dirty="0" smtClean="0"/>
-              <a:t>1.</a:t>
-            </a:r>
-            <a:r>
-              <a:rPr lang="ko-KR" altLang="en-US" sz="1200" dirty="0" err="1" smtClean="0"/>
-              <a:t>암호화정보</a:t>
-            </a:r>
-            <a:endParaRPr lang="ko-KR" altLang="en-US" sz="1200" dirty="0"/>
-          </a:p>
-        </p:txBody>
-      </p:sp>
-      <p:cxnSp>
-        <p:nvCxnSpPr>
-          <p:cNvPr id="35" name="Shape 34"/>
-          <p:cNvCxnSpPr>
-            <a:stCxn id="28" idx="0"/>
-            <a:endCxn id="28" idx="3"/>
-          </p:cNvCxnSpPr>
-          <p:nvPr/>
-        </p:nvCxnSpPr>
-        <p:spPr>
-          <a:xfrm rot="16200000" flipH="1">
-            <a:off x="4607718" y="3714752"/>
-            <a:ext cx="178595" cy="607223"/>
-          </a:xfrm>
-          <a:prstGeom prst="bentConnector4">
-            <a:avLst>
-              <a:gd name="adj1" fmla="val -127999"/>
-              <a:gd name="adj2" fmla="val 137647"/>
-            </a:avLst>
-          </a:prstGeom>
-          <a:ln>
-            <a:tailEnd type="arrow"/>
-          </a:ln>
-        </p:spPr>
-        <p:style>
-          <a:lnRef idx="1">
-            <a:schemeClr val="accent1"/>
-          </a:lnRef>
-          <a:fillRef idx="0">
-            <a:schemeClr val="accent1"/>
-          </a:fillRef>
-          <a:effectRef idx="0">
-            <a:schemeClr val="accent1"/>
-          </a:effectRef>
-          <a:fontRef idx="minor">
-            <a:schemeClr val="tx1"/>
-          </a:fontRef>
-        </p:style>
-      </p:cxnSp>
-      <p:sp>
-        <p:nvSpPr>
-          <p:cNvPr id="36" name="TextBox 35"/>
-          <p:cNvSpPr txBox="1"/>
-          <p:nvPr/>
-        </p:nvSpPr>
-        <p:spPr>
-          <a:xfrm>
-            <a:off x="4714876" y="3429000"/>
-            <a:ext cx="857256" cy="276999"/>
-          </a:xfrm>
-          <a:prstGeom prst="rect">
-            <a:avLst/>
-          </a:prstGeom>
-          <a:noFill/>
-        </p:spPr>
-        <p:txBody>
-          <a:bodyPr wrap="square" rtlCol="0">
-            <a:spAutoFit/>
-          </a:bodyPr>
-          <a:lstStyle/>
-          <a:p>
-            <a:r>
-              <a:rPr lang="en-US" altLang="ko-KR" sz="1200" dirty="0" smtClean="0"/>
-              <a:t>3.</a:t>
-            </a:r>
-            <a:r>
-              <a:rPr lang="ko-KR" altLang="en-US" sz="1200" dirty="0" err="1" smtClean="0"/>
-              <a:t>복호화</a:t>
-            </a:r>
-            <a:endParaRPr lang="ko-KR" altLang="en-US" sz="1200" dirty="0"/>
-          </a:p>
-        </p:txBody>
-      </p:sp>
-      <p:sp>
-        <p:nvSpPr>
-          <p:cNvPr id="41" name="TextBox 40"/>
-          <p:cNvSpPr txBox="1"/>
-          <p:nvPr/>
-        </p:nvSpPr>
-        <p:spPr>
-          <a:xfrm>
-            <a:off x="1214414" y="1571612"/>
-            <a:ext cx="2071702" cy="369332"/>
-          </a:xfrm>
-          <a:prstGeom prst="rect">
-            <a:avLst/>
-          </a:prstGeom>
-          <a:noFill/>
-        </p:spPr>
-        <p:txBody>
-          <a:bodyPr wrap="square" rtlCol="0">
-            <a:spAutoFit/>
-          </a:bodyPr>
-          <a:lstStyle/>
-          <a:p>
-            <a:r>
-              <a:rPr lang="en-US" altLang="ko-KR" dirty="0" smtClean="0"/>
-              <a:t>&lt;&lt;</a:t>
-            </a:r>
-            <a:r>
-              <a:rPr lang="ko-KR" altLang="en-US" dirty="0" smtClean="0"/>
-              <a:t>암호화</a:t>
-            </a:r>
-            <a:r>
-              <a:rPr lang="en-US" altLang="ko-KR" dirty="0" smtClean="0"/>
-              <a:t>&gt;&gt;</a:t>
-            </a:r>
-            <a:endParaRPr lang="ko-KR" altLang="en-US" dirty="0"/>
-          </a:p>
-        </p:txBody>
-      </p:sp>
-      <p:sp>
-        <p:nvSpPr>
-          <p:cNvPr id="42" name="TextBox 41"/>
-          <p:cNvSpPr txBox="1"/>
-          <p:nvPr/>
-        </p:nvSpPr>
-        <p:spPr>
-          <a:xfrm>
-            <a:off x="1142976" y="3500438"/>
-            <a:ext cx="2071702" cy="369332"/>
-          </a:xfrm>
-          <a:prstGeom prst="rect">
-            <a:avLst/>
-          </a:prstGeom>
-          <a:noFill/>
-        </p:spPr>
-        <p:txBody>
-          <a:bodyPr wrap="square" rtlCol="0">
-            <a:spAutoFit/>
-          </a:bodyPr>
-          <a:lstStyle/>
-          <a:p>
-            <a:r>
-              <a:rPr lang="en-US" altLang="ko-KR" dirty="0" smtClean="0"/>
-              <a:t>&lt;&lt;</a:t>
-            </a:r>
-            <a:r>
-              <a:rPr lang="ko-KR" altLang="en-US" dirty="0" err="1" smtClean="0"/>
-              <a:t>복</a:t>
-            </a:r>
-            <a:r>
-              <a:rPr lang="ko-KR" altLang="en-US" dirty="0" err="1" smtClean="0"/>
-              <a:t>호화</a:t>
-            </a:r>
-            <a:r>
-              <a:rPr lang="en-US" altLang="ko-KR" dirty="0" smtClean="0"/>
-              <a:t>&gt;&gt;</a:t>
-            </a:r>
-            <a:endParaRPr lang="ko-KR" altLang="en-US" dirty="0"/>
-          </a:p>
-        </p:txBody>
-      </p:sp>
-      <p:sp>
-        <p:nvSpPr>
-          <p:cNvPr id="43" name="TextBox 42"/>
-          <p:cNvSpPr txBox="1"/>
-          <p:nvPr/>
-        </p:nvSpPr>
-        <p:spPr>
-          <a:xfrm>
-            <a:off x="4429124" y="3714752"/>
-            <a:ext cx="857256" cy="276999"/>
-          </a:xfrm>
-          <a:prstGeom prst="rect">
-            <a:avLst/>
-          </a:prstGeom>
-          <a:noFill/>
-        </p:spPr>
-        <p:txBody>
-          <a:bodyPr wrap="square" rtlCol="0">
-            <a:spAutoFit/>
-          </a:bodyPr>
-          <a:lstStyle/>
-          <a:p>
-            <a:r>
-              <a:rPr lang="en-US" altLang="ko-KR" sz="1200" dirty="0" smtClean="0"/>
-              <a:t>AES-128</a:t>
-            </a:r>
-            <a:endParaRPr lang="ko-KR" altLang="en-US" sz="1200" dirty="0"/>
-          </a:p>
-        </p:txBody>
-      </p:sp>
-      <p:sp>
-        <p:nvSpPr>
-          <p:cNvPr id="44" name="TextBox 43"/>
-          <p:cNvSpPr txBox="1"/>
-          <p:nvPr/>
-        </p:nvSpPr>
-        <p:spPr>
-          <a:xfrm>
-            <a:off x="4429124" y="1794679"/>
-            <a:ext cx="857256" cy="276999"/>
-          </a:xfrm>
-          <a:prstGeom prst="rect">
-            <a:avLst/>
-          </a:prstGeom>
-          <a:noFill/>
-        </p:spPr>
-        <p:txBody>
-          <a:bodyPr wrap="square" rtlCol="0">
-            <a:spAutoFit/>
-          </a:bodyPr>
-          <a:lstStyle/>
-          <a:p>
-            <a:r>
-              <a:rPr lang="en-US" altLang="ko-KR" sz="1200" dirty="0" smtClean="0"/>
-              <a:t>AES-128</a:t>
-            </a:r>
-            <a:endParaRPr lang="ko-KR" altLang="en-US" sz="1200" dirty="0"/>
           </a:p>
         </p:txBody>
       </p:sp>
@@ -7773,6 +9219,1134 @@
       </p:grpSpPr>
       <p:sp>
         <p:nvSpPr>
+          <p:cNvPr id="58" name="직사각형 57"/>
+          <p:cNvSpPr/>
+          <p:nvPr/>
+        </p:nvSpPr>
+        <p:spPr>
+          <a:xfrm>
+            <a:off x="857224" y="1357298"/>
+            <a:ext cx="4857784" cy="3857652"/>
+          </a:xfrm>
+          <a:prstGeom prst="rect">
+            <a:avLst/>
+          </a:prstGeom>
+          <a:noFill/>
+        </p:spPr>
+        <p:style>
+          <a:lnRef idx="2">
+            <a:schemeClr val="accent1">
+              <a:shade val="50000"/>
+            </a:schemeClr>
+          </a:lnRef>
+          <a:fillRef idx="1">
+            <a:schemeClr val="accent1"/>
+          </a:fillRef>
+          <a:effectRef idx="0">
+            <a:schemeClr val="accent1"/>
+          </a:effectRef>
+          <a:fontRef idx="minor">
+            <a:schemeClr val="lt1"/>
+          </a:fontRef>
+        </p:style>
+        <p:txBody>
+          <a:bodyPr rtlCol="0" anchor="ctr"/>
+          <a:lstStyle/>
+          <a:p>
+            <a:pPr algn="ctr"/>
+            <a:endParaRPr lang="ko-KR" altLang="en-US"/>
+          </a:p>
+        </p:txBody>
+      </p:sp>
+      <p:sp>
+        <p:nvSpPr>
+          <p:cNvPr id="20" name="직사각형 19"/>
+          <p:cNvSpPr/>
+          <p:nvPr/>
+        </p:nvSpPr>
+        <p:spPr>
+          <a:xfrm>
+            <a:off x="1214414" y="2000240"/>
+            <a:ext cx="1571636" cy="357190"/>
+          </a:xfrm>
+          <a:prstGeom prst="rect">
+            <a:avLst/>
+          </a:prstGeom>
+          <a:noFill/>
+        </p:spPr>
+        <p:style>
+          <a:lnRef idx="2">
+            <a:schemeClr val="accent1">
+              <a:shade val="50000"/>
+            </a:schemeClr>
+          </a:lnRef>
+          <a:fillRef idx="1">
+            <a:schemeClr val="accent1"/>
+          </a:fillRef>
+          <a:effectRef idx="0">
+            <a:schemeClr val="accent1"/>
+          </a:effectRef>
+          <a:fontRef idx="minor">
+            <a:schemeClr val="lt1"/>
+          </a:fontRef>
+        </p:style>
+        <p:txBody>
+          <a:bodyPr rtlCol="0" anchor="ctr"/>
+          <a:lstStyle/>
+          <a:p>
+            <a:pPr algn="ctr"/>
+            <a:r>
+              <a:rPr lang="ko-KR" altLang="en-US" sz="1400" smtClean="0">
+                <a:solidFill>
+                  <a:schemeClr val="tx2"/>
+                </a:solidFill>
+                <a:latin typeface="+mj-lt"/>
+              </a:rPr>
+              <a:t>어플리케이션</a:t>
+            </a:r>
+            <a:endParaRPr lang="ko-KR" altLang="en-US" sz="1400" dirty="0">
+              <a:solidFill>
+                <a:schemeClr val="tx2"/>
+              </a:solidFill>
+              <a:latin typeface="+mj-lt"/>
+            </a:endParaRPr>
+          </a:p>
+        </p:txBody>
+      </p:sp>
+      <p:sp>
+        <p:nvSpPr>
+          <p:cNvPr id="21" name="직사각형 20"/>
+          <p:cNvSpPr/>
+          <p:nvPr/>
+        </p:nvSpPr>
+        <p:spPr>
+          <a:xfrm>
+            <a:off x="1214414" y="2786058"/>
+            <a:ext cx="1571636" cy="357190"/>
+          </a:xfrm>
+          <a:prstGeom prst="rect">
+            <a:avLst/>
+          </a:prstGeom>
+          <a:noFill/>
+        </p:spPr>
+        <p:style>
+          <a:lnRef idx="2">
+            <a:schemeClr val="accent1">
+              <a:shade val="50000"/>
+            </a:schemeClr>
+          </a:lnRef>
+          <a:fillRef idx="1">
+            <a:schemeClr val="accent1"/>
+          </a:fillRef>
+          <a:effectRef idx="0">
+            <a:schemeClr val="accent1"/>
+          </a:effectRef>
+          <a:fontRef idx="minor">
+            <a:schemeClr val="lt1"/>
+          </a:fontRef>
+        </p:style>
+        <p:txBody>
+          <a:bodyPr rtlCol="0" anchor="ctr"/>
+          <a:lstStyle/>
+          <a:p>
+            <a:pPr algn="ctr"/>
+            <a:r>
+              <a:rPr lang="ko-KR" altLang="en-US" sz="1400" smtClean="0">
+                <a:solidFill>
+                  <a:schemeClr val="tx2"/>
+                </a:solidFill>
+                <a:latin typeface="+mj-lt"/>
+              </a:rPr>
+              <a:t>데이터저장소</a:t>
+            </a:r>
+            <a:endParaRPr lang="ko-KR" altLang="en-US" sz="1400" dirty="0">
+              <a:solidFill>
+                <a:schemeClr val="tx2"/>
+              </a:solidFill>
+              <a:latin typeface="+mj-lt"/>
+            </a:endParaRPr>
+          </a:p>
+        </p:txBody>
+      </p:sp>
+      <p:sp>
+        <p:nvSpPr>
+          <p:cNvPr id="22" name="직사각형 21"/>
+          <p:cNvSpPr/>
+          <p:nvPr/>
+        </p:nvSpPr>
+        <p:spPr>
+          <a:xfrm>
+            <a:off x="3786182" y="2000240"/>
+            <a:ext cx="1214446" cy="357190"/>
+          </a:xfrm>
+          <a:prstGeom prst="rect">
+            <a:avLst/>
+          </a:prstGeom>
+          <a:noFill/>
+        </p:spPr>
+        <p:style>
+          <a:lnRef idx="2">
+            <a:schemeClr val="accent1">
+              <a:shade val="50000"/>
+            </a:schemeClr>
+          </a:lnRef>
+          <a:fillRef idx="1">
+            <a:schemeClr val="accent1"/>
+          </a:fillRef>
+          <a:effectRef idx="0">
+            <a:schemeClr val="accent1"/>
+          </a:effectRef>
+          <a:fontRef idx="minor">
+            <a:schemeClr val="lt1"/>
+          </a:fontRef>
+        </p:style>
+        <p:txBody>
+          <a:bodyPr rtlCol="0" anchor="ctr"/>
+          <a:lstStyle/>
+          <a:p>
+            <a:pPr algn="ctr"/>
+            <a:r>
+              <a:rPr lang="ko-KR" altLang="en-US" sz="1400" smtClean="0">
+                <a:solidFill>
+                  <a:schemeClr val="tx2"/>
+                </a:solidFill>
+                <a:latin typeface="+mj-lt"/>
+              </a:rPr>
+              <a:t>암</a:t>
+            </a:r>
+            <a:r>
+              <a:rPr lang="en-US" altLang="ko-KR" sz="1400" dirty="0" smtClean="0">
+                <a:solidFill>
+                  <a:schemeClr val="tx2"/>
+                </a:solidFill>
+                <a:latin typeface="+mj-lt"/>
+              </a:rPr>
+              <a:t>/</a:t>
+            </a:r>
+            <a:r>
+              <a:rPr lang="ko-KR" altLang="en-US" sz="1400" dirty="0" err="1" smtClean="0">
+                <a:solidFill>
+                  <a:schemeClr val="tx2"/>
+                </a:solidFill>
+                <a:latin typeface="+mj-lt"/>
+              </a:rPr>
+              <a:t>복호화</a:t>
+            </a:r>
+            <a:endParaRPr lang="ko-KR" altLang="en-US" sz="1400" dirty="0">
+              <a:solidFill>
+                <a:schemeClr val="tx2"/>
+              </a:solidFill>
+              <a:latin typeface="+mj-lt"/>
+            </a:endParaRPr>
+          </a:p>
+        </p:txBody>
+      </p:sp>
+      <p:cxnSp>
+        <p:nvCxnSpPr>
+          <p:cNvPr id="9" name="직선 화살표 연결선 8"/>
+          <p:cNvCxnSpPr/>
+          <p:nvPr/>
+        </p:nvCxnSpPr>
+        <p:spPr>
+          <a:xfrm>
+            <a:off x="2786050" y="2071678"/>
+            <a:ext cx="1000132" cy="1588"/>
+          </a:xfrm>
+          <a:prstGeom prst="straightConnector1">
+            <a:avLst/>
+          </a:prstGeom>
+          <a:ln>
+            <a:tailEnd type="arrow"/>
+          </a:ln>
+        </p:spPr>
+        <p:style>
+          <a:lnRef idx="1">
+            <a:schemeClr val="accent1"/>
+          </a:lnRef>
+          <a:fillRef idx="0">
+            <a:schemeClr val="accent1"/>
+          </a:fillRef>
+          <a:effectRef idx="0">
+            <a:schemeClr val="accent1"/>
+          </a:effectRef>
+          <a:fontRef idx="minor">
+            <a:schemeClr val="tx1"/>
+          </a:fontRef>
+        </p:style>
+      </p:cxnSp>
+      <p:cxnSp>
+        <p:nvCxnSpPr>
+          <p:cNvPr id="11" name="직선 화살표 연결선 10"/>
+          <p:cNvCxnSpPr>
+            <a:stCxn id="22" idx="1"/>
+            <a:endCxn id="20" idx="3"/>
+          </p:cNvCxnSpPr>
+          <p:nvPr/>
+        </p:nvCxnSpPr>
+        <p:spPr>
+          <a:xfrm rot="10800000">
+            <a:off x="2786050" y="2178835"/>
+            <a:ext cx="1000132" cy="1588"/>
+          </a:xfrm>
+          <a:prstGeom prst="straightConnector1">
+            <a:avLst/>
+          </a:prstGeom>
+          <a:ln>
+            <a:tailEnd type="arrow"/>
+          </a:ln>
+        </p:spPr>
+        <p:style>
+          <a:lnRef idx="1">
+            <a:schemeClr val="accent1"/>
+          </a:lnRef>
+          <a:fillRef idx="0">
+            <a:schemeClr val="accent1"/>
+          </a:fillRef>
+          <a:effectRef idx="0">
+            <a:schemeClr val="accent1"/>
+          </a:effectRef>
+          <a:fontRef idx="minor">
+            <a:schemeClr val="tx1"/>
+          </a:fontRef>
+        </p:style>
+      </p:cxnSp>
+      <p:sp>
+        <p:nvSpPr>
+          <p:cNvPr id="12" name="TextBox 11"/>
+          <p:cNvSpPr txBox="1"/>
+          <p:nvPr/>
+        </p:nvSpPr>
+        <p:spPr>
+          <a:xfrm>
+            <a:off x="2857488" y="1857364"/>
+            <a:ext cx="1000132" cy="276999"/>
+          </a:xfrm>
+          <a:prstGeom prst="rect">
+            <a:avLst/>
+          </a:prstGeom>
+          <a:noFill/>
+        </p:spPr>
+        <p:txBody>
+          <a:bodyPr wrap="square" rtlCol="0">
+            <a:spAutoFit/>
+          </a:bodyPr>
+          <a:lstStyle/>
+          <a:p>
+            <a:r>
+              <a:rPr lang="en-US" altLang="ko-KR" sz="1200" dirty="0" smtClean="0"/>
+              <a:t>1.</a:t>
+            </a:r>
+            <a:r>
+              <a:rPr lang="ko-KR" altLang="en-US" sz="1200" dirty="0" err="1" smtClean="0"/>
+              <a:t>민감정보</a:t>
+            </a:r>
+            <a:endParaRPr lang="ko-KR" altLang="en-US" sz="1200" dirty="0"/>
+          </a:p>
+        </p:txBody>
+      </p:sp>
+      <p:sp>
+        <p:nvSpPr>
+          <p:cNvPr id="13" name="TextBox 12"/>
+          <p:cNvSpPr txBox="1"/>
+          <p:nvPr/>
+        </p:nvSpPr>
+        <p:spPr>
+          <a:xfrm>
+            <a:off x="2786050" y="2214554"/>
+            <a:ext cx="1071570" cy="276999"/>
+          </a:xfrm>
+          <a:prstGeom prst="rect">
+            <a:avLst/>
+          </a:prstGeom>
+          <a:noFill/>
+        </p:spPr>
+        <p:txBody>
+          <a:bodyPr wrap="square" rtlCol="0">
+            <a:spAutoFit/>
+          </a:bodyPr>
+          <a:lstStyle/>
+          <a:p>
+            <a:r>
+              <a:rPr lang="en-US" altLang="ko-KR" sz="1200" dirty="0" smtClean="0"/>
+              <a:t>3.</a:t>
+            </a:r>
+            <a:r>
+              <a:rPr lang="ko-KR" altLang="en-US" sz="1200" dirty="0" err="1" smtClean="0"/>
+              <a:t>암호화정보</a:t>
+            </a:r>
+            <a:endParaRPr lang="ko-KR" altLang="en-US" sz="1200" dirty="0"/>
+          </a:p>
+        </p:txBody>
+      </p:sp>
+      <p:cxnSp>
+        <p:nvCxnSpPr>
+          <p:cNvPr id="15" name="직선 화살표 연결선 14"/>
+          <p:cNvCxnSpPr>
+            <a:stCxn id="20" idx="2"/>
+            <a:endCxn id="21" idx="0"/>
+          </p:cNvCxnSpPr>
+          <p:nvPr/>
+        </p:nvCxnSpPr>
+        <p:spPr>
+          <a:xfrm rot="5400000">
+            <a:off x="1785918" y="2571744"/>
+            <a:ext cx="428628" cy="1588"/>
+          </a:xfrm>
+          <a:prstGeom prst="straightConnector1">
+            <a:avLst/>
+          </a:prstGeom>
+          <a:ln>
+            <a:tailEnd type="arrow"/>
+          </a:ln>
+        </p:spPr>
+        <p:style>
+          <a:lnRef idx="1">
+            <a:schemeClr val="accent1"/>
+          </a:lnRef>
+          <a:fillRef idx="0">
+            <a:schemeClr val="accent1"/>
+          </a:fillRef>
+          <a:effectRef idx="0">
+            <a:schemeClr val="accent1"/>
+          </a:effectRef>
+          <a:fontRef idx="minor">
+            <a:schemeClr val="tx1"/>
+          </a:fontRef>
+        </p:style>
+      </p:cxnSp>
+      <p:sp>
+        <p:nvSpPr>
+          <p:cNvPr id="18" name="TextBox 17"/>
+          <p:cNvSpPr txBox="1"/>
+          <p:nvPr/>
+        </p:nvSpPr>
+        <p:spPr>
+          <a:xfrm>
+            <a:off x="2071670" y="2437621"/>
+            <a:ext cx="1071570" cy="276999"/>
+          </a:xfrm>
+          <a:prstGeom prst="rect">
+            <a:avLst/>
+          </a:prstGeom>
+          <a:noFill/>
+        </p:spPr>
+        <p:txBody>
+          <a:bodyPr wrap="square" rtlCol="0">
+            <a:spAutoFit/>
+          </a:bodyPr>
+          <a:lstStyle/>
+          <a:p>
+            <a:r>
+              <a:rPr lang="en-US" altLang="ko-KR" sz="1200" dirty="0" smtClean="0"/>
+              <a:t>4.</a:t>
+            </a:r>
+            <a:r>
+              <a:rPr lang="ko-KR" altLang="en-US" sz="1200" dirty="0" err="1" smtClean="0"/>
+              <a:t>암호화저장</a:t>
+            </a:r>
+            <a:endParaRPr lang="ko-KR" altLang="en-US" sz="1200" dirty="0"/>
+          </a:p>
+        </p:txBody>
+      </p:sp>
+      <p:cxnSp>
+        <p:nvCxnSpPr>
+          <p:cNvPr id="24" name="Shape 23"/>
+          <p:cNvCxnSpPr>
+            <a:stCxn id="22" idx="0"/>
+            <a:endCxn id="22" idx="3"/>
+          </p:cNvCxnSpPr>
+          <p:nvPr/>
+        </p:nvCxnSpPr>
+        <p:spPr>
+          <a:xfrm rot="16200000" flipH="1">
+            <a:off x="4607718" y="1785926"/>
+            <a:ext cx="178595" cy="607223"/>
+          </a:xfrm>
+          <a:prstGeom prst="bentConnector4">
+            <a:avLst>
+              <a:gd name="adj1" fmla="val -127999"/>
+              <a:gd name="adj2" fmla="val 137647"/>
+            </a:avLst>
+          </a:prstGeom>
+          <a:ln>
+            <a:tailEnd type="arrow"/>
+          </a:ln>
+        </p:spPr>
+        <p:style>
+          <a:lnRef idx="1">
+            <a:schemeClr val="accent1"/>
+          </a:lnRef>
+          <a:fillRef idx="0">
+            <a:schemeClr val="accent1"/>
+          </a:fillRef>
+          <a:effectRef idx="0">
+            <a:schemeClr val="accent1"/>
+          </a:effectRef>
+          <a:fontRef idx="minor">
+            <a:schemeClr val="tx1"/>
+          </a:fontRef>
+        </p:style>
+      </p:cxnSp>
+      <p:sp>
+        <p:nvSpPr>
+          <p:cNvPr id="25" name="TextBox 24"/>
+          <p:cNvSpPr txBox="1"/>
+          <p:nvPr/>
+        </p:nvSpPr>
+        <p:spPr>
+          <a:xfrm>
+            <a:off x="4714876" y="1500174"/>
+            <a:ext cx="857256" cy="276999"/>
+          </a:xfrm>
+          <a:prstGeom prst="rect">
+            <a:avLst/>
+          </a:prstGeom>
+          <a:noFill/>
+        </p:spPr>
+        <p:txBody>
+          <a:bodyPr wrap="square" rtlCol="0">
+            <a:spAutoFit/>
+          </a:bodyPr>
+          <a:lstStyle/>
+          <a:p>
+            <a:r>
+              <a:rPr lang="en-US" altLang="ko-KR" sz="1200" dirty="0" smtClean="0"/>
+              <a:t>2.</a:t>
+            </a:r>
+            <a:r>
+              <a:rPr lang="ko-KR" altLang="en-US" sz="1200" dirty="0" smtClean="0"/>
+              <a:t>암호화</a:t>
+            </a:r>
+            <a:endParaRPr lang="ko-KR" altLang="en-US" sz="1200" dirty="0"/>
+          </a:p>
+        </p:txBody>
+      </p:sp>
+      <p:sp>
+        <p:nvSpPr>
+          <p:cNvPr id="26" name="직사각형 25"/>
+          <p:cNvSpPr/>
+          <p:nvPr/>
+        </p:nvSpPr>
+        <p:spPr>
+          <a:xfrm>
+            <a:off x="1214414" y="3929066"/>
+            <a:ext cx="1571636" cy="357190"/>
+          </a:xfrm>
+          <a:prstGeom prst="rect">
+            <a:avLst/>
+          </a:prstGeom>
+          <a:noFill/>
+        </p:spPr>
+        <p:style>
+          <a:lnRef idx="2">
+            <a:schemeClr val="accent1">
+              <a:shade val="50000"/>
+            </a:schemeClr>
+          </a:lnRef>
+          <a:fillRef idx="1">
+            <a:schemeClr val="accent1"/>
+          </a:fillRef>
+          <a:effectRef idx="0">
+            <a:schemeClr val="accent1"/>
+          </a:effectRef>
+          <a:fontRef idx="minor">
+            <a:schemeClr val="lt1"/>
+          </a:fontRef>
+        </p:style>
+        <p:txBody>
+          <a:bodyPr rtlCol="0" anchor="ctr"/>
+          <a:lstStyle/>
+          <a:p>
+            <a:pPr algn="ctr"/>
+            <a:r>
+              <a:rPr lang="ko-KR" altLang="en-US" sz="1400" smtClean="0">
+                <a:solidFill>
+                  <a:schemeClr val="tx2"/>
+                </a:solidFill>
+                <a:latin typeface="+mj-lt"/>
+              </a:rPr>
+              <a:t>어플리케이션</a:t>
+            </a:r>
+            <a:endParaRPr lang="ko-KR" altLang="en-US" sz="1400" dirty="0">
+              <a:solidFill>
+                <a:schemeClr val="tx2"/>
+              </a:solidFill>
+              <a:latin typeface="+mj-lt"/>
+            </a:endParaRPr>
+          </a:p>
+        </p:txBody>
+      </p:sp>
+      <p:sp>
+        <p:nvSpPr>
+          <p:cNvPr id="27" name="직사각형 26"/>
+          <p:cNvSpPr/>
+          <p:nvPr/>
+        </p:nvSpPr>
+        <p:spPr>
+          <a:xfrm>
+            <a:off x="1214414" y="4714884"/>
+            <a:ext cx="1571636" cy="357190"/>
+          </a:xfrm>
+          <a:prstGeom prst="rect">
+            <a:avLst/>
+          </a:prstGeom>
+          <a:noFill/>
+        </p:spPr>
+        <p:style>
+          <a:lnRef idx="2">
+            <a:schemeClr val="accent1">
+              <a:shade val="50000"/>
+            </a:schemeClr>
+          </a:lnRef>
+          <a:fillRef idx="1">
+            <a:schemeClr val="accent1"/>
+          </a:fillRef>
+          <a:effectRef idx="0">
+            <a:schemeClr val="accent1"/>
+          </a:effectRef>
+          <a:fontRef idx="minor">
+            <a:schemeClr val="lt1"/>
+          </a:fontRef>
+        </p:style>
+        <p:txBody>
+          <a:bodyPr rtlCol="0" anchor="ctr"/>
+          <a:lstStyle/>
+          <a:p>
+            <a:pPr algn="ctr"/>
+            <a:r>
+              <a:rPr lang="ko-KR" altLang="en-US" sz="1400" smtClean="0">
+                <a:solidFill>
+                  <a:schemeClr val="tx2"/>
+                </a:solidFill>
+                <a:latin typeface="+mj-lt"/>
+              </a:rPr>
+              <a:t>데이터저장소</a:t>
+            </a:r>
+            <a:endParaRPr lang="ko-KR" altLang="en-US" sz="1400" dirty="0">
+              <a:solidFill>
+                <a:schemeClr val="tx2"/>
+              </a:solidFill>
+              <a:latin typeface="+mj-lt"/>
+            </a:endParaRPr>
+          </a:p>
+        </p:txBody>
+      </p:sp>
+      <p:sp>
+        <p:nvSpPr>
+          <p:cNvPr id="28" name="직사각형 27"/>
+          <p:cNvSpPr/>
+          <p:nvPr/>
+        </p:nvSpPr>
+        <p:spPr>
+          <a:xfrm>
+            <a:off x="3786182" y="3929066"/>
+            <a:ext cx="1214446" cy="357190"/>
+          </a:xfrm>
+          <a:prstGeom prst="rect">
+            <a:avLst/>
+          </a:prstGeom>
+          <a:noFill/>
+        </p:spPr>
+        <p:style>
+          <a:lnRef idx="2">
+            <a:schemeClr val="accent1">
+              <a:shade val="50000"/>
+            </a:schemeClr>
+          </a:lnRef>
+          <a:fillRef idx="1">
+            <a:schemeClr val="accent1"/>
+          </a:fillRef>
+          <a:effectRef idx="0">
+            <a:schemeClr val="accent1"/>
+          </a:effectRef>
+          <a:fontRef idx="minor">
+            <a:schemeClr val="lt1"/>
+          </a:fontRef>
+        </p:style>
+        <p:txBody>
+          <a:bodyPr rtlCol="0" anchor="ctr"/>
+          <a:lstStyle/>
+          <a:p>
+            <a:pPr algn="ctr"/>
+            <a:r>
+              <a:rPr lang="ko-KR" altLang="en-US" sz="1400" smtClean="0">
+                <a:solidFill>
+                  <a:schemeClr val="tx2"/>
+                </a:solidFill>
+                <a:latin typeface="+mj-lt"/>
+              </a:rPr>
+              <a:t>암</a:t>
+            </a:r>
+            <a:r>
+              <a:rPr lang="en-US" altLang="ko-KR" sz="1400" dirty="0" smtClean="0">
+                <a:solidFill>
+                  <a:schemeClr val="tx2"/>
+                </a:solidFill>
+                <a:latin typeface="+mj-lt"/>
+              </a:rPr>
+              <a:t>/</a:t>
+            </a:r>
+            <a:r>
+              <a:rPr lang="ko-KR" altLang="en-US" sz="1400" dirty="0" err="1" smtClean="0">
+                <a:solidFill>
+                  <a:schemeClr val="tx2"/>
+                </a:solidFill>
+                <a:latin typeface="+mj-lt"/>
+              </a:rPr>
+              <a:t>복호화</a:t>
+            </a:r>
+            <a:endParaRPr lang="ko-KR" altLang="en-US" sz="1400" dirty="0">
+              <a:solidFill>
+                <a:schemeClr val="tx2"/>
+              </a:solidFill>
+              <a:latin typeface="+mj-lt"/>
+            </a:endParaRPr>
+          </a:p>
+        </p:txBody>
+      </p:sp>
+      <p:cxnSp>
+        <p:nvCxnSpPr>
+          <p:cNvPr id="29" name="직선 화살표 연결선 28"/>
+          <p:cNvCxnSpPr/>
+          <p:nvPr/>
+        </p:nvCxnSpPr>
+        <p:spPr>
+          <a:xfrm>
+            <a:off x="2786050" y="4000504"/>
+            <a:ext cx="1000132" cy="1588"/>
+          </a:xfrm>
+          <a:prstGeom prst="straightConnector1">
+            <a:avLst/>
+          </a:prstGeom>
+          <a:ln>
+            <a:tailEnd type="arrow"/>
+          </a:ln>
+        </p:spPr>
+        <p:style>
+          <a:lnRef idx="1">
+            <a:schemeClr val="accent1"/>
+          </a:lnRef>
+          <a:fillRef idx="0">
+            <a:schemeClr val="accent1"/>
+          </a:fillRef>
+          <a:effectRef idx="0">
+            <a:schemeClr val="accent1"/>
+          </a:effectRef>
+          <a:fontRef idx="minor">
+            <a:schemeClr val="tx1"/>
+          </a:fontRef>
+        </p:style>
+      </p:cxnSp>
+      <p:cxnSp>
+        <p:nvCxnSpPr>
+          <p:cNvPr id="30" name="직선 화살표 연결선 29"/>
+          <p:cNvCxnSpPr>
+            <a:stCxn id="28" idx="1"/>
+            <a:endCxn id="26" idx="3"/>
+          </p:cNvCxnSpPr>
+          <p:nvPr/>
+        </p:nvCxnSpPr>
+        <p:spPr>
+          <a:xfrm rot="10800000">
+            <a:off x="2786050" y="4107661"/>
+            <a:ext cx="1000132" cy="1588"/>
+          </a:xfrm>
+          <a:prstGeom prst="straightConnector1">
+            <a:avLst/>
+          </a:prstGeom>
+          <a:ln>
+            <a:tailEnd type="arrow"/>
+          </a:ln>
+        </p:spPr>
+        <p:style>
+          <a:lnRef idx="1">
+            <a:schemeClr val="accent1"/>
+          </a:lnRef>
+          <a:fillRef idx="0">
+            <a:schemeClr val="accent1"/>
+          </a:fillRef>
+          <a:effectRef idx="0">
+            <a:schemeClr val="accent1"/>
+          </a:effectRef>
+          <a:fontRef idx="minor">
+            <a:schemeClr val="tx1"/>
+          </a:fontRef>
+        </p:style>
+      </p:cxnSp>
+      <p:sp>
+        <p:nvSpPr>
+          <p:cNvPr id="31" name="TextBox 30"/>
+          <p:cNvSpPr txBox="1"/>
+          <p:nvPr/>
+        </p:nvSpPr>
+        <p:spPr>
+          <a:xfrm>
+            <a:off x="2786050" y="3723505"/>
+            <a:ext cx="1071570" cy="276999"/>
+          </a:xfrm>
+          <a:prstGeom prst="rect">
+            <a:avLst/>
+          </a:prstGeom>
+          <a:noFill/>
+        </p:spPr>
+        <p:txBody>
+          <a:bodyPr wrap="square" rtlCol="0">
+            <a:spAutoFit/>
+          </a:bodyPr>
+          <a:lstStyle/>
+          <a:p>
+            <a:r>
+              <a:rPr lang="en-US" altLang="ko-KR" sz="1200" dirty="0" smtClean="0"/>
+              <a:t>2.</a:t>
+            </a:r>
+            <a:r>
+              <a:rPr lang="ko-KR" altLang="en-US" sz="1200" dirty="0" err="1" smtClean="0"/>
+              <a:t>암호화정보</a:t>
+            </a:r>
+            <a:endParaRPr lang="ko-KR" altLang="en-US" sz="1200" dirty="0"/>
+          </a:p>
+        </p:txBody>
+      </p:sp>
+      <p:sp>
+        <p:nvSpPr>
+          <p:cNvPr id="32" name="TextBox 31"/>
+          <p:cNvSpPr txBox="1"/>
+          <p:nvPr/>
+        </p:nvSpPr>
+        <p:spPr>
+          <a:xfrm>
+            <a:off x="2786050" y="4143380"/>
+            <a:ext cx="1357322" cy="276999"/>
+          </a:xfrm>
+          <a:prstGeom prst="rect">
+            <a:avLst/>
+          </a:prstGeom>
+          <a:noFill/>
+        </p:spPr>
+        <p:txBody>
+          <a:bodyPr wrap="square" rtlCol="0">
+            <a:spAutoFit/>
+          </a:bodyPr>
+          <a:lstStyle/>
+          <a:p>
+            <a:r>
+              <a:rPr lang="en-US" altLang="ko-KR" sz="1200" dirty="0" smtClean="0"/>
+              <a:t>4 </a:t>
+            </a:r>
+            <a:r>
+              <a:rPr lang="ko-KR" altLang="en-US" sz="1200" dirty="0" err="1" smtClean="0"/>
+              <a:t>복호화정보</a:t>
+            </a:r>
+            <a:endParaRPr lang="ko-KR" altLang="en-US" sz="1200" dirty="0"/>
+          </a:p>
+        </p:txBody>
+      </p:sp>
+      <p:cxnSp>
+        <p:nvCxnSpPr>
+          <p:cNvPr id="33" name="직선 화살표 연결선 32"/>
+          <p:cNvCxnSpPr>
+            <a:stCxn id="27" idx="0"/>
+            <a:endCxn id="26" idx="2"/>
+          </p:cNvCxnSpPr>
+          <p:nvPr/>
+        </p:nvCxnSpPr>
+        <p:spPr>
+          <a:xfrm rot="5400000" flipH="1" flipV="1">
+            <a:off x="1785918" y="4500570"/>
+            <a:ext cx="428628" cy="1588"/>
+          </a:xfrm>
+          <a:prstGeom prst="straightConnector1">
+            <a:avLst/>
+          </a:prstGeom>
+          <a:ln>
+            <a:tailEnd type="arrow"/>
+          </a:ln>
+        </p:spPr>
+        <p:style>
+          <a:lnRef idx="1">
+            <a:schemeClr val="accent1"/>
+          </a:lnRef>
+          <a:fillRef idx="0">
+            <a:schemeClr val="accent1"/>
+          </a:fillRef>
+          <a:effectRef idx="0">
+            <a:schemeClr val="accent1"/>
+          </a:effectRef>
+          <a:fontRef idx="minor">
+            <a:schemeClr val="tx1"/>
+          </a:fontRef>
+        </p:style>
+      </p:cxnSp>
+      <p:sp>
+        <p:nvSpPr>
+          <p:cNvPr id="34" name="TextBox 33"/>
+          <p:cNvSpPr txBox="1"/>
+          <p:nvPr/>
+        </p:nvSpPr>
+        <p:spPr>
+          <a:xfrm>
+            <a:off x="2000232" y="4429132"/>
+            <a:ext cx="1071570" cy="276999"/>
+          </a:xfrm>
+          <a:prstGeom prst="rect">
+            <a:avLst/>
+          </a:prstGeom>
+          <a:noFill/>
+        </p:spPr>
+        <p:txBody>
+          <a:bodyPr wrap="square" rtlCol="0">
+            <a:spAutoFit/>
+          </a:bodyPr>
+          <a:lstStyle/>
+          <a:p>
+            <a:r>
+              <a:rPr lang="en-US" altLang="ko-KR" sz="1200" dirty="0" smtClean="0"/>
+              <a:t>1.</a:t>
+            </a:r>
+            <a:r>
+              <a:rPr lang="ko-KR" altLang="en-US" sz="1200" dirty="0" err="1" smtClean="0"/>
+              <a:t>암호화정보</a:t>
+            </a:r>
+            <a:endParaRPr lang="ko-KR" altLang="en-US" sz="1200" dirty="0"/>
+          </a:p>
+        </p:txBody>
+      </p:sp>
+      <p:cxnSp>
+        <p:nvCxnSpPr>
+          <p:cNvPr id="35" name="Shape 34"/>
+          <p:cNvCxnSpPr>
+            <a:stCxn id="28" idx="0"/>
+            <a:endCxn id="28" idx="3"/>
+          </p:cNvCxnSpPr>
+          <p:nvPr/>
+        </p:nvCxnSpPr>
+        <p:spPr>
+          <a:xfrm rot="16200000" flipH="1">
+            <a:off x="4607718" y="3714752"/>
+            <a:ext cx="178595" cy="607223"/>
+          </a:xfrm>
+          <a:prstGeom prst="bentConnector4">
+            <a:avLst>
+              <a:gd name="adj1" fmla="val -127999"/>
+              <a:gd name="adj2" fmla="val 137647"/>
+            </a:avLst>
+          </a:prstGeom>
+          <a:ln>
+            <a:tailEnd type="arrow"/>
+          </a:ln>
+        </p:spPr>
+        <p:style>
+          <a:lnRef idx="1">
+            <a:schemeClr val="accent1"/>
+          </a:lnRef>
+          <a:fillRef idx="0">
+            <a:schemeClr val="accent1"/>
+          </a:fillRef>
+          <a:effectRef idx="0">
+            <a:schemeClr val="accent1"/>
+          </a:effectRef>
+          <a:fontRef idx="minor">
+            <a:schemeClr val="tx1"/>
+          </a:fontRef>
+        </p:style>
+      </p:cxnSp>
+      <p:sp>
+        <p:nvSpPr>
+          <p:cNvPr id="36" name="TextBox 35"/>
+          <p:cNvSpPr txBox="1"/>
+          <p:nvPr/>
+        </p:nvSpPr>
+        <p:spPr>
+          <a:xfrm>
+            <a:off x="4714876" y="3429000"/>
+            <a:ext cx="857256" cy="276999"/>
+          </a:xfrm>
+          <a:prstGeom prst="rect">
+            <a:avLst/>
+          </a:prstGeom>
+          <a:noFill/>
+        </p:spPr>
+        <p:txBody>
+          <a:bodyPr wrap="square" rtlCol="0">
+            <a:spAutoFit/>
+          </a:bodyPr>
+          <a:lstStyle/>
+          <a:p>
+            <a:r>
+              <a:rPr lang="en-US" altLang="ko-KR" sz="1200" dirty="0" smtClean="0"/>
+              <a:t>3.</a:t>
+            </a:r>
+            <a:r>
+              <a:rPr lang="ko-KR" altLang="en-US" sz="1200" dirty="0" err="1" smtClean="0"/>
+              <a:t>복호화</a:t>
+            </a:r>
+            <a:endParaRPr lang="ko-KR" altLang="en-US" sz="1200" dirty="0"/>
+          </a:p>
+        </p:txBody>
+      </p:sp>
+      <p:sp>
+        <p:nvSpPr>
+          <p:cNvPr id="41" name="TextBox 40"/>
+          <p:cNvSpPr txBox="1"/>
+          <p:nvPr/>
+        </p:nvSpPr>
+        <p:spPr>
+          <a:xfrm>
+            <a:off x="1214414" y="1571612"/>
+            <a:ext cx="2071702" cy="369332"/>
+          </a:xfrm>
+          <a:prstGeom prst="rect">
+            <a:avLst/>
+          </a:prstGeom>
+          <a:noFill/>
+        </p:spPr>
+        <p:txBody>
+          <a:bodyPr wrap="square" rtlCol="0">
+            <a:spAutoFit/>
+          </a:bodyPr>
+          <a:lstStyle/>
+          <a:p>
+            <a:r>
+              <a:rPr lang="en-US" altLang="ko-KR" dirty="0" smtClean="0"/>
+              <a:t>&lt;&lt;</a:t>
+            </a:r>
+            <a:r>
+              <a:rPr lang="ko-KR" altLang="en-US" dirty="0" smtClean="0"/>
+              <a:t>암호화</a:t>
+            </a:r>
+            <a:r>
+              <a:rPr lang="en-US" altLang="ko-KR" dirty="0" smtClean="0"/>
+              <a:t>&gt;&gt;</a:t>
+            </a:r>
+            <a:endParaRPr lang="ko-KR" altLang="en-US" dirty="0"/>
+          </a:p>
+        </p:txBody>
+      </p:sp>
+      <p:sp>
+        <p:nvSpPr>
+          <p:cNvPr id="42" name="TextBox 41"/>
+          <p:cNvSpPr txBox="1"/>
+          <p:nvPr/>
+        </p:nvSpPr>
+        <p:spPr>
+          <a:xfrm>
+            <a:off x="1142976" y="3500438"/>
+            <a:ext cx="2071702" cy="369332"/>
+          </a:xfrm>
+          <a:prstGeom prst="rect">
+            <a:avLst/>
+          </a:prstGeom>
+          <a:noFill/>
+        </p:spPr>
+        <p:txBody>
+          <a:bodyPr wrap="square" rtlCol="0">
+            <a:spAutoFit/>
+          </a:bodyPr>
+          <a:lstStyle/>
+          <a:p>
+            <a:r>
+              <a:rPr lang="en-US" altLang="ko-KR" dirty="0" smtClean="0"/>
+              <a:t>&lt;&lt;</a:t>
+            </a:r>
+            <a:r>
+              <a:rPr lang="ko-KR" altLang="en-US" dirty="0" err="1" smtClean="0"/>
+              <a:t>복호화</a:t>
+            </a:r>
+            <a:r>
+              <a:rPr lang="en-US" altLang="ko-KR" dirty="0" smtClean="0"/>
+              <a:t>&gt;&gt;</a:t>
+            </a:r>
+            <a:endParaRPr lang="ko-KR" altLang="en-US" dirty="0"/>
+          </a:p>
+        </p:txBody>
+      </p:sp>
+      <p:sp>
+        <p:nvSpPr>
+          <p:cNvPr id="43" name="TextBox 42"/>
+          <p:cNvSpPr txBox="1"/>
+          <p:nvPr/>
+        </p:nvSpPr>
+        <p:spPr>
+          <a:xfrm>
+            <a:off x="4429124" y="3714752"/>
+            <a:ext cx="857256" cy="276999"/>
+          </a:xfrm>
+          <a:prstGeom prst="rect">
+            <a:avLst/>
+          </a:prstGeom>
+          <a:noFill/>
+        </p:spPr>
+        <p:txBody>
+          <a:bodyPr wrap="square" rtlCol="0">
+            <a:spAutoFit/>
+          </a:bodyPr>
+          <a:lstStyle/>
+          <a:p>
+            <a:r>
+              <a:rPr lang="en-US" altLang="ko-KR" sz="1200" dirty="0" smtClean="0"/>
+              <a:t>AES-128</a:t>
+            </a:r>
+            <a:endParaRPr lang="ko-KR" altLang="en-US" sz="1200" dirty="0"/>
+          </a:p>
+        </p:txBody>
+      </p:sp>
+      <p:sp>
+        <p:nvSpPr>
+          <p:cNvPr id="44" name="TextBox 43"/>
+          <p:cNvSpPr txBox="1"/>
+          <p:nvPr/>
+        </p:nvSpPr>
+        <p:spPr>
+          <a:xfrm>
+            <a:off x="4429124" y="1794679"/>
+            <a:ext cx="857256" cy="276999"/>
+          </a:xfrm>
+          <a:prstGeom prst="rect">
+            <a:avLst/>
+          </a:prstGeom>
+          <a:noFill/>
+        </p:spPr>
+        <p:txBody>
+          <a:bodyPr wrap="square" rtlCol="0">
+            <a:spAutoFit/>
+          </a:bodyPr>
+          <a:lstStyle/>
+          <a:p>
+            <a:r>
+              <a:rPr lang="en-US" altLang="ko-KR" sz="1200" dirty="0" smtClean="0"/>
+              <a:t>AES-128</a:t>
+            </a:r>
+            <a:endParaRPr lang="ko-KR" altLang="en-US" sz="1200" dirty="0"/>
+          </a:p>
+        </p:txBody>
+      </p:sp>
+    </p:spTree>
+  </p:cSld>
+  <p:clrMapOvr>
+    <a:masterClrMapping/>
+  </p:clrMapOvr>
+</p:sld>
+</file>
+
+<file path=ppt/slides/slide7.xml><?xml version="1.0" encoding="utf-8"?>
+<p:sld xmlns:a="http://schemas.openxmlformats.org/drawingml/2006/main" xmlns:r="http://schemas.openxmlformats.org/officeDocument/2006/relationships" xmlns:p="http://schemas.openxmlformats.org/presentationml/2006/main">
+  <p:cSld>
+    <p:spTree>
+      <p:nvGrpSpPr>
+        <p:cNvPr id="1" name=""/>
+        <p:cNvGrpSpPr/>
+        <p:nvPr/>
+      </p:nvGrpSpPr>
+      <p:grpSpPr>
+        <a:xfrm>
+          <a:off x="0" y="0"/>
+          <a:ext cx="0" cy="0"/>
+          <a:chOff x="0" y="0"/>
+          <a:chExt cx="0" cy="0"/>
+        </a:xfrm>
+      </p:grpSpPr>
+      <p:sp>
+        <p:nvSpPr>
           <p:cNvPr id="83" name="직사각형 82"/>
           <p:cNvSpPr/>
           <p:nvPr/>
@@ -8040,16 +10614,7 @@
                 </a:solidFill>
                 <a:latin typeface="+mj-lt"/>
               </a:rPr>
-              <a:t>센서로그저</a:t>
-            </a:r>
-            <a:r>
-              <a:rPr lang="ko-KR" altLang="en-US" sz="1400" dirty="0" smtClean="0">
-                <a:solidFill>
-                  <a:schemeClr val="tx2"/>
-                </a:solidFill>
-                <a:latin typeface="+mj-lt"/>
-              </a:rPr>
-              <a:t>장</a:t>
+              <a:t>센서로그저장</a:t>
             </a:r>
             <a:endParaRPr lang="ko-KR" altLang="en-US" sz="1400" dirty="0">
               <a:solidFill>
@@ -8224,11 +10789,7 @@
           <a:p>
             <a:r>
               <a:rPr lang="ko-KR" altLang="en-US" sz="1200" dirty="0" err="1" smtClean="0"/>
-              <a:t>센싱정</a:t>
-            </a:r>
-            <a:r>
-              <a:rPr lang="ko-KR" altLang="en-US" sz="1200" dirty="0" err="1" smtClean="0"/>
-              <a:t>보</a:t>
+              <a:t>센싱정보</a:t>
             </a:r>
             <a:endParaRPr lang="ko-KR" altLang="en-US" sz="1200" dirty="0"/>
           </a:p>
@@ -8278,16 +10839,7 @@
                 </a:solidFill>
                 <a:latin typeface="+mj-lt"/>
               </a:rPr>
-              <a:t>원격진</a:t>
-            </a:r>
-            <a:r>
-              <a:rPr lang="ko-KR" altLang="en-US" sz="1400" smtClean="0">
-                <a:solidFill>
-                  <a:schemeClr val="tx2"/>
-                </a:solidFill>
-                <a:latin typeface="+mj-lt"/>
-              </a:rPr>
-              <a:t>료</a:t>
+              <a:t>원격진료</a:t>
             </a:r>
             <a:endParaRPr lang="en-US" altLang="ko-KR" sz="1400" dirty="0" smtClean="0">
               <a:solidFill>

--- a/당뇨환자관리시스템_그림.pptx
+++ b/당뇨환자관리시스템_그림.pptx
@@ -12,6 +12,8 @@
     <p:sldId id="259" r:id="rId6"/>
     <p:sldId id="260" r:id="rId7"/>
     <p:sldId id="261" r:id="rId8"/>
+    <p:sldId id="263" r:id="rId9"/>
+    <p:sldId id="264" r:id="rId10"/>
   </p:sldIdLst>
   <p:sldSz cx="9144000" cy="6858000" type="screen4x3"/>
   <p:notesSz cx="6858000" cy="9144000"/>
@@ -295,7 +297,7 @@
             <a:fld id="{FB30EDBD-1C2D-4C1E-B459-B60219FAB484}" type="datetimeFigureOut">
               <a:rPr lang="ko-KR" altLang="en-US" smtClean="0"/>
               <a:pPr/>
-              <a:t>2017-09-10</a:t>
+              <a:t>2017-09-15</a:t>
             </a:fld>
             <a:endParaRPr lang="ko-KR" altLang="en-US"/>
           </a:p>
@@ -462,7 +464,7 @@
             <a:fld id="{FB30EDBD-1C2D-4C1E-B459-B60219FAB484}" type="datetimeFigureOut">
               <a:rPr lang="ko-KR" altLang="en-US" smtClean="0"/>
               <a:pPr/>
-              <a:t>2017-09-10</a:t>
+              <a:t>2017-09-15</a:t>
             </a:fld>
             <a:endParaRPr lang="ko-KR" altLang="en-US"/>
           </a:p>
@@ -639,7 +641,7 @@
             <a:fld id="{FB30EDBD-1C2D-4C1E-B459-B60219FAB484}" type="datetimeFigureOut">
               <a:rPr lang="ko-KR" altLang="en-US" smtClean="0"/>
               <a:pPr/>
-              <a:t>2017-09-10</a:t>
+              <a:t>2017-09-15</a:t>
             </a:fld>
             <a:endParaRPr lang="ko-KR" altLang="en-US"/>
           </a:p>
@@ -806,7 +808,7 @@
             <a:fld id="{FB30EDBD-1C2D-4C1E-B459-B60219FAB484}" type="datetimeFigureOut">
               <a:rPr lang="ko-KR" altLang="en-US" smtClean="0"/>
               <a:pPr/>
-              <a:t>2017-09-10</a:t>
+              <a:t>2017-09-15</a:t>
             </a:fld>
             <a:endParaRPr lang="ko-KR" altLang="en-US"/>
           </a:p>
@@ -1049,7 +1051,7 @@
             <a:fld id="{FB30EDBD-1C2D-4C1E-B459-B60219FAB484}" type="datetimeFigureOut">
               <a:rPr lang="ko-KR" altLang="en-US" smtClean="0"/>
               <a:pPr/>
-              <a:t>2017-09-10</a:t>
+              <a:t>2017-09-15</a:t>
             </a:fld>
             <a:endParaRPr lang="ko-KR" altLang="en-US"/>
           </a:p>
@@ -1334,7 +1336,7 @@
             <a:fld id="{FB30EDBD-1C2D-4C1E-B459-B60219FAB484}" type="datetimeFigureOut">
               <a:rPr lang="ko-KR" altLang="en-US" smtClean="0"/>
               <a:pPr/>
-              <a:t>2017-09-10</a:t>
+              <a:t>2017-09-15</a:t>
             </a:fld>
             <a:endParaRPr lang="ko-KR" altLang="en-US"/>
           </a:p>
@@ -1753,7 +1755,7 @@
             <a:fld id="{FB30EDBD-1C2D-4C1E-B459-B60219FAB484}" type="datetimeFigureOut">
               <a:rPr lang="ko-KR" altLang="en-US" smtClean="0"/>
               <a:pPr/>
-              <a:t>2017-09-10</a:t>
+              <a:t>2017-09-15</a:t>
             </a:fld>
             <a:endParaRPr lang="ko-KR" altLang="en-US"/>
           </a:p>
@@ -1868,7 +1870,7 @@
             <a:fld id="{FB30EDBD-1C2D-4C1E-B459-B60219FAB484}" type="datetimeFigureOut">
               <a:rPr lang="ko-KR" altLang="en-US" smtClean="0"/>
               <a:pPr/>
-              <a:t>2017-09-10</a:t>
+              <a:t>2017-09-15</a:t>
             </a:fld>
             <a:endParaRPr lang="ko-KR" altLang="en-US"/>
           </a:p>
@@ -1960,7 +1962,7 @@
             <a:fld id="{FB30EDBD-1C2D-4C1E-B459-B60219FAB484}" type="datetimeFigureOut">
               <a:rPr lang="ko-KR" altLang="en-US" smtClean="0"/>
               <a:pPr/>
-              <a:t>2017-09-10</a:t>
+              <a:t>2017-09-15</a:t>
             </a:fld>
             <a:endParaRPr lang="ko-KR" altLang="en-US"/>
           </a:p>
@@ -2234,7 +2236,7 @@
             <a:fld id="{FB30EDBD-1C2D-4C1E-B459-B60219FAB484}" type="datetimeFigureOut">
               <a:rPr lang="ko-KR" altLang="en-US" smtClean="0"/>
               <a:pPr/>
-              <a:t>2017-09-10</a:t>
+              <a:t>2017-09-15</a:t>
             </a:fld>
             <a:endParaRPr lang="ko-KR" altLang="en-US"/>
           </a:p>
@@ -2484,7 +2486,7 @@
             <a:fld id="{FB30EDBD-1C2D-4C1E-B459-B60219FAB484}" type="datetimeFigureOut">
               <a:rPr lang="ko-KR" altLang="en-US" smtClean="0"/>
               <a:pPr/>
-              <a:t>2017-09-10</a:t>
+              <a:t>2017-09-15</a:t>
             </a:fld>
             <a:endParaRPr lang="ko-KR" altLang="en-US"/>
           </a:p>
@@ -2694,7 +2696,7 @@
             <a:fld id="{FB30EDBD-1C2D-4C1E-B459-B60219FAB484}" type="datetimeFigureOut">
               <a:rPr lang="ko-KR" altLang="en-US" smtClean="0"/>
               <a:pPr/>
-              <a:t>2017-09-10</a:t>
+              <a:t>2017-09-15</a:t>
             </a:fld>
             <a:endParaRPr lang="ko-KR" altLang="en-US"/>
           </a:p>
@@ -6347,16 +6349,7 @@
                 </a:solidFill>
                 <a:latin typeface="+mj-lt"/>
               </a:rPr>
-              <a:t>의료시스</a:t>
-            </a:r>
-            <a:r>
-              <a:rPr lang="ko-KR" altLang="en-US" sz="1400" smtClean="0">
-                <a:solidFill>
-                  <a:schemeClr val="tx2"/>
-                </a:solidFill>
-                <a:latin typeface="+mj-lt"/>
-              </a:rPr>
-              <a:t>템</a:t>
+              <a:t>의료시스템</a:t>
             </a:r>
             <a:endParaRPr lang="en-US" altLang="ko-KR" sz="1400" dirty="0" smtClean="0">
               <a:solidFill>
@@ -11499,6 +11492,1991 @@
         </p:txBody>
       </p:sp>
     </p:spTree>
+  </p:cSld>
+  <p:clrMapOvr>
+    <a:masterClrMapping/>
+  </p:clrMapOvr>
+</p:sld>
+</file>
+
+<file path=ppt/slides/slide8.xml><?xml version="1.0" encoding="utf-8"?>
+<p:sld xmlns:a="http://schemas.openxmlformats.org/drawingml/2006/main" xmlns:r="http://schemas.openxmlformats.org/officeDocument/2006/relationships" xmlns:p="http://schemas.openxmlformats.org/presentationml/2006/main">
+  <p:cSld>
+    <p:spTree>
+      <p:nvGrpSpPr>
+        <p:cNvPr id="1" name=""/>
+        <p:cNvGrpSpPr/>
+        <p:nvPr/>
+      </p:nvGrpSpPr>
+      <p:grpSpPr>
+        <a:xfrm>
+          <a:off x="0" y="0"/>
+          <a:ext cx="0" cy="0"/>
+          <a:chOff x="0" y="0"/>
+          <a:chExt cx="0" cy="0"/>
+        </a:xfrm>
+      </p:grpSpPr>
+      <p:sp>
+        <p:nvSpPr>
+          <p:cNvPr id="30" name="직사각형 29"/>
+          <p:cNvSpPr/>
+          <p:nvPr/>
+        </p:nvSpPr>
+        <p:spPr>
+          <a:xfrm>
+            <a:off x="1285891" y="1504707"/>
+            <a:ext cx="5806389" cy="4183499"/>
+          </a:xfrm>
+          <a:prstGeom prst="rect">
+            <a:avLst/>
+          </a:prstGeom>
+          <a:noFill/>
+        </p:spPr>
+        <p:style>
+          <a:lnRef idx="2">
+            <a:schemeClr val="accent1">
+              <a:shade val="50000"/>
+            </a:schemeClr>
+          </a:lnRef>
+          <a:fillRef idx="1">
+            <a:schemeClr val="accent1"/>
+          </a:fillRef>
+          <a:effectRef idx="0">
+            <a:schemeClr val="accent1"/>
+          </a:effectRef>
+          <a:fontRef idx="minor">
+            <a:schemeClr val="lt1"/>
+          </a:fontRef>
+        </p:style>
+        <p:txBody>
+          <a:bodyPr rtlCol="0" anchor="ctr"/>
+          <a:lstStyle/>
+          <a:p>
+            <a:pPr algn="ctr"/>
+            <a:endParaRPr lang="ko-KR" altLang="en-US"/>
+          </a:p>
+        </p:txBody>
+      </p:sp>
+      <p:cxnSp>
+        <p:nvCxnSpPr>
+          <p:cNvPr id="4" name="직선 연결선 3"/>
+          <p:cNvCxnSpPr>
+            <a:stCxn id="30" idx="0"/>
+            <a:endCxn id="30" idx="2"/>
+          </p:cNvCxnSpPr>
+          <p:nvPr/>
+        </p:nvCxnSpPr>
+        <p:spPr>
+          <a:xfrm>
+            <a:off x="4189086" y="1504707"/>
+            <a:ext cx="0" cy="4183499"/>
+          </a:xfrm>
+          <a:prstGeom prst="line">
+            <a:avLst/>
+          </a:prstGeom>
+          <a:ln w="25400"/>
+        </p:spPr>
+        <p:style>
+          <a:lnRef idx="1">
+            <a:schemeClr val="accent1"/>
+          </a:lnRef>
+          <a:fillRef idx="0">
+            <a:schemeClr val="accent1"/>
+          </a:fillRef>
+          <a:effectRef idx="0">
+            <a:schemeClr val="accent1"/>
+          </a:effectRef>
+          <a:fontRef idx="minor">
+            <a:schemeClr val="tx1"/>
+          </a:fontRef>
+        </p:style>
+      </p:cxnSp>
+      <p:cxnSp>
+        <p:nvCxnSpPr>
+          <p:cNvPr id="6" name="직선 연결선 5"/>
+          <p:cNvCxnSpPr/>
+          <p:nvPr/>
+        </p:nvCxnSpPr>
+        <p:spPr>
+          <a:xfrm>
+            <a:off x="1785950" y="4326509"/>
+            <a:ext cx="0" cy="1152532"/>
+          </a:xfrm>
+          <a:prstGeom prst="line">
+            <a:avLst/>
+          </a:prstGeom>
+        </p:spPr>
+        <p:style>
+          <a:lnRef idx="1">
+            <a:schemeClr val="accent1"/>
+          </a:lnRef>
+          <a:fillRef idx="0">
+            <a:schemeClr val="accent1"/>
+          </a:fillRef>
+          <a:effectRef idx="0">
+            <a:schemeClr val="accent1"/>
+          </a:effectRef>
+          <a:fontRef idx="minor">
+            <a:schemeClr val="tx1"/>
+          </a:fontRef>
+        </p:style>
+      </p:cxnSp>
+      <p:cxnSp>
+        <p:nvCxnSpPr>
+          <p:cNvPr id="35" name="직선 연결선 34"/>
+          <p:cNvCxnSpPr/>
+          <p:nvPr/>
+        </p:nvCxnSpPr>
+        <p:spPr>
+          <a:xfrm>
+            <a:off x="1785950" y="5479041"/>
+            <a:ext cx="1849946" cy="0"/>
+          </a:xfrm>
+          <a:prstGeom prst="line">
+            <a:avLst/>
+          </a:prstGeom>
+        </p:spPr>
+        <p:style>
+          <a:lnRef idx="1">
+            <a:schemeClr val="accent1"/>
+          </a:lnRef>
+          <a:fillRef idx="0">
+            <a:schemeClr val="accent1"/>
+          </a:fillRef>
+          <a:effectRef idx="0">
+            <a:schemeClr val="accent1"/>
+          </a:effectRef>
+          <a:fontRef idx="minor">
+            <a:schemeClr val="tx1"/>
+          </a:fontRef>
+        </p:style>
+      </p:cxnSp>
+      <p:sp>
+        <p:nvSpPr>
+          <p:cNvPr id="39" name="TextBox 38"/>
+          <p:cNvSpPr txBox="1"/>
+          <p:nvPr/>
+        </p:nvSpPr>
+        <p:spPr>
+          <a:xfrm>
+            <a:off x="1187624" y="4259447"/>
+            <a:ext cx="1357322" cy="276999"/>
+          </a:xfrm>
+          <a:prstGeom prst="rect">
+            <a:avLst/>
+          </a:prstGeom>
+          <a:noFill/>
+        </p:spPr>
+        <p:txBody>
+          <a:bodyPr wrap="square" rtlCol="0">
+            <a:spAutoFit/>
+          </a:bodyPr>
+          <a:lstStyle/>
+          <a:p>
+            <a:r>
+              <a:rPr lang="ko-KR" altLang="en-US" sz="1200" dirty="0" smtClean="0"/>
+              <a:t>응답시간</a:t>
+            </a:r>
+            <a:endParaRPr lang="ko-KR" altLang="en-US" sz="1200" dirty="0"/>
+          </a:p>
+        </p:txBody>
+      </p:sp>
+      <p:sp>
+        <p:nvSpPr>
+          <p:cNvPr id="41" name="TextBox 40"/>
+          <p:cNvSpPr txBox="1"/>
+          <p:nvPr/>
+        </p:nvSpPr>
+        <p:spPr>
+          <a:xfrm>
+            <a:off x="2697346" y="5444972"/>
+            <a:ext cx="1357322" cy="276999"/>
+          </a:xfrm>
+          <a:prstGeom prst="rect">
+            <a:avLst/>
+          </a:prstGeom>
+          <a:noFill/>
+        </p:spPr>
+        <p:txBody>
+          <a:bodyPr wrap="square" rtlCol="0">
+            <a:spAutoFit/>
+          </a:bodyPr>
+          <a:lstStyle/>
+          <a:p>
+            <a:r>
+              <a:rPr lang="ko-KR" altLang="en-US" sz="1200" dirty="0" err="1" smtClean="0"/>
+              <a:t>데이터증가량</a:t>
+            </a:r>
+            <a:endParaRPr lang="ko-KR" altLang="en-US" sz="1200" dirty="0"/>
+          </a:p>
+        </p:txBody>
+      </p:sp>
+      <p:cxnSp>
+        <p:nvCxnSpPr>
+          <p:cNvPr id="11" name="직선 연결선 10"/>
+          <p:cNvCxnSpPr/>
+          <p:nvPr/>
+        </p:nvCxnSpPr>
+        <p:spPr>
+          <a:xfrm flipV="1">
+            <a:off x="1785950" y="4465008"/>
+            <a:ext cx="1705930" cy="1014033"/>
+          </a:xfrm>
+          <a:prstGeom prst="line">
+            <a:avLst/>
+          </a:prstGeom>
+        </p:spPr>
+        <p:style>
+          <a:lnRef idx="1">
+            <a:schemeClr val="accent1"/>
+          </a:lnRef>
+          <a:fillRef idx="0">
+            <a:schemeClr val="accent1"/>
+          </a:fillRef>
+          <a:effectRef idx="0">
+            <a:schemeClr val="accent1"/>
+          </a:effectRef>
+          <a:fontRef idx="minor">
+            <a:schemeClr val="tx1"/>
+          </a:fontRef>
+        </p:style>
+      </p:cxnSp>
+      <p:cxnSp>
+        <p:nvCxnSpPr>
+          <p:cNvPr id="13" name="직선 연결선 12"/>
+          <p:cNvCxnSpPr/>
+          <p:nvPr/>
+        </p:nvCxnSpPr>
+        <p:spPr>
+          <a:xfrm>
+            <a:off x="1878928" y="4815610"/>
+            <a:ext cx="1625595" cy="0"/>
+          </a:xfrm>
+          <a:prstGeom prst="line">
+            <a:avLst/>
+          </a:prstGeom>
+          <a:ln w="28575">
+            <a:solidFill>
+              <a:srgbClr val="FF0000"/>
+            </a:solidFill>
+          </a:ln>
+        </p:spPr>
+        <p:style>
+          <a:lnRef idx="1">
+            <a:schemeClr val="accent1"/>
+          </a:lnRef>
+          <a:fillRef idx="0">
+            <a:schemeClr val="accent1"/>
+          </a:fillRef>
+          <a:effectRef idx="0">
+            <a:schemeClr val="accent1"/>
+          </a:effectRef>
+          <a:fontRef idx="minor">
+            <a:schemeClr val="tx1"/>
+          </a:fontRef>
+        </p:style>
+      </p:cxnSp>
+      <p:sp>
+        <p:nvSpPr>
+          <p:cNvPr id="50" name="TextBox 49"/>
+          <p:cNvSpPr txBox="1"/>
+          <p:nvPr/>
+        </p:nvSpPr>
+        <p:spPr>
+          <a:xfrm>
+            <a:off x="2680108" y="4534620"/>
+            <a:ext cx="1357322" cy="276999"/>
+          </a:xfrm>
+          <a:prstGeom prst="rect">
+            <a:avLst/>
+          </a:prstGeom>
+          <a:noFill/>
+        </p:spPr>
+        <p:txBody>
+          <a:bodyPr wrap="square" rtlCol="0">
+            <a:spAutoFit/>
+          </a:bodyPr>
+          <a:lstStyle/>
+          <a:p>
+            <a:r>
+              <a:rPr lang="ko-KR" altLang="en-US" sz="1200" dirty="0" smtClean="0"/>
+              <a:t>최대허용시간</a:t>
+            </a:r>
+            <a:endParaRPr lang="ko-KR" altLang="en-US" sz="1200" dirty="0"/>
+          </a:p>
+        </p:txBody>
+      </p:sp>
+      <p:cxnSp>
+        <p:nvCxnSpPr>
+          <p:cNvPr id="61" name="직선 연결선 60"/>
+          <p:cNvCxnSpPr/>
+          <p:nvPr/>
+        </p:nvCxnSpPr>
+        <p:spPr>
+          <a:xfrm>
+            <a:off x="4791354" y="4326509"/>
+            <a:ext cx="0" cy="1152532"/>
+          </a:xfrm>
+          <a:prstGeom prst="line">
+            <a:avLst/>
+          </a:prstGeom>
+        </p:spPr>
+        <p:style>
+          <a:lnRef idx="1">
+            <a:schemeClr val="accent1"/>
+          </a:lnRef>
+          <a:fillRef idx="0">
+            <a:schemeClr val="accent1"/>
+          </a:fillRef>
+          <a:effectRef idx="0">
+            <a:schemeClr val="accent1"/>
+          </a:effectRef>
+          <a:fontRef idx="minor">
+            <a:schemeClr val="tx1"/>
+          </a:fontRef>
+        </p:style>
+      </p:cxnSp>
+      <p:cxnSp>
+        <p:nvCxnSpPr>
+          <p:cNvPr id="62" name="직선 연결선 61"/>
+          <p:cNvCxnSpPr/>
+          <p:nvPr/>
+        </p:nvCxnSpPr>
+        <p:spPr>
+          <a:xfrm>
+            <a:off x="4791354" y="5479041"/>
+            <a:ext cx="1849946" cy="0"/>
+          </a:xfrm>
+          <a:prstGeom prst="line">
+            <a:avLst/>
+          </a:prstGeom>
+        </p:spPr>
+        <p:style>
+          <a:lnRef idx="1">
+            <a:schemeClr val="accent1"/>
+          </a:lnRef>
+          <a:fillRef idx="0">
+            <a:schemeClr val="accent1"/>
+          </a:fillRef>
+          <a:effectRef idx="0">
+            <a:schemeClr val="accent1"/>
+          </a:effectRef>
+          <a:fontRef idx="minor">
+            <a:schemeClr val="tx1"/>
+          </a:fontRef>
+        </p:style>
+      </p:cxnSp>
+      <p:sp>
+        <p:nvSpPr>
+          <p:cNvPr id="63" name="TextBox 62"/>
+          <p:cNvSpPr txBox="1"/>
+          <p:nvPr/>
+        </p:nvSpPr>
+        <p:spPr>
+          <a:xfrm>
+            <a:off x="4193028" y="4259447"/>
+            <a:ext cx="1357322" cy="276999"/>
+          </a:xfrm>
+          <a:prstGeom prst="rect">
+            <a:avLst/>
+          </a:prstGeom>
+          <a:noFill/>
+        </p:spPr>
+        <p:txBody>
+          <a:bodyPr wrap="square" rtlCol="0">
+            <a:spAutoFit/>
+          </a:bodyPr>
+          <a:lstStyle/>
+          <a:p>
+            <a:r>
+              <a:rPr lang="ko-KR" altLang="en-US" sz="1200" dirty="0" smtClean="0"/>
+              <a:t>응답시간</a:t>
+            </a:r>
+            <a:endParaRPr lang="ko-KR" altLang="en-US" sz="1200" dirty="0"/>
+          </a:p>
+        </p:txBody>
+      </p:sp>
+      <p:sp>
+        <p:nvSpPr>
+          <p:cNvPr id="64" name="TextBox 63"/>
+          <p:cNvSpPr txBox="1"/>
+          <p:nvPr/>
+        </p:nvSpPr>
+        <p:spPr>
+          <a:xfrm>
+            <a:off x="5702750" y="5444972"/>
+            <a:ext cx="1357322" cy="276999"/>
+          </a:xfrm>
+          <a:prstGeom prst="rect">
+            <a:avLst/>
+          </a:prstGeom>
+          <a:noFill/>
+        </p:spPr>
+        <p:txBody>
+          <a:bodyPr wrap="square" rtlCol="0">
+            <a:spAutoFit/>
+          </a:bodyPr>
+          <a:lstStyle/>
+          <a:p>
+            <a:r>
+              <a:rPr lang="ko-KR" altLang="en-US" sz="1200" dirty="0" err="1" smtClean="0"/>
+              <a:t>데이터증가량</a:t>
+            </a:r>
+            <a:endParaRPr lang="ko-KR" altLang="en-US" sz="1200" dirty="0"/>
+          </a:p>
+        </p:txBody>
+      </p:sp>
+      <p:cxnSp>
+        <p:nvCxnSpPr>
+          <p:cNvPr id="67" name="직선 연결선 66"/>
+          <p:cNvCxnSpPr/>
+          <p:nvPr/>
+        </p:nvCxnSpPr>
+        <p:spPr>
+          <a:xfrm>
+            <a:off x="4884332" y="4815610"/>
+            <a:ext cx="1625595" cy="0"/>
+          </a:xfrm>
+          <a:prstGeom prst="line">
+            <a:avLst/>
+          </a:prstGeom>
+          <a:ln w="28575">
+            <a:solidFill>
+              <a:srgbClr val="FF0000"/>
+            </a:solidFill>
+          </a:ln>
+        </p:spPr>
+        <p:style>
+          <a:lnRef idx="1">
+            <a:schemeClr val="accent1"/>
+          </a:lnRef>
+          <a:fillRef idx="0">
+            <a:schemeClr val="accent1"/>
+          </a:fillRef>
+          <a:effectRef idx="0">
+            <a:schemeClr val="accent1"/>
+          </a:effectRef>
+          <a:fontRef idx="minor">
+            <a:schemeClr val="tx1"/>
+          </a:fontRef>
+        </p:style>
+      </p:cxnSp>
+      <p:sp>
+        <p:nvSpPr>
+          <p:cNvPr id="68" name="TextBox 67"/>
+          <p:cNvSpPr txBox="1"/>
+          <p:nvPr/>
+        </p:nvSpPr>
+        <p:spPr>
+          <a:xfrm>
+            <a:off x="5685512" y="4534620"/>
+            <a:ext cx="1357322" cy="276999"/>
+          </a:xfrm>
+          <a:prstGeom prst="rect">
+            <a:avLst/>
+          </a:prstGeom>
+          <a:noFill/>
+        </p:spPr>
+        <p:txBody>
+          <a:bodyPr wrap="square" rtlCol="0">
+            <a:spAutoFit/>
+          </a:bodyPr>
+          <a:lstStyle/>
+          <a:p>
+            <a:r>
+              <a:rPr lang="ko-KR" altLang="en-US" sz="1200" dirty="0" smtClean="0"/>
+              <a:t>최대허용시간</a:t>
+            </a:r>
+            <a:endParaRPr lang="ko-KR" altLang="en-US" sz="1200" dirty="0"/>
+          </a:p>
+        </p:txBody>
+      </p:sp>
+      <p:sp>
+        <p:nvSpPr>
+          <p:cNvPr id="21" name="원호 20"/>
+          <p:cNvSpPr/>
+          <p:nvPr/>
+        </p:nvSpPr>
+        <p:spPr>
+          <a:xfrm flipH="1">
+            <a:off x="4837071" y="4902775"/>
+            <a:ext cx="3335327" cy="1118513"/>
+          </a:xfrm>
+          <a:prstGeom prst="arc">
+            <a:avLst>
+              <a:gd name="adj1" fmla="val 16934067"/>
+              <a:gd name="adj2" fmla="val 21595204"/>
+            </a:avLst>
+          </a:prstGeom>
+        </p:spPr>
+        <p:style>
+          <a:lnRef idx="1">
+            <a:schemeClr val="accent1"/>
+          </a:lnRef>
+          <a:fillRef idx="0">
+            <a:schemeClr val="accent1"/>
+          </a:fillRef>
+          <a:effectRef idx="0">
+            <a:schemeClr val="accent1"/>
+          </a:effectRef>
+          <a:fontRef idx="minor">
+            <a:schemeClr val="tx1"/>
+          </a:fontRef>
+        </p:style>
+        <p:txBody>
+          <a:bodyPr rtlCol="0" anchor="ctr"/>
+          <a:lstStyle/>
+          <a:p>
+            <a:pPr algn="ctr"/>
+            <a:endParaRPr lang="ko-KR" altLang="en-US"/>
+          </a:p>
+        </p:txBody>
+      </p:sp>
+      <p:sp>
+        <p:nvSpPr>
+          <p:cNvPr id="69" name="TextBox 68"/>
+          <p:cNvSpPr txBox="1"/>
+          <p:nvPr/>
+        </p:nvSpPr>
+        <p:spPr>
+          <a:xfrm>
+            <a:off x="1214414" y="1571612"/>
+            <a:ext cx="2823016" cy="369332"/>
+          </a:xfrm>
+          <a:prstGeom prst="rect">
+            <a:avLst/>
+          </a:prstGeom>
+          <a:noFill/>
+        </p:spPr>
+        <p:txBody>
+          <a:bodyPr wrap="square" rtlCol="0">
+            <a:spAutoFit/>
+          </a:bodyPr>
+          <a:lstStyle/>
+          <a:p>
+            <a:r>
+              <a:rPr lang="en-US" altLang="ko-KR" dirty="0" smtClean="0"/>
+              <a:t>&lt;&lt;</a:t>
+            </a:r>
+            <a:r>
+              <a:rPr lang="ko-KR" altLang="en-US" dirty="0" smtClean="0"/>
+              <a:t>일반데이터조회</a:t>
+            </a:r>
+            <a:r>
+              <a:rPr lang="en-US" altLang="ko-KR" dirty="0" smtClean="0"/>
+              <a:t>&gt;&gt;</a:t>
+            </a:r>
+            <a:endParaRPr lang="ko-KR" altLang="en-US" dirty="0"/>
+          </a:p>
+        </p:txBody>
+      </p:sp>
+      <p:sp>
+        <p:nvSpPr>
+          <p:cNvPr id="70" name="TextBox 69"/>
+          <p:cNvSpPr txBox="1"/>
+          <p:nvPr/>
+        </p:nvSpPr>
+        <p:spPr>
+          <a:xfrm>
+            <a:off x="4139952" y="1571612"/>
+            <a:ext cx="3215264" cy="369332"/>
+          </a:xfrm>
+          <a:prstGeom prst="rect">
+            <a:avLst/>
+          </a:prstGeom>
+          <a:noFill/>
+        </p:spPr>
+        <p:txBody>
+          <a:bodyPr wrap="square" rtlCol="0">
+            <a:spAutoFit/>
+          </a:bodyPr>
+          <a:lstStyle/>
+          <a:p>
+            <a:r>
+              <a:rPr lang="en-US" altLang="ko-KR" dirty="0" smtClean="0"/>
+              <a:t>&lt;&lt;</a:t>
+            </a:r>
+            <a:r>
+              <a:rPr lang="en-US" altLang="ko-KR" dirty="0" err="1" smtClean="0"/>
+              <a:t>RuleBased</a:t>
+            </a:r>
+            <a:r>
+              <a:rPr lang="ko-KR" altLang="en-US" dirty="0" smtClean="0"/>
+              <a:t>데이터조회</a:t>
+            </a:r>
+            <a:r>
+              <a:rPr lang="en-US" altLang="ko-KR" dirty="0" smtClean="0"/>
+              <a:t>&gt;&gt;</a:t>
+            </a:r>
+            <a:endParaRPr lang="ko-KR" altLang="en-US" dirty="0"/>
+          </a:p>
+        </p:txBody>
+      </p:sp>
+      <p:sp>
+        <p:nvSpPr>
+          <p:cNvPr id="71" name="순서도: 자기 디스크 70"/>
+          <p:cNvSpPr/>
+          <p:nvPr/>
+        </p:nvSpPr>
+        <p:spPr>
+          <a:xfrm>
+            <a:off x="2720001" y="2780928"/>
+            <a:ext cx="1285884" cy="500066"/>
+          </a:xfrm>
+          <a:prstGeom prst="flowChartMagneticDisk">
+            <a:avLst/>
+          </a:prstGeom>
+          <a:solidFill>
+            <a:schemeClr val="bg1"/>
+          </a:solidFill>
+          <a:ln w="12700">
+            <a:solidFill>
+              <a:schemeClr val="tx1"/>
+            </a:solidFill>
+          </a:ln>
+        </p:spPr>
+        <p:style>
+          <a:lnRef idx="2">
+            <a:schemeClr val="accent1">
+              <a:shade val="50000"/>
+            </a:schemeClr>
+          </a:lnRef>
+          <a:fillRef idx="1">
+            <a:schemeClr val="accent1"/>
+          </a:fillRef>
+          <a:effectRef idx="0">
+            <a:schemeClr val="accent1"/>
+          </a:effectRef>
+          <a:fontRef idx="minor">
+            <a:schemeClr val="lt1"/>
+          </a:fontRef>
+        </p:style>
+        <p:txBody>
+          <a:bodyPr rtlCol="0" anchor="ctr"/>
+          <a:lstStyle/>
+          <a:p>
+            <a:pPr algn="ctr"/>
+            <a:r>
+              <a:rPr lang="en-US" altLang="ko-KR" dirty="0" smtClean="0">
+                <a:solidFill>
+                  <a:schemeClr val="tx1"/>
+                </a:solidFill>
+              </a:rPr>
+              <a:t>DBMS</a:t>
+            </a:r>
+            <a:endParaRPr lang="ko-KR" altLang="en-US" dirty="0">
+              <a:solidFill>
+                <a:schemeClr val="tx1"/>
+              </a:solidFill>
+            </a:endParaRPr>
+          </a:p>
+        </p:txBody>
+      </p:sp>
+      <p:sp>
+        <p:nvSpPr>
+          <p:cNvPr id="72" name="직사각형 71"/>
+          <p:cNvSpPr/>
+          <p:nvPr/>
+        </p:nvSpPr>
+        <p:spPr>
+          <a:xfrm>
+            <a:off x="1475656" y="2276872"/>
+            <a:ext cx="390629" cy="1512168"/>
+          </a:xfrm>
+          <a:prstGeom prst="rect">
+            <a:avLst/>
+          </a:prstGeom>
+          <a:noFill/>
+        </p:spPr>
+        <p:style>
+          <a:lnRef idx="2">
+            <a:schemeClr val="accent1">
+              <a:shade val="50000"/>
+            </a:schemeClr>
+          </a:lnRef>
+          <a:fillRef idx="1">
+            <a:schemeClr val="accent1"/>
+          </a:fillRef>
+          <a:effectRef idx="0">
+            <a:schemeClr val="accent1"/>
+          </a:effectRef>
+          <a:fontRef idx="minor">
+            <a:schemeClr val="lt1"/>
+          </a:fontRef>
+        </p:style>
+        <p:txBody>
+          <a:bodyPr rtlCol="0" anchor="ctr"/>
+          <a:lstStyle/>
+          <a:p>
+            <a:pPr algn="ctr"/>
+            <a:r>
+              <a:rPr lang="ko-KR" altLang="en-US" sz="1400" dirty="0" smtClean="0">
+                <a:solidFill>
+                  <a:schemeClr val="tx2"/>
+                </a:solidFill>
+                <a:latin typeface="+mj-lt"/>
+              </a:rPr>
+              <a:t>어플리케이</a:t>
+            </a:r>
+            <a:r>
+              <a:rPr lang="ko-KR" altLang="en-US" sz="1400" dirty="0">
+                <a:solidFill>
+                  <a:schemeClr val="tx2"/>
+                </a:solidFill>
+                <a:latin typeface="+mj-lt"/>
+              </a:rPr>
+              <a:t>션</a:t>
+            </a:r>
+            <a:endParaRPr lang="en-US" altLang="ko-KR" sz="1400" dirty="0" smtClean="0">
+              <a:solidFill>
+                <a:schemeClr val="tx2"/>
+              </a:solidFill>
+              <a:latin typeface="+mj-lt"/>
+            </a:endParaRPr>
+          </a:p>
+        </p:txBody>
+      </p:sp>
+      <p:cxnSp>
+        <p:nvCxnSpPr>
+          <p:cNvPr id="23" name="직선 화살표 연결선 22"/>
+          <p:cNvCxnSpPr>
+            <a:stCxn id="72" idx="3"/>
+            <a:endCxn id="71" idx="2"/>
+          </p:cNvCxnSpPr>
+          <p:nvPr/>
+        </p:nvCxnSpPr>
+        <p:spPr>
+          <a:xfrm flipV="1">
+            <a:off x="1866285" y="3030961"/>
+            <a:ext cx="853716" cy="1995"/>
+          </a:xfrm>
+          <a:prstGeom prst="straightConnector1">
+            <a:avLst/>
+          </a:prstGeom>
+          <a:ln>
+            <a:tailEnd type="arrow"/>
+          </a:ln>
+        </p:spPr>
+        <p:style>
+          <a:lnRef idx="1">
+            <a:schemeClr val="accent1"/>
+          </a:lnRef>
+          <a:fillRef idx="0">
+            <a:schemeClr val="accent1"/>
+          </a:fillRef>
+          <a:effectRef idx="0">
+            <a:schemeClr val="accent1"/>
+          </a:effectRef>
+          <a:fontRef idx="minor">
+            <a:schemeClr val="tx1"/>
+          </a:fontRef>
+        </p:style>
+      </p:cxnSp>
+      <p:sp>
+        <p:nvSpPr>
+          <p:cNvPr id="74" name="TextBox 73"/>
+          <p:cNvSpPr txBox="1"/>
+          <p:nvPr/>
+        </p:nvSpPr>
+        <p:spPr>
+          <a:xfrm>
+            <a:off x="2013390" y="2753962"/>
+            <a:ext cx="1500198" cy="276999"/>
+          </a:xfrm>
+          <a:prstGeom prst="rect">
+            <a:avLst/>
+          </a:prstGeom>
+          <a:noFill/>
+        </p:spPr>
+        <p:txBody>
+          <a:bodyPr wrap="square" rtlCol="0">
+            <a:spAutoFit/>
+          </a:bodyPr>
+          <a:lstStyle/>
+          <a:p>
+            <a:r>
+              <a:rPr lang="en-US" altLang="ko-KR" sz="1200" dirty="0" smtClean="0"/>
+              <a:t>JDBC</a:t>
+            </a:r>
+            <a:endParaRPr lang="ko-KR" altLang="en-US" sz="1200" dirty="0"/>
+          </a:p>
+        </p:txBody>
+      </p:sp>
+      <p:sp>
+        <p:nvSpPr>
+          <p:cNvPr id="76" name="순서도: 자기 디스크 75"/>
+          <p:cNvSpPr/>
+          <p:nvPr/>
+        </p:nvSpPr>
+        <p:spPr>
+          <a:xfrm>
+            <a:off x="5636917" y="3346423"/>
+            <a:ext cx="1285884" cy="500066"/>
+          </a:xfrm>
+          <a:prstGeom prst="flowChartMagneticDisk">
+            <a:avLst/>
+          </a:prstGeom>
+          <a:solidFill>
+            <a:schemeClr val="bg1"/>
+          </a:solidFill>
+          <a:ln w="12700">
+            <a:solidFill>
+              <a:schemeClr val="tx1"/>
+            </a:solidFill>
+          </a:ln>
+        </p:spPr>
+        <p:style>
+          <a:lnRef idx="2">
+            <a:schemeClr val="accent1">
+              <a:shade val="50000"/>
+            </a:schemeClr>
+          </a:lnRef>
+          <a:fillRef idx="1">
+            <a:schemeClr val="accent1"/>
+          </a:fillRef>
+          <a:effectRef idx="0">
+            <a:schemeClr val="accent1"/>
+          </a:effectRef>
+          <a:fontRef idx="minor">
+            <a:schemeClr val="lt1"/>
+          </a:fontRef>
+        </p:style>
+        <p:txBody>
+          <a:bodyPr rtlCol="0" anchor="ctr"/>
+          <a:lstStyle/>
+          <a:p>
+            <a:pPr algn="ctr"/>
+            <a:r>
+              <a:rPr lang="en-US" altLang="ko-KR" dirty="0" smtClean="0">
+                <a:solidFill>
+                  <a:schemeClr val="tx1"/>
+                </a:solidFill>
+              </a:rPr>
+              <a:t>DBMS</a:t>
+            </a:r>
+            <a:endParaRPr lang="ko-KR" altLang="en-US" dirty="0">
+              <a:solidFill>
+                <a:schemeClr val="tx1"/>
+              </a:solidFill>
+            </a:endParaRPr>
+          </a:p>
+        </p:txBody>
+      </p:sp>
+      <p:sp>
+        <p:nvSpPr>
+          <p:cNvPr id="77" name="직사각형 76"/>
+          <p:cNvSpPr/>
+          <p:nvPr/>
+        </p:nvSpPr>
+        <p:spPr>
+          <a:xfrm>
+            <a:off x="4355976" y="2274877"/>
+            <a:ext cx="390629" cy="1512168"/>
+          </a:xfrm>
+          <a:prstGeom prst="rect">
+            <a:avLst/>
+          </a:prstGeom>
+          <a:noFill/>
+        </p:spPr>
+        <p:style>
+          <a:lnRef idx="2">
+            <a:schemeClr val="accent1">
+              <a:shade val="50000"/>
+            </a:schemeClr>
+          </a:lnRef>
+          <a:fillRef idx="1">
+            <a:schemeClr val="accent1"/>
+          </a:fillRef>
+          <a:effectRef idx="0">
+            <a:schemeClr val="accent1"/>
+          </a:effectRef>
+          <a:fontRef idx="minor">
+            <a:schemeClr val="lt1"/>
+          </a:fontRef>
+        </p:style>
+        <p:txBody>
+          <a:bodyPr rtlCol="0" anchor="ctr"/>
+          <a:lstStyle/>
+          <a:p>
+            <a:pPr algn="ctr"/>
+            <a:r>
+              <a:rPr lang="ko-KR" altLang="en-US" sz="1400" dirty="0" smtClean="0">
+                <a:solidFill>
+                  <a:schemeClr val="tx2"/>
+                </a:solidFill>
+                <a:latin typeface="+mj-lt"/>
+              </a:rPr>
+              <a:t>어플리케이</a:t>
+            </a:r>
+            <a:r>
+              <a:rPr lang="ko-KR" altLang="en-US" sz="1400" dirty="0">
+                <a:solidFill>
+                  <a:schemeClr val="tx2"/>
+                </a:solidFill>
+                <a:latin typeface="+mj-lt"/>
+              </a:rPr>
+              <a:t>션</a:t>
+            </a:r>
+            <a:endParaRPr lang="en-US" altLang="ko-KR" sz="1400" dirty="0" smtClean="0">
+              <a:solidFill>
+                <a:schemeClr val="tx2"/>
+              </a:solidFill>
+              <a:latin typeface="+mj-lt"/>
+            </a:endParaRPr>
+          </a:p>
+        </p:txBody>
+      </p:sp>
+      <p:cxnSp>
+        <p:nvCxnSpPr>
+          <p:cNvPr id="78" name="직선 화살표 연결선 77"/>
+          <p:cNvCxnSpPr>
+            <a:endCxn id="81" idx="1"/>
+          </p:cNvCxnSpPr>
+          <p:nvPr/>
+        </p:nvCxnSpPr>
+        <p:spPr>
+          <a:xfrm flipV="1">
+            <a:off x="4746605" y="2707922"/>
+            <a:ext cx="329452" cy="1761"/>
+          </a:xfrm>
+          <a:prstGeom prst="straightConnector1">
+            <a:avLst/>
+          </a:prstGeom>
+          <a:ln>
+            <a:tailEnd type="arrow"/>
+          </a:ln>
+        </p:spPr>
+        <p:style>
+          <a:lnRef idx="1">
+            <a:schemeClr val="accent1"/>
+          </a:lnRef>
+          <a:fillRef idx="0">
+            <a:schemeClr val="accent1"/>
+          </a:fillRef>
+          <a:effectRef idx="0">
+            <a:schemeClr val="accent1"/>
+          </a:effectRef>
+          <a:fontRef idx="minor">
+            <a:schemeClr val="tx1"/>
+          </a:fontRef>
+        </p:style>
+      </p:cxnSp>
+      <p:sp>
+        <p:nvSpPr>
+          <p:cNvPr id="81" name="모서리가 둥근 직사각형 80"/>
+          <p:cNvSpPr/>
+          <p:nvPr/>
+        </p:nvSpPr>
+        <p:spPr>
+          <a:xfrm>
+            <a:off x="5076057" y="2274876"/>
+            <a:ext cx="1846744" cy="866091"/>
+          </a:xfrm>
+          <a:prstGeom prst="roundRect">
+            <a:avLst/>
+          </a:prstGeom>
+          <a:noFill/>
+          <a:ln w="12700">
+            <a:solidFill>
+              <a:schemeClr val="tx1"/>
+            </a:solidFill>
+            <a:prstDash val="dash"/>
+          </a:ln>
+        </p:spPr>
+        <p:style>
+          <a:lnRef idx="2">
+            <a:schemeClr val="accent1">
+              <a:shade val="50000"/>
+            </a:schemeClr>
+          </a:lnRef>
+          <a:fillRef idx="1">
+            <a:schemeClr val="accent1"/>
+          </a:fillRef>
+          <a:effectRef idx="0">
+            <a:schemeClr val="accent1"/>
+          </a:effectRef>
+          <a:fontRef idx="minor">
+            <a:schemeClr val="lt1"/>
+          </a:fontRef>
+        </p:style>
+        <p:txBody>
+          <a:bodyPr rtlCol="0" anchor="ctr"/>
+          <a:lstStyle/>
+          <a:p>
+            <a:pPr algn="ctr"/>
+            <a:endParaRPr lang="ko-KR" altLang="en-US"/>
+          </a:p>
+        </p:txBody>
+      </p:sp>
+      <p:sp>
+        <p:nvSpPr>
+          <p:cNvPr id="91" name="직사각형 90"/>
+          <p:cNvSpPr/>
+          <p:nvPr/>
+        </p:nvSpPr>
+        <p:spPr>
+          <a:xfrm>
+            <a:off x="5179372" y="2341799"/>
+            <a:ext cx="741955" cy="687167"/>
+          </a:xfrm>
+          <a:prstGeom prst="rect">
+            <a:avLst/>
+          </a:prstGeom>
+          <a:noFill/>
+          <a:ln>
+            <a:solidFill>
+              <a:srgbClr val="C00000"/>
+            </a:solidFill>
+          </a:ln>
+        </p:spPr>
+        <p:style>
+          <a:lnRef idx="2">
+            <a:schemeClr val="accent1">
+              <a:shade val="50000"/>
+            </a:schemeClr>
+          </a:lnRef>
+          <a:fillRef idx="1">
+            <a:schemeClr val="accent1"/>
+          </a:fillRef>
+          <a:effectRef idx="0">
+            <a:schemeClr val="accent1"/>
+          </a:effectRef>
+          <a:fontRef idx="minor">
+            <a:schemeClr val="lt1"/>
+          </a:fontRef>
+        </p:style>
+        <p:txBody>
+          <a:bodyPr rtlCol="0" anchor="ctr"/>
+          <a:lstStyle/>
+          <a:p>
+            <a:pPr algn="ctr"/>
+            <a:r>
+              <a:rPr lang="en-US" altLang="ko-KR" sz="1400" dirty="0" smtClean="0">
+                <a:solidFill>
+                  <a:srgbClr val="C00000"/>
+                </a:solidFill>
+                <a:latin typeface="+mj-lt"/>
+              </a:rPr>
+              <a:t>Rule Engine</a:t>
+            </a:r>
+            <a:endParaRPr lang="en-US" altLang="ko-KR" sz="1400" dirty="0" smtClean="0">
+              <a:solidFill>
+                <a:srgbClr val="C00000"/>
+              </a:solidFill>
+              <a:latin typeface="+mj-lt"/>
+            </a:endParaRPr>
+          </a:p>
+        </p:txBody>
+      </p:sp>
+      <p:sp>
+        <p:nvSpPr>
+          <p:cNvPr id="100" name="순서도: 자기 디스크 99"/>
+          <p:cNvSpPr/>
+          <p:nvPr/>
+        </p:nvSpPr>
+        <p:spPr>
+          <a:xfrm>
+            <a:off x="6010596" y="2390400"/>
+            <a:ext cx="766624" cy="638566"/>
+          </a:xfrm>
+          <a:prstGeom prst="flowChartMagneticDisk">
+            <a:avLst/>
+          </a:prstGeom>
+          <a:solidFill>
+            <a:schemeClr val="bg1"/>
+          </a:solidFill>
+          <a:ln w="12700">
+            <a:solidFill>
+              <a:srgbClr val="C00000"/>
+            </a:solidFill>
+          </a:ln>
+        </p:spPr>
+        <p:style>
+          <a:lnRef idx="2">
+            <a:schemeClr val="accent1">
+              <a:shade val="50000"/>
+            </a:schemeClr>
+          </a:lnRef>
+          <a:fillRef idx="1">
+            <a:schemeClr val="accent1"/>
+          </a:fillRef>
+          <a:effectRef idx="0">
+            <a:schemeClr val="accent1"/>
+          </a:effectRef>
+          <a:fontRef idx="minor">
+            <a:schemeClr val="lt1"/>
+          </a:fontRef>
+        </p:style>
+        <p:txBody>
+          <a:bodyPr rtlCol="0" anchor="ctr"/>
+          <a:lstStyle/>
+          <a:p>
+            <a:pPr algn="ctr"/>
+            <a:r>
+              <a:rPr lang="ko-KR" altLang="en-US" sz="1300" dirty="0" smtClean="0">
+                <a:solidFill>
+                  <a:srgbClr val="C00000"/>
+                </a:solidFill>
+              </a:rPr>
+              <a:t>전처리 정보</a:t>
+            </a:r>
+            <a:endParaRPr lang="ko-KR" altLang="en-US" sz="1300" dirty="0">
+              <a:solidFill>
+                <a:srgbClr val="C00000"/>
+              </a:solidFill>
+            </a:endParaRPr>
+          </a:p>
+        </p:txBody>
+      </p:sp>
+      <p:cxnSp>
+        <p:nvCxnSpPr>
+          <p:cNvPr id="33" name="꺾인 연결선 32"/>
+          <p:cNvCxnSpPr>
+            <a:stCxn id="91" idx="2"/>
+            <a:endCxn id="76" idx="2"/>
+          </p:cNvCxnSpPr>
+          <p:nvPr/>
+        </p:nvCxnSpPr>
+        <p:spPr>
+          <a:xfrm rot="16200000" flipH="1">
+            <a:off x="5309888" y="3269427"/>
+            <a:ext cx="567490" cy="86567"/>
+          </a:xfrm>
+          <a:prstGeom prst="bentConnector2">
+            <a:avLst/>
+          </a:prstGeom>
+          <a:ln>
+            <a:tailEnd type="arrow"/>
+          </a:ln>
+        </p:spPr>
+        <p:style>
+          <a:lnRef idx="1">
+            <a:schemeClr val="accent1"/>
+          </a:lnRef>
+          <a:fillRef idx="0">
+            <a:schemeClr val="accent1"/>
+          </a:fillRef>
+          <a:effectRef idx="0">
+            <a:schemeClr val="accent1"/>
+          </a:effectRef>
+          <a:fontRef idx="minor">
+            <a:schemeClr val="tx1"/>
+          </a:fontRef>
+        </p:style>
+      </p:cxnSp>
+      <p:sp>
+        <p:nvSpPr>
+          <p:cNvPr id="102" name="TextBox 101"/>
+          <p:cNvSpPr txBox="1"/>
+          <p:nvPr/>
+        </p:nvSpPr>
+        <p:spPr>
+          <a:xfrm>
+            <a:off x="1286422" y="5728019"/>
+            <a:ext cx="5877866" cy="369332"/>
+          </a:xfrm>
+          <a:prstGeom prst="rect">
+            <a:avLst/>
+          </a:prstGeom>
+          <a:noFill/>
+        </p:spPr>
+        <p:txBody>
+          <a:bodyPr wrap="square" rtlCol="0">
+            <a:spAutoFit/>
+          </a:bodyPr>
+          <a:lstStyle/>
+          <a:p>
+            <a:r>
+              <a:rPr lang="ko-KR" altLang="en-US" b="1" dirty="0" smtClean="0"/>
+              <a:t>최대 허용 시간 내의 응답시간 보장</a:t>
+            </a:r>
+            <a:endParaRPr lang="ko-KR" altLang="en-US" b="1" dirty="0"/>
+          </a:p>
+        </p:txBody>
+      </p:sp>
+    </p:spTree>
+    <p:extLst>
+      <p:ext uri="{BB962C8B-B14F-4D97-AF65-F5344CB8AC3E}">
+        <p14:creationId xmlns:p14="http://schemas.microsoft.com/office/powerpoint/2010/main" val="1284236601"/>
+      </p:ext>
+    </p:extLst>
+  </p:cSld>
+  <p:clrMapOvr>
+    <a:masterClrMapping/>
+  </p:clrMapOvr>
+</p:sld>
+</file>
+
+<file path=ppt/slides/slide9.xml><?xml version="1.0" encoding="utf-8"?>
+<p:sld xmlns:a="http://schemas.openxmlformats.org/drawingml/2006/main" xmlns:r="http://schemas.openxmlformats.org/officeDocument/2006/relationships" xmlns:p="http://schemas.openxmlformats.org/presentationml/2006/main">
+  <p:cSld>
+    <p:spTree>
+      <p:nvGrpSpPr>
+        <p:cNvPr id="1" name=""/>
+        <p:cNvGrpSpPr/>
+        <p:nvPr/>
+      </p:nvGrpSpPr>
+      <p:grpSpPr>
+        <a:xfrm>
+          <a:off x="0" y="0"/>
+          <a:ext cx="0" cy="0"/>
+          <a:chOff x="0" y="0"/>
+          <a:chExt cx="0" cy="0"/>
+        </a:xfrm>
+      </p:grpSpPr>
+      <p:sp>
+        <p:nvSpPr>
+          <p:cNvPr id="30" name="직사각형 29"/>
+          <p:cNvSpPr/>
+          <p:nvPr/>
+        </p:nvSpPr>
+        <p:spPr>
+          <a:xfrm>
+            <a:off x="1285891" y="1504707"/>
+            <a:ext cx="4942293" cy="2681307"/>
+          </a:xfrm>
+          <a:prstGeom prst="rect">
+            <a:avLst/>
+          </a:prstGeom>
+          <a:noFill/>
+        </p:spPr>
+        <p:style>
+          <a:lnRef idx="2">
+            <a:schemeClr val="accent1">
+              <a:shade val="50000"/>
+            </a:schemeClr>
+          </a:lnRef>
+          <a:fillRef idx="1">
+            <a:schemeClr val="accent1"/>
+          </a:fillRef>
+          <a:effectRef idx="0">
+            <a:schemeClr val="accent1"/>
+          </a:effectRef>
+          <a:fontRef idx="minor">
+            <a:schemeClr val="lt1"/>
+          </a:fontRef>
+        </p:style>
+        <p:txBody>
+          <a:bodyPr rtlCol="0" anchor="ctr"/>
+          <a:lstStyle/>
+          <a:p>
+            <a:pPr algn="ctr"/>
+            <a:endParaRPr lang="ko-KR" altLang="en-US"/>
+          </a:p>
+        </p:txBody>
+      </p:sp>
+      <p:sp>
+        <p:nvSpPr>
+          <p:cNvPr id="39" name="TextBox 38"/>
+          <p:cNvSpPr txBox="1"/>
+          <p:nvPr/>
+        </p:nvSpPr>
+        <p:spPr>
+          <a:xfrm>
+            <a:off x="2961456" y="2129951"/>
+            <a:ext cx="3482751" cy="338554"/>
+          </a:xfrm>
+          <a:prstGeom prst="rect">
+            <a:avLst/>
+          </a:prstGeom>
+          <a:noFill/>
+        </p:spPr>
+        <p:txBody>
+          <a:bodyPr wrap="square" rtlCol="0">
+            <a:spAutoFit/>
+          </a:bodyPr>
+          <a:lstStyle/>
+          <a:p>
+            <a:r>
+              <a:rPr lang="en-US" altLang="ko-KR" sz="1600" dirty="0" smtClean="0"/>
+              <a:t>Cloud Object Storage Service</a:t>
+            </a:r>
+            <a:endParaRPr lang="ko-KR" altLang="en-US" sz="1600" dirty="0"/>
+          </a:p>
+        </p:txBody>
+      </p:sp>
+      <p:sp>
+        <p:nvSpPr>
+          <p:cNvPr id="69" name="TextBox 68"/>
+          <p:cNvSpPr txBox="1"/>
+          <p:nvPr/>
+        </p:nvSpPr>
+        <p:spPr>
+          <a:xfrm>
+            <a:off x="1214413" y="1571612"/>
+            <a:ext cx="3657275" cy="369332"/>
+          </a:xfrm>
+          <a:prstGeom prst="rect">
+            <a:avLst/>
+          </a:prstGeom>
+          <a:noFill/>
+        </p:spPr>
+        <p:txBody>
+          <a:bodyPr wrap="square" rtlCol="0">
+            <a:spAutoFit/>
+          </a:bodyPr>
+          <a:lstStyle/>
+          <a:p>
+            <a:r>
+              <a:rPr lang="en-US" altLang="ko-KR" dirty="0" smtClean="0"/>
+              <a:t>&lt;&lt;Cloud Object Storage&gt;&gt;</a:t>
+            </a:r>
+            <a:endParaRPr lang="ko-KR" altLang="en-US" dirty="0"/>
+          </a:p>
+        </p:txBody>
+      </p:sp>
+      <p:sp>
+        <p:nvSpPr>
+          <p:cNvPr id="72" name="직사각형 71"/>
+          <p:cNvSpPr/>
+          <p:nvPr/>
+        </p:nvSpPr>
+        <p:spPr>
+          <a:xfrm>
+            <a:off x="1475656" y="2204864"/>
+            <a:ext cx="390629" cy="1512168"/>
+          </a:xfrm>
+          <a:prstGeom prst="rect">
+            <a:avLst/>
+          </a:prstGeom>
+          <a:noFill/>
+        </p:spPr>
+        <p:style>
+          <a:lnRef idx="2">
+            <a:schemeClr val="accent1">
+              <a:shade val="50000"/>
+            </a:schemeClr>
+          </a:lnRef>
+          <a:fillRef idx="1">
+            <a:schemeClr val="accent1"/>
+          </a:fillRef>
+          <a:effectRef idx="0">
+            <a:schemeClr val="accent1"/>
+          </a:effectRef>
+          <a:fontRef idx="minor">
+            <a:schemeClr val="lt1"/>
+          </a:fontRef>
+        </p:style>
+        <p:txBody>
+          <a:bodyPr rtlCol="0" anchor="ctr"/>
+          <a:lstStyle/>
+          <a:p>
+            <a:pPr algn="ctr"/>
+            <a:r>
+              <a:rPr lang="ko-KR" altLang="en-US" sz="1400" dirty="0" smtClean="0">
+                <a:solidFill>
+                  <a:schemeClr val="tx2"/>
+                </a:solidFill>
+                <a:latin typeface="+mj-lt"/>
+              </a:rPr>
+              <a:t>어플리케이</a:t>
+            </a:r>
+            <a:r>
+              <a:rPr lang="ko-KR" altLang="en-US" sz="1400" dirty="0">
+                <a:solidFill>
+                  <a:schemeClr val="tx2"/>
+                </a:solidFill>
+                <a:latin typeface="+mj-lt"/>
+              </a:rPr>
+              <a:t>션</a:t>
+            </a:r>
+            <a:endParaRPr lang="en-US" altLang="ko-KR" sz="1400" dirty="0" smtClean="0">
+              <a:solidFill>
+                <a:schemeClr val="tx2"/>
+              </a:solidFill>
+              <a:latin typeface="+mj-lt"/>
+            </a:endParaRPr>
+          </a:p>
+        </p:txBody>
+      </p:sp>
+      <p:sp>
+        <p:nvSpPr>
+          <p:cNvPr id="74" name="TextBox 73"/>
+          <p:cNvSpPr txBox="1"/>
+          <p:nvPr/>
+        </p:nvSpPr>
+        <p:spPr>
+          <a:xfrm>
+            <a:off x="1938293" y="2751966"/>
+            <a:ext cx="1500198" cy="461665"/>
+          </a:xfrm>
+          <a:prstGeom prst="rect">
+            <a:avLst/>
+          </a:prstGeom>
+          <a:noFill/>
+        </p:spPr>
+        <p:txBody>
+          <a:bodyPr wrap="square" rtlCol="0">
+            <a:spAutoFit/>
+          </a:bodyPr>
+          <a:lstStyle/>
+          <a:p>
+            <a:r>
+              <a:rPr lang="en-US" altLang="ko-KR" sz="1200" dirty="0" smtClean="0"/>
+              <a:t>HTTP</a:t>
+            </a:r>
+            <a:br>
+              <a:rPr lang="en-US" altLang="ko-KR" sz="1200" dirty="0" smtClean="0"/>
+            </a:br>
+            <a:r>
+              <a:rPr lang="en-US" altLang="ko-KR" sz="1200" dirty="0" smtClean="0"/>
+              <a:t>(REST)</a:t>
+            </a:r>
+            <a:endParaRPr lang="ko-KR" altLang="en-US" sz="1200" dirty="0"/>
+          </a:p>
+        </p:txBody>
+      </p:sp>
+      <p:sp>
+        <p:nvSpPr>
+          <p:cNvPr id="34" name="직사각형 33"/>
+          <p:cNvSpPr/>
+          <p:nvPr/>
+        </p:nvSpPr>
+        <p:spPr>
+          <a:xfrm>
+            <a:off x="3115057" y="2542185"/>
+            <a:ext cx="2582704" cy="353614"/>
+          </a:xfrm>
+          <a:prstGeom prst="rect">
+            <a:avLst/>
+          </a:prstGeom>
+          <a:noFill/>
+          <a:ln>
+            <a:solidFill>
+              <a:schemeClr val="tx1"/>
+            </a:solidFill>
+          </a:ln>
+        </p:spPr>
+        <p:style>
+          <a:lnRef idx="2">
+            <a:schemeClr val="accent1">
+              <a:shade val="50000"/>
+            </a:schemeClr>
+          </a:lnRef>
+          <a:fillRef idx="1">
+            <a:schemeClr val="accent1"/>
+          </a:fillRef>
+          <a:effectRef idx="0">
+            <a:schemeClr val="accent1"/>
+          </a:effectRef>
+          <a:fontRef idx="minor">
+            <a:schemeClr val="lt1"/>
+          </a:fontRef>
+        </p:style>
+        <p:txBody>
+          <a:bodyPr rtlCol="0" anchor="ctr"/>
+          <a:lstStyle/>
+          <a:p>
+            <a:pPr algn="ctr"/>
+            <a:r>
+              <a:rPr lang="ko-KR" altLang="en-US" sz="1400" dirty="0" smtClean="0">
+                <a:solidFill>
+                  <a:schemeClr val="tx1"/>
+                </a:solidFill>
+                <a:latin typeface="+mj-lt"/>
+              </a:rPr>
+              <a:t>메타데이</a:t>
+            </a:r>
+            <a:r>
+              <a:rPr lang="ko-KR" altLang="en-US" sz="1400" dirty="0">
+                <a:solidFill>
+                  <a:schemeClr val="tx1"/>
+                </a:solidFill>
+                <a:latin typeface="+mj-lt"/>
+              </a:rPr>
+              <a:t>터</a:t>
+            </a:r>
+            <a:endParaRPr lang="en-US" altLang="ko-KR" sz="1400" dirty="0" smtClean="0">
+              <a:solidFill>
+                <a:schemeClr val="tx1"/>
+              </a:solidFill>
+              <a:latin typeface="+mj-lt"/>
+            </a:endParaRPr>
+          </a:p>
+        </p:txBody>
+      </p:sp>
+      <p:sp>
+        <p:nvSpPr>
+          <p:cNvPr id="36" name="순서도: 자기 디스크 35"/>
+          <p:cNvSpPr/>
+          <p:nvPr/>
+        </p:nvSpPr>
+        <p:spPr>
+          <a:xfrm>
+            <a:off x="3115057" y="3063804"/>
+            <a:ext cx="849044" cy="500066"/>
+          </a:xfrm>
+          <a:prstGeom prst="flowChartMagneticDisk">
+            <a:avLst/>
+          </a:prstGeom>
+          <a:solidFill>
+            <a:schemeClr val="bg1"/>
+          </a:solidFill>
+          <a:ln w="12700">
+            <a:solidFill>
+              <a:schemeClr val="tx1"/>
+            </a:solidFill>
+          </a:ln>
+        </p:spPr>
+        <p:style>
+          <a:lnRef idx="2">
+            <a:schemeClr val="accent1">
+              <a:shade val="50000"/>
+            </a:schemeClr>
+          </a:lnRef>
+          <a:fillRef idx="1">
+            <a:schemeClr val="accent1"/>
+          </a:fillRef>
+          <a:effectRef idx="0">
+            <a:schemeClr val="accent1"/>
+          </a:effectRef>
+          <a:fontRef idx="minor">
+            <a:schemeClr val="lt1"/>
+          </a:fontRef>
+        </p:style>
+        <p:txBody>
+          <a:bodyPr rtlCol="0" anchor="ctr"/>
+          <a:lstStyle/>
+          <a:p>
+            <a:pPr algn="ctr"/>
+            <a:r>
+              <a:rPr lang="en-US" altLang="ko-KR" sz="1100" dirty="0" smtClean="0">
+                <a:solidFill>
+                  <a:schemeClr val="tx1"/>
+                </a:solidFill>
+              </a:rPr>
+              <a:t>Container</a:t>
+            </a:r>
+            <a:endParaRPr lang="ko-KR" altLang="en-US" sz="1100" dirty="0">
+              <a:solidFill>
+                <a:schemeClr val="tx1"/>
+              </a:solidFill>
+            </a:endParaRPr>
+          </a:p>
+        </p:txBody>
+      </p:sp>
+      <p:sp>
+        <p:nvSpPr>
+          <p:cNvPr id="5" name="오른쪽 화살표 4"/>
+          <p:cNvSpPr/>
+          <p:nvPr/>
+        </p:nvSpPr>
+        <p:spPr>
+          <a:xfrm>
+            <a:off x="1907704" y="2492976"/>
+            <a:ext cx="1023164" cy="956023"/>
+          </a:xfrm>
+          <a:prstGeom prst="rightArrow">
+            <a:avLst/>
+          </a:prstGeom>
+          <a:noFill/>
+        </p:spPr>
+        <p:style>
+          <a:lnRef idx="2">
+            <a:schemeClr val="accent1">
+              <a:shade val="50000"/>
+            </a:schemeClr>
+          </a:lnRef>
+          <a:fillRef idx="1">
+            <a:schemeClr val="accent1"/>
+          </a:fillRef>
+          <a:effectRef idx="0">
+            <a:schemeClr val="accent1"/>
+          </a:effectRef>
+          <a:fontRef idx="minor">
+            <a:schemeClr val="lt1"/>
+          </a:fontRef>
+        </p:style>
+        <p:txBody>
+          <a:bodyPr rtlCol="0" anchor="ctr"/>
+          <a:lstStyle/>
+          <a:p>
+            <a:pPr algn="ctr"/>
+            <a:endParaRPr lang="ko-KR" altLang="en-US" sz="1400">
+              <a:solidFill>
+                <a:schemeClr val="tx2"/>
+              </a:solidFill>
+              <a:latin typeface="+mj-lt"/>
+            </a:endParaRPr>
+          </a:p>
+        </p:txBody>
+      </p:sp>
+      <p:sp>
+        <p:nvSpPr>
+          <p:cNvPr id="37" name="순서도: 자기 디스크 36"/>
+          <p:cNvSpPr/>
+          <p:nvPr/>
+        </p:nvSpPr>
+        <p:spPr>
+          <a:xfrm>
+            <a:off x="4644008" y="3063804"/>
+            <a:ext cx="849044" cy="500066"/>
+          </a:xfrm>
+          <a:prstGeom prst="flowChartMagneticDisk">
+            <a:avLst/>
+          </a:prstGeom>
+          <a:solidFill>
+            <a:schemeClr val="bg1"/>
+          </a:solidFill>
+          <a:ln w="12700">
+            <a:solidFill>
+              <a:schemeClr val="tx1"/>
+            </a:solidFill>
+          </a:ln>
+        </p:spPr>
+        <p:style>
+          <a:lnRef idx="2">
+            <a:schemeClr val="accent1">
+              <a:shade val="50000"/>
+            </a:schemeClr>
+          </a:lnRef>
+          <a:fillRef idx="1">
+            <a:schemeClr val="accent1"/>
+          </a:fillRef>
+          <a:effectRef idx="0">
+            <a:schemeClr val="accent1"/>
+          </a:effectRef>
+          <a:fontRef idx="minor">
+            <a:schemeClr val="lt1"/>
+          </a:fontRef>
+        </p:style>
+        <p:txBody>
+          <a:bodyPr rtlCol="0" anchor="ctr"/>
+          <a:lstStyle/>
+          <a:p>
+            <a:pPr algn="ctr"/>
+            <a:r>
+              <a:rPr lang="en-US" altLang="ko-KR" sz="1100" dirty="0">
+                <a:solidFill>
+                  <a:schemeClr val="tx1"/>
+                </a:solidFill>
+              </a:rPr>
+              <a:t>Container</a:t>
+            </a:r>
+            <a:endParaRPr lang="ko-KR" altLang="en-US" sz="1100" dirty="0">
+              <a:solidFill>
+                <a:schemeClr val="tx1"/>
+              </a:solidFill>
+            </a:endParaRPr>
+          </a:p>
+        </p:txBody>
+      </p:sp>
+      <p:sp>
+        <p:nvSpPr>
+          <p:cNvPr id="38" name="TextBox 37"/>
+          <p:cNvSpPr txBox="1"/>
+          <p:nvPr/>
+        </p:nvSpPr>
+        <p:spPr>
+          <a:xfrm>
+            <a:off x="3964101" y="3075819"/>
+            <a:ext cx="947760" cy="523220"/>
+          </a:xfrm>
+          <a:prstGeom prst="rect">
+            <a:avLst/>
+          </a:prstGeom>
+          <a:noFill/>
+        </p:spPr>
+        <p:txBody>
+          <a:bodyPr wrap="square" rtlCol="0">
+            <a:spAutoFit/>
+          </a:bodyPr>
+          <a:lstStyle/>
+          <a:p>
+            <a:r>
+              <a:rPr lang="en-US" altLang="ko-KR" sz="2800" b="1" dirty="0" smtClean="0"/>
+              <a:t>…..</a:t>
+            </a:r>
+            <a:endParaRPr lang="ko-KR" altLang="en-US" sz="2800" b="1" dirty="0"/>
+          </a:p>
+        </p:txBody>
+      </p:sp>
+      <p:cxnSp>
+        <p:nvCxnSpPr>
+          <p:cNvPr id="8" name="직선 연결선 7"/>
+          <p:cNvCxnSpPr>
+            <a:stCxn id="34" idx="2"/>
+            <a:endCxn id="36" idx="1"/>
+          </p:cNvCxnSpPr>
+          <p:nvPr/>
+        </p:nvCxnSpPr>
+        <p:spPr>
+          <a:xfrm flipH="1">
+            <a:off x="3539579" y="2895799"/>
+            <a:ext cx="866830" cy="168005"/>
+          </a:xfrm>
+          <a:prstGeom prst="line">
+            <a:avLst/>
+          </a:prstGeom>
+          <a:ln>
+            <a:solidFill>
+              <a:schemeClr val="tx1"/>
+            </a:solidFill>
+          </a:ln>
+        </p:spPr>
+        <p:style>
+          <a:lnRef idx="1">
+            <a:schemeClr val="accent1"/>
+          </a:lnRef>
+          <a:fillRef idx="0">
+            <a:schemeClr val="accent1"/>
+          </a:fillRef>
+          <a:effectRef idx="0">
+            <a:schemeClr val="accent1"/>
+          </a:effectRef>
+          <a:fontRef idx="minor">
+            <a:schemeClr val="tx1"/>
+          </a:fontRef>
+        </p:style>
+      </p:cxnSp>
+      <p:cxnSp>
+        <p:nvCxnSpPr>
+          <p:cNvPr id="10" name="직선 연결선 9"/>
+          <p:cNvCxnSpPr>
+            <a:stCxn id="34" idx="2"/>
+            <a:endCxn id="37" idx="1"/>
+          </p:cNvCxnSpPr>
+          <p:nvPr/>
+        </p:nvCxnSpPr>
+        <p:spPr>
+          <a:xfrm>
+            <a:off x="4406409" y="2895799"/>
+            <a:ext cx="662121" cy="168005"/>
+          </a:xfrm>
+          <a:prstGeom prst="line">
+            <a:avLst/>
+          </a:prstGeom>
+          <a:ln>
+            <a:solidFill>
+              <a:schemeClr val="tx1"/>
+            </a:solidFill>
+          </a:ln>
+        </p:spPr>
+        <p:style>
+          <a:lnRef idx="1">
+            <a:schemeClr val="accent1"/>
+          </a:lnRef>
+          <a:fillRef idx="0">
+            <a:schemeClr val="accent1"/>
+          </a:fillRef>
+          <a:effectRef idx="0">
+            <a:schemeClr val="accent1"/>
+          </a:effectRef>
+          <a:fontRef idx="minor">
+            <a:schemeClr val="tx1"/>
+          </a:fontRef>
+        </p:style>
+      </p:cxnSp>
+      <p:sp>
+        <p:nvSpPr>
+          <p:cNvPr id="45" name="TextBox 44"/>
+          <p:cNvSpPr txBox="1"/>
+          <p:nvPr/>
+        </p:nvSpPr>
+        <p:spPr>
+          <a:xfrm>
+            <a:off x="3100005" y="3697287"/>
+            <a:ext cx="2696131" cy="307777"/>
+          </a:xfrm>
+          <a:prstGeom prst="rect">
+            <a:avLst/>
+          </a:prstGeom>
+          <a:noFill/>
+        </p:spPr>
+        <p:txBody>
+          <a:bodyPr wrap="square" rtlCol="0">
+            <a:spAutoFit/>
+          </a:bodyPr>
+          <a:lstStyle/>
+          <a:p>
+            <a:r>
+              <a:rPr lang="ko-KR" altLang="en-US" sz="1400" b="1" dirty="0" smtClean="0"/>
+              <a:t>물리적 </a:t>
+            </a:r>
+            <a:r>
+              <a:rPr lang="en-US" altLang="ko-KR" sz="1400" b="1" dirty="0" smtClean="0"/>
+              <a:t>Container </a:t>
+            </a:r>
+            <a:r>
+              <a:rPr lang="ko-KR" altLang="en-US" sz="1400" b="1" dirty="0" smtClean="0"/>
+              <a:t>독립적 확장</a:t>
+            </a:r>
+            <a:endParaRPr lang="ko-KR" altLang="en-US" sz="1400" b="1" dirty="0"/>
+          </a:p>
+        </p:txBody>
+      </p:sp>
+      <p:sp>
+        <p:nvSpPr>
+          <p:cNvPr id="46" name="직사각형 45"/>
+          <p:cNvSpPr/>
+          <p:nvPr/>
+        </p:nvSpPr>
+        <p:spPr>
+          <a:xfrm>
+            <a:off x="2974176" y="2154064"/>
+            <a:ext cx="3109992" cy="1851000"/>
+          </a:xfrm>
+          <a:prstGeom prst="rect">
+            <a:avLst/>
+          </a:prstGeom>
+          <a:noFill/>
+        </p:spPr>
+        <p:style>
+          <a:lnRef idx="2">
+            <a:schemeClr val="accent1">
+              <a:shade val="50000"/>
+            </a:schemeClr>
+          </a:lnRef>
+          <a:fillRef idx="1">
+            <a:schemeClr val="accent1"/>
+          </a:fillRef>
+          <a:effectRef idx="0">
+            <a:schemeClr val="accent1"/>
+          </a:effectRef>
+          <a:fontRef idx="minor">
+            <a:schemeClr val="lt1"/>
+          </a:fontRef>
+        </p:style>
+        <p:txBody>
+          <a:bodyPr rtlCol="0" anchor="ctr"/>
+          <a:lstStyle/>
+          <a:p>
+            <a:pPr algn="ctr"/>
+            <a:endParaRPr lang="en-US" altLang="ko-KR" sz="1400" dirty="0" smtClean="0">
+              <a:solidFill>
+                <a:schemeClr val="tx2"/>
+              </a:solidFill>
+              <a:latin typeface="+mj-lt"/>
+            </a:endParaRPr>
+          </a:p>
+        </p:txBody>
+      </p:sp>
+      <p:sp>
+        <p:nvSpPr>
+          <p:cNvPr id="15" name="순서도: 문서 14"/>
+          <p:cNvSpPr/>
+          <p:nvPr/>
+        </p:nvSpPr>
+        <p:spPr>
+          <a:xfrm>
+            <a:off x="3817034" y="3410708"/>
+            <a:ext cx="504056" cy="306324"/>
+          </a:xfrm>
+          <a:prstGeom prst="flowChartDocument">
+            <a:avLst/>
+          </a:prstGeom>
+          <a:solidFill>
+            <a:schemeClr val="bg1"/>
+          </a:solidFill>
+          <a:ln w="12700">
+            <a:solidFill>
+              <a:schemeClr val="tx1"/>
+            </a:solidFill>
+          </a:ln>
+        </p:spPr>
+        <p:style>
+          <a:lnRef idx="2">
+            <a:schemeClr val="accent1">
+              <a:shade val="50000"/>
+            </a:schemeClr>
+          </a:lnRef>
+          <a:fillRef idx="1">
+            <a:schemeClr val="accent1"/>
+          </a:fillRef>
+          <a:effectRef idx="0">
+            <a:schemeClr val="accent1"/>
+          </a:effectRef>
+          <a:fontRef idx="minor">
+            <a:schemeClr val="lt1"/>
+          </a:fontRef>
+        </p:style>
+        <p:txBody>
+          <a:bodyPr rtlCol="0" anchor="ctr"/>
+          <a:lstStyle/>
+          <a:p>
+            <a:pPr algn="ctr"/>
+            <a:r>
+              <a:rPr lang="en-US" altLang="ko-KR" sz="1100" dirty="0">
+                <a:solidFill>
+                  <a:schemeClr val="tx1"/>
+                </a:solidFill>
+              </a:rPr>
+              <a:t>file</a:t>
+            </a:r>
+            <a:endParaRPr lang="ko-KR" altLang="en-US" sz="1100" dirty="0">
+              <a:solidFill>
+                <a:schemeClr val="tx1"/>
+              </a:solidFill>
+            </a:endParaRPr>
+          </a:p>
+        </p:txBody>
+      </p:sp>
+      <p:sp>
+        <p:nvSpPr>
+          <p:cNvPr id="48" name="순서도: 문서 47"/>
+          <p:cNvSpPr/>
+          <p:nvPr/>
+        </p:nvSpPr>
+        <p:spPr>
+          <a:xfrm>
+            <a:off x="5241024" y="3408069"/>
+            <a:ext cx="504056" cy="306324"/>
+          </a:xfrm>
+          <a:prstGeom prst="flowChartDocument">
+            <a:avLst/>
+          </a:prstGeom>
+          <a:solidFill>
+            <a:schemeClr val="bg1"/>
+          </a:solidFill>
+          <a:ln w="12700">
+            <a:solidFill>
+              <a:schemeClr val="tx1"/>
+            </a:solidFill>
+          </a:ln>
+        </p:spPr>
+        <p:style>
+          <a:lnRef idx="2">
+            <a:schemeClr val="accent1">
+              <a:shade val="50000"/>
+            </a:schemeClr>
+          </a:lnRef>
+          <a:fillRef idx="1">
+            <a:schemeClr val="accent1"/>
+          </a:fillRef>
+          <a:effectRef idx="0">
+            <a:schemeClr val="accent1"/>
+          </a:effectRef>
+          <a:fontRef idx="minor">
+            <a:schemeClr val="lt1"/>
+          </a:fontRef>
+        </p:style>
+        <p:txBody>
+          <a:bodyPr rtlCol="0" anchor="ctr"/>
+          <a:lstStyle/>
+          <a:p>
+            <a:pPr algn="ctr"/>
+            <a:r>
+              <a:rPr lang="en-US" altLang="ko-KR" sz="1100" dirty="0">
+                <a:solidFill>
+                  <a:schemeClr val="tx1"/>
+                </a:solidFill>
+              </a:rPr>
+              <a:t>file</a:t>
+            </a:r>
+            <a:endParaRPr lang="ko-KR" altLang="en-US" sz="1100" dirty="0">
+              <a:solidFill>
+                <a:schemeClr val="tx1"/>
+              </a:solidFill>
+            </a:endParaRPr>
+          </a:p>
+        </p:txBody>
+      </p:sp>
+    </p:spTree>
+    <p:extLst>
+      <p:ext uri="{BB962C8B-B14F-4D97-AF65-F5344CB8AC3E}">
+        <p14:creationId xmlns:p14="http://schemas.microsoft.com/office/powerpoint/2010/main" val="4249857867"/>
+      </p:ext>
+    </p:extLst>
   </p:cSld>
   <p:clrMapOvr>
     <a:masterClrMapping/>
